--- a/git_course/2_collaboration/git_collaboration.pptx
+++ b/git_course/2_collaboration/git_collaboration.pptx
@@ -5,19 +5,25 @@
     <p:sldMasterId id="2147483648" r:id="rId1"/>
   </p:sldMasterIdLst>
   <p:notesMasterIdLst>
-    <p:notesMasterId r:id="rId12"/>
+    <p:notesMasterId r:id="rId18"/>
   </p:notesMasterIdLst>
   <p:sldIdLst>
     <p:sldId id="256" r:id="rId2"/>
     <p:sldId id="257" r:id="rId3"/>
-    <p:sldId id="267" r:id="rId4"/>
-    <p:sldId id="268" r:id="rId5"/>
-    <p:sldId id="357" r:id="rId6"/>
-    <p:sldId id="258" r:id="rId7"/>
-    <p:sldId id="292" r:id="rId8"/>
-    <p:sldId id="266" r:id="rId9"/>
-    <p:sldId id="263" r:id="rId10"/>
-    <p:sldId id="332" r:id="rId11"/>
+    <p:sldId id="357" r:id="rId4"/>
+    <p:sldId id="372" r:id="rId5"/>
+    <p:sldId id="378" r:id="rId6"/>
+    <p:sldId id="371" r:id="rId7"/>
+    <p:sldId id="377" r:id="rId8"/>
+    <p:sldId id="373" r:id="rId9"/>
+    <p:sldId id="374" r:id="rId10"/>
+    <p:sldId id="375" r:id="rId11"/>
+    <p:sldId id="376" r:id="rId12"/>
+    <p:sldId id="258" r:id="rId13"/>
+    <p:sldId id="292" r:id="rId14"/>
+    <p:sldId id="266" r:id="rId15"/>
+    <p:sldId id="263" r:id="rId16"/>
+    <p:sldId id="332" r:id="rId17"/>
   </p:sldIdLst>
   <p:sldSz cx="12192000" cy="6858000"/>
   <p:notesSz cx="6858000" cy="9144000"/>
@@ -206,7 +212,7 @@
           <a:p>
             <a:fld id="{3BADDCAA-88FC-44D4-A91A-DD0530AB88E0}" type="datetimeFigureOut">
               <a:rPr lang="en-NL" smtClean="0"/>
-              <a:t>14/10/2024</a:t>
+              <a:t>19/11/2024</a:t>
             </a:fld>
             <a:endParaRPr lang="en-NL"/>
           </a:p>
@@ -623,7 +629,7 @@
           <a:p>
             <a:fld id="{0EBB069A-003F-4FC0-8534-236B0C5C7B5F}" type="datetimeFigureOut">
               <a:rPr lang="en-NL" smtClean="0"/>
-              <a:t>14/10/2024</a:t>
+              <a:t>19/11/2024</a:t>
             </a:fld>
             <a:endParaRPr lang="en-NL"/>
           </a:p>
@@ -823,7 +829,7 @@
           <a:p>
             <a:fld id="{0EBB069A-003F-4FC0-8534-236B0C5C7B5F}" type="datetimeFigureOut">
               <a:rPr lang="en-NL" smtClean="0"/>
-              <a:t>14/10/2024</a:t>
+              <a:t>19/11/2024</a:t>
             </a:fld>
             <a:endParaRPr lang="en-NL"/>
           </a:p>
@@ -1033,7 +1039,7 @@
           <a:p>
             <a:fld id="{0EBB069A-003F-4FC0-8534-236B0C5C7B5F}" type="datetimeFigureOut">
               <a:rPr lang="en-NL" smtClean="0"/>
-              <a:t>14/10/2024</a:t>
+              <a:t>19/11/2024</a:t>
             </a:fld>
             <a:endParaRPr lang="en-NL"/>
           </a:p>
@@ -1233,7 +1239,7 @@
           <a:p>
             <a:fld id="{0EBB069A-003F-4FC0-8534-236B0C5C7B5F}" type="datetimeFigureOut">
               <a:rPr lang="en-NL" smtClean="0"/>
-              <a:t>14/10/2024</a:t>
+              <a:t>19/11/2024</a:t>
             </a:fld>
             <a:endParaRPr lang="en-NL"/>
           </a:p>
@@ -1509,7 +1515,7 @@
           <a:p>
             <a:fld id="{0EBB069A-003F-4FC0-8534-236B0C5C7B5F}" type="datetimeFigureOut">
               <a:rPr lang="en-NL" smtClean="0"/>
-              <a:t>14/10/2024</a:t>
+              <a:t>19/11/2024</a:t>
             </a:fld>
             <a:endParaRPr lang="en-NL"/>
           </a:p>
@@ -1777,7 +1783,7 @@
           <a:p>
             <a:fld id="{0EBB069A-003F-4FC0-8534-236B0C5C7B5F}" type="datetimeFigureOut">
               <a:rPr lang="en-NL" smtClean="0"/>
-              <a:t>14/10/2024</a:t>
+              <a:t>19/11/2024</a:t>
             </a:fld>
             <a:endParaRPr lang="en-NL"/>
           </a:p>
@@ -2192,7 +2198,7 @@
           <a:p>
             <a:fld id="{0EBB069A-003F-4FC0-8534-236B0C5C7B5F}" type="datetimeFigureOut">
               <a:rPr lang="en-NL" smtClean="0"/>
-              <a:t>14/10/2024</a:t>
+              <a:t>19/11/2024</a:t>
             </a:fld>
             <a:endParaRPr lang="en-NL"/>
           </a:p>
@@ -2334,7 +2340,7 @@
           <a:p>
             <a:fld id="{0EBB069A-003F-4FC0-8534-236B0C5C7B5F}" type="datetimeFigureOut">
               <a:rPr lang="en-NL" smtClean="0"/>
-              <a:t>14/10/2024</a:t>
+              <a:t>19/11/2024</a:t>
             </a:fld>
             <a:endParaRPr lang="en-NL"/>
           </a:p>
@@ -2447,7 +2453,7 @@
           <a:p>
             <a:fld id="{0EBB069A-003F-4FC0-8534-236B0C5C7B5F}" type="datetimeFigureOut">
               <a:rPr lang="en-NL" smtClean="0"/>
-              <a:t>14/10/2024</a:t>
+              <a:t>19/11/2024</a:t>
             </a:fld>
             <a:endParaRPr lang="en-NL"/>
           </a:p>
@@ -2760,7 +2766,7 @@
           <a:p>
             <a:fld id="{0EBB069A-003F-4FC0-8534-236B0C5C7B5F}" type="datetimeFigureOut">
               <a:rPr lang="en-NL" smtClean="0"/>
-              <a:t>14/10/2024</a:t>
+              <a:t>19/11/2024</a:t>
             </a:fld>
             <a:endParaRPr lang="en-NL"/>
           </a:p>
@@ -3049,7 +3055,7 @@
           <a:p>
             <a:fld id="{0EBB069A-003F-4FC0-8534-236B0C5C7B5F}" type="datetimeFigureOut">
               <a:rPr lang="en-NL" smtClean="0"/>
-              <a:t>14/10/2024</a:t>
+              <a:t>19/11/2024</a:t>
             </a:fld>
             <a:endParaRPr lang="en-NL"/>
           </a:p>
@@ -3292,7 +3298,7 @@
           <a:p>
             <a:fld id="{0EBB069A-003F-4FC0-8534-236B0C5C7B5F}" type="datetimeFigureOut">
               <a:rPr lang="en-NL" smtClean="0"/>
-              <a:t>14/10/2024</a:t>
+              <a:t>19/11/2024</a:t>
             </a:fld>
             <a:endParaRPr lang="en-NL"/>
           </a:p>
@@ -3826,371 +3832,471 @@
           <a:p>
             <a:r>
               <a:rPr lang="nl-NL" sz="3600" noProof="0" dirty="0"/>
-              <a:t>Oefeningen IV</a:t>
-            </a:r>
-          </a:p>
-        </p:txBody>
-      </p:sp>
-      <p:sp>
-        <p:nvSpPr>
-          <p:cNvPr id="3" name="Content Placeholder 2">
-            <a:extLst>
-              <a:ext uri="{FF2B5EF4-FFF2-40B4-BE49-F238E27FC236}">
-                <a16:creationId xmlns:a16="http://schemas.microsoft.com/office/drawing/2014/main" id="{F4C2D286-E049-0AAB-1360-B7157E11AD7E}"/>
-              </a:ext>
-            </a:extLst>
-          </p:cNvPr>
-          <p:cNvSpPr>
-            <a:spLocks noGrp="1"/>
-          </p:cNvSpPr>
-          <p:nvPr>
-            <p:ph idx="1"/>
-          </p:nvPr>
-        </p:nvSpPr>
-        <p:spPr>
-          <a:xfrm>
-            <a:off x="838200" y="1456267"/>
-            <a:ext cx="10375900" cy="4720696"/>
-          </a:xfrm>
-        </p:spPr>
-        <p:txBody>
-          <a:bodyPr>
-            <a:normAutofit/>
-          </a:bodyPr>
-          <a:lstStyle/>
-          <a:p>
-            <a:pPr marL="457200" indent="-457200">
-              <a:buFont typeface="Arial" panose="020B0604020202020204" pitchFamily="34" charset="0"/>
-              <a:buAutoNum type="arabicPeriod"/>
-            </a:pPr>
-            <a:r>
-              <a:rPr lang="nl-NL" sz="2000" dirty="0"/>
-              <a:t>Open Notebook </a:t>
-            </a:r>
-            <a:r>
-              <a:rPr lang="nl-NL" sz="2000" dirty="0" err="1">
-                <a:latin typeface="Courier New" panose="02070309020205020404" pitchFamily="49" charset="0"/>
-                <a:cs typeface="Courier New" panose="02070309020205020404" pitchFamily="49" charset="0"/>
-              </a:rPr>
-              <a:t>exercises</a:t>
-            </a:r>
-            <a:r>
-              <a:rPr lang="nl-NL" sz="2000" dirty="0">
-                <a:latin typeface="Courier New" panose="02070309020205020404" pitchFamily="49" charset="0"/>
-                <a:cs typeface="Courier New" panose="02070309020205020404" pitchFamily="49" charset="0"/>
-              </a:rPr>
-              <a:t>/4_fuzzy_dict.ipynb</a:t>
-            </a:r>
-          </a:p>
-          <a:p>
-            <a:pPr marL="457200" indent="-457200">
-              <a:buFont typeface="Arial" panose="020B0604020202020204" pitchFamily="34" charset="0"/>
-              <a:buAutoNum type="arabicPeriod"/>
-            </a:pPr>
-            <a:endParaRPr lang="nl-NL" sz="2000" dirty="0"/>
-          </a:p>
-          <a:p>
-            <a:pPr marL="457200" indent="-457200">
-              <a:buFont typeface="Arial" panose="020B0604020202020204" pitchFamily="34" charset="0"/>
-              <a:buAutoNum type="arabicPeriod"/>
-            </a:pPr>
-            <a:r>
-              <a:rPr lang="nl-NL" sz="2000" dirty="0" err="1">
-                <a:latin typeface="Courier New" panose="02070309020205020404" pitchFamily="49" charset="0"/>
-                <a:cs typeface="Courier New" panose="02070309020205020404" pitchFamily="49" charset="0"/>
-              </a:rPr>
-              <a:t>FuzzyDict</a:t>
-            </a:r>
-            <a:r>
-              <a:rPr lang="nl-NL" sz="2000" dirty="0">
-                <a:latin typeface="Courier New" panose="02070309020205020404" pitchFamily="49" charset="0"/>
-                <a:cs typeface="Courier New" panose="02070309020205020404" pitchFamily="49" charset="0"/>
-              </a:rPr>
-              <a:t>;</a:t>
-            </a:r>
-            <a:r>
-              <a:rPr lang="nl-NL" sz="2000" dirty="0"/>
-              <a:t> </a:t>
-            </a:r>
-            <a:r>
-              <a:rPr lang="nl-NL" sz="2000" dirty="0" err="1"/>
-              <a:t>dict</a:t>
-            </a:r>
-            <a:r>
-              <a:rPr lang="nl-NL" sz="2000" dirty="0"/>
-              <a:t> dat niet hoofdlettergevoelig is:</a:t>
-            </a:r>
-          </a:p>
-          <a:p>
-            <a:pPr lvl="1"/>
-            <a:r>
-              <a:rPr lang="nl-NL" sz="2000" dirty="0" err="1">
-                <a:latin typeface="Courier New" panose="02070309020205020404" pitchFamily="49" charset="0"/>
-                <a:cs typeface="Courier New" panose="02070309020205020404" pitchFamily="49" charset="0"/>
-              </a:rPr>
-              <a:t>fuzzydict</a:t>
-            </a:r>
-            <a:r>
-              <a:rPr lang="nl-NL" sz="2000" dirty="0">
-                <a:latin typeface="Courier New" panose="02070309020205020404" pitchFamily="49" charset="0"/>
-                <a:cs typeface="Courier New" panose="02070309020205020404" pitchFamily="49" charset="0"/>
-              </a:rPr>
-              <a:t>[</a:t>
-            </a:r>
-            <a:r>
-              <a:rPr lang="nl-NL" sz="2000" dirty="0">
-                <a:solidFill>
-                  <a:schemeClr val="accent2">
-                    <a:lumMod val="75000"/>
-                  </a:schemeClr>
-                </a:solidFill>
-                <a:latin typeface="Courier New" panose="02070309020205020404" pitchFamily="49" charset="0"/>
-                <a:cs typeface="Courier New" panose="02070309020205020404" pitchFamily="49" charset="0"/>
-              </a:rPr>
-              <a:t>"NAAM"</a:t>
-            </a:r>
-            <a:r>
-              <a:rPr lang="nl-NL" sz="2000" dirty="0">
-                <a:latin typeface="Courier New" panose="02070309020205020404" pitchFamily="49" charset="0"/>
-                <a:cs typeface="Courier New" panose="02070309020205020404" pitchFamily="49" charset="0"/>
-              </a:rPr>
-              <a:t>]</a:t>
-            </a:r>
-            <a:r>
-              <a:rPr lang="nl-NL" sz="2000" dirty="0"/>
-              <a:t> is gelijk aan </a:t>
-            </a:r>
-            <a:r>
-              <a:rPr lang="nl-NL" sz="2000" dirty="0" err="1">
-                <a:latin typeface="Courier New" panose="02070309020205020404" pitchFamily="49" charset="0"/>
-                <a:cs typeface="Courier New" panose="02070309020205020404" pitchFamily="49" charset="0"/>
-              </a:rPr>
-              <a:t>fuzzydict</a:t>
-            </a:r>
-            <a:r>
-              <a:rPr lang="nl-NL" sz="2000" dirty="0">
-                <a:latin typeface="Courier New" panose="02070309020205020404" pitchFamily="49" charset="0"/>
-                <a:cs typeface="Courier New" panose="02070309020205020404" pitchFamily="49" charset="0"/>
-              </a:rPr>
-              <a:t>[</a:t>
-            </a:r>
-            <a:r>
-              <a:rPr lang="nl-NL" sz="2000" dirty="0">
-                <a:solidFill>
-                  <a:schemeClr val="accent2">
-                    <a:lumMod val="75000"/>
-                  </a:schemeClr>
-                </a:solidFill>
-                <a:latin typeface="Courier New" panose="02070309020205020404" pitchFamily="49" charset="0"/>
-                <a:cs typeface="Courier New" panose="02070309020205020404" pitchFamily="49" charset="0"/>
-              </a:rPr>
-              <a:t>"naam"</a:t>
-            </a:r>
-            <a:r>
-              <a:rPr lang="nl-NL" sz="2000" dirty="0">
-                <a:latin typeface="Courier New" panose="02070309020205020404" pitchFamily="49" charset="0"/>
-                <a:cs typeface="Courier New" panose="02070309020205020404" pitchFamily="49" charset="0"/>
-              </a:rPr>
-              <a:t>]</a:t>
-            </a:r>
-            <a:r>
-              <a:rPr lang="nl-NL" sz="2000" dirty="0">
-                <a:cs typeface="Courier New" panose="02070309020205020404" pitchFamily="49" charset="0"/>
-              </a:rPr>
-              <a:t>.</a:t>
-            </a:r>
-            <a:endParaRPr lang="nl-NL" sz="2000" dirty="0"/>
-          </a:p>
-          <a:p>
-            <a:pPr lvl="1"/>
-            <a:r>
-              <a:rPr lang="nl-NL" sz="2000" dirty="0">
-                <a:cs typeface="Courier New" panose="02070309020205020404" pitchFamily="49" charset="0"/>
-              </a:rPr>
-              <a:t>Zowel bij ophalen als wegschrijven van waardes.</a:t>
-            </a:r>
-            <a:endParaRPr lang="nl-NL" sz="2000" dirty="0"/>
-          </a:p>
-          <a:p>
-            <a:pPr marL="457200" indent="-457200">
-              <a:buFont typeface="Arial" panose="020B0604020202020204" pitchFamily="34" charset="0"/>
-              <a:buAutoNum type="arabicPeriod"/>
-            </a:pPr>
-            <a:endParaRPr lang="nl-NL" sz="2000" dirty="0"/>
-          </a:p>
-          <a:p>
-            <a:pPr marL="457200" indent="-457200">
-              <a:buFont typeface="Arial" panose="020B0604020202020204" pitchFamily="34" charset="0"/>
-              <a:buAutoNum type="arabicPeriod"/>
-            </a:pPr>
-            <a:r>
-              <a:rPr lang="nl-NL" sz="2000" dirty="0"/>
-              <a:t>Gebruik:</a:t>
-            </a:r>
-          </a:p>
-          <a:p>
-            <a:pPr marL="0" indent="0">
-              <a:buNone/>
-            </a:pPr>
-            <a:r>
-              <a:rPr lang="nl-NL" sz="2000" dirty="0">
-                <a:latin typeface="Courier New" panose="02070309020205020404" pitchFamily="49" charset="0"/>
-                <a:cs typeface="Courier New" panose="02070309020205020404" pitchFamily="49" charset="0"/>
-              </a:rPr>
-              <a:t>   __</a:t>
-            </a:r>
-            <a:r>
-              <a:rPr lang="nl-NL" sz="2000" dirty="0" err="1">
-                <a:latin typeface="Courier New" panose="02070309020205020404" pitchFamily="49" charset="0"/>
-                <a:cs typeface="Courier New" panose="02070309020205020404" pitchFamily="49" charset="0"/>
-              </a:rPr>
-              <a:t>getitem</a:t>
-            </a:r>
-            <a:r>
-              <a:rPr lang="nl-NL" sz="2000" dirty="0">
-                <a:latin typeface="Courier New" panose="02070309020205020404" pitchFamily="49" charset="0"/>
-                <a:cs typeface="Courier New" panose="02070309020205020404" pitchFamily="49" charset="0"/>
-              </a:rPr>
-              <a:t>__</a:t>
-            </a:r>
-            <a:r>
-              <a:rPr lang="nl-NL" sz="2000" dirty="0"/>
-              <a:t> om waardes op te halen.</a:t>
-            </a:r>
-          </a:p>
-          <a:p>
-            <a:pPr marL="0" indent="0">
-              <a:buNone/>
-            </a:pPr>
-            <a:r>
-              <a:rPr lang="nl-NL" sz="2000" dirty="0">
-                <a:latin typeface="Courier New" panose="02070309020205020404" pitchFamily="49" charset="0"/>
-                <a:cs typeface="Courier New" panose="02070309020205020404" pitchFamily="49" charset="0"/>
-              </a:rPr>
-              <a:t>   __</a:t>
-            </a:r>
-            <a:r>
-              <a:rPr lang="nl-NL" sz="2000" dirty="0" err="1">
-                <a:latin typeface="Courier New" panose="02070309020205020404" pitchFamily="49" charset="0"/>
-                <a:cs typeface="Courier New" panose="02070309020205020404" pitchFamily="49" charset="0"/>
-              </a:rPr>
-              <a:t>setitem</a:t>
-            </a:r>
-            <a:r>
-              <a:rPr lang="nl-NL" sz="2000" dirty="0">
-                <a:latin typeface="Courier New" panose="02070309020205020404" pitchFamily="49" charset="0"/>
-                <a:cs typeface="Courier New" panose="02070309020205020404" pitchFamily="49" charset="0"/>
-              </a:rPr>
-              <a:t>__</a:t>
-            </a:r>
-            <a:r>
-              <a:rPr lang="nl-NL" sz="2000" dirty="0"/>
-              <a:t> om waardes op te slaan.</a:t>
-            </a:r>
-          </a:p>
-          <a:p>
-            <a:pPr marL="0" indent="0">
-              <a:buNone/>
-            </a:pPr>
-            <a:endParaRPr lang="nl-NL" sz="2000" dirty="0"/>
-          </a:p>
-          <a:p>
-            <a:pPr marL="457200" indent="-457200">
-              <a:buAutoNum type="arabicPeriod" startAt="4"/>
-            </a:pPr>
-            <a:r>
-              <a:rPr lang="nl-NL" sz="2000" dirty="0"/>
-              <a:t>Bonus voor implementeren van methodes:</a:t>
-            </a:r>
-          </a:p>
-          <a:p>
-            <a:pPr marL="0" indent="0">
-              <a:buNone/>
-            </a:pPr>
-            <a:r>
-              <a:rPr lang="nl-NL" sz="2000" dirty="0">
-                <a:latin typeface="Courier New" panose="02070309020205020404" pitchFamily="49" charset="0"/>
-                <a:cs typeface="Courier New" panose="02070309020205020404" pitchFamily="49" charset="0"/>
-              </a:rPr>
-              <a:t>   __</a:t>
-            </a:r>
-            <a:r>
-              <a:rPr lang="nl-NL" sz="2000" dirty="0" err="1">
-                <a:latin typeface="Courier New" panose="02070309020205020404" pitchFamily="49" charset="0"/>
-                <a:cs typeface="Courier New" panose="02070309020205020404" pitchFamily="49" charset="0"/>
-              </a:rPr>
-              <a:t>str</a:t>
-            </a:r>
-            <a:r>
-              <a:rPr lang="nl-NL" sz="2000" dirty="0">
-                <a:latin typeface="Courier New" panose="02070309020205020404" pitchFamily="49" charset="0"/>
-                <a:cs typeface="Courier New" panose="02070309020205020404" pitchFamily="49" charset="0"/>
-              </a:rPr>
-              <a:t>__, __</a:t>
-            </a:r>
-            <a:r>
-              <a:rPr lang="nl-NL" sz="2000" dirty="0" err="1">
-                <a:latin typeface="Courier New" panose="02070309020205020404" pitchFamily="49" charset="0"/>
-                <a:cs typeface="Courier New" panose="02070309020205020404" pitchFamily="49" charset="0"/>
-              </a:rPr>
-              <a:t>repr</a:t>
-            </a:r>
-            <a:r>
-              <a:rPr lang="nl-NL" sz="2000" dirty="0">
-                <a:latin typeface="Courier New" panose="02070309020205020404" pitchFamily="49" charset="0"/>
-                <a:cs typeface="Courier New" panose="02070309020205020404" pitchFamily="49" charset="0"/>
-              </a:rPr>
-              <a:t>__, __</a:t>
-            </a:r>
-            <a:r>
-              <a:rPr lang="nl-NL" sz="2000" dirty="0" err="1">
-                <a:latin typeface="Courier New" panose="02070309020205020404" pitchFamily="49" charset="0"/>
-                <a:cs typeface="Courier New" panose="02070309020205020404" pitchFamily="49" charset="0"/>
-              </a:rPr>
-              <a:t>len</a:t>
-            </a:r>
-            <a:r>
-              <a:rPr lang="nl-NL" sz="2000" dirty="0">
-                <a:latin typeface="Courier New" panose="02070309020205020404" pitchFamily="49" charset="0"/>
-                <a:cs typeface="Courier New" panose="02070309020205020404" pitchFamily="49" charset="0"/>
-              </a:rPr>
-              <a:t>__, </a:t>
-            </a:r>
-            <a:r>
-              <a:rPr lang="nl-NL" sz="2000" dirty="0" err="1">
-                <a:latin typeface="Courier New" panose="02070309020205020404" pitchFamily="49" charset="0"/>
-                <a:cs typeface="Courier New" panose="02070309020205020404" pitchFamily="49" charset="0"/>
-              </a:rPr>
-              <a:t>keys</a:t>
-            </a:r>
-            <a:r>
-              <a:rPr lang="nl-NL" sz="2000" dirty="0">
-                <a:latin typeface="Courier New" panose="02070309020205020404" pitchFamily="49" charset="0"/>
-                <a:cs typeface="Courier New" panose="02070309020205020404" pitchFamily="49" charset="0"/>
-              </a:rPr>
-              <a:t>, </a:t>
-            </a:r>
-            <a:r>
-              <a:rPr lang="nl-NL" sz="2000" dirty="0" err="1">
-                <a:latin typeface="Courier New" panose="02070309020205020404" pitchFamily="49" charset="0"/>
-                <a:cs typeface="Courier New" panose="02070309020205020404" pitchFamily="49" charset="0"/>
-              </a:rPr>
-              <a:t>values</a:t>
-            </a:r>
-            <a:r>
-              <a:rPr lang="nl-NL" sz="2000" dirty="0">
-                <a:latin typeface="Courier New" panose="02070309020205020404" pitchFamily="49" charset="0"/>
-                <a:cs typeface="Courier New" panose="02070309020205020404" pitchFamily="49" charset="0"/>
-              </a:rPr>
-              <a:t>, items</a:t>
-            </a:r>
-          </a:p>
-        </p:txBody>
-      </p:sp>
+              <a:t>Anaconda omgevingen</a:t>
+            </a:r>
+          </a:p>
+        </p:txBody>
+      </p:sp>
+      <p:graphicFrame>
+        <p:nvGraphicFramePr>
+          <p:cNvPr id="6" name="Table 6">
+            <a:extLst>
+              <a:ext uri="{FF2B5EF4-FFF2-40B4-BE49-F238E27FC236}">
+                <a16:creationId xmlns:a16="http://schemas.microsoft.com/office/drawing/2014/main" id="{DFC31ABD-68F0-5B1E-5AF0-00FA80F227FE}"/>
+              </a:ext>
+            </a:extLst>
+          </p:cNvPr>
+          <p:cNvGraphicFramePr>
+            <a:graphicFrameLocks noGrp="1"/>
+          </p:cNvGraphicFramePr>
+          <p:nvPr/>
+        </p:nvGraphicFramePr>
+        <p:xfrm>
+          <a:off x="838199" y="1718733"/>
+          <a:ext cx="10515600" cy="4284136"/>
+        </p:xfrm>
+        <a:graphic>
+          <a:graphicData uri="http://schemas.openxmlformats.org/drawingml/2006/table">
+            <a:tbl>
+              <a:tblPr firstRow="1" bandRow="1">
+                <a:tableStyleId>{C083E6E3-FA7D-4D7B-A595-EF9225AFEA82}</a:tableStyleId>
+              </a:tblPr>
+              <a:tblGrid>
+                <a:gridCol w="4402668">
+                  <a:extLst>
+                    <a:ext uri="{9D8B030D-6E8A-4147-A177-3AD203B41FA5}">
+                      <a16:colId xmlns:a16="http://schemas.microsoft.com/office/drawing/2014/main" val="3902745773"/>
+                    </a:ext>
+                  </a:extLst>
+                </a:gridCol>
+                <a:gridCol w="6112932">
+                  <a:extLst>
+                    <a:ext uri="{9D8B030D-6E8A-4147-A177-3AD203B41FA5}">
+                      <a16:colId xmlns:a16="http://schemas.microsoft.com/office/drawing/2014/main" val="2880567176"/>
+                    </a:ext>
+                  </a:extLst>
+                </a:gridCol>
+              </a:tblGrid>
+              <a:tr h="535517">
+                <a:tc>
+                  <a:txBody>
+                    <a:bodyPr/>
+                    <a:lstStyle/>
+                    <a:p>
+                      <a:r>
+                        <a:rPr lang="nl-NL" noProof="0"/>
+                        <a:t>Commando</a:t>
+                      </a:r>
+                    </a:p>
+                  </a:txBody>
+                  <a:tcPr anchor="ctr"/>
+                </a:tc>
+                <a:tc>
+                  <a:txBody>
+                    <a:bodyPr/>
+                    <a:lstStyle/>
+                    <a:p>
+                      <a:r>
+                        <a:rPr lang="nl-NL" noProof="0"/>
+                        <a:t>Beschrijving</a:t>
+                      </a:r>
+                    </a:p>
+                  </a:txBody>
+                  <a:tcPr anchor="ctr"/>
+                </a:tc>
+                <a:extLst>
+                  <a:ext uri="{0D108BD9-81ED-4DB2-BD59-A6C34878D82A}">
+                    <a16:rowId xmlns:a16="http://schemas.microsoft.com/office/drawing/2014/main" val="1109944248"/>
+                  </a:ext>
+                </a:extLst>
+              </a:tr>
+              <a:tr h="535517">
+                <a:tc>
+                  <a:txBody>
+                    <a:bodyPr/>
+                    <a:lstStyle/>
+                    <a:p>
+                      <a:pPr marL="0" marR="0" lvl="0" indent="0" algn="l" defTabSz="914400" rtl="0" eaLnBrk="1" fontAlgn="auto" latinLnBrk="0" hangingPunct="1">
+                        <a:lnSpc>
+                          <a:spcPct val="100000"/>
+                        </a:lnSpc>
+                        <a:spcBef>
+                          <a:spcPts val="0"/>
+                        </a:spcBef>
+                        <a:spcAft>
+                          <a:spcPts val="0"/>
+                        </a:spcAft>
+                        <a:buClrTx/>
+                        <a:buSzTx/>
+                        <a:buFontTx/>
+                        <a:buNone/>
+                        <a:tabLst/>
+                        <a:defRPr/>
+                      </a:pPr>
+                      <a:r>
+                        <a:rPr lang="nl-NL" sz="1400" noProof="0" dirty="0" err="1">
+                          <a:latin typeface="Courier New" panose="02070309020205020404" pitchFamily="49" charset="0"/>
+                          <a:cs typeface="Courier New" panose="02070309020205020404" pitchFamily="49" charset="0"/>
+                        </a:rPr>
+                        <a:t>conda</a:t>
+                      </a:r>
+                      <a:r>
+                        <a:rPr lang="nl-NL" sz="1400" noProof="0" dirty="0">
+                          <a:latin typeface="Courier New" panose="02070309020205020404" pitchFamily="49" charset="0"/>
+                          <a:cs typeface="Courier New" panose="02070309020205020404" pitchFamily="49" charset="0"/>
+                        </a:rPr>
+                        <a:t> </a:t>
+                      </a:r>
+                      <a:r>
+                        <a:rPr lang="nl-NL" sz="1400" noProof="0" dirty="0" err="1">
+                          <a:latin typeface="Courier New" panose="02070309020205020404" pitchFamily="49" charset="0"/>
+                          <a:cs typeface="Courier New" panose="02070309020205020404" pitchFamily="49" charset="0"/>
+                        </a:rPr>
+                        <a:t>env</a:t>
+                      </a:r>
+                      <a:r>
+                        <a:rPr lang="nl-NL" sz="1400" noProof="0" dirty="0">
+                          <a:latin typeface="Courier New" panose="02070309020205020404" pitchFamily="49" charset="0"/>
+                          <a:cs typeface="Courier New" panose="02070309020205020404" pitchFamily="49" charset="0"/>
+                        </a:rPr>
+                        <a:t> list</a:t>
+                      </a:r>
+                    </a:p>
+                  </a:txBody>
+                  <a:tcPr anchor="ctr"/>
+                </a:tc>
+                <a:tc>
+                  <a:txBody>
+                    <a:bodyPr/>
+                    <a:lstStyle/>
+                    <a:p>
+                      <a:pPr marL="0" marR="0" lvl="0" indent="0" algn="l" defTabSz="914400" rtl="0" eaLnBrk="1" fontAlgn="auto" latinLnBrk="0" hangingPunct="1">
+                        <a:lnSpc>
+                          <a:spcPct val="100000"/>
+                        </a:lnSpc>
+                        <a:spcBef>
+                          <a:spcPts val="0"/>
+                        </a:spcBef>
+                        <a:spcAft>
+                          <a:spcPts val="0"/>
+                        </a:spcAft>
+                        <a:buClrTx/>
+                        <a:buSzTx/>
+                        <a:buFontTx/>
+                        <a:buNone/>
+                        <a:tabLst/>
+                        <a:defRPr/>
+                      </a:pPr>
+                      <a:r>
+                        <a:rPr lang="nl-NL" noProof="0" dirty="0"/>
+                        <a:t>Toont een lijst van alle beschikbare omgevingen.</a:t>
+                      </a:r>
+                    </a:p>
+                  </a:txBody>
+                  <a:tcPr anchor="ctr"/>
+                </a:tc>
+                <a:extLst>
+                  <a:ext uri="{0D108BD9-81ED-4DB2-BD59-A6C34878D82A}">
+                    <a16:rowId xmlns:a16="http://schemas.microsoft.com/office/drawing/2014/main" val="4040416606"/>
+                  </a:ext>
+                </a:extLst>
+              </a:tr>
+              <a:tr h="535517">
+                <a:tc>
+                  <a:txBody>
+                    <a:bodyPr/>
+                    <a:lstStyle/>
+                    <a:p>
+                      <a:pPr marL="0" marR="0" lvl="0" indent="0" algn="l" defTabSz="914400" rtl="0" eaLnBrk="1" fontAlgn="auto" latinLnBrk="0" hangingPunct="1">
+                        <a:lnSpc>
+                          <a:spcPct val="100000"/>
+                        </a:lnSpc>
+                        <a:spcBef>
+                          <a:spcPts val="0"/>
+                        </a:spcBef>
+                        <a:spcAft>
+                          <a:spcPts val="0"/>
+                        </a:spcAft>
+                        <a:buClrTx/>
+                        <a:buSzTx/>
+                        <a:buFontTx/>
+                        <a:buNone/>
+                        <a:tabLst/>
+                        <a:defRPr/>
+                      </a:pPr>
+                      <a:r>
+                        <a:rPr lang="nl-NL" sz="1400" noProof="0" dirty="0" err="1">
+                          <a:latin typeface="Courier New" panose="02070309020205020404" pitchFamily="49" charset="0"/>
+                          <a:cs typeface="Courier New" panose="02070309020205020404" pitchFamily="49" charset="0"/>
+                        </a:rPr>
+                        <a:t>conda</a:t>
+                      </a:r>
+                      <a:r>
+                        <a:rPr lang="nl-NL" sz="1400" noProof="0" dirty="0">
+                          <a:latin typeface="Courier New" panose="02070309020205020404" pitchFamily="49" charset="0"/>
+                          <a:cs typeface="Courier New" panose="02070309020205020404" pitchFamily="49" charset="0"/>
+                        </a:rPr>
+                        <a:t> </a:t>
+                      </a:r>
+                      <a:r>
+                        <a:rPr lang="nl-NL" sz="1400" noProof="0" dirty="0" err="1">
+                          <a:latin typeface="Courier New" panose="02070309020205020404" pitchFamily="49" charset="0"/>
+                          <a:cs typeface="Courier New" panose="02070309020205020404" pitchFamily="49" charset="0"/>
+                        </a:rPr>
+                        <a:t>create</a:t>
+                      </a:r>
+                      <a:r>
+                        <a:rPr lang="nl-NL" sz="1400" noProof="0" dirty="0">
+                          <a:latin typeface="Courier New" panose="02070309020205020404" pitchFamily="49" charset="0"/>
+                          <a:cs typeface="Courier New" panose="02070309020205020404" pitchFamily="49" charset="0"/>
+                        </a:rPr>
+                        <a:t> –n &lt;naam&gt; python=&lt;versie&gt;</a:t>
+                      </a:r>
+                    </a:p>
+                  </a:txBody>
+                  <a:tcPr anchor="ctr"/>
+                </a:tc>
+                <a:tc>
+                  <a:txBody>
+                    <a:bodyPr/>
+                    <a:lstStyle/>
+                    <a:p>
+                      <a:pPr marL="0" marR="0" lvl="0" indent="0" algn="l" defTabSz="914400" rtl="0" eaLnBrk="1" fontAlgn="auto" latinLnBrk="0" hangingPunct="1">
+                        <a:lnSpc>
+                          <a:spcPct val="100000"/>
+                        </a:lnSpc>
+                        <a:spcBef>
+                          <a:spcPts val="0"/>
+                        </a:spcBef>
+                        <a:spcAft>
+                          <a:spcPts val="0"/>
+                        </a:spcAft>
+                        <a:buClrTx/>
+                        <a:buSzTx/>
+                        <a:buFontTx/>
+                        <a:buNone/>
+                        <a:tabLst/>
+                        <a:defRPr/>
+                      </a:pPr>
+                      <a:r>
+                        <a:rPr lang="nl-NL" noProof="0" dirty="0"/>
+                        <a:t>Maakt omgeving met de opgegeven naam en Python versie.</a:t>
+                      </a:r>
+                    </a:p>
+                  </a:txBody>
+                  <a:tcPr anchor="ctr"/>
+                </a:tc>
+                <a:extLst>
+                  <a:ext uri="{0D108BD9-81ED-4DB2-BD59-A6C34878D82A}">
+                    <a16:rowId xmlns:a16="http://schemas.microsoft.com/office/drawing/2014/main" val="3476145959"/>
+                  </a:ext>
+                </a:extLst>
+              </a:tr>
+              <a:tr h="535517">
+                <a:tc>
+                  <a:txBody>
+                    <a:bodyPr/>
+                    <a:lstStyle/>
+                    <a:p>
+                      <a:r>
+                        <a:rPr lang="nl-NL" sz="1400" noProof="0">
+                          <a:latin typeface="Courier New" panose="02070309020205020404" pitchFamily="49" charset="0"/>
+                          <a:cs typeface="Courier New" panose="02070309020205020404" pitchFamily="49" charset="0"/>
+                        </a:rPr>
+                        <a:t>conda activate &lt;naam&gt;</a:t>
+                      </a:r>
+                    </a:p>
+                  </a:txBody>
+                  <a:tcPr anchor="ctr"/>
+                </a:tc>
+                <a:tc>
+                  <a:txBody>
+                    <a:bodyPr/>
+                    <a:lstStyle/>
+                    <a:p>
+                      <a:r>
+                        <a:rPr lang="nl-NL" noProof="0"/>
+                        <a:t>Activeert de opgegeven omgeving.</a:t>
+                      </a:r>
+                    </a:p>
+                  </a:txBody>
+                  <a:tcPr anchor="ctr"/>
+                </a:tc>
+                <a:extLst>
+                  <a:ext uri="{0D108BD9-81ED-4DB2-BD59-A6C34878D82A}">
+                    <a16:rowId xmlns:a16="http://schemas.microsoft.com/office/drawing/2014/main" val="2837644208"/>
+                  </a:ext>
+                </a:extLst>
+              </a:tr>
+              <a:tr h="535517">
+                <a:tc>
+                  <a:txBody>
+                    <a:bodyPr/>
+                    <a:lstStyle/>
+                    <a:p>
+                      <a:pPr marL="0" marR="0" lvl="0" indent="0" algn="l" defTabSz="914400" rtl="0" eaLnBrk="1" fontAlgn="auto" latinLnBrk="0" hangingPunct="1">
+                        <a:lnSpc>
+                          <a:spcPct val="100000"/>
+                        </a:lnSpc>
+                        <a:spcBef>
+                          <a:spcPts val="0"/>
+                        </a:spcBef>
+                        <a:spcAft>
+                          <a:spcPts val="0"/>
+                        </a:spcAft>
+                        <a:buClrTx/>
+                        <a:buSzTx/>
+                        <a:buFontTx/>
+                        <a:buNone/>
+                        <a:tabLst/>
+                        <a:defRPr/>
+                      </a:pPr>
+                      <a:r>
+                        <a:rPr lang="nl-NL" sz="1400" noProof="0">
+                          <a:latin typeface="Courier New" panose="02070309020205020404" pitchFamily="49" charset="0"/>
+                          <a:cs typeface="Courier New" panose="02070309020205020404" pitchFamily="49" charset="0"/>
+                        </a:rPr>
+                        <a:t>conda install &lt;package&gt;</a:t>
+                      </a:r>
+                    </a:p>
+                  </a:txBody>
+                  <a:tcPr anchor="ctr"/>
+                </a:tc>
+                <a:tc>
+                  <a:txBody>
+                    <a:bodyPr/>
+                    <a:lstStyle/>
+                    <a:p>
+                      <a:r>
+                        <a:rPr lang="nl-NL" noProof="0" dirty="0"/>
+                        <a:t>Installeert het opgegeven package in de actieve omgeving.</a:t>
+                      </a:r>
+                    </a:p>
+                  </a:txBody>
+                  <a:tcPr anchor="ctr"/>
+                </a:tc>
+                <a:extLst>
+                  <a:ext uri="{0D108BD9-81ED-4DB2-BD59-A6C34878D82A}">
+                    <a16:rowId xmlns:a16="http://schemas.microsoft.com/office/drawing/2014/main" val="315428120"/>
+                  </a:ext>
+                </a:extLst>
+              </a:tr>
+              <a:tr h="535517">
+                <a:tc>
+                  <a:txBody>
+                    <a:bodyPr/>
+                    <a:lstStyle/>
+                    <a:p>
+                      <a:r>
+                        <a:rPr lang="nl-NL" sz="1400" noProof="0">
+                          <a:latin typeface="Courier New" panose="02070309020205020404" pitchFamily="49" charset="0"/>
+                          <a:cs typeface="Courier New" panose="02070309020205020404" pitchFamily="49" charset="0"/>
+                        </a:rPr>
+                        <a:t>python –m pip install &lt;package&gt;</a:t>
+                      </a:r>
+                    </a:p>
+                  </a:txBody>
+                  <a:tcPr anchor="ctr"/>
+                </a:tc>
+                <a:tc>
+                  <a:txBody>
+                    <a:bodyPr/>
+                    <a:lstStyle/>
+                    <a:p>
+                      <a:r>
+                        <a:rPr lang="nl-NL" noProof="0" dirty="0"/>
+                        <a:t>Installeert het opgegeven package met pip.</a:t>
+                      </a:r>
+                    </a:p>
+                  </a:txBody>
+                  <a:tcPr anchor="ctr"/>
+                </a:tc>
+                <a:extLst>
+                  <a:ext uri="{0D108BD9-81ED-4DB2-BD59-A6C34878D82A}">
+                    <a16:rowId xmlns:a16="http://schemas.microsoft.com/office/drawing/2014/main" val="2113890768"/>
+                  </a:ext>
+                </a:extLst>
+              </a:tr>
+              <a:tr h="535517">
+                <a:tc>
+                  <a:txBody>
+                    <a:bodyPr/>
+                    <a:lstStyle/>
+                    <a:p>
+                      <a:r>
+                        <a:rPr lang="nl-NL" sz="1400" b="0" noProof="0">
+                          <a:latin typeface="Courier New" panose="02070309020205020404" pitchFamily="49" charset="0"/>
+                          <a:cs typeface="Courier New" panose="02070309020205020404" pitchFamily="49" charset="0"/>
+                        </a:rPr>
+                        <a:t>conda list</a:t>
+                      </a:r>
+                    </a:p>
+                  </a:txBody>
+                  <a:tcPr anchor="ctr"/>
+                </a:tc>
+                <a:tc>
+                  <a:txBody>
+                    <a:bodyPr/>
+                    <a:lstStyle/>
+                    <a:p>
+                      <a:r>
+                        <a:rPr lang="nl-NL" noProof="0"/>
+                        <a:t>Toon alle geïnstalleerde packages in de omgeving.</a:t>
+                      </a:r>
+                    </a:p>
+                  </a:txBody>
+                  <a:tcPr anchor="ctr"/>
+                </a:tc>
+                <a:extLst>
+                  <a:ext uri="{0D108BD9-81ED-4DB2-BD59-A6C34878D82A}">
+                    <a16:rowId xmlns:a16="http://schemas.microsoft.com/office/drawing/2014/main" val="2916855344"/>
+                  </a:ext>
+                </a:extLst>
+              </a:tr>
+              <a:tr h="535517">
+                <a:tc>
+                  <a:txBody>
+                    <a:bodyPr/>
+                    <a:lstStyle/>
+                    <a:p>
+                      <a:r>
+                        <a:rPr lang="nl-NL" sz="1400" b="0" noProof="0">
+                          <a:latin typeface="Courier New" panose="02070309020205020404" pitchFamily="49" charset="0"/>
+                          <a:cs typeface="Courier New" panose="02070309020205020404" pitchFamily="49" charset="0"/>
+                        </a:rPr>
+                        <a:t>conda deactivate</a:t>
+                      </a:r>
+                    </a:p>
+                  </a:txBody>
+                  <a:tcPr anchor="ctr"/>
+                </a:tc>
+                <a:tc>
+                  <a:txBody>
+                    <a:bodyPr/>
+                    <a:lstStyle/>
+                    <a:p>
+                      <a:r>
+                        <a:rPr lang="nl-NL" noProof="0" dirty="0"/>
+                        <a:t>Deactiveer de omgeving.</a:t>
+                      </a:r>
+                    </a:p>
+                  </a:txBody>
+                  <a:tcPr anchor="ctr"/>
+                </a:tc>
+                <a:extLst>
+                  <a:ext uri="{0D108BD9-81ED-4DB2-BD59-A6C34878D82A}">
+                    <a16:rowId xmlns:a16="http://schemas.microsoft.com/office/drawing/2014/main" val="3195545020"/>
+                  </a:ext>
+                </a:extLst>
+              </a:tr>
+            </a:tbl>
+          </a:graphicData>
+        </a:graphic>
+      </p:graphicFrame>
     </p:spTree>
     <p:extLst>
       <p:ext uri="{BB962C8B-B14F-4D97-AF65-F5344CB8AC3E}">
-        <p14:creationId xmlns:p14="http://schemas.microsoft.com/office/powerpoint/2010/main" val="4287688984"/>
+        <p14:creationId xmlns:p14="http://schemas.microsoft.com/office/powerpoint/2010/main" val="2383089582"/>
       </p:ext>
     </p:extLst>
   </p:cSld>
@@ -4200,7 +4306,7 @@
 </p:sld>
 </file>
 
-<file path=ppt/slides/slide2.xml><?xml version="1.0" encoding="utf-8"?>
+<file path=ppt/slides/slide11.xml><?xml version="1.0" encoding="utf-8"?>
 <p:sld xmlns:a="http://schemas.openxmlformats.org/drawingml/2006/main" xmlns:r="http://schemas.openxmlformats.org/officeDocument/2006/relationships" xmlns:p="http://schemas.openxmlformats.org/presentationml/2006/main">
   <p:cSld>
     <p:spTree>
@@ -4247,7 +4353,7 @@
           <a:p>
             <a:r>
               <a:rPr lang="nl-NL" sz="3600" noProof="0" dirty="0"/>
-              <a:t>Agenda</a:t>
+              <a:t>Oefeningen IV</a:t>
             </a:r>
           </a:p>
         </p:txBody>
@@ -4271,7 +4377,7 @@
         <p:spPr>
           <a:xfrm>
             <a:off x="838200" y="1456267"/>
-            <a:ext cx="10515600" cy="4720696"/>
+            <a:ext cx="10375900" cy="4720696"/>
           </a:xfrm>
         </p:spPr>
         <p:txBody>
@@ -4280,156 +4386,338 @@
           </a:bodyPr>
           <a:lstStyle/>
           <a:p>
-            <a:pPr>
-              <a:spcAft>
-                <a:spcPts val="600"/>
-              </a:spcAft>
-            </a:pPr>
-            <a:r>
-              <a:rPr lang="nl-NL" sz="2000" noProof="0" dirty="0" err="1"/>
-              <a:t>Branching</a:t>
-            </a:r>
-            <a:endParaRPr lang="nl-NL" sz="2000" noProof="0" dirty="0"/>
-          </a:p>
-          <a:p>
-            <a:pPr lvl="1">
-              <a:spcAft>
-                <a:spcPts val="600"/>
-              </a:spcAft>
-            </a:pPr>
-            <a:r>
-              <a:rPr lang="nl-NL" sz="1600" noProof="0" dirty="0" err="1"/>
-              <a:t>Branch</a:t>
-            </a:r>
-            <a:r>
-              <a:rPr lang="nl-NL" sz="1600" noProof="0" dirty="0"/>
-              <a:t> maken</a:t>
-            </a:r>
-          </a:p>
-          <a:p>
-            <a:pPr lvl="1">
-              <a:spcAft>
-                <a:spcPts val="600"/>
-              </a:spcAft>
-            </a:pPr>
-            <a:r>
-              <a:rPr lang="nl-NL" sz="1600" dirty="0"/>
-              <a:t>Mergen</a:t>
-            </a:r>
-            <a:endParaRPr lang="nl-NL" sz="1600" noProof="0" dirty="0"/>
-          </a:p>
-          <a:p>
-            <a:pPr>
-              <a:spcAft>
-                <a:spcPts val="600"/>
-              </a:spcAft>
-            </a:pPr>
-            <a:r>
-              <a:rPr lang="nl-NL" sz="2000" noProof="0" dirty="0"/>
-              <a:t>Samenwerken</a:t>
-            </a:r>
+            <a:pPr marL="457200" indent="-457200">
+              <a:buFont typeface="Arial" panose="020B0604020202020204" pitchFamily="34" charset="0"/>
+              <a:buAutoNum type="arabicPeriod"/>
+            </a:pPr>
+            <a:r>
+              <a:rPr lang="nl-NL" sz="2000" dirty="0"/>
+              <a:t>Open Notebook </a:t>
+            </a:r>
+            <a:r>
+              <a:rPr lang="nl-NL" sz="2000" dirty="0" err="1">
+                <a:latin typeface="Courier New" panose="02070309020205020404" pitchFamily="49" charset="0"/>
+                <a:cs typeface="Courier New" panose="02070309020205020404" pitchFamily="49" charset="0"/>
+              </a:rPr>
+              <a:t>exercises</a:t>
+            </a:r>
+            <a:r>
+              <a:rPr lang="nl-NL" sz="2000" dirty="0">
+                <a:latin typeface="Courier New" panose="02070309020205020404" pitchFamily="49" charset="0"/>
+                <a:cs typeface="Courier New" panose="02070309020205020404" pitchFamily="49" charset="0"/>
+              </a:rPr>
+              <a:t>/4_fuzzy_dict.ipynb</a:t>
+            </a:r>
+          </a:p>
+          <a:p>
+            <a:pPr marL="457200" indent="-457200">
+              <a:buFont typeface="Arial" panose="020B0604020202020204" pitchFamily="34" charset="0"/>
+              <a:buAutoNum type="arabicPeriod"/>
+            </a:pPr>
             <a:endParaRPr lang="nl-NL" sz="2000" dirty="0"/>
           </a:p>
           <a:p>
-            <a:pPr lvl="1">
-              <a:spcAft>
-                <a:spcPts val="600"/>
-              </a:spcAft>
-            </a:pPr>
-            <a:r>
-              <a:rPr lang="nl-NL" sz="1600" noProof="0" dirty="0"/>
-              <a:t>Pull </a:t>
-            </a:r>
-            <a:r>
-              <a:rPr lang="nl-NL" sz="1600" noProof="0" dirty="0" err="1"/>
-              <a:t>Request</a:t>
-            </a:r>
-            <a:endParaRPr lang="nl-NL" sz="1600" noProof="0" dirty="0"/>
-          </a:p>
-          <a:p>
-            <a:pPr lvl="1">
-              <a:spcAft>
-                <a:spcPts val="600"/>
-              </a:spcAft>
-            </a:pPr>
-            <a:r>
-              <a:rPr lang="nl-NL" sz="1600" dirty="0"/>
-              <a:t>Code reviews</a:t>
-            </a:r>
-          </a:p>
-          <a:p>
-            <a:pPr>
-              <a:spcAft>
-                <a:spcPts val="600"/>
-              </a:spcAft>
-            </a:pPr>
+            <a:pPr marL="457200" indent="-457200">
+              <a:buFont typeface="Arial" panose="020B0604020202020204" pitchFamily="34" charset="0"/>
+              <a:buAutoNum type="arabicPeriod"/>
+            </a:pPr>
+            <a:r>
+              <a:rPr lang="nl-NL" sz="2000" dirty="0" err="1">
+                <a:latin typeface="Courier New" panose="02070309020205020404" pitchFamily="49" charset="0"/>
+                <a:cs typeface="Courier New" panose="02070309020205020404" pitchFamily="49" charset="0"/>
+              </a:rPr>
+              <a:t>FuzzyDict</a:t>
+            </a:r>
+            <a:r>
+              <a:rPr lang="nl-NL" sz="2000" dirty="0">
+                <a:latin typeface="Courier New" panose="02070309020205020404" pitchFamily="49" charset="0"/>
+                <a:cs typeface="Courier New" panose="02070309020205020404" pitchFamily="49" charset="0"/>
+              </a:rPr>
+              <a:t>;</a:t>
+            </a:r>
+            <a:r>
+              <a:rPr lang="nl-NL" sz="2000" dirty="0"/>
+              <a:t> </a:t>
+            </a:r>
             <a:r>
               <a:rPr lang="nl-NL" sz="2000" dirty="0" err="1"/>
-              <a:t>Continuous</a:t>
+              <a:t>dict</a:t>
             </a:r>
             <a:r>
               <a:rPr lang="nl-NL" sz="2000" dirty="0"/>
-              <a:t> Integration</a:t>
-            </a:r>
-          </a:p>
-          <a:p>
-            <a:pPr lvl="1">
-              <a:spcAft>
-                <a:spcPts val="600"/>
-              </a:spcAft>
-            </a:pPr>
-            <a:r>
-              <a:rPr lang="nl-NL" sz="1600" dirty="0"/>
-              <a:t>Hoe werkt het?</a:t>
-            </a:r>
-          </a:p>
-          <a:p>
-            <a:pPr lvl="1">
-              <a:spcAft>
-                <a:spcPts val="600"/>
-              </a:spcAft>
-            </a:pPr>
-            <a:r>
-              <a:rPr lang="nl-NL" sz="1600" dirty="0"/>
-              <a:t>Python pipeline opzetten</a:t>
-            </a:r>
-          </a:p>
-        </p:txBody>
-      </p:sp>
-      <p:pic>
-        <p:nvPicPr>
-          <p:cNvPr id="4" name="Picture 3">
-            <a:extLst>
-              <a:ext uri="{FF2B5EF4-FFF2-40B4-BE49-F238E27FC236}">
-                <a16:creationId xmlns:a16="http://schemas.microsoft.com/office/drawing/2014/main" id="{10F1785D-DBAB-C34E-4C20-A2078BA9DAEA}"/>
-              </a:ext>
-            </a:extLst>
-          </p:cNvPr>
-          <p:cNvPicPr>
-            <a:picLocks noChangeAspect="1"/>
-          </p:cNvPicPr>
-          <p:nvPr/>
-        </p:nvPicPr>
-        <p:blipFill>
-          <a:blip r:embed="rId2"/>
-          <a:stretch>
-            <a:fillRect/>
-          </a:stretch>
-        </p:blipFill>
-        <p:spPr>
-          <a:xfrm rot="1217736">
-            <a:off x="8321964" y="3685187"/>
-            <a:ext cx="2694468" cy="2415360"/>
-          </a:xfrm>
-          <a:prstGeom prst="rect">
-            <a:avLst/>
-          </a:prstGeom>
-        </p:spPr>
-      </p:pic>
+              <a:t> dat niet hoofdlettergevoelig is:</a:t>
+            </a:r>
+          </a:p>
+          <a:p>
+            <a:pPr lvl="1"/>
+            <a:r>
+              <a:rPr lang="nl-NL" sz="2000" dirty="0" err="1">
+                <a:latin typeface="Courier New" panose="02070309020205020404" pitchFamily="49" charset="0"/>
+                <a:cs typeface="Courier New" panose="02070309020205020404" pitchFamily="49" charset="0"/>
+              </a:rPr>
+              <a:t>fuzzydict</a:t>
+            </a:r>
+            <a:r>
+              <a:rPr lang="nl-NL" sz="2000" dirty="0">
+                <a:latin typeface="Courier New" panose="02070309020205020404" pitchFamily="49" charset="0"/>
+                <a:cs typeface="Courier New" panose="02070309020205020404" pitchFamily="49" charset="0"/>
+              </a:rPr>
+              <a:t>[</a:t>
+            </a:r>
+            <a:r>
+              <a:rPr lang="nl-NL" sz="2000" dirty="0">
+                <a:solidFill>
+                  <a:schemeClr val="accent2">
+                    <a:lumMod val="75000"/>
+                  </a:schemeClr>
+                </a:solidFill>
+                <a:latin typeface="Courier New" panose="02070309020205020404" pitchFamily="49" charset="0"/>
+                <a:cs typeface="Courier New" panose="02070309020205020404" pitchFamily="49" charset="0"/>
+              </a:rPr>
+              <a:t>"NAAM"</a:t>
+            </a:r>
+            <a:r>
+              <a:rPr lang="nl-NL" sz="2000" dirty="0">
+                <a:latin typeface="Courier New" panose="02070309020205020404" pitchFamily="49" charset="0"/>
+                <a:cs typeface="Courier New" panose="02070309020205020404" pitchFamily="49" charset="0"/>
+              </a:rPr>
+              <a:t>]</a:t>
+            </a:r>
+            <a:r>
+              <a:rPr lang="nl-NL" sz="2000" dirty="0"/>
+              <a:t> is gelijk aan </a:t>
+            </a:r>
+            <a:r>
+              <a:rPr lang="nl-NL" sz="2000" dirty="0" err="1">
+                <a:latin typeface="Courier New" panose="02070309020205020404" pitchFamily="49" charset="0"/>
+                <a:cs typeface="Courier New" panose="02070309020205020404" pitchFamily="49" charset="0"/>
+              </a:rPr>
+              <a:t>fuzzydict</a:t>
+            </a:r>
+            <a:r>
+              <a:rPr lang="nl-NL" sz="2000" dirty="0">
+                <a:latin typeface="Courier New" panose="02070309020205020404" pitchFamily="49" charset="0"/>
+                <a:cs typeface="Courier New" panose="02070309020205020404" pitchFamily="49" charset="0"/>
+              </a:rPr>
+              <a:t>[</a:t>
+            </a:r>
+            <a:r>
+              <a:rPr lang="nl-NL" sz="2000" dirty="0">
+                <a:solidFill>
+                  <a:schemeClr val="accent2">
+                    <a:lumMod val="75000"/>
+                  </a:schemeClr>
+                </a:solidFill>
+                <a:latin typeface="Courier New" panose="02070309020205020404" pitchFamily="49" charset="0"/>
+                <a:cs typeface="Courier New" panose="02070309020205020404" pitchFamily="49" charset="0"/>
+              </a:rPr>
+              <a:t>"naam"</a:t>
+            </a:r>
+            <a:r>
+              <a:rPr lang="nl-NL" sz="2000" dirty="0">
+                <a:latin typeface="Courier New" panose="02070309020205020404" pitchFamily="49" charset="0"/>
+                <a:cs typeface="Courier New" panose="02070309020205020404" pitchFamily="49" charset="0"/>
+              </a:rPr>
+              <a:t>]</a:t>
+            </a:r>
+            <a:r>
+              <a:rPr lang="nl-NL" sz="2000" dirty="0">
+                <a:cs typeface="Courier New" panose="02070309020205020404" pitchFamily="49" charset="0"/>
+              </a:rPr>
+              <a:t>.</a:t>
+            </a:r>
+            <a:endParaRPr lang="nl-NL" sz="2000" dirty="0"/>
+          </a:p>
+          <a:p>
+            <a:pPr lvl="1"/>
+            <a:r>
+              <a:rPr lang="nl-NL" sz="2000" dirty="0">
+                <a:cs typeface="Courier New" panose="02070309020205020404" pitchFamily="49" charset="0"/>
+              </a:rPr>
+              <a:t>Zowel bij ophalen als wegschrijven van waardes.</a:t>
+            </a:r>
+            <a:endParaRPr lang="nl-NL" sz="2000" dirty="0"/>
+          </a:p>
+          <a:p>
+            <a:pPr marL="457200" indent="-457200">
+              <a:buFont typeface="Arial" panose="020B0604020202020204" pitchFamily="34" charset="0"/>
+              <a:buAutoNum type="arabicPeriod"/>
+            </a:pPr>
+            <a:endParaRPr lang="nl-NL" sz="2000" dirty="0"/>
+          </a:p>
+          <a:p>
+            <a:pPr marL="457200" indent="-457200">
+              <a:buFont typeface="Arial" panose="020B0604020202020204" pitchFamily="34" charset="0"/>
+              <a:buAutoNum type="arabicPeriod"/>
+            </a:pPr>
+            <a:r>
+              <a:rPr lang="nl-NL" sz="2000" dirty="0"/>
+              <a:t>Gebruik:</a:t>
+            </a:r>
+          </a:p>
+          <a:p>
+            <a:pPr marL="0" indent="0">
+              <a:buNone/>
+            </a:pPr>
+            <a:r>
+              <a:rPr lang="nl-NL" sz="2000" dirty="0">
+                <a:latin typeface="Courier New" panose="02070309020205020404" pitchFamily="49" charset="0"/>
+                <a:cs typeface="Courier New" panose="02070309020205020404" pitchFamily="49" charset="0"/>
+              </a:rPr>
+              <a:t>   __</a:t>
+            </a:r>
+            <a:r>
+              <a:rPr lang="nl-NL" sz="2000" dirty="0" err="1">
+                <a:latin typeface="Courier New" panose="02070309020205020404" pitchFamily="49" charset="0"/>
+                <a:cs typeface="Courier New" panose="02070309020205020404" pitchFamily="49" charset="0"/>
+              </a:rPr>
+              <a:t>getitem</a:t>
+            </a:r>
+            <a:r>
+              <a:rPr lang="nl-NL" sz="2000" dirty="0">
+                <a:latin typeface="Courier New" panose="02070309020205020404" pitchFamily="49" charset="0"/>
+                <a:cs typeface="Courier New" panose="02070309020205020404" pitchFamily="49" charset="0"/>
+              </a:rPr>
+              <a:t>__</a:t>
+            </a:r>
+            <a:r>
+              <a:rPr lang="nl-NL" sz="2000" dirty="0"/>
+              <a:t> om waardes op te halen.</a:t>
+            </a:r>
+          </a:p>
+          <a:p>
+            <a:pPr marL="0" indent="0">
+              <a:buNone/>
+            </a:pPr>
+            <a:r>
+              <a:rPr lang="nl-NL" sz="2000" dirty="0">
+                <a:latin typeface="Courier New" panose="02070309020205020404" pitchFamily="49" charset="0"/>
+                <a:cs typeface="Courier New" panose="02070309020205020404" pitchFamily="49" charset="0"/>
+              </a:rPr>
+              <a:t>   __</a:t>
+            </a:r>
+            <a:r>
+              <a:rPr lang="nl-NL" sz="2000" dirty="0" err="1">
+                <a:latin typeface="Courier New" panose="02070309020205020404" pitchFamily="49" charset="0"/>
+                <a:cs typeface="Courier New" panose="02070309020205020404" pitchFamily="49" charset="0"/>
+              </a:rPr>
+              <a:t>setitem</a:t>
+            </a:r>
+            <a:r>
+              <a:rPr lang="nl-NL" sz="2000" dirty="0">
+                <a:latin typeface="Courier New" panose="02070309020205020404" pitchFamily="49" charset="0"/>
+                <a:cs typeface="Courier New" panose="02070309020205020404" pitchFamily="49" charset="0"/>
+              </a:rPr>
+              <a:t>__</a:t>
+            </a:r>
+            <a:r>
+              <a:rPr lang="nl-NL" sz="2000" dirty="0"/>
+              <a:t> om waardes op te slaan.</a:t>
+            </a:r>
+          </a:p>
+          <a:p>
+            <a:pPr marL="0" indent="0">
+              <a:buNone/>
+            </a:pPr>
+            <a:endParaRPr lang="nl-NL" sz="2000" dirty="0"/>
+          </a:p>
+          <a:p>
+            <a:pPr marL="457200" indent="-457200">
+              <a:buAutoNum type="arabicPeriod" startAt="4"/>
+            </a:pPr>
+            <a:r>
+              <a:rPr lang="nl-NL" sz="2000" dirty="0"/>
+              <a:t>Bonus voor implementeren van methodes:</a:t>
+            </a:r>
+          </a:p>
+          <a:p>
+            <a:pPr marL="0" indent="0">
+              <a:buNone/>
+            </a:pPr>
+            <a:r>
+              <a:rPr lang="nl-NL" sz="2000" dirty="0">
+                <a:latin typeface="Courier New" panose="02070309020205020404" pitchFamily="49" charset="0"/>
+                <a:cs typeface="Courier New" panose="02070309020205020404" pitchFamily="49" charset="0"/>
+              </a:rPr>
+              <a:t>   __</a:t>
+            </a:r>
+            <a:r>
+              <a:rPr lang="nl-NL" sz="2000" dirty="0" err="1">
+                <a:latin typeface="Courier New" panose="02070309020205020404" pitchFamily="49" charset="0"/>
+                <a:cs typeface="Courier New" panose="02070309020205020404" pitchFamily="49" charset="0"/>
+              </a:rPr>
+              <a:t>str</a:t>
+            </a:r>
+            <a:r>
+              <a:rPr lang="nl-NL" sz="2000" dirty="0">
+                <a:latin typeface="Courier New" panose="02070309020205020404" pitchFamily="49" charset="0"/>
+                <a:cs typeface="Courier New" panose="02070309020205020404" pitchFamily="49" charset="0"/>
+              </a:rPr>
+              <a:t>__, __</a:t>
+            </a:r>
+            <a:r>
+              <a:rPr lang="nl-NL" sz="2000" dirty="0" err="1">
+                <a:latin typeface="Courier New" panose="02070309020205020404" pitchFamily="49" charset="0"/>
+                <a:cs typeface="Courier New" panose="02070309020205020404" pitchFamily="49" charset="0"/>
+              </a:rPr>
+              <a:t>repr</a:t>
+            </a:r>
+            <a:r>
+              <a:rPr lang="nl-NL" sz="2000" dirty="0">
+                <a:latin typeface="Courier New" panose="02070309020205020404" pitchFamily="49" charset="0"/>
+                <a:cs typeface="Courier New" panose="02070309020205020404" pitchFamily="49" charset="0"/>
+              </a:rPr>
+              <a:t>__, __</a:t>
+            </a:r>
+            <a:r>
+              <a:rPr lang="nl-NL" sz="2000" dirty="0" err="1">
+                <a:latin typeface="Courier New" panose="02070309020205020404" pitchFamily="49" charset="0"/>
+                <a:cs typeface="Courier New" panose="02070309020205020404" pitchFamily="49" charset="0"/>
+              </a:rPr>
+              <a:t>len</a:t>
+            </a:r>
+            <a:r>
+              <a:rPr lang="nl-NL" sz="2000" dirty="0">
+                <a:latin typeface="Courier New" panose="02070309020205020404" pitchFamily="49" charset="0"/>
+                <a:cs typeface="Courier New" panose="02070309020205020404" pitchFamily="49" charset="0"/>
+              </a:rPr>
+              <a:t>__, </a:t>
+            </a:r>
+            <a:r>
+              <a:rPr lang="nl-NL" sz="2000" dirty="0" err="1">
+                <a:latin typeface="Courier New" panose="02070309020205020404" pitchFamily="49" charset="0"/>
+                <a:cs typeface="Courier New" panose="02070309020205020404" pitchFamily="49" charset="0"/>
+              </a:rPr>
+              <a:t>keys</a:t>
+            </a:r>
+            <a:r>
+              <a:rPr lang="nl-NL" sz="2000" dirty="0">
+                <a:latin typeface="Courier New" panose="02070309020205020404" pitchFamily="49" charset="0"/>
+                <a:cs typeface="Courier New" panose="02070309020205020404" pitchFamily="49" charset="0"/>
+              </a:rPr>
+              <a:t>, </a:t>
+            </a:r>
+            <a:r>
+              <a:rPr lang="nl-NL" sz="2000" dirty="0" err="1">
+                <a:latin typeface="Courier New" panose="02070309020205020404" pitchFamily="49" charset="0"/>
+                <a:cs typeface="Courier New" panose="02070309020205020404" pitchFamily="49" charset="0"/>
+              </a:rPr>
+              <a:t>values</a:t>
+            </a:r>
+            <a:r>
+              <a:rPr lang="nl-NL" sz="2000" dirty="0">
+                <a:latin typeface="Courier New" panose="02070309020205020404" pitchFamily="49" charset="0"/>
+                <a:cs typeface="Courier New" panose="02070309020205020404" pitchFamily="49" charset="0"/>
+              </a:rPr>
+              <a:t>, items</a:t>
+            </a:r>
+          </a:p>
+        </p:txBody>
+      </p:sp>
     </p:spTree>
     <p:extLst>
       <p:ext uri="{BB962C8B-B14F-4D97-AF65-F5344CB8AC3E}">
-        <p14:creationId xmlns:p14="http://schemas.microsoft.com/office/powerpoint/2010/main" val="1265611121"/>
+        <p14:creationId xmlns:p14="http://schemas.microsoft.com/office/powerpoint/2010/main" val="648058030"/>
       </p:ext>
     </p:extLst>
   </p:cSld>
@@ -4439,262 +4727,7 @@
 </p:sld>
 </file>
 
-<file path=ppt/slides/slide3.xml><?xml version="1.0" encoding="utf-8"?>
-<p:sld xmlns:a="http://schemas.openxmlformats.org/drawingml/2006/main" xmlns:r="http://schemas.openxmlformats.org/officeDocument/2006/relationships" xmlns:p="http://schemas.openxmlformats.org/presentationml/2006/main">
-  <p:cSld>
-    <p:spTree>
-      <p:nvGrpSpPr>
-        <p:cNvPr id="1" name=""/>
-        <p:cNvGrpSpPr/>
-        <p:nvPr/>
-      </p:nvGrpSpPr>
-      <p:grpSpPr>
-        <a:xfrm>
-          <a:off x="0" y="0"/>
-          <a:ext cx="0" cy="0"/>
-          <a:chOff x="0" y="0"/>
-          <a:chExt cx="0" cy="0"/>
-        </a:xfrm>
-      </p:grpSpPr>
-      <p:sp>
-        <p:nvSpPr>
-          <p:cNvPr id="4" name="Title 3">
-            <a:extLst>
-              <a:ext uri="{FF2B5EF4-FFF2-40B4-BE49-F238E27FC236}">
-                <a16:creationId xmlns:a16="http://schemas.microsoft.com/office/drawing/2014/main" id="{72C925CA-BCA3-3701-E08E-95652380B32E}"/>
-              </a:ext>
-            </a:extLst>
-          </p:cNvPr>
-          <p:cNvSpPr>
-            <a:spLocks noGrp="1"/>
-          </p:cNvSpPr>
-          <p:nvPr>
-            <p:ph type="title"/>
-          </p:nvPr>
-        </p:nvSpPr>
-        <p:spPr/>
-        <p:txBody>
-          <a:bodyPr/>
-          <a:lstStyle/>
-          <a:p>
-            <a:r>
-              <a:rPr lang="nl-NL" noProof="0" dirty="0"/>
-              <a:t>Wat is git?</a:t>
-            </a:r>
-          </a:p>
-        </p:txBody>
-      </p:sp>
-      <p:sp>
-        <p:nvSpPr>
-          <p:cNvPr id="5" name="Text Placeholder 4">
-            <a:extLst>
-              <a:ext uri="{FF2B5EF4-FFF2-40B4-BE49-F238E27FC236}">
-                <a16:creationId xmlns:a16="http://schemas.microsoft.com/office/drawing/2014/main" id="{1AB31C95-91AF-DF13-FB58-0DA5F2D9F6F7}"/>
-              </a:ext>
-            </a:extLst>
-          </p:cNvPr>
-          <p:cNvSpPr>
-            <a:spLocks noGrp="1"/>
-          </p:cNvSpPr>
-          <p:nvPr>
-            <p:ph type="body" idx="1"/>
-          </p:nvPr>
-        </p:nvSpPr>
-        <p:spPr/>
-        <p:txBody>
-          <a:bodyPr/>
-          <a:lstStyle/>
-          <a:p>
-            <a:endParaRPr lang="en-NL"/>
-          </a:p>
-        </p:txBody>
-      </p:sp>
-    </p:spTree>
-    <p:extLst>
-      <p:ext uri="{BB962C8B-B14F-4D97-AF65-F5344CB8AC3E}">
-        <p14:creationId xmlns:p14="http://schemas.microsoft.com/office/powerpoint/2010/main" val="276640083"/>
-      </p:ext>
-    </p:extLst>
-  </p:cSld>
-  <p:clrMapOvr>
-    <a:masterClrMapping/>
-  </p:clrMapOvr>
-</p:sld>
-</file>
-
-<file path=ppt/slides/slide4.xml><?xml version="1.0" encoding="utf-8"?>
-<p:sld xmlns:a="http://schemas.openxmlformats.org/drawingml/2006/main" xmlns:r="http://schemas.openxmlformats.org/officeDocument/2006/relationships" xmlns:p="http://schemas.openxmlformats.org/presentationml/2006/main">
-  <p:cSld>
-    <p:spTree>
-      <p:nvGrpSpPr>
-        <p:cNvPr id="1" name=""/>
-        <p:cNvGrpSpPr/>
-        <p:nvPr/>
-      </p:nvGrpSpPr>
-      <p:grpSpPr>
-        <a:xfrm>
-          <a:off x="0" y="0"/>
-          <a:ext cx="0" cy="0"/>
-          <a:chOff x="0" y="0"/>
-          <a:chExt cx="0" cy="0"/>
-        </a:xfrm>
-      </p:grpSpPr>
-      <p:sp>
-        <p:nvSpPr>
-          <p:cNvPr id="4" name="Title 3">
-            <a:extLst>
-              <a:ext uri="{FF2B5EF4-FFF2-40B4-BE49-F238E27FC236}">
-                <a16:creationId xmlns:a16="http://schemas.microsoft.com/office/drawing/2014/main" id="{72C925CA-BCA3-3701-E08E-95652380B32E}"/>
-              </a:ext>
-            </a:extLst>
-          </p:cNvPr>
-          <p:cNvSpPr>
-            <a:spLocks noGrp="1"/>
-          </p:cNvSpPr>
-          <p:nvPr>
-            <p:ph type="title"/>
-          </p:nvPr>
-        </p:nvSpPr>
-        <p:spPr/>
-        <p:txBody>
-          <a:bodyPr/>
-          <a:lstStyle/>
-          <a:p>
-            <a:r>
-              <a:rPr lang="nl-NL" noProof="0" dirty="0"/>
-              <a:t>Werken met versies</a:t>
-            </a:r>
-          </a:p>
-        </p:txBody>
-      </p:sp>
-      <p:sp>
-        <p:nvSpPr>
-          <p:cNvPr id="5" name="Text Placeholder 4">
-            <a:extLst>
-              <a:ext uri="{FF2B5EF4-FFF2-40B4-BE49-F238E27FC236}">
-                <a16:creationId xmlns:a16="http://schemas.microsoft.com/office/drawing/2014/main" id="{1AB31C95-91AF-DF13-FB58-0DA5F2D9F6F7}"/>
-              </a:ext>
-            </a:extLst>
-          </p:cNvPr>
-          <p:cNvSpPr>
-            <a:spLocks noGrp="1"/>
-          </p:cNvSpPr>
-          <p:nvPr>
-            <p:ph type="body" idx="1"/>
-          </p:nvPr>
-        </p:nvSpPr>
-        <p:spPr/>
-        <p:txBody>
-          <a:bodyPr/>
-          <a:lstStyle/>
-          <a:p>
-            <a:endParaRPr lang="en-NL"/>
-          </a:p>
-        </p:txBody>
-      </p:sp>
-    </p:spTree>
-    <p:extLst>
-      <p:ext uri="{BB962C8B-B14F-4D97-AF65-F5344CB8AC3E}">
-        <p14:creationId xmlns:p14="http://schemas.microsoft.com/office/powerpoint/2010/main" val="1045594335"/>
-      </p:ext>
-    </p:extLst>
-  </p:cSld>
-  <p:clrMapOvr>
-    <a:masterClrMapping/>
-  </p:clrMapOvr>
-</p:sld>
-</file>
-
-<file path=ppt/slides/slide5.xml><?xml version="1.0" encoding="utf-8"?>
-<p:sld xmlns:a="http://schemas.openxmlformats.org/drawingml/2006/main" xmlns:r="http://schemas.openxmlformats.org/officeDocument/2006/relationships" xmlns:p="http://schemas.openxmlformats.org/presentationml/2006/main">
-  <p:cSld>
-    <p:spTree>
-      <p:nvGrpSpPr>
-        <p:cNvPr id="1" name="">
-          <a:extLst>
-            <a:ext uri="{FF2B5EF4-FFF2-40B4-BE49-F238E27FC236}">
-              <a16:creationId xmlns:a16="http://schemas.microsoft.com/office/drawing/2014/main" id="{53350AC3-44D2-125F-C901-74E8A6F61E54}"/>
-            </a:ext>
-          </a:extLst>
-        </p:cNvPr>
-        <p:cNvGrpSpPr/>
-        <p:nvPr/>
-      </p:nvGrpSpPr>
-      <p:grpSpPr>
-        <a:xfrm>
-          <a:off x="0" y="0"/>
-          <a:ext cx="0" cy="0"/>
-          <a:chOff x="0" y="0"/>
-          <a:chExt cx="0" cy="0"/>
-        </a:xfrm>
-      </p:grpSpPr>
-      <p:sp>
-        <p:nvSpPr>
-          <p:cNvPr id="4" name="Title 3">
-            <a:extLst>
-              <a:ext uri="{FF2B5EF4-FFF2-40B4-BE49-F238E27FC236}">
-                <a16:creationId xmlns:a16="http://schemas.microsoft.com/office/drawing/2014/main" id="{09C9436C-DC36-00A0-18E7-6B9DD57D93A7}"/>
-              </a:ext>
-            </a:extLst>
-          </p:cNvPr>
-          <p:cNvSpPr>
-            <a:spLocks noGrp="1"/>
-          </p:cNvSpPr>
-          <p:nvPr>
-            <p:ph type="title"/>
-          </p:nvPr>
-        </p:nvSpPr>
-        <p:spPr/>
-        <p:txBody>
-          <a:bodyPr/>
-          <a:lstStyle/>
-          <a:p>
-            <a:r>
-              <a:rPr lang="nl-NL" noProof="0" dirty="0"/>
-              <a:t>Remote</a:t>
-            </a:r>
-          </a:p>
-        </p:txBody>
-      </p:sp>
-      <p:sp>
-        <p:nvSpPr>
-          <p:cNvPr id="5" name="Text Placeholder 4">
-            <a:extLst>
-              <a:ext uri="{FF2B5EF4-FFF2-40B4-BE49-F238E27FC236}">
-                <a16:creationId xmlns:a16="http://schemas.microsoft.com/office/drawing/2014/main" id="{DEB61E79-1961-C560-A7F0-B064C69A128C}"/>
-              </a:ext>
-            </a:extLst>
-          </p:cNvPr>
-          <p:cNvSpPr>
-            <a:spLocks noGrp="1"/>
-          </p:cNvSpPr>
-          <p:nvPr>
-            <p:ph type="body" idx="1"/>
-          </p:nvPr>
-        </p:nvSpPr>
-        <p:spPr/>
-        <p:txBody>
-          <a:bodyPr/>
-          <a:lstStyle/>
-          <a:p>
-            <a:endParaRPr lang="en-NL"/>
-          </a:p>
-        </p:txBody>
-      </p:sp>
-    </p:spTree>
-    <p:extLst>
-      <p:ext uri="{BB962C8B-B14F-4D97-AF65-F5344CB8AC3E}">
-        <p14:creationId xmlns:p14="http://schemas.microsoft.com/office/powerpoint/2010/main" val="3051769913"/>
-      </p:ext>
-    </p:extLst>
-  </p:cSld>
-  <p:clrMapOvr>
-    <a:masterClrMapping/>
-  </p:clrMapOvr>
-</p:sld>
-</file>
-
-<file path=ppt/slides/slide6.xml><?xml version="1.0" encoding="utf-8"?>
+<file path=ppt/slides/slide12.xml><?xml version="1.0" encoding="utf-8"?>
 <p:sld xmlns:a="http://schemas.openxmlformats.org/drawingml/2006/main" xmlns:r="http://schemas.openxmlformats.org/officeDocument/2006/relationships" xmlns:p="http://schemas.openxmlformats.org/presentationml/2006/main">
   <p:cSld>
     <p:spTree>
@@ -5141,7 +5174,7 @@
 </p:sld>
 </file>
 
-<file path=ppt/slides/slide7.xml><?xml version="1.0" encoding="utf-8"?>
+<file path=ppt/slides/slide13.xml><?xml version="1.0" encoding="utf-8"?>
 <p:sld xmlns:a="http://schemas.openxmlformats.org/drawingml/2006/main" xmlns:r="http://schemas.openxmlformats.org/officeDocument/2006/relationships" xmlns:p="http://schemas.openxmlformats.org/presentationml/2006/main">
   <p:cSld>
     <p:spTree>
@@ -5905,7 +5938,7 @@
 </p:sld>
 </file>
 
-<file path=ppt/slides/slide8.xml><?xml version="1.0" encoding="utf-8"?>
+<file path=ppt/slides/slide14.xml><?xml version="1.0" encoding="utf-8"?>
 <p:sld xmlns:a="http://schemas.openxmlformats.org/drawingml/2006/main" xmlns:r="http://schemas.openxmlformats.org/officeDocument/2006/relationships" xmlns:p="http://schemas.openxmlformats.org/presentationml/2006/main">
   <p:cSld>
     <p:spTree>
@@ -6393,7 +6426,7 @@
 </p:sld>
 </file>
 
-<file path=ppt/slides/slide9.xml><?xml version="1.0" encoding="utf-8"?>
+<file path=ppt/slides/slide15.xml><?xml version="1.0" encoding="utf-8"?>
 <p:sld xmlns:a="http://schemas.openxmlformats.org/drawingml/2006/main" xmlns:r="http://schemas.openxmlformats.org/officeDocument/2006/relationships" xmlns:p="http://schemas.openxmlformats.org/presentationml/2006/main">
   <p:cSld>
     <p:spTree>
@@ -6911,6 +6944,3590 @@
     <p:extLst>
       <p:ext uri="{BB962C8B-B14F-4D97-AF65-F5344CB8AC3E}">
         <p14:creationId xmlns:p14="http://schemas.microsoft.com/office/powerpoint/2010/main" val="1837042283"/>
+      </p:ext>
+    </p:extLst>
+  </p:cSld>
+  <p:clrMapOvr>
+    <a:masterClrMapping/>
+  </p:clrMapOvr>
+</p:sld>
+</file>
+
+<file path=ppt/slides/slide16.xml><?xml version="1.0" encoding="utf-8"?>
+<p:sld xmlns:a="http://schemas.openxmlformats.org/drawingml/2006/main" xmlns:r="http://schemas.openxmlformats.org/officeDocument/2006/relationships" xmlns:p="http://schemas.openxmlformats.org/presentationml/2006/main">
+  <p:cSld>
+    <p:spTree>
+      <p:nvGrpSpPr>
+        <p:cNvPr id="1" name=""/>
+        <p:cNvGrpSpPr/>
+        <p:nvPr/>
+      </p:nvGrpSpPr>
+      <p:grpSpPr>
+        <a:xfrm>
+          <a:off x="0" y="0"/>
+          <a:ext cx="0" cy="0"/>
+          <a:chOff x="0" y="0"/>
+          <a:chExt cx="0" cy="0"/>
+        </a:xfrm>
+      </p:grpSpPr>
+      <p:sp>
+        <p:nvSpPr>
+          <p:cNvPr id="2" name="Title 1">
+            <a:extLst>
+              <a:ext uri="{FF2B5EF4-FFF2-40B4-BE49-F238E27FC236}">
+                <a16:creationId xmlns:a16="http://schemas.microsoft.com/office/drawing/2014/main" id="{39A1D606-8DD1-369C-5C09-471CDD551AD5}"/>
+              </a:ext>
+            </a:extLst>
+          </p:cNvPr>
+          <p:cNvSpPr>
+            <a:spLocks noGrp="1"/>
+          </p:cNvSpPr>
+          <p:nvPr>
+            <p:ph type="title"/>
+          </p:nvPr>
+        </p:nvSpPr>
+        <p:spPr>
+          <a:xfrm>
+            <a:off x="838200" y="365126"/>
+            <a:ext cx="10515600" cy="718608"/>
+          </a:xfrm>
+        </p:spPr>
+        <p:txBody>
+          <a:bodyPr>
+            <a:normAutofit/>
+          </a:bodyPr>
+          <a:lstStyle/>
+          <a:p>
+            <a:r>
+              <a:rPr lang="nl-NL" sz="3600" noProof="0" dirty="0"/>
+              <a:t>Oefeningen IV</a:t>
+            </a:r>
+          </a:p>
+        </p:txBody>
+      </p:sp>
+      <p:sp>
+        <p:nvSpPr>
+          <p:cNvPr id="3" name="Content Placeholder 2">
+            <a:extLst>
+              <a:ext uri="{FF2B5EF4-FFF2-40B4-BE49-F238E27FC236}">
+                <a16:creationId xmlns:a16="http://schemas.microsoft.com/office/drawing/2014/main" id="{F4C2D286-E049-0AAB-1360-B7157E11AD7E}"/>
+              </a:ext>
+            </a:extLst>
+          </p:cNvPr>
+          <p:cNvSpPr>
+            <a:spLocks noGrp="1"/>
+          </p:cNvSpPr>
+          <p:nvPr>
+            <p:ph idx="1"/>
+          </p:nvPr>
+        </p:nvSpPr>
+        <p:spPr>
+          <a:xfrm>
+            <a:off x="838200" y="1456267"/>
+            <a:ext cx="10375900" cy="4720696"/>
+          </a:xfrm>
+        </p:spPr>
+        <p:txBody>
+          <a:bodyPr>
+            <a:normAutofit/>
+          </a:bodyPr>
+          <a:lstStyle/>
+          <a:p>
+            <a:pPr marL="457200" indent="-457200">
+              <a:buFont typeface="Arial" panose="020B0604020202020204" pitchFamily="34" charset="0"/>
+              <a:buAutoNum type="arabicPeriod"/>
+            </a:pPr>
+            <a:r>
+              <a:rPr lang="nl-NL" sz="2000" dirty="0"/>
+              <a:t>Open Notebook </a:t>
+            </a:r>
+            <a:r>
+              <a:rPr lang="nl-NL" sz="2000" dirty="0" err="1">
+                <a:latin typeface="Courier New" panose="02070309020205020404" pitchFamily="49" charset="0"/>
+                <a:cs typeface="Courier New" panose="02070309020205020404" pitchFamily="49" charset="0"/>
+              </a:rPr>
+              <a:t>exercises</a:t>
+            </a:r>
+            <a:r>
+              <a:rPr lang="nl-NL" sz="2000" dirty="0">
+                <a:latin typeface="Courier New" panose="02070309020205020404" pitchFamily="49" charset="0"/>
+                <a:cs typeface="Courier New" panose="02070309020205020404" pitchFamily="49" charset="0"/>
+              </a:rPr>
+              <a:t>/4_fuzzy_dict.ipynb</a:t>
+            </a:r>
+          </a:p>
+          <a:p>
+            <a:pPr marL="457200" indent="-457200">
+              <a:buFont typeface="Arial" panose="020B0604020202020204" pitchFamily="34" charset="0"/>
+              <a:buAutoNum type="arabicPeriod"/>
+            </a:pPr>
+            <a:endParaRPr lang="nl-NL" sz="2000" dirty="0"/>
+          </a:p>
+          <a:p>
+            <a:pPr marL="457200" indent="-457200">
+              <a:buFont typeface="Arial" panose="020B0604020202020204" pitchFamily="34" charset="0"/>
+              <a:buAutoNum type="arabicPeriod"/>
+            </a:pPr>
+            <a:r>
+              <a:rPr lang="nl-NL" sz="2000" dirty="0" err="1">
+                <a:latin typeface="Courier New" panose="02070309020205020404" pitchFamily="49" charset="0"/>
+                <a:cs typeface="Courier New" panose="02070309020205020404" pitchFamily="49" charset="0"/>
+              </a:rPr>
+              <a:t>FuzzyDict</a:t>
+            </a:r>
+            <a:r>
+              <a:rPr lang="nl-NL" sz="2000" dirty="0">
+                <a:latin typeface="Courier New" panose="02070309020205020404" pitchFamily="49" charset="0"/>
+                <a:cs typeface="Courier New" panose="02070309020205020404" pitchFamily="49" charset="0"/>
+              </a:rPr>
+              <a:t>;</a:t>
+            </a:r>
+            <a:r>
+              <a:rPr lang="nl-NL" sz="2000" dirty="0"/>
+              <a:t> </a:t>
+            </a:r>
+            <a:r>
+              <a:rPr lang="nl-NL" sz="2000" dirty="0" err="1"/>
+              <a:t>dict</a:t>
+            </a:r>
+            <a:r>
+              <a:rPr lang="nl-NL" sz="2000" dirty="0"/>
+              <a:t> dat niet hoofdlettergevoelig is:</a:t>
+            </a:r>
+          </a:p>
+          <a:p>
+            <a:pPr lvl="1"/>
+            <a:r>
+              <a:rPr lang="nl-NL" sz="2000" dirty="0" err="1">
+                <a:latin typeface="Courier New" panose="02070309020205020404" pitchFamily="49" charset="0"/>
+                <a:cs typeface="Courier New" panose="02070309020205020404" pitchFamily="49" charset="0"/>
+              </a:rPr>
+              <a:t>fuzzydict</a:t>
+            </a:r>
+            <a:r>
+              <a:rPr lang="nl-NL" sz="2000" dirty="0">
+                <a:latin typeface="Courier New" panose="02070309020205020404" pitchFamily="49" charset="0"/>
+                <a:cs typeface="Courier New" panose="02070309020205020404" pitchFamily="49" charset="0"/>
+              </a:rPr>
+              <a:t>[</a:t>
+            </a:r>
+            <a:r>
+              <a:rPr lang="nl-NL" sz="2000" dirty="0">
+                <a:solidFill>
+                  <a:schemeClr val="accent2">
+                    <a:lumMod val="75000"/>
+                  </a:schemeClr>
+                </a:solidFill>
+                <a:latin typeface="Courier New" panose="02070309020205020404" pitchFamily="49" charset="0"/>
+                <a:cs typeface="Courier New" panose="02070309020205020404" pitchFamily="49" charset="0"/>
+              </a:rPr>
+              <a:t>"NAAM"</a:t>
+            </a:r>
+            <a:r>
+              <a:rPr lang="nl-NL" sz="2000" dirty="0">
+                <a:latin typeface="Courier New" panose="02070309020205020404" pitchFamily="49" charset="0"/>
+                <a:cs typeface="Courier New" panose="02070309020205020404" pitchFamily="49" charset="0"/>
+              </a:rPr>
+              <a:t>]</a:t>
+            </a:r>
+            <a:r>
+              <a:rPr lang="nl-NL" sz="2000" dirty="0"/>
+              <a:t> is gelijk aan </a:t>
+            </a:r>
+            <a:r>
+              <a:rPr lang="nl-NL" sz="2000" dirty="0" err="1">
+                <a:latin typeface="Courier New" panose="02070309020205020404" pitchFamily="49" charset="0"/>
+                <a:cs typeface="Courier New" panose="02070309020205020404" pitchFamily="49" charset="0"/>
+              </a:rPr>
+              <a:t>fuzzydict</a:t>
+            </a:r>
+            <a:r>
+              <a:rPr lang="nl-NL" sz="2000" dirty="0">
+                <a:latin typeface="Courier New" panose="02070309020205020404" pitchFamily="49" charset="0"/>
+                <a:cs typeface="Courier New" panose="02070309020205020404" pitchFamily="49" charset="0"/>
+              </a:rPr>
+              <a:t>[</a:t>
+            </a:r>
+            <a:r>
+              <a:rPr lang="nl-NL" sz="2000" dirty="0">
+                <a:solidFill>
+                  <a:schemeClr val="accent2">
+                    <a:lumMod val="75000"/>
+                  </a:schemeClr>
+                </a:solidFill>
+                <a:latin typeface="Courier New" panose="02070309020205020404" pitchFamily="49" charset="0"/>
+                <a:cs typeface="Courier New" panose="02070309020205020404" pitchFamily="49" charset="0"/>
+              </a:rPr>
+              <a:t>"naam"</a:t>
+            </a:r>
+            <a:r>
+              <a:rPr lang="nl-NL" sz="2000" dirty="0">
+                <a:latin typeface="Courier New" panose="02070309020205020404" pitchFamily="49" charset="0"/>
+                <a:cs typeface="Courier New" panose="02070309020205020404" pitchFamily="49" charset="0"/>
+              </a:rPr>
+              <a:t>]</a:t>
+            </a:r>
+            <a:r>
+              <a:rPr lang="nl-NL" sz="2000" dirty="0">
+                <a:cs typeface="Courier New" panose="02070309020205020404" pitchFamily="49" charset="0"/>
+              </a:rPr>
+              <a:t>.</a:t>
+            </a:r>
+            <a:endParaRPr lang="nl-NL" sz="2000" dirty="0"/>
+          </a:p>
+          <a:p>
+            <a:pPr lvl="1"/>
+            <a:r>
+              <a:rPr lang="nl-NL" sz="2000" dirty="0">
+                <a:cs typeface="Courier New" panose="02070309020205020404" pitchFamily="49" charset="0"/>
+              </a:rPr>
+              <a:t>Zowel bij ophalen als wegschrijven van waardes.</a:t>
+            </a:r>
+            <a:endParaRPr lang="nl-NL" sz="2000" dirty="0"/>
+          </a:p>
+          <a:p>
+            <a:pPr marL="457200" indent="-457200">
+              <a:buFont typeface="Arial" panose="020B0604020202020204" pitchFamily="34" charset="0"/>
+              <a:buAutoNum type="arabicPeriod"/>
+            </a:pPr>
+            <a:endParaRPr lang="nl-NL" sz="2000" dirty="0"/>
+          </a:p>
+          <a:p>
+            <a:pPr marL="457200" indent="-457200">
+              <a:buFont typeface="Arial" panose="020B0604020202020204" pitchFamily="34" charset="0"/>
+              <a:buAutoNum type="arabicPeriod"/>
+            </a:pPr>
+            <a:r>
+              <a:rPr lang="nl-NL" sz="2000" dirty="0"/>
+              <a:t>Gebruik:</a:t>
+            </a:r>
+          </a:p>
+          <a:p>
+            <a:pPr marL="0" indent="0">
+              <a:buNone/>
+            </a:pPr>
+            <a:r>
+              <a:rPr lang="nl-NL" sz="2000" dirty="0">
+                <a:latin typeface="Courier New" panose="02070309020205020404" pitchFamily="49" charset="0"/>
+                <a:cs typeface="Courier New" panose="02070309020205020404" pitchFamily="49" charset="0"/>
+              </a:rPr>
+              <a:t>   __</a:t>
+            </a:r>
+            <a:r>
+              <a:rPr lang="nl-NL" sz="2000" dirty="0" err="1">
+                <a:latin typeface="Courier New" panose="02070309020205020404" pitchFamily="49" charset="0"/>
+                <a:cs typeface="Courier New" panose="02070309020205020404" pitchFamily="49" charset="0"/>
+              </a:rPr>
+              <a:t>getitem</a:t>
+            </a:r>
+            <a:r>
+              <a:rPr lang="nl-NL" sz="2000" dirty="0">
+                <a:latin typeface="Courier New" panose="02070309020205020404" pitchFamily="49" charset="0"/>
+                <a:cs typeface="Courier New" panose="02070309020205020404" pitchFamily="49" charset="0"/>
+              </a:rPr>
+              <a:t>__</a:t>
+            </a:r>
+            <a:r>
+              <a:rPr lang="nl-NL" sz="2000" dirty="0"/>
+              <a:t> om waardes op te halen.</a:t>
+            </a:r>
+          </a:p>
+          <a:p>
+            <a:pPr marL="0" indent="0">
+              <a:buNone/>
+            </a:pPr>
+            <a:r>
+              <a:rPr lang="nl-NL" sz="2000" dirty="0">
+                <a:latin typeface="Courier New" panose="02070309020205020404" pitchFamily="49" charset="0"/>
+                <a:cs typeface="Courier New" panose="02070309020205020404" pitchFamily="49" charset="0"/>
+              </a:rPr>
+              <a:t>   __</a:t>
+            </a:r>
+            <a:r>
+              <a:rPr lang="nl-NL" sz="2000" dirty="0" err="1">
+                <a:latin typeface="Courier New" panose="02070309020205020404" pitchFamily="49" charset="0"/>
+                <a:cs typeface="Courier New" panose="02070309020205020404" pitchFamily="49" charset="0"/>
+              </a:rPr>
+              <a:t>setitem</a:t>
+            </a:r>
+            <a:r>
+              <a:rPr lang="nl-NL" sz="2000" dirty="0">
+                <a:latin typeface="Courier New" panose="02070309020205020404" pitchFamily="49" charset="0"/>
+                <a:cs typeface="Courier New" panose="02070309020205020404" pitchFamily="49" charset="0"/>
+              </a:rPr>
+              <a:t>__</a:t>
+            </a:r>
+            <a:r>
+              <a:rPr lang="nl-NL" sz="2000" dirty="0"/>
+              <a:t> om waardes op te slaan.</a:t>
+            </a:r>
+          </a:p>
+          <a:p>
+            <a:pPr marL="0" indent="0">
+              <a:buNone/>
+            </a:pPr>
+            <a:endParaRPr lang="nl-NL" sz="2000" dirty="0"/>
+          </a:p>
+          <a:p>
+            <a:pPr marL="457200" indent="-457200">
+              <a:buAutoNum type="arabicPeriod" startAt="4"/>
+            </a:pPr>
+            <a:r>
+              <a:rPr lang="nl-NL" sz="2000" dirty="0"/>
+              <a:t>Bonus voor implementeren van methodes:</a:t>
+            </a:r>
+          </a:p>
+          <a:p>
+            <a:pPr marL="0" indent="0">
+              <a:buNone/>
+            </a:pPr>
+            <a:r>
+              <a:rPr lang="nl-NL" sz="2000" dirty="0">
+                <a:latin typeface="Courier New" panose="02070309020205020404" pitchFamily="49" charset="0"/>
+                <a:cs typeface="Courier New" panose="02070309020205020404" pitchFamily="49" charset="0"/>
+              </a:rPr>
+              <a:t>   __</a:t>
+            </a:r>
+            <a:r>
+              <a:rPr lang="nl-NL" sz="2000" dirty="0" err="1">
+                <a:latin typeface="Courier New" panose="02070309020205020404" pitchFamily="49" charset="0"/>
+                <a:cs typeface="Courier New" panose="02070309020205020404" pitchFamily="49" charset="0"/>
+              </a:rPr>
+              <a:t>str</a:t>
+            </a:r>
+            <a:r>
+              <a:rPr lang="nl-NL" sz="2000" dirty="0">
+                <a:latin typeface="Courier New" panose="02070309020205020404" pitchFamily="49" charset="0"/>
+                <a:cs typeface="Courier New" panose="02070309020205020404" pitchFamily="49" charset="0"/>
+              </a:rPr>
+              <a:t>__, __</a:t>
+            </a:r>
+            <a:r>
+              <a:rPr lang="nl-NL" sz="2000" dirty="0" err="1">
+                <a:latin typeface="Courier New" panose="02070309020205020404" pitchFamily="49" charset="0"/>
+                <a:cs typeface="Courier New" panose="02070309020205020404" pitchFamily="49" charset="0"/>
+              </a:rPr>
+              <a:t>repr</a:t>
+            </a:r>
+            <a:r>
+              <a:rPr lang="nl-NL" sz="2000" dirty="0">
+                <a:latin typeface="Courier New" panose="02070309020205020404" pitchFamily="49" charset="0"/>
+                <a:cs typeface="Courier New" panose="02070309020205020404" pitchFamily="49" charset="0"/>
+              </a:rPr>
+              <a:t>__, __</a:t>
+            </a:r>
+            <a:r>
+              <a:rPr lang="nl-NL" sz="2000" dirty="0" err="1">
+                <a:latin typeface="Courier New" panose="02070309020205020404" pitchFamily="49" charset="0"/>
+                <a:cs typeface="Courier New" panose="02070309020205020404" pitchFamily="49" charset="0"/>
+              </a:rPr>
+              <a:t>len</a:t>
+            </a:r>
+            <a:r>
+              <a:rPr lang="nl-NL" sz="2000" dirty="0">
+                <a:latin typeface="Courier New" panose="02070309020205020404" pitchFamily="49" charset="0"/>
+                <a:cs typeface="Courier New" panose="02070309020205020404" pitchFamily="49" charset="0"/>
+              </a:rPr>
+              <a:t>__, </a:t>
+            </a:r>
+            <a:r>
+              <a:rPr lang="nl-NL" sz="2000" dirty="0" err="1">
+                <a:latin typeface="Courier New" panose="02070309020205020404" pitchFamily="49" charset="0"/>
+                <a:cs typeface="Courier New" panose="02070309020205020404" pitchFamily="49" charset="0"/>
+              </a:rPr>
+              <a:t>keys</a:t>
+            </a:r>
+            <a:r>
+              <a:rPr lang="nl-NL" sz="2000" dirty="0">
+                <a:latin typeface="Courier New" panose="02070309020205020404" pitchFamily="49" charset="0"/>
+                <a:cs typeface="Courier New" panose="02070309020205020404" pitchFamily="49" charset="0"/>
+              </a:rPr>
+              <a:t>, </a:t>
+            </a:r>
+            <a:r>
+              <a:rPr lang="nl-NL" sz="2000" dirty="0" err="1">
+                <a:latin typeface="Courier New" panose="02070309020205020404" pitchFamily="49" charset="0"/>
+                <a:cs typeface="Courier New" panose="02070309020205020404" pitchFamily="49" charset="0"/>
+              </a:rPr>
+              <a:t>values</a:t>
+            </a:r>
+            <a:r>
+              <a:rPr lang="nl-NL" sz="2000" dirty="0">
+                <a:latin typeface="Courier New" panose="02070309020205020404" pitchFamily="49" charset="0"/>
+                <a:cs typeface="Courier New" panose="02070309020205020404" pitchFamily="49" charset="0"/>
+              </a:rPr>
+              <a:t>, items</a:t>
+            </a:r>
+          </a:p>
+        </p:txBody>
+      </p:sp>
+    </p:spTree>
+    <p:extLst>
+      <p:ext uri="{BB962C8B-B14F-4D97-AF65-F5344CB8AC3E}">
+        <p14:creationId xmlns:p14="http://schemas.microsoft.com/office/powerpoint/2010/main" val="4287688984"/>
+      </p:ext>
+    </p:extLst>
+  </p:cSld>
+  <p:clrMapOvr>
+    <a:masterClrMapping/>
+  </p:clrMapOvr>
+</p:sld>
+</file>
+
+<file path=ppt/slides/slide2.xml><?xml version="1.0" encoding="utf-8"?>
+<p:sld xmlns:a="http://schemas.openxmlformats.org/drawingml/2006/main" xmlns:r="http://schemas.openxmlformats.org/officeDocument/2006/relationships" xmlns:p="http://schemas.openxmlformats.org/presentationml/2006/main">
+  <p:cSld>
+    <p:spTree>
+      <p:nvGrpSpPr>
+        <p:cNvPr id="1" name=""/>
+        <p:cNvGrpSpPr/>
+        <p:nvPr/>
+      </p:nvGrpSpPr>
+      <p:grpSpPr>
+        <a:xfrm>
+          <a:off x="0" y="0"/>
+          <a:ext cx="0" cy="0"/>
+          <a:chOff x="0" y="0"/>
+          <a:chExt cx="0" cy="0"/>
+        </a:xfrm>
+      </p:grpSpPr>
+      <p:sp>
+        <p:nvSpPr>
+          <p:cNvPr id="2" name="Title 1">
+            <a:extLst>
+              <a:ext uri="{FF2B5EF4-FFF2-40B4-BE49-F238E27FC236}">
+                <a16:creationId xmlns:a16="http://schemas.microsoft.com/office/drawing/2014/main" id="{39A1D606-8DD1-369C-5C09-471CDD551AD5}"/>
+              </a:ext>
+            </a:extLst>
+          </p:cNvPr>
+          <p:cNvSpPr>
+            <a:spLocks noGrp="1"/>
+          </p:cNvSpPr>
+          <p:nvPr>
+            <p:ph type="title"/>
+          </p:nvPr>
+        </p:nvSpPr>
+        <p:spPr>
+          <a:xfrm>
+            <a:off x="838200" y="365126"/>
+            <a:ext cx="10515600" cy="718608"/>
+          </a:xfrm>
+        </p:spPr>
+        <p:txBody>
+          <a:bodyPr>
+            <a:normAutofit/>
+          </a:bodyPr>
+          <a:lstStyle/>
+          <a:p>
+            <a:r>
+              <a:rPr lang="nl-NL" sz="3600" noProof="0" dirty="0"/>
+              <a:t>Agenda</a:t>
+            </a:r>
+          </a:p>
+        </p:txBody>
+      </p:sp>
+      <p:sp>
+        <p:nvSpPr>
+          <p:cNvPr id="3" name="Content Placeholder 2">
+            <a:extLst>
+              <a:ext uri="{FF2B5EF4-FFF2-40B4-BE49-F238E27FC236}">
+                <a16:creationId xmlns:a16="http://schemas.microsoft.com/office/drawing/2014/main" id="{F4C2D286-E049-0AAB-1360-B7157E11AD7E}"/>
+              </a:ext>
+            </a:extLst>
+          </p:cNvPr>
+          <p:cNvSpPr>
+            <a:spLocks noGrp="1"/>
+          </p:cNvSpPr>
+          <p:nvPr>
+            <p:ph idx="1"/>
+          </p:nvPr>
+        </p:nvSpPr>
+        <p:spPr>
+          <a:xfrm>
+            <a:off x="838200" y="1456267"/>
+            <a:ext cx="10515600" cy="4720696"/>
+          </a:xfrm>
+        </p:spPr>
+        <p:txBody>
+          <a:bodyPr>
+            <a:normAutofit/>
+          </a:bodyPr>
+          <a:lstStyle/>
+          <a:p>
+            <a:pPr>
+              <a:spcAft>
+                <a:spcPts val="600"/>
+              </a:spcAft>
+            </a:pPr>
+            <a:r>
+              <a:rPr lang="nl-NL" sz="2000" noProof="0" dirty="0"/>
+              <a:t>Git is gedistribueerd</a:t>
+            </a:r>
+          </a:p>
+          <a:p>
+            <a:pPr lvl="1">
+              <a:spcAft>
+                <a:spcPts val="600"/>
+              </a:spcAft>
+            </a:pPr>
+            <a:r>
+              <a:rPr lang="nl-NL" sz="1600" noProof="0" dirty="0"/>
+              <a:t>Gedistribueerd systeem?</a:t>
+            </a:r>
+          </a:p>
+          <a:p>
+            <a:pPr lvl="1">
+              <a:spcAft>
+                <a:spcPts val="600"/>
+              </a:spcAft>
+            </a:pPr>
+            <a:r>
+              <a:rPr lang="nl-NL" sz="1600" dirty="0"/>
+              <a:t>Remote repositories</a:t>
+            </a:r>
+            <a:endParaRPr lang="nl-NL" sz="1600" noProof="0" dirty="0"/>
+          </a:p>
+          <a:p>
+            <a:pPr>
+              <a:spcAft>
+                <a:spcPts val="600"/>
+              </a:spcAft>
+            </a:pPr>
+            <a:r>
+              <a:rPr lang="nl-NL" sz="2000" noProof="0" dirty="0"/>
+              <a:t>Samenwerken</a:t>
+            </a:r>
+            <a:endParaRPr lang="nl-NL" sz="2000" dirty="0"/>
+          </a:p>
+          <a:p>
+            <a:pPr lvl="1">
+              <a:spcAft>
+                <a:spcPts val="600"/>
+              </a:spcAft>
+            </a:pPr>
+            <a:r>
+              <a:rPr lang="nl-NL" sz="1600" noProof="0" dirty="0"/>
+              <a:t>Pull </a:t>
+            </a:r>
+            <a:r>
+              <a:rPr lang="nl-NL" sz="1600" noProof="0" dirty="0" err="1"/>
+              <a:t>requests</a:t>
+            </a:r>
+            <a:endParaRPr lang="nl-NL" sz="1600" noProof="0" dirty="0"/>
+          </a:p>
+          <a:p>
+            <a:pPr lvl="1">
+              <a:spcAft>
+                <a:spcPts val="600"/>
+              </a:spcAft>
+            </a:pPr>
+            <a:r>
+              <a:rPr lang="nl-NL" sz="1600" dirty="0"/>
+              <a:t>Code reviews</a:t>
+            </a:r>
+          </a:p>
+          <a:p>
+            <a:pPr>
+              <a:spcAft>
+                <a:spcPts val="600"/>
+              </a:spcAft>
+            </a:pPr>
+            <a:r>
+              <a:rPr lang="nl-NL" sz="2000" dirty="0" err="1"/>
+              <a:t>Continuous</a:t>
+            </a:r>
+            <a:r>
+              <a:rPr lang="nl-NL" sz="2000" dirty="0"/>
+              <a:t> Integration</a:t>
+            </a:r>
+          </a:p>
+          <a:p>
+            <a:pPr lvl="1">
+              <a:spcAft>
+                <a:spcPts val="600"/>
+              </a:spcAft>
+            </a:pPr>
+            <a:r>
+              <a:rPr lang="nl-NL" sz="1600" dirty="0"/>
+              <a:t>Hoe werkt het?</a:t>
+            </a:r>
+          </a:p>
+          <a:p>
+            <a:pPr lvl="1">
+              <a:spcAft>
+                <a:spcPts val="600"/>
+              </a:spcAft>
+            </a:pPr>
+            <a:r>
+              <a:rPr lang="nl-NL" sz="1600" dirty="0"/>
+              <a:t>Python pipeline opzetten</a:t>
+            </a:r>
+          </a:p>
+        </p:txBody>
+      </p:sp>
+      <p:pic>
+        <p:nvPicPr>
+          <p:cNvPr id="4" name="Picture 3">
+            <a:extLst>
+              <a:ext uri="{FF2B5EF4-FFF2-40B4-BE49-F238E27FC236}">
+                <a16:creationId xmlns:a16="http://schemas.microsoft.com/office/drawing/2014/main" id="{10F1785D-DBAB-C34E-4C20-A2078BA9DAEA}"/>
+              </a:ext>
+            </a:extLst>
+          </p:cNvPr>
+          <p:cNvPicPr>
+            <a:picLocks noChangeAspect="1"/>
+          </p:cNvPicPr>
+          <p:nvPr/>
+        </p:nvPicPr>
+        <p:blipFill>
+          <a:blip r:embed="rId2"/>
+          <a:stretch>
+            <a:fillRect/>
+          </a:stretch>
+        </p:blipFill>
+        <p:spPr>
+          <a:xfrm rot="1217736">
+            <a:off x="8321964" y="3685187"/>
+            <a:ext cx="2694468" cy="2415360"/>
+          </a:xfrm>
+          <a:prstGeom prst="rect">
+            <a:avLst/>
+          </a:prstGeom>
+        </p:spPr>
+      </p:pic>
+    </p:spTree>
+    <p:extLst>
+      <p:ext uri="{BB962C8B-B14F-4D97-AF65-F5344CB8AC3E}">
+        <p14:creationId xmlns:p14="http://schemas.microsoft.com/office/powerpoint/2010/main" val="1265611121"/>
+      </p:ext>
+    </p:extLst>
+  </p:cSld>
+  <p:clrMapOvr>
+    <a:masterClrMapping/>
+  </p:clrMapOvr>
+</p:sld>
+</file>
+
+<file path=ppt/slides/slide3.xml><?xml version="1.0" encoding="utf-8"?>
+<p:sld xmlns:a="http://schemas.openxmlformats.org/drawingml/2006/main" xmlns:r="http://schemas.openxmlformats.org/officeDocument/2006/relationships" xmlns:p="http://schemas.openxmlformats.org/presentationml/2006/main">
+  <p:cSld>
+    <p:spTree>
+      <p:nvGrpSpPr>
+        <p:cNvPr id="1" name="">
+          <a:extLst>
+            <a:ext uri="{FF2B5EF4-FFF2-40B4-BE49-F238E27FC236}">
+              <a16:creationId xmlns:a16="http://schemas.microsoft.com/office/drawing/2014/main" id="{53350AC3-44D2-125F-C901-74E8A6F61E54}"/>
+            </a:ext>
+          </a:extLst>
+        </p:cNvPr>
+        <p:cNvGrpSpPr/>
+        <p:nvPr/>
+      </p:nvGrpSpPr>
+      <p:grpSpPr>
+        <a:xfrm>
+          <a:off x="0" y="0"/>
+          <a:ext cx="0" cy="0"/>
+          <a:chOff x="0" y="0"/>
+          <a:chExt cx="0" cy="0"/>
+        </a:xfrm>
+      </p:grpSpPr>
+      <p:sp>
+        <p:nvSpPr>
+          <p:cNvPr id="4" name="Title 3">
+            <a:extLst>
+              <a:ext uri="{FF2B5EF4-FFF2-40B4-BE49-F238E27FC236}">
+                <a16:creationId xmlns:a16="http://schemas.microsoft.com/office/drawing/2014/main" id="{09C9436C-DC36-00A0-18E7-6B9DD57D93A7}"/>
+              </a:ext>
+            </a:extLst>
+          </p:cNvPr>
+          <p:cNvSpPr>
+            <a:spLocks noGrp="1"/>
+          </p:cNvSpPr>
+          <p:nvPr>
+            <p:ph type="title"/>
+          </p:nvPr>
+        </p:nvSpPr>
+        <p:spPr/>
+        <p:txBody>
+          <a:bodyPr/>
+          <a:lstStyle/>
+          <a:p>
+            <a:r>
+              <a:rPr lang="nl-NL" noProof="0" dirty="0"/>
+              <a:t>Gedistribueerd systeem</a:t>
+            </a:r>
+          </a:p>
+        </p:txBody>
+      </p:sp>
+      <p:sp>
+        <p:nvSpPr>
+          <p:cNvPr id="5" name="Text Placeholder 4">
+            <a:extLst>
+              <a:ext uri="{FF2B5EF4-FFF2-40B4-BE49-F238E27FC236}">
+                <a16:creationId xmlns:a16="http://schemas.microsoft.com/office/drawing/2014/main" id="{DEB61E79-1961-C560-A7F0-B064C69A128C}"/>
+              </a:ext>
+            </a:extLst>
+          </p:cNvPr>
+          <p:cNvSpPr>
+            <a:spLocks noGrp="1"/>
+          </p:cNvSpPr>
+          <p:nvPr>
+            <p:ph type="body" idx="1"/>
+          </p:nvPr>
+        </p:nvSpPr>
+        <p:spPr/>
+        <p:txBody>
+          <a:bodyPr/>
+          <a:lstStyle/>
+          <a:p>
+            <a:endParaRPr lang="en-NL"/>
+          </a:p>
+        </p:txBody>
+      </p:sp>
+    </p:spTree>
+    <p:extLst>
+      <p:ext uri="{BB962C8B-B14F-4D97-AF65-F5344CB8AC3E}">
+        <p14:creationId xmlns:p14="http://schemas.microsoft.com/office/powerpoint/2010/main" val="3051769913"/>
+      </p:ext>
+    </p:extLst>
+  </p:cSld>
+  <p:clrMapOvr>
+    <a:masterClrMapping/>
+  </p:clrMapOvr>
+</p:sld>
+</file>
+
+<file path=ppt/slides/slide4.xml><?xml version="1.0" encoding="utf-8"?>
+<p:sld xmlns:a="http://schemas.openxmlformats.org/drawingml/2006/main" xmlns:r="http://schemas.openxmlformats.org/officeDocument/2006/relationships" xmlns:p="http://schemas.openxmlformats.org/presentationml/2006/main">
+  <p:cSld>
+    <p:spTree>
+      <p:nvGrpSpPr>
+        <p:cNvPr id="1" name=""/>
+        <p:cNvGrpSpPr/>
+        <p:nvPr/>
+      </p:nvGrpSpPr>
+      <p:grpSpPr>
+        <a:xfrm>
+          <a:off x="0" y="0"/>
+          <a:ext cx="0" cy="0"/>
+          <a:chOff x="0" y="0"/>
+          <a:chExt cx="0" cy="0"/>
+        </a:xfrm>
+      </p:grpSpPr>
+      <p:sp>
+        <p:nvSpPr>
+          <p:cNvPr id="2" name="Title 1">
+            <a:extLst>
+              <a:ext uri="{FF2B5EF4-FFF2-40B4-BE49-F238E27FC236}">
+                <a16:creationId xmlns:a16="http://schemas.microsoft.com/office/drawing/2014/main" id="{39A1D606-8DD1-369C-5C09-471CDD551AD5}"/>
+              </a:ext>
+            </a:extLst>
+          </p:cNvPr>
+          <p:cNvSpPr>
+            <a:spLocks noGrp="1"/>
+          </p:cNvSpPr>
+          <p:nvPr>
+            <p:ph type="title"/>
+          </p:nvPr>
+        </p:nvSpPr>
+        <p:spPr>
+          <a:xfrm>
+            <a:off x="838200" y="365126"/>
+            <a:ext cx="10515600" cy="718608"/>
+          </a:xfrm>
+        </p:spPr>
+        <p:txBody>
+          <a:bodyPr>
+            <a:normAutofit/>
+          </a:bodyPr>
+          <a:lstStyle/>
+          <a:p>
+            <a:r>
+              <a:rPr lang="nl-NL" sz="3600" noProof="0" dirty="0"/>
+              <a:t>Centraal vs. gedistribueerd</a:t>
+            </a:r>
+          </a:p>
+        </p:txBody>
+      </p:sp>
+      <p:sp>
+        <p:nvSpPr>
+          <p:cNvPr id="7" name="Rectangle 6">
+            <a:extLst>
+              <a:ext uri="{FF2B5EF4-FFF2-40B4-BE49-F238E27FC236}">
+                <a16:creationId xmlns:a16="http://schemas.microsoft.com/office/drawing/2014/main" id="{71156D21-18E7-D3BB-1602-2E09EFF664FF}"/>
+              </a:ext>
+            </a:extLst>
+          </p:cNvPr>
+          <p:cNvSpPr/>
+          <p:nvPr/>
+        </p:nvSpPr>
+        <p:spPr>
+          <a:xfrm>
+            <a:off x="2625634" y="2991394"/>
+            <a:ext cx="1201783" cy="646611"/>
+          </a:xfrm>
+          <a:prstGeom prst="rect">
+            <a:avLst/>
+          </a:prstGeom>
+          <a:solidFill>
+            <a:schemeClr val="accent6">
+              <a:lumMod val="40000"/>
+              <a:lumOff val="60000"/>
+            </a:schemeClr>
+          </a:solidFill>
+        </p:spPr>
+        <p:style>
+          <a:lnRef idx="1">
+            <a:schemeClr val="accent6"/>
+          </a:lnRef>
+          <a:fillRef idx="2">
+            <a:schemeClr val="accent6"/>
+          </a:fillRef>
+          <a:effectRef idx="1">
+            <a:schemeClr val="accent6"/>
+          </a:effectRef>
+          <a:fontRef idx="minor">
+            <a:schemeClr val="dk1"/>
+          </a:fontRef>
+        </p:style>
+        <p:txBody>
+          <a:bodyPr rtlCol="0" anchor="ctr"/>
+          <a:lstStyle/>
+          <a:p>
+            <a:pPr algn="ctr"/>
+            <a:r>
+              <a:rPr lang="nl-NL" dirty="0"/>
+              <a:t>Server</a:t>
+            </a:r>
+          </a:p>
+        </p:txBody>
+      </p:sp>
+      <p:sp>
+        <p:nvSpPr>
+          <p:cNvPr id="9" name="Oval 8">
+            <a:extLst>
+              <a:ext uri="{FF2B5EF4-FFF2-40B4-BE49-F238E27FC236}">
+                <a16:creationId xmlns:a16="http://schemas.microsoft.com/office/drawing/2014/main" id="{FBB47280-3688-CD9E-2815-119F64295097}"/>
+              </a:ext>
+            </a:extLst>
+          </p:cNvPr>
+          <p:cNvSpPr/>
+          <p:nvPr/>
+        </p:nvSpPr>
+        <p:spPr>
+          <a:xfrm>
+            <a:off x="2805247" y="4604656"/>
+            <a:ext cx="842555" cy="842555"/>
+          </a:xfrm>
+          <a:prstGeom prst="ellipse">
+            <a:avLst/>
+          </a:prstGeom>
+          <a:solidFill>
+            <a:schemeClr val="accent5">
+              <a:lumMod val="40000"/>
+              <a:lumOff val="60000"/>
+            </a:schemeClr>
+          </a:solidFill>
+        </p:spPr>
+        <p:style>
+          <a:lnRef idx="1">
+            <a:schemeClr val="accent5"/>
+          </a:lnRef>
+          <a:fillRef idx="2">
+            <a:schemeClr val="accent5"/>
+          </a:fillRef>
+          <a:effectRef idx="1">
+            <a:schemeClr val="accent5"/>
+          </a:effectRef>
+          <a:fontRef idx="minor">
+            <a:schemeClr val="dk1"/>
+          </a:fontRef>
+        </p:style>
+        <p:txBody>
+          <a:bodyPr rtlCol="0" anchor="ctr"/>
+          <a:lstStyle/>
+          <a:p>
+            <a:pPr algn="ctr"/>
+            <a:r>
+              <a:rPr lang="nl-NL" dirty="0"/>
+              <a:t>P1</a:t>
+            </a:r>
+          </a:p>
+        </p:txBody>
+      </p:sp>
+      <p:cxnSp>
+        <p:nvCxnSpPr>
+          <p:cNvPr id="11" name="Straight Arrow Connector 10">
+            <a:extLst>
+              <a:ext uri="{FF2B5EF4-FFF2-40B4-BE49-F238E27FC236}">
+                <a16:creationId xmlns:a16="http://schemas.microsoft.com/office/drawing/2014/main" id="{C185382D-EA88-786A-B418-91CD677EE62D}"/>
+              </a:ext>
+            </a:extLst>
+          </p:cNvPr>
+          <p:cNvCxnSpPr>
+            <a:stCxn id="7" idx="2"/>
+            <a:endCxn id="9" idx="0"/>
+          </p:cNvCxnSpPr>
+          <p:nvPr/>
+        </p:nvCxnSpPr>
+        <p:spPr>
+          <a:xfrm flipH="1">
+            <a:off x="3226525" y="3638005"/>
+            <a:ext cx="1" cy="966651"/>
+          </a:xfrm>
+          <a:prstGeom prst="straightConnector1">
+            <a:avLst/>
+          </a:prstGeom>
+          <a:ln>
+            <a:tailEnd type="triangle"/>
+          </a:ln>
+        </p:spPr>
+        <p:style>
+          <a:lnRef idx="2">
+            <a:schemeClr val="dk1"/>
+          </a:lnRef>
+          <a:fillRef idx="0">
+            <a:schemeClr val="dk1"/>
+          </a:fillRef>
+          <a:effectRef idx="1">
+            <a:schemeClr val="dk1"/>
+          </a:effectRef>
+          <a:fontRef idx="minor">
+            <a:schemeClr val="tx1"/>
+          </a:fontRef>
+        </p:style>
+      </p:cxnSp>
+      <p:sp>
+        <p:nvSpPr>
+          <p:cNvPr id="12" name="TextBox 11">
+            <a:extLst>
+              <a:ext uri="{FF2B5EF4-FFF2-40B4-BE49-F238E27FC236}">
+                <a16:creationId xmlns:a16="http://schemas.microsoft.com/office/drawing/2014/main" id="{04544741-1658-BBAB-4F9F-0D94683EBE62}"/>
+              </a:ext>
+            </a:extLst>
+          </p:cNvPr>
+          <p:cNvSpPr txBox="1"/>
+          <p:nvPr/>
+        </p:nvSpPr>
+        <p:spPr>
+          <a:xfrm>
+            <a:off x="1410788" y="2991394"/>
+            <a:ext cx="1101584" cy="646331"/>
+          </a:xfrm>
+          <a:prstGeom prst="rect">
+            <a:avLst/>
+          </a:prstGeom>
+          <a:noFill/>
+        </p:spPr>
+        <p:txBody>
+          <a:bodyPr wrap="none" rtlCol="0">
+            <a:spAutoFit/>
+          </a:bodyPr>
+          <a:lstStyle/>
+          <a:p>
+            <a:r>
+              <a:rPr lang="nl-NL" dirty="0"/>
+              <a:t>Alle files</a:t>
+            </a:r>
+          </a:p>
+          <a:p>
+            <a:r>
+              <a:rPr lang="nl-NL" dirty="0"/>
+              <a:t>&amp; historie</a:t>
+            </a:r>
+          </a:p>
+        </p:txBody>
+      </p:sp>
+      <p:sp>
+        <p:nvSpPr>
+          <p:cNvPr id="13" name="TextBox 12">
+            <a:extLst>
+              <a:ext uri="{FF2B5EF4-FFF2-40B4-BE49-F238E27FC236}">
+                <a16:creationId xmlns:a16="http://schemas.microsoft.com/office/drawing/2014/main" id="{3E34B47E-1191-EED2-326E-15CD999AC1B3}"/>
+              </a:ext>
+            </a:extLst>
+          </p:cNvPr>
+          <p:cNvSpPr txBox="1"/>
+          <p:nvPr/>
+        </p:nvSpPr>
+        <p:spPr>
+          <a:xfrm>
+            <a:off x="1410788" y="4702767"/>
+            <a:ext cx="1101584" cy="646331"/>
+          </a:xfrm>
+          <a:prstGeom prst="rect">
+            <a:avLst/>
+          </a:prstGeom>
+          <a:noFill/>
+        </p:spPr>
+        <p:txBody>
+          <a:bodyPr wrap="none" rtlCol="0">
+            <a:spAutoFit/>
+          </a:bodyPr>
+          <a:lstStyle/>
+          <a:p>
+            <a:r>
+              <a:rPr lang="nl-NL" dirty="0"/>
+              <a:t>Deel files</a:t>
+            </a:r>
+          </a:p>
+          <a:p>
+            <a:r>
+              <a:rPr lang="nl-NL" dirty="0"/>
+              <a:t>&amp; historie</a:t>
+            </a:r>
+          </a:p>
+        </p:txBody>
+      </p:sp>
+      <p:sp>
+        <p:nvSpPr>
+          <p:cNvPr id="14" name="Oval 13">
+            <a:extLst>
+              <a:ext uri="{FF2B5EF4-FFF2-40B4-BE49-F238E27FC236}">
+                <a16:creationId xmlns:a16="http://schemas.microsoft.com/office/drawing/2014/main" id="{30E4DD51-5150-D16A-CAB8-F641549E7659}"/>
+              </a:ext>
+            </a:extLst>
+          </p:cNvPr>
+          <p:cNvSpPr/>
+          <p:nvPr/>
+        </p:nvSpPr>
+        <p:spPr>
+          <a:xfrm>
+            <a:off x="4069080" y="4604656"/>
+            <a:ext cx="842555" cy="842555"/>
+          </a:xfrm>
+          <a:prstGeom prst="ellipse">
+            <a:avLst/>
+          </a:prstGeom>
+          <a:solidFill>
+            <a:schemeClr val="accent5">
+              <a:lumMod val="40000"/>
+              <a:lumOff val="60000"/>
+            </a:schemeClr>
+          </a:solidFill>
+        </p:spPr>
+        <p:style>
+          <a:lnRef idx="1">
+            <a:schemeClr val="accent5"/>
+          </a:lnRef>
+          <a:fillRef idx="2">
+            <a:schemeClr val="accent5"/>
+          </a:fillRef>
+          <a:effectRef idx="1">
+            <a:schemeClr val="accent5"/>
+          </a:effectRef>
+          <a:fontRef idx="minor">
+            <a:schemeClr val="dk1"/>
+          </a:fontRef>
+        </p:style>
+        <p:txBody>
+          <a:bodyPr rtlCol="0" anchor="ctr"/>
+          <a:lstStyle/>
+          <a:p>
+            <a:pPr algn="ctr"/>
+            <a:r>
+              <a:rPr lang="nl-NL" dirty="0"/>
+              <a:t>P1</a:t>
+            </a:r>
+          </a:p>
+        </p:txBody>
+      </p:sp>
+      <p:cxnSp>
+        <p:nvCxnSpPr>
+          <p:cNvPr id="16" name="Straight Arrow Connector 15">
+            <a:extLst>
+              <a:ext uri="{FF2B5EF4-FFF2-40B4-BE49-F238E27FC236}">
+                <a16:creationId xmlns:a16="http://schemas.microsoft.com/office/drawing/2014/main" id="{7BE77B11-A977-DC8A-7491-0EE496805E1E}"/>
+              </a:ext>
+            </a:extLst>
+          </p:cNvPr>
+          <p:cNvCxnSpPr>
+            <a:stCxn id="7" idx="2"/>
+            <a:endCxn id="14" idx="0"/>
+          </p:cNvCxnSpPr>
+          <p:nvPr/>
+        </p:nvCxnSpPr>
+        <p:spPr>
+          <a:xfrm>
+            <a:off x="3226526" y="3638005"/>
+            <a:ext cx="1263832" cy="966651"/>
+          </a:xfrm>
+          <a:prstGeom prst="straightConnector1">
+            <a:avLst/>
+          </a:prstGeom>
+          <a:ln>
+            <a:tailEnd type="triangle"/>
+          </a:ln>
+        </p:spPr>
+        <p:style>
+          <a:lnRef idx="2">
+            <a:schemeClr val="dk1"/>
+          </a:lnRef>
+          <a:fillRef idx="0">
+            <a:schemeClr val="dk1"/>
+          </a:fillRef>
+          <a:effectRef idx="1">
+            <a:schemeClr val="dk1"/>
+          </a:effectRef>
+          <a:fontRef idx="minor">
+            <a:schemeClr val="tx1"/>
+          </a:fontRef>
+        </p:style>
+      </p:cxnSp>
+      <p:sp>
+        <p:nvSpPr>
+          <p:cNvPr id="17" name="Content Placeholder 2">
+            <a:extLst>
+              <a:ext uri="{FF2B5EF4-FFF2-40B4-BE49-F238E27FC236}">
+                <a16:creationId xmlns:a16="http://schemas.microsoft.com/office/drawing/2014/main" id="{9959BAD6-A72A-F1F3-4C10-9A4EF6C7BDC7}"/>
+              </a:ext>
+            </a:extLst>
+          </p:cNvPr>
+          <p:cNvSpPr txBox="1">
+            <a:spLocks/>
+          </p:cNvSpPr>
+          <p:nvPr/>
+        </p:nvSpPr>
+        <p:spPr>
+          <a:xfrm>
+            <a:off x="6409267" y="2090057"/>
+            <a:ext cx="4749800" cy="4086906"/>
+          </a:xfrm>
+          <a:prstGeom prst="rect">
+            <a:avLst/>
+          </a:prstGeom>
+        </p:spPr>
+        <p:txBody>
+          <a:bodyPr vert="horz" lIns="91440" tIns="45720" rIns="91440" bIns="45720" rtlCol="0">
+            <a:normAutofit/>
+          </a:bodyPr>
+          <a:lstStyle>
+            <a:lvl1pPr marL="228600" indent="-228600" algn="l" defTabSz="914400" rtl="0" eaLnBrk="1" latinLnBrk="0" hangingPunct="1">
+              <a:lnSpc>
+                <a:spcPct val="90000"/>
+              </a:lnSpc>
+              <a:spcBef>
+                <a:spcPts val="1000"/>
+              </a:spcBef>
+              <a:buFont typeface="Arial" panose="020B0604020202020204" pitchFamily="34" charset="0"/>
+              <a:buChar char="•"/>
+              <a:defRPr sz="2800" kern="1200">
+                <a:solidFill>
+                  <a:schemeClr val="tx1"/>
+                </a:solidFill>
+                <a:latin typeface="+mn-lt"/>
+                <a:ea typeface="+mn-ea"/>
+                <a:cs typeface="+mn-cs"/>
+              </a:defRPr>
+            </a:lvl1pPr>
+            <a:lvl2pPr marL="685800" indent="-228600" algn="l" defTabSz="914400" rtl="0" eaLnBrk="1" latinLnBrk="0" hangingPunct="1">
+              <a:lnSpc>
+                <a:spcPct val="90000"/>
+              </a:lnSpc>
+              <a:spcBef>
+                <a:spcPts val="500"/>
+              </a:spcBef>
+              <a:buFont typeface="Arial" panose="020B0604020202020204" pitchFamily="34" charset="0"/>
+              <a:buChar char="•"/>
+              <a:defRPr sz="2400" kern="1200">
+                <a:solidFill>
+                  <a:schemeClr val="tx1"/>
+                </a:solidFill>
+                <a:latin typeface="+mn-lt"/>
+                <a:ea typeface="+mn-ea"/>
+                <a:cs typeface="+mn-cs"/>
+              </a:defRPr>
+            </a:lvl2pPr>
+            <a:lvl3pPr marL="1143000" indent="-228600" algn="l" defTabSz="914400" rtl="0" eaLnBrk="1" latinLnBrk="0" hangingPunct="1">
+              <a:lnSpc>
+                <a:spcPct val="90000"/>
+              </a:lnSpc>
+              <a:spcBef>
+                <a:spcPts val="500"/>
+              </a:spcBef>
+              <a:buFont typeface="Arial" panose="020B0604020202020204" pitchFamily="34" charset="0"/>
+              <a:buChar char="•"/>
+              <a:defRPr sz="2000" kern="1200">
+                <a:solidFill>
+                  <a:schemeClr val="tx1"/>
+                </a:solidFill>
+                <a:latin typeface="+mn-lt"/>
+                <a:ea typeface="+mn-ea"/>
+                <a:cs typeface="+mn-cs"/>
+              </a:defRPr>
+            </a:lvl3pPr>
+            <a:lvl4pPr marL="1600200" indent="-228600" algn="l" defTabSz="914400" rtl="0" eaLnBrk="1" latinLnBrk="0" hangingPunct="1">
+              <a:lnSpc>
+                <a:spcPct val="90000"/>
+              </a:lnSpc>
+              <a:spcBef>
+                <a:spcPts val="500"/>
+              </a:spcBef>
+              <a:buFont typeface="Arial" panose="020B0604020202020204" pitchFamily="34" charset="0"/>
+              <a:buChar char="•"/>
+              <a:defRPr sz="1800" kern="1200">
+                <a:solidFill>
+                  <a:schemeClr val="tx1"/>
+                </a:solidFill>
+                <a:latin typeface="+mn-lt"/>
+                <a:ea typeface="+mn-ea"/>
+                <a:cs typeface="+mn-cs"/>
+              </a:defRPr>
+            </a:lvl4pPr>
+            <a:lvl5pPr marL="2057400" indent="-228600" algn="l" defTabSz="914400" rtl="0" eaLnBrk="1" latinLnBrk="0" hangingPunct="1">
+              <a:lnSpc>
+                <a:spcPct val="90000"/>
+              </a:lnSpc>
+              <a:spcBef>
+                <a:spcPts val="500"/>
+              </a:spcBef>
+              <a:buFont typeface="Arial" panose="020B0604020202020204" pitchFamily="34" charset="0"/>
+              <a:buChar char="•"/>
+              <a:defRPr sz="1800" kern="1200">
+                <a:solidFill>
+                  <a:schemeClr val="tx1"/>
+                </a:solidFill>
+                <a:latin typeface="+mn-lt"/>
+                <a:ea typeface="+mn-ea"/>
+                <a:cs typeface="+mn-cs"/>
+              </a:defRPr>
+            </a:lvl5pPr>
+            <a:lvl6pPr marL="2514600" indent="-228600" algn="l" defTabSz="914400" rtl="0" eaLnBrk="1" latinLnBrk="0" hangingPunct="1">
+              <a:lnSpc>
+                <a:spcPct val="90000"/>
+              </a:lnSpc>
+              <a:spcBef>
+                <a:spcPts val="500"/>
+              </a:spcBef>
+              <a:buFont typeface="Arial" panose="020B0604020202020204" pitchFamily="34" charset="0"/>
+              <a:buChar char="•"/>
+              <a:defRPr sz="1800" kern="1200">
+                <a:solidFill>
+                  <a:schemeClr val="tx1"/>
+                </a:solidFill>
+                <a:latin typeface="+mn-lt"/>
+                <a:ea typeface="+mn-ea"/>
+                <a:cs typeface="+mn-cs"/>
+              </a:defRPr>
+            </a:lvl6pPr>
+            <a:lvl7pPr marL="2971800" indent="-228600" algn="l" defTabSz="914400" rtl="0" eaLnBrk="1" latinLnBrk="0" hangingPunct="1">
+              <a:lnSpc>
+                <a:spcPct val="90000"/>
+              </a:lnSpc>
+              <a:spcBef>
+                <a:spcPts val="500"/>
+              </a:spcBef>
+              <a:buFont typeface="Arial" panose="020B0604020202020204" pitchFamily="34" charset="0"/>
+              <a:buChar char="•"/>
+              <a:defRPr sz="1800" kern="1200">
+                <a:solidFill>
+                  <a:schemeClr val="tx1"/>
+                </a:solidFill>
+                <a:latin typeface="+mn-lt"/>
+                <a:ea typeface="+mn-ea"/>
+                <a:cs typeface="+mn-cs"/>
+              </a:defRPr>
+            </a:lvl7pPr>
+            <a:lvl8pPr marL="3429000" indent="-228600" algn="l" defTabSz="914400" rtl="0" eaLnBrk="1" latinLnBrk="0" hangingPunct="1">
+              <a:lnSpc>
+                <a:spcPct val="90000"/>
+              </a:lnSpc>
+              <a:spcBef>
+                <a:spcPts val="500"/>
+              </a:spcBef>
+              <a:buFont typeface="Arial" panose="020B0604020202020204" pitchFamily="34" charset="0"/>
+              <a:buChar char="•"/>
+              <a:defRPr sz="1800" kern="1200">
+                <a:solidFill>
+                  <a:schemeClr val="tx1"/>
+                </a:solidFill>
+                <a:latin typeface="+mn-lt"/>
+                <a:ea typeface="+mn-ea"/>
+                <a:cs typeface="+mn-cs"/>
+              </a:defRPr>
+            </a:lvl8pPr>
+            <a:lvl9pPr marL="3886200" indent="-228600" algn="l" defTabSz="914400" rtl="0" eaLnBrk="1" latinLnBrk="0" hangingPunct="1">
+              <a:lnSpc>
+                <a:spcPct val="90000"/>
+              </a:lnSpc>
+              <a:spcBef>
+                <a:spcPts val="500"/>
+              </a:spcBef>
+              <a:buFont typeface="Arial" panose="020B0604020202020204" pitchFamily="34" charset="0"/>
+              <a:buChar char="•"/>
+              <a:defRPr sz="1800" kern="1200">
+                <a:solidFill>
+                  <a:schemeClr val="tx1"/>
+                </a:solidFill>
+                <a:latin typeface="+mn-lt"/>
+                <a:ea typeface="+mn-ea"/>
+                <a:cs typeface="+mn-cs"/>
+              </a:defRPr>
+            </a:lvl9pPr>
+          </a:lstStyle>
+          <a:p>
+            <a:pPr marL="0" indent="0">
+              <a:buFont typeface="Arial" panose="020B0604020202020204" pitchFamily="34" charset="0"/>
+              <a:buNone/>
+            </a:pPr>
+            <a:r>
+              <a:rPr lang="nl-NL" sz="2000" b="1" dirty="0"/>
+              <a:t>Nadelen:</a:t>
+            </a:r>
+          </a:p>
+          <a:p>
+            <a:pPr marL="0" indent="0">
+              <a:buFont typeface="Arial" panose="020B0604020202020204" pitchFamily="34" charset="0"/>
+              <a:buNone/>
+            </a:pPr>
+            <a:endParaRPr lang="nl-NL" sz="2000" dirty="0"/>
+          </a:p>
+          <a:p>
+            <a:pPr>
+              <a:buFontTx/>
+              <a:buChar char="-"/>
+            </a:pPr>
+            <a:r>
+              <a:rPr lang="nl-NL" sz="2000" dirty="0"/>
+              <a:t>Altijd connectie met centrale server nodig.</a:t>
+            </a:r>
+          </a:p>
+          <a:p>
+            <a:pPr>
+              <a:buFontTx/>
+              <a:buChar char="-"/>
+            </a:pPr>
+            <a:endParaRPr lang="nl-NL" sz="2000" dirty="0"/>
+          </a:p>
+          <a:p>
+            <a:pPr>
+              <a:buFontTx/>
+              <a:buChar char="-"/>
+            </a:pPr>
+            <a:r>
+              <a:rPr lang="nl-NL" sz="2000" dirty="0"/>
+              <a:t>Iedereen ziet alles van anderen op de centrale server.</a:t>
+            </a:r>
+          </a:p>
+          <a:p>
+            <a:pPr>
+              <a:buFontTx/>
+              <a:buChar char="-"/>
+            </a:pPr>
+            <a:endParaRPr lang="nl-NL" sz="2000" dirty="0"/>
+          </a:p>
+          <a:p>
+            <a:pPr>
+              <a:buFontTx/>
+              <a:buChar char="-"/>
+            </a:pPr>
+            <a:r>
+              <a:rPr lang="nl-NL" sz="2000" dirty="0"/>
+              <a:t>Langzaam vanwege veel netwerkverkeer.</a:t>
+            </a:r>
+          </a:p>
+          <a:p>
+            <a:pPr marL="0" indent="0">
+              <a:buNone/>
+            </a:pPr>
+            <a:endParaRPr lang="nl-NL" sz="2000" dirty="0"/>
+          </a:p>
+        </p:txBody>
+      </p:sp>
+    </p:spTree>
+    <p:extLst>
+      <p:ext uri="{BB962C8B-B14F-4D97-AF65-F5344CB8AC3E}">
+        <p14:creationId xmlns:p14="http://schemas.microsoft.com/office/powerpoint/2010/main" val="2254360510"/>
+      </p:ext>
+    </p:extLst>
+  </p:cSld>
+  <p:clrMapOvr>
+    <a:masterClrMapping/>
+  </p:clrMapOvr>
+</p:sld>
+</file>
+
+<file path=ppt/slides/slide5.xml><?xml version="1.0" encoding="utf-8"?>
+<p:sld xmlns:a="http://schemas.openxmlformats.org/drawingml/2006/main" xmlns:r="http://schemas.openxmlformats.org/officeDocument/2006/relationships" xmlns:p="http://schemas.openxmlformats.org/presentationml/2006/main">
+  <p:cSld>
+    <p:spTree>
+      <p:nvGrpSpPr>
+        <p:cNvPr id="1" name="">
+          <a:extLst>
+            <a:ext uri="{FF2B5EF4-FFF2-40B4-BE49-F238E27FC236}">
+              <a16:creationId xmlns:a16="http://schemas.microsoft.com/office/drawing/2014/main" id="{CEE567A3-A50F-56C7-0E05-98EF3A258BDC}"/>
+            </a:ext>
+          </a:extLst>
+        </p:cNvPr>
+        <p:cNvGrpSpPr/>
+        <p:nvPr/>
+      </p:nvGrpSpPr>
+      <p:grpSpPr>
+        <a:xfrm>
+          <a:off x="0" y="0"/>
+          <a:ext cx="0" cy="0"/>
+          <a:chOff x="0" y="0"/>
+          <a:chExt cx="0" cy="0"/>
+        </a:xfrm>
+      </p:grpSpPr>
+      <p:sp>
+        <p:nvSpPr>
+          <p:cNvPr id="2" name="Title 1">
+            <a:extLst>
+              <a:ext uri="{FF2B5EF4-FFF2-40B4-BE49-F238E27FC236}">
+                <a16:creationId xmlns:a16="http://schemas.microsoft.com/office/drawing/2014/main" id="{B79DBBA9-2A9E-7099-284E-2041CBBEAC0D}"/>
+              </a:ext>
+            </a:extLst>
+          </p:cNvPr>
+          <p:cNvSpPr>
+            <a:spLocks noGrp="1"/>
+          </p:cNvSpPr>
+          <p:nvPr>
+            <p:ph type="title"/>
+          </p:nvPr>
+        </p:nvSpPr>
+        <p:spPr>
+          <a:xfrm>
+            <a:off x="838200" y="365126"/>
+            <a:ext cx="10515600" cy="718608"/>
+          </a:xfrm>
+        </p:spPr>
+        <p:txBody>
+          <a:bodyPr>
+            <a:normAutofit/>
+          </a:bodyPr>
+          <a:lstStyle/>
+          <a:p>
+            <a:r>
+              <a:rPr lang="nl-NL" sz="3600" noProof="0" dirty="0"/>
+              <a:t>Centraal vs. gedistribueerd</a:t>
+            </a:r>
+          </a:p>
+        </p:txBody>
+      </p:sp>
+      <p:sp>
+        <p:nvSpPr>
+          <p:cNvPr id="7" name="Rectangle 6">
+            <a:extLst>
+              <a:ext uri="{FF2B5EF4-FFF2-40B4-BE49-F238E27FC236}">
+                <a16:creationId xmlns:a16="http://schemas.microsoft.com/office/drawing/2014/main" id="{9AA677CB-1EF3-F53D-5DA6-1F468420CFD9}"/>
+              </a:ext>
+            </a:extLst>
+          </p:cNvPr>
+          <p:cNvSpPr/>
+          <p:nvPr/>
+        </p:nvSpPr>
+        <p:spPr>
+          <a:xfrm>
+            <a:off x="2625634" y="2991394"/>
+            <a:ext cx="1201783" cy="646611"/>
+          </a:xfrm>
+          <a:prstGeom prst="rect">
+            <a:avLst/>
+          </a:prstGeom>
+          <a:solidFill>
+            <a:schemeClr val="accent6">
+              <a:lumMod val="40000"/>
+              <a:lumOff val="60000"/>
+            </a:schemeClr>
+          </a:solidFill>
+        </p:spPr>
+        <p:style>
+          <a:lnRef idx="1">
+            <a:schemeClr val="accent6"/>
+          </a:lnRef>
+          <a:fillRef idx="2">
+            <a:schemeClr val="accent6"/>
+          </a:fillRef>
+          <a:effectRef idx="1">
+            <a:schemeClr val="accent6"/>
+          </a:effectRef>
+          <a:fontRef idx="minor">
+            <a:schemeClr val="dk1"/>
+          </a:fontRef>
+        </p:style>
+        <p:txBody>
+          <a:bodyPr rtlCol="0" anchor="ctr"/>
+          <a:lstStyle/>
+          <a:p>
+            <a:pPr algn="ctr"/>
+            <a:r>
+              <a:rPr lang="nl-NL" dirty="0"/>
+              <a:t>Server</a:t>
+            </a:r>
+          </a:p>
+        </p:txBody>
+      </p:sp>
+      <p:sp>
+        <p:nvSpPr>
+          <p:cNvPr id="9" name="Oval 8">
+            <a:extLst>
+              <a:ext uri="{FF2B5EF4-FFF2-40B4-BE49-F238E27FC236}">
+                <a16:creationId xmlns:a16="http://schemas.microsoft.com/office/drawing/2014/main" id="{38B42500-009F-B2A0-C0DB-F95B024FEEFC}"/>
+              </a:ext>
+            </a:extLst>
+          </p:cNvPr>
+          <p:cNvSpPr/>
+          <p:nvPr/>
+        </p:nvSpPr>
+        <p:spPr>
+          <a:xfrm>
+            <a:off x="2805247" y="4604656"/>
+            <a:ext cx="842555" cy="842555"/>
+          </a:xfrm>
+          <a:prstGeom prst="ellipse">
+            <a:avLst/>
+          </a:prstGeom>
+          <a:solidFill>
+            <a:schemeClr val="accent5">
+              <a:lumMod val="40000"/>
+              <a:lumOff val="60000"/>
+            </a:schemeClr>
+          </a:solidFill>
+        </p:spPr>
+        <p:style>
+          <a:lnRef idx="1">
+            <a:schemeClr val="accent5"/>
+          </a:lnRef>
+          <a:fillRef idx="2">
+            <a:schemeClr val="accent5"/>
+          </a:fillRef>
+          <a:effectRef idx="1">
+            <a:schemeClr val="accent5"/>
+          </a:effectRef>
+          <a:fontRef idx="minor">
+            <a:schemeClr val="dk1"/>
+          </a:fontRef>
+        </p:style>
+        <p:txBody>
+          <a:bodyPr rtlCol="0" anchor="ctr"/>
+          <a:lstStyle/>
+          <a:p>
+            <a:pPr algn="ctr"/>
+            <a:r>
+              <a:rPr lang="nl-NL" dirty="0"/>
+              <a:t>P1</a:t>
+            </a:r>
+          </a:p>
+        </p:txBody>
+      </p:sp>
+      <p:cxnSp>
+        <p:nvCxnSpPr>
+          <p:cNvPr id="11" name="Straight Arrow Connector 10">
+            <a:extLst>
+              <a:ext uri="{FF2B5EF4-FFF2-40B4-BE49-F238E27FC236}">
+                <a16:creationId xmlns:a16="http://schemas.microsoft.com/office/drawing/2014/main" id="{A57B2D8D-E337-D2F1-5A65-A8980B7AF869}"/>
+              </a:ext>
+            </a:extLst>
+          </p:cNvPr>
+          <p:cNvCxnSpPr>
+            <a:stCxn id="7" idx="2"/>
+            <a:endCxn id="9" idx="0"/>
+          </p:cNvCxnSpPr>
+          <p:nvPr/>
+        </p:nvCxnSpPr>
+        <p:spPr>
+          <a:xfrm flipH="1">
+            <a:off x="3226525" y="3638005"/>
+            <a:ext cx="1" cy="966651"/>
+          </a:xfrm>
+          <a:prstGeom prst="straightConnector1">
+            <a:avLst/>
+          </a:prstGeom>
+          <a:ln>
+            <a:tailEnd type="triangle"/>
+          </a:ln>
+        </p:spPr>
+        <p:style>
+          <a:lnRef idx="2">
+            <a:schemeClr val="dk1"/>
+          </a:lnRef>
+          <a:fillRef idx="0">
+            <a:schemeClr val="dk1"/>
+          </a:fillRef>
+          <a:effectRef idx="1">
+            <a:schemeClr val="dk1"/>
+          </a:effectRef>
+          <a:fontRef idx="minor">
+            <a:schemeClr val="tx1"/>
+          </a:fontRef>
+        </p:style>
+      </p:cxnSp>
+      <p:sp>
+        <p:nvSpPr>
+          <p:cNvPr id="12" name="TextBox 11">
+            <a:extLst>
+              <a:ext uri="{FF2B5EF4-FFF2-40B4-BE49-F238E27FC236}">
+                <a16:creationId xmlns:a16="http://schemas.microsoft.com/office/drawing/2014/main" id="{30E71EEC-DA5D-9337-5A4A-5E85A92F94A1}"/>
+              </a:ext>
+            </a:extLst>
+          </p:cNvPr>
+          <p:cNvSpPr txBox="1"/>
+          <p:nvPr/>
+        </p:nvSpPr>
+        <p:spPr>
+          <a:xfrm>
+            <a:off x="1410788" y="2991394"/>
+            <a:ext cx="1101584" cy="646331"/>
+          </a:xfrm>
+          <a:prstGeom prst="rect">
+            <a:avLst/>
+          </a:prstGeom>
+          <a:noFill/>
+        </p:spPr>
+        <p:txBody>
+          <a:bodyPr wrap="none" rtlCol="0">
+            <a:spAutoFit/>
+          </a:bodyPr>
+          <a:lstStyle/>
+          <a:p>
+            <a:r>
+              <a:rPr lang="nl-NL" dirty="0"/>
+              <a:t>Alle files</a:t>
+            </a:r>
+          </a:p>
+          <a:p>
+            <a:r>
+              <a:rPr lang="nl-NL" dirty="0"/>
+              <a:t>&amp; historie</a:t>
+            </a:r>
+          </a:p>
+        </p:txBody>
+      </p:sp>
+      <p:sp>
+        <p:nvSpPr>
+          <p:cNvPr id="13" name="TextBox 12">
+            <a:extLst>
+              <a:ext uri="{FF2B5EF4-FFF2-40B4-BE49-F238E27FC236}">
+                <a16:creationId xmlns:a16="http://schemas.microsoft.com/office/drawing/2014/main" id="{ACED9C5E-824F-4969-449D-AE0EA3815AE3}"/>
+              </a:ext>
+            </a:extLst>
+          </p:cNvPr>
+          <p:cNvSpPr txBox="1"/>
+          <p:nvPr/>
+        </p:nvSpPr>
+        <p:spPr>
+          <a:xfrm>
+            <a:off x="1410788" y="4702767"/>
+            <a:ext cx="1101584" cy="646331"/>
+          </a:xfrm>
+          <a:prstGeom prst="rect">
+            <a:avLst/>
+          </a:prstGeom>
+          <a:noFill/>
+        </p:spPr>
+        <p:txBody>
+          <a:bodyPr wrap="none" rtlCol="0">
+            <a:spAutoFit/>
+          </a:bodyPr>
+          <a:lstStyle/>
+          <a:p>
+            <a:r>
+              <a:rPr lang="nl-NL" dirty="0"/>
+              <a:t>Deel files</a:t>
+            </a:r>
+          </a:p>
+          <a:p>
+            <a:r>
+              <a:rPr lang="nl-NL" dirty="0"/>
+              <a:t>&amp; historie</a:t>
+            </a:r>
+          </a:p>
+        </p:txBody>
+      </p:sp>
+      <p:sp>
+        <p:nvSpPr>
+          <p:cNvPr id="14" name="Oval 13">
+            <a:extLst>
+              <a:ext uri="{FF2B5EF4-FFF2-40B4-BE49-F238E27FC236}">
+                <a16:creationId xmlns:a16="http://schemas.microsoft.com/office/drawing/2014/main" id="{421AFCA7-DB9A-D098-CDAB-909CCC9FB9CC}"/>
+              </a:ext>
+            </a:extLst>
+          </p:cNvPr>
+          <p:cNvSpPr/>
+          <p:nvPr/>
+        </p:nvSpPr>
+        <p:spPr>
+          <a:xfrm>
+            <a:off x="4069080" y="4604656"/>
+            <a:ext cx="842555" cy="842555"/>
+          </a:xfrm>
+          <a:prstGeom prst="ellipse">
+            <a:avLst/>
+          </a:prstGeom>
+          <a:solidFill>
+            <a:schemeClr val="accent5">
+              <a:lumMod val="40000"/>
+              <a:lumOff val="60000"/>
+            </a:schemeClr>
+          </a:solidFill>
+        </p:spPr>
+        <p:style>
+          <a:lnRef idx="1">
+            <a:schemeClr val="accent5"/>
+          </a:lnRef>
+          <a:fillRef idx="2">
+            <a:schemeClr val="accent5"/>
+          </a:fillRef>
+          <a:effectRef idx="1">
+            <a:schemeClr val="accent5"/>
+          </a:effectRef>
+          <a:fontRef idx="minor">
+            <a:schemeClr val="dk1"/>
+          </a:fontRef>
+        </p:style>
+        <p:txBody>
+          <a:bodyPr rtlCol="0" anchor="ctr"/>
+          <a:lstStyle/>
+          <a:p>
+            <a:pPr algn="ctr"/>
+            <a:r>
+              <a:rPr lang="nl-NL" dirty="0"/>
+              <a:t>P1</a:t>
+            </a:r>
+          </a:p>
+        </p:txBody>
+      </p:sp>
+      <p:cxnSp>
+        <p:nvCxnSpPr>
+          <p:cNvPr id="16" name="Straight Arrow Connector 15">
+            <a:extLst>
+              <a:ext uri="{FF2B5EF4-FFF2-40B4-BE49-F238E27FC236}">
+                <a16:creationId xmlns:a16="http://schemas.microsoft.com/office/drawing/2014/main" id="{EE1634B0-32B9-6609-C425-AC8AED71C148}"/>
+              </a:ext>
+            </a:extLst>
+          </p:cNvPr>
+          <p:cNvCxnSpPr>
+            <a:stCxn id="7" idx="2"/>
+            <a:endCxn id="14" idx="0"/>
+          </p:cNvCxnSpPr>
+          <p:nvPr/>
+        </p:nvCxnSpPr>
+        <p:spPr>
+          <a:xfrm>
+            <a:off x="3226526" y="3638005"/>
+            <a:ext cx="1263832" cy="966651"/>
+          </a:xfrm>
+          <a:prstGeom prst="straightConnector1">
+            <a:avLst/>
+          </a:prstGeom>
+          <a:ln>
+            <a:tailEnd type="triangle"/>
+          </a:ln>
+        </p:spPr>
+        <p:style>
+          <a:lnRef idx="2">
+            <a:schemeClr val="dk1"/>
+          </a:lnRef>
+          <a:fillRef idx="0">
+            <a:schemeClr val="dk1"/>
+          </a:fillRef>
+          <a:effectRef idx="1">
+            <a:schemeClr val="dk1"/>
+          </a:effectRef>
+          <a:fontRef idx="minor">
+            <a:schemeClr val="tx1"/>
+          </a:fontRef>
+        </p:style>
+      </p:cxnSp>
+    </p:spTree>
+    <p:extLst>
+      <p:ext uri="{BB962C8B-B14F-4D97-AF65-F5344CB8AC3E}">
+        <p14:creationId xmlns:p14="http://schemas.microsoft.com/office/powerpoint/2010/main" val="4133704433"/>
+      </p:ext>
+    </p:extLst>
+  </p:cSld>
+  <p:clrMapOvr>
+    <a:masterClrMapping/>
+  </p:clrMapOvr>
+</p:sld>
+</file>
+
+<file path=ppt/slides/slide6.xml><?xml version="1.0" encoding="utf-8"?>
+<p:sld xmlns:a="http://schemas.openxmlformats.org/drawingml/2006/main" xmlns:r="http://schemas.openxmlformats.org/officeDocument/2006/relationships" xmlns:p="http://schemas.openxmlformats.org/presentationml/2006/main">
+  <p:cSld>
+    <p:spTree>
+      <p:nvGrpSpPr>
+        <p:cNvPr id="1" name="">
+          <a:extLst>
+            <a:ext uri="{FF2B5EF4-FFF2-40B4-BE49-F238E27FC236}">
+              <a16:creationId xmlns:a16="http://schemas.microsoft.com/office/drawing/2014/main" id="{7FF4DA8C-22FB-9C08-BC4B-5CD00C0D742D}"/>
+            </a:ext>
+          </a:extLst>
+        </p:cNvPr>
+        <p:cNvGrpSpPr/>
+        <p:nvPr/>
+      </p:nvGrpSpPr>
+      <p:grpSpPr>
+        <a:xfrm>
+          <a:off x="0" y="0"/>
+          <a:ext cx="0" cy="0"/>
+          <a:chOff x="0" y="0"/>
+          <a:chExt cx="0" cy="0"/>
+        </a:xfrm>
+      </p:grpSpPr>
+      <p:sp>
+        <p:nvSpPr>
+          <p:cNvPr id="4" name="Title 3">
+            <a:extLst>
+              <a:ext uri="{FF2B5EF4-FFF2-40B4-BE49-F238E27FC236}">
+                <a16:creationId xmlns:a16="http://schemas.microsoft.com/office/drawing/2014/main" id="{4784DC03-AB17-148C-579C-6ECDC6C7677E}"/>
+              </a:ext>
+            </a:extLst>
+          </p:cNvPr>
+          <p:cNvSpPr>
+            <a:spLocks noGrp="1"/>
+          </p:cNvSpPr>
+          <p:nvPr>
+            <p:ph type="title"/>
+          </p:nvPr>
+        </p:nvSpPr>
+        <p:spPr/>
+        <p:txBody>
+          <a:bodyPr/>
+          <a:lstStyle/>
+          <a:p>
+            <a:r>
+              <a:rPr lang="nl-NL" noProof="0" dirty="0"/>
+              <a:t>Remote</a:t>
+            </a:r>
+          </a:p>
+        </p:txBody>
+      </p:sp>
+      <p:sp>
+        <p:nvSpPr>
+          <p:cNvPr id="5" name="Text Placeholder 4">
+            <a:extLst>
+              <a:ext uri="{FF2B5EF4-FFF2-40B4-BE49-F238E27FC236}">
+                <a16:creationId xmlns:a16="http://schemas.microsoft.com/office/drawing/2014/main" id="{9A2D0720-EA8D-BAC9-DCAC-B54B23F9029D}"/>
+              </a:ext>
+            </a:extLst>
+          </p:cNvPr>
+          <p:cNvSpPr>
+            <a:spLocks noGrp="1"/>
+          </p:cNvSpPr>
+          <p:nvPr>
+            <p:ph type="body" idx="1"/>
+          </p:nvPr>
+        </p:nvSpPr>
+        <p:spPr/>
+        <p:txBody>
+          <a:bodyPr/>
+          <a:lstStyle/>
+          <a:p>
+            <a:endParaRPr lang="en-NL"/>
+          </a:p>
+        </p:txBody>
+      </p:sp>
+    </p:spTree>
+    <p:extLst>
+      <p:ext uri="{BB962C8B-B14F-4D97-AF65-F5344CB8AC3E}">
+        <p14:creationId xmlns:p14="http://schemas.microsoft.com/office/powerpoint/2010/main" val="3293579446"/>
+      </p:ext>
+    </p:extLst>
+  </p:cSld>
+  <p:clrMapOvr>
+    <a:masterClrMapping/>
+  </p:clrMapOvr>
+</p:sld>
+</file>
+
+<file path=ppt/slides/slide7.xml><?xml version="1.0" encoding="utf-8"?>
+<p:sld xmlns:a="http://schemas.openxmlformats.org/drawingml/2006/main" xmlns:r="http://schemas.openxmlformats.org/officeDocument/2006/relationships" xmlns:p="http://schemas.openxmlformats.org/presentationml/2006/main">
+  <p:cSld>
+    <p:spTree>
+      <p:nvGrpSpPr>
+        <p:cNvPr id="1" name="">
+          <a:extLst>
+            <a:ext uri="{FF2B5EF4-FFF2-40B4-BE49-F238E27FC236}">
+              <a16:creationId xmlns:a16="http://schemas.microsoft.com/office/drawing/2014/main" id="{CA2E2841-2F83-37F1-20EB-5DB71D010A54}"/>
+            </a:ext>
+          </a:extLst>
+        </p:cNvPr>
+        <p:cNvGrpSpPr/>
+        <p:nvPr/>
+      </p:nvGrpSpPr>
+      <p:grpSpPr>
+        <a:xfrm>
+          <a:off x="0" y="0"/>
+          <a:ext cx="0" cy="0"/>
+          <a:chOff x="0" y="0"/>
+          <a:chExt cx="0" cy="0"/>
+        </a:xfrm>
+      </p:grpSpPr>
+      <p:sp>
+        <p:nvSpPr>
+          <p:cNvPr id="2" name="Title 1">
+            <a:extLst>
+              <a:ext uri="{FF2B5EF4-FFF2-40B4-BE49-F238E27FC236}">
+                <a16:creationId xmlns:a16="http://schemas.microsoft.com/office/drawing/2014/main" id="{3B75C7B9-F271-F8DB-AE44-48DD9F1C38D3}"/>
+              </a:ext>
+            </a:extLst>
+          </p:cNvPr>
+          <p:cNvSpPr>
+            <a:spLocks noGrp="1"/>
+          </p:cNvSpPr>
+          <p:nvPr>
+            <p:ph type="title"/>
+          </p:nvPr>
+        </p:nvSpPr>
+        <p:spPr>
+          <a:xfrm>
+            <a:off x="838200" y="365126"/>
+            <a:ext cx="10515600" cy="718608"/>
+          </a:xfrm>
+        </p:spPr>
+        <p:txBody>
+          <a:bodyPr>
+            <a:normAutofit/>
+          </a:bodyPr>
+          <a:lstStyle/>
+          <a:p>
+            <a:r>
+              <a:rPr lang="nl-NL" sz="3600" noProof="0" dirty="0"/>
+              <a:t>Sterke en zwakke punten</a:t>
+            </a:r>
+          </a:p>
+        </p:txBody>
+      </p:sp>
+      <p:sp>
+        <p:nvSpPr>
+          <p:cNvPr id="3" name="Content Placeholder 2">
+            <a:extLst>
+              <a:ext uri="{FF2B5EF4-FFF2-40B4-BE49-F238E27FC236}">
+                <a16:creationId xmlns:a16="http://schemas.microsoft.com/office/drawing/2014/main" id="{0A3778CF-F5D4-F643-1870-A8B8C6B5718D}"/>
+              </a:ext>
+            </a:extLst>
+          </p:cNvPr>
+          <p:cNvSpPr>
+            <a:spLocks noGrp="1"/>
+          </p:cNvSpPr>
+          <p:nvPr>
+            <p:ph idx="1"/>
+          </p:nvPr>
+        </p:nvSpPr>
+        <p:spPr>
+          <a:xfrm>
+            <a:off x="838200" y="1456267"/>
+            <a:ext cx="4749800" cy="4720696"/>
+          </a:xfrm>
+        </p:spPr>
+        <p:txBody>
+          <a:bodyPr>
+            <a:normAutofit/>
+          </a:bodyPr>
+          <a:lstStyle/>
+          <a:p>
+            <a:pPr marL="0" indent="0">
+              <a:buNone/>
+            </a:pPr>
+            <a:r>
+              <a:rPr lang="nl-NL" sz="2000" b="1" noProof="0" dirty="0"/>
+              <a:t>Sterke punten:</a:t>
+            </a:r>
+          </a:p>
+          <a:p>
+            <a:pPr marL="0" indent="0">
+              <a:buNone/>
+            </a:pPr>
+            <a:endParaRPr lang="nl-NL" sz="2000" noProof="0" dirty="0"/>
+          </a:p>
+          <a:p>
+            <a:pPr>
+              <a:buFontTx/>
+              <a:buChar char="-"/>
+            </a:pPr>
+            <a:r>
+              <a:rPr lang="nl-NL" sz="2000" noProof="0" dirty="0"/>
+              <a:t>Makkelijk te leren, flexibele syntax.</a:t>
+            </a:r>
+          </a:p>
+          <a:p>
+            <a:pPr>
+              <a:buFontTx/>
+              <a:buChar char="-"/>
+            </a:pPr>
+            <a:endParaRPr lang="nl-NL" sz="2000" noProof="0" dirty="0"/>
+          </a:p>
+          <a:p>
+            <a:pPr>
+              <a:buFontTx/>
+              <a:buChar char="-"/>
+            </a:pPr>
+            <a:r>
+              <a:rPr lang="nl-NL" sz="2000" noProof="0" dirty="0"/>
+              <a:t>Veel ontwikkelaars en gebruikers.</a:t>
+            </a:r>
+          </a:p>
+          <a:p>
+            <a:pPr>
+              <a:buFontTx/>
+              <a:buChar char="-"/>
+            </a:pPr>
+            <a:endParaRPr lang="nl-NL" sz="2000" noProof="0" dirty="0"/>
+          </a:p>
+          <a:p>
+            <a:pPr>
+              <a:buFontTx/>
+              <a:buChar char="-"/>
+            </a:pPr>
+            <a:r>
+              <a:rPr lang="nl-NL" sz="2000" noProof="0" dirty="0"/>
+              <a:t>Veel online informatie.</a:t>
+            </a:r>
+          </a:p>
+          <a:p>
+            <a:pPr>
+              <a:buFontTx/>
+              <a:buChar char="-"/>
+            </a:pPr>
+            <a:endParaRPr lang="nl-NL" sz="2000" noProof="0" dirty="0"/>
+          </a:p>
+          <a:p>
+            <a:pPr>
+              <a:buFontTx/>
+              <a:buChar char="-"/>
+            </a:pPr>
+            <a:r>
+              <a:rPr lang="nl-NL" sz="2000" noProof="0" dirty="0"/>
+              <a:t>Uitgebreid ecosysteem van uitbreidingen.</a:t>
+            </a:r>
+          </a:p>
+          <a:p>
+            <a:pPr>
+              <a:buFontTx/>
+              <a:buChar char="-"/>
+            </a:pPr>
+            <a:endParaRPr lang="nl-NL" sz="2000" noProof="0" dirty="0"/>
+          </a:p>
+          <a:p>
+            <a:pPr>
+              <a:buFontTx/>
+              <a:buChar char="-"/>
+            </a:pPr>
+            <a:r>
+              <a:rPr lang="nl-NL" sz="2000" noProof="0" dirty="0"/>
+              <a:t>Breed inzetbaar.</a:t>
+            </a:r>
+          </a:p>
+        </p:txBody>
+      </p:sp>
+      <p:sp>
+        <p:nvSpPr>
+          <p:cNvPr id="4" name="Content Placeholder 2">
+            <a:extLst>
+              <a:ext uri="{FF2B5EF4-FFF2-40B4-BE49-F238E27FC236}">
+                <a16:creationId xmlns:a16="http://schemas.microsoft.com/office/drawing/2014/main" id="{CA602CAE-EE03-A462-DC2F-4BF463E0A181}"/>
+              </a:ext>
+            </a:extLst>
+          </p:cNvPr>
+          <p:cNvSpPr txBox="1">
+            <a:spLocks/>
+          </p:cNvSpPr>
+          <p:nvPr/>
+        </p:nvSpPr>
+        <p:spPr>
+          <a:xfrm>
+            <a:off x="6409267" y="1456267"/>
+            <a:ext cx="4749800" cy="4720696"/>
+          </a:xfrm>
+          <a:prstGeom prst="rect">
+            <a:avLst/>
+          </a:prstGeom>
+        </p:spPr>
+        <p:txBody>
+          <a:bodyPr vert="horz" lIns="91440" tIns="45720" rIns="91440" bIns="45720" rtlCol="0">
+            <a:normAutofit/>
+          </a:bodyPr>
+          <a:lstStyle>
+            <a:lvl1pPr marL="228600" indent="-228600" algn="l" defTabSz="914400" rtl="0" eaLnBrk="1" latinLnBrk="0" hangingPunct="1">
+              <a:lnSpc>
+                <a:spcPct val="90000"/>
+              </a:lnSpc>
+              <a:spcBef>
+                <a:spcPts val="1000"/>
+              </a:spcBef>
+              <a:buFont typeface="Arial" panose="020B0604020202020204" pitchFamily="34" charset="0"/>
+              <a:buChar char="•"/>
+              <a:defRPr sz="2800" kern="1200">
+                <a:solidFill>
+                  <a:schemeClr val="tx1"/>
+                </a:solidFill>
+                <a:latin typeface="+mn-lt"/>
+                <a:ea typeface="+mn-ea"/>
+                <a:cs typeface="+mn-cs"/>
+              </a:defRPr>
+            </a:lvl1pPr>
+            <a:lvl2pPr marL="685800" indent="-228600" algn="l" defTabSz="914400" rtl="0" eaLnBrk="1" latinLnBrk="0" hangingPunct="1">
+              <a:lnSpc>
+                <a:spcPct val="90000"/>
+              </a:lnSpc>
+              <a:spcBef>
+                <a:spcPts val="500"/>
+              </a:spcBef>
+              <a:buFont typeface="Arial" panose="020B0604020202020204" pitchFamily="34" charset="0"/>
+              <a:buChar char="•"/>
+              <a:defRPr sz="2400" kern="1200">
+                <a:solidFill>
+                  <a:schemeClr val="tx1"/>
+                </a:solidFill>
+                <a:latin typeface="+mn-lt"/>
+                <a:ea typeface="+mn-ea"/>
+                <a:cs typeface="+mn-cs"/>
+              </a:defRPr>
+            </a:lvl2pPr>
+            <a:lvl3pPr marL="1143000" indent="-228600" algn="l" defTabSz="914400" rtl="0" eaLnBrk="1" latinLnBrk="0" hangingPunct="1">
+              <a:lnSpc>
+                <a:spcPct val="90000"/>
+              </a:lnSpc>
+              <a:spcBef>
+                <a:spcPts val="500"/>
+              </a:spcBef>
+              <a:buFont typeface="Arial" panose="020B0604020202020204" pitchFamily="34" charset="0"/>
+              <a:buChar char="•"/>
+              <a:defRPr sz="2000" kern="1200">
+                <a:solidFill>
+                  <a:schemeClr val="tx1"/>
+                </a:solidFill>
+                <a:latin typeface="+mn-lt"/>
+                <a:ea typeface="+mn-ea"/>
+                <a:cs typeface="+mn-cs"/>
+              </a:defRPr>
+            </a:lvl3pPr>
+            <a:lvl4pPr marL="1600200" indent="-228600" algn="l" defTabSz="914400" rtl="0" eaLnBrk="1" latinLnBrk="0" hangingPunct="1">
+              <a:lnSpc>
+                <a:spcPct val="90000"/>
+              </a:lnSpc>
+              <a:spcBef>
+                <a:spcPts val="500"/>
+              </a:spcBef>
+              <a:buFont typeface="Arial" panose="020B0604020202020204" pitchFamily="34" charset="0"/>
+              <a:buChar char="•"/>
+              <a:defRPr sz="1800" kern="1200">
+                <a:solidFill>
+                  <a:schemeClr val="tx1"/>
+                </a:solidFill>
+                <a:latin typeface="+mn-lt"/>
+                <a:ea typeface="+mn-ea"/>
+                <a:cs typeface="+mn-cs"/>
+              </a:defRPr>
+            </a:lvl4pPr>
+            <a:lvl5pPr marL="2057400" indent="-228600" algn="l" defTabSz="914400" rtl="0" eaLnBrk="1" latinLnBrk="0" hangingPunct="1">
+              <a:lnSpc>
+                <a:spcPct val="90000"/>
+              </a:lnSpc>
+              <a:spcBef>
+                <a:spcPts val="500"/>
+              </a:spcBef>
+              <a:buFont typeface="Arial" panose="020B0604020202020204" pitchFamily="34" charset="0"/>
+              <a:buChar char="•"/>
+              <a:defRPr sz="1800" kern="1200">
+                <a:solidFill>
+                  <a:schemeClr val="tx1"/>
+                </a:solidFill>
+                <a:latin typeface="+mn-lt"/>
+                <a:ea typeface="+mn-ea"/>
+                <a:cs typeface="+mn-cs"/>
+              </a:defRPr>
+            </a:lvl5pPr>
+            <a:lvl6pPr marL="2514600" indent="-228600" algn="l" defTabSz="914400" rtl="0" eaLnBrk="1" latinLnBrk="0" hangingPunct="1">
+              <a:lnSpc>
+                <a:spcPct val="90000"/>
+              </a:lnSpc>
+              <a:spcBef>
+                <a:spcPts val="500"/>
+              </a:spcBef>
+              <a:buFont typeface="Arial" panose="020B0604020202020204" pitchFamily="34" charset="0"/>
+              <a:buChar char="•"/>
+              <a:defRPr sz="1800" kern="1200">
+                <a:solidFill>
+                  <a:schemeClr val="tx1"/>
+                </a:solidFill>
+                <a:latin typeface="+mn-lt"/>
+                <a:ea typeface="+mn-ea"/>
+                <a:cs typeface="+mn-cs"/>
+              </a:defRPr>
+            </a:lvl6pPr>
+            <a:lvl7pPr marL="2971800" indent="-228600" algn="l" defTabSz="914400" rtl="0" eaLnBrk="1" latinLnBrk="0" hangingPunct="1">
+              <a:lnSpc>
+                <a:spcPct val="90000"/>
+              </a:lnSpc>
+              <a:spcBef>
+                <a:spcPts val="500"/>
+              </a:spcBef>
+              <a:buFont typeface="Arial" panose="020B0604020202020204" pitchFamily="34" charset="0"/>
+              <a:buChar char="•"/>
+              <a:defRPr sz="1800" kern="1200">
+                <a:solidFill>
+                  <a:schemeClr val="tx1"/>
+                </a:solidFill>
+                <a:latin typeface="+mn-lt"/>
+                <a:ea typeface="+mn-ea"/>
+                <a:cs typeface="+mn-cs"/>
+              </a:defRPr>
+            </a:lvl7pPr>
+            <a:lvl8pPr marL="3429000" indent="-228600" algn="l" defTabSz="914400" rtl="0" eaLnBrk="1" latinLnBrk="0" hangingPunct="1">
+              <a:lnSpc>
+                <a:spcPct val="90000"/>
+              </a:lnSpc>
+              <a:spcBef>
+                <a:spcPts val="500"/>
+              </a:spcBef>
+              <a:buFont typeface="Arial" panose="020B0604020202020204" pitchFamily="34" charset="0"/>
+              <a:buChar char="•"/>
+              <a:defRPr sz="1800" kern="1200">
+                <a:solidFill>
+                  <a:schemeClr val="tx1"/>
+                </a:solidFill>
+                <a:latin typeface="+mn-lt"/>
+                <a:ea typeface="+mn-ea"/>
+                <a:cs typeface="+mn-cs"/>
+              </a:defRPr>
+            </a:lvl8pPr>
+            <a:lvl9pPr marL="3886200" indent="-228600" algn="l" defTabSz="914400" rtl="0" eaLnBrk="1" latinLnBrk="0" hangingPunct="1">
+              <a:lnSpc>
+                <a:spcPct val="90000"/>
+              </a:lnSpc>
+              <a:spcBef>
+                <a:spcPts val="500"/>
+              </a:spcBef>
+              <a:buFont typeface="Arial" panose="020B0604020202020204" pitchFamily="34" charset="0"/>
+              <a:buChar char="•"/>
+              <a:defRPr sz="1800" kern="1200">
+                <a:solidFill>
+                  <a:schemeClr val="tx1"/>
+                </a:solidFill>
+                <a:latin typeface="+mn-lt"/>
+                <a:ea typeface="+mn-ea"/>
+                <a:cs typeface="+mn-cs"/>
+              </a:defRPr>
+            </a:lvl9pPr>
+          </a:lstStyle>
+          <a:p>
+            <a:pPr marL="0" indent="0">
+              <a:buFont typeface="Arial" panose="020B0604020202020204" pitchFamily="34" charset="0"/>
+              <a:buNone/>
+            </a:pPr>
+            <a:r>
+              <a:rPr lang="nl-NL" sz="2000" b="1" dirty="0"/>
+              <a:t>Zwakke punten:</a:t>
+            </a:r>
+          </a:p>
+          <a:p>
+            <a:pPr marL="0" indent="0">
+              <a:buFont typeface="Arial" panose="020B0604020202020204" pitchFamily="34" charset="0"/>
+              <a:buNone/>
+            </a:pPr>
+            <a:endParaRPr lang="nl-NL" sz="2000" dirty="0"/>
+          </a:p>
+          <a:p>
+            <a:pPr>
+              <a:buFontTx/>
+              <a:buChar char="-"/>
+            </a:pPr>
+            <a:r>
+              <a:rPr lang="nl-NL" sz="2000" dirty="0"/>
+              <a:t>Makkelijk om “slechte” code te schrijven.</a:t>
+            </a:r>
+          </a:p>
+          <a:p>
+            <a:pPr>
+              <a:buFontTx/>
+              <a:buChar char="-"/>
+            </a:pPr>
+            <a:endParaRPr lang="nl-NL" sz="2000" dirty="0"/>
+          </a:p>
+          <a:p>
+            <a:pPr>
+              <a:buFontTx/>
+              <a:buChar char="-"/>
+            </a:pPr>
+            <a:r>
+              <a:rPr lang="nl-NL" sz="2000" dirty="0"/>
+              <a:t>Relatief traag  (vgl. C, Scala, Rust).</a:t>
+            </a:r>
+          </a:p>
+          <a:p>
+            <a:pPr>
+              <a:buFontTx/>
+              <a:buChar char="-"/>
+            </a:pPr>
+            <a:endParaRPr lang="nl-NL" sz="2000" dirty="0"/>
+          </a:p>
+          <a:p>
+            <a:pPr>
+              <a:buFontTx/>
+              <a:buChar char="-"/>
+            </a:pPr>
+            <a:r>
+              <a:rPr lang="nl-NL" sz="2000" dirty="0"/>
+              <a:t>Distributie code niet eenduidig.</a:t>
+            </a:r>
+          </a:p>
+          <a:p>
+            <a:pPr marL="0" indent="0">
+              <a:buNone/>
+            </a:pPr>
+            <a:endParaRPr lang="nl-NL" sz="2000" dirty="0"/>
+          </a:p>
+        </p:txBody>
+      </p:sp>
+    </p:spTree>
+    <p:extLst>
+      <p:ext uri="{BB962C8B-B14F-4D97-AF65-F5344CB8AC3E}">
+        <p14:creationId xmlns:p14="http://schemas.microsoft.com/office/powerpoint/2010/main" val="1587713606"/>
+      </p:ext>
+    </p:extLst>
+  </p:cSld>
+  <p:clrMapOvr>
+    <a:masterClrMapping/>
+  </p:clrMapOvr>
+</p:sld>
+</file>
+
+<file path=ppt/slides/slide8.xml><?xml version="1.0" encoding="utf-8"?>
+<p:sld xmlns:a="http://schemas.openxmlformats.org/drawingml/2006/main" xmlns:r="http://schemas.openxmlformats.org/officeDocument/2006/relationships" xmlns:p="http://schemas.openxmlformats.org/presentationml/2006/main">
+  <p:cSld>
+    <p:spTree>
+      <p:nvGrpSpPr>
+        <p:cNvPr id="1" name=""/>
+        <p:cNvGrpSpPr/>
+        <p:nvPr/>
+      </p:nvGrpSpPr>
+      <p:grpSpPr>
+        <a:xfrm>
+          <a:off x="0" y="0"/>
+          <a:ext cx="0" cy="0"/>
+          <a:chOff x="0" y="0"/>
+          <a:chExt cx="0" cy="0"/>
+        </a:xfrm>
+      </p:grpSpPr>
+      <p:sp>
+        <p:nvSpPr>
+          <p:cNvPr id="2" name="Title 1">
+            <a:extLst>
+              <a:ext uri="{FF2B5EF4-FFF2-40B4-BE49-F238E27FC236}">
+                <a16:creationId xmlns:a16="http://schemas.microsoft.com/office/drawing/2014/main" id="{39A1D606-8DD1-369C-5C09-471CDD551AD5}"/>
+              </a:ext>
+            </a:extLst>
+          </p:cNvPr>
+          <p:cNvSpPr>
+            <a:spLocks noGrp="1"/>
+          </p:cNvSpPr>
+          <p:nvPr>
+            <p:ph type="title"/>
+          </p:nvPr>
+        </p:nvSpPr>
+        <p:spPr>
+          <a:xfrm>
+            <a:off x="838200" y="365126"/>
+            <a:ext cx="10515600" cy="718608"/>
+          </a:xfrm>
+        </p:spPr>
+        <p:txBody>
+          <a:bodyPr>
+            <a:normAutofit/>
+          </a:bodyPr>
+          <a:lstStyle/>
+          <a:p>
+            <a:r>
+              <a:rPr lang="nl-NL" sz="3600" dirty="0"/>
+              <a:t>Werken met t</a:t>
+            </a:r>
+            <a:r>
+              <a:rPr lang="nl-NL" sz="3600" noProof="0" dirty="0" err="1"/>
+              <a:t>ekst</a:t>
+            </a:r>
+            <a:endParaRPr lang="nl-NL" sz="3600" noProof="0" dirty="0"/>
+          </a:p>
+        </p:txBody>
+      </p:sp>
+      <p:sp>
+        <p:nvSpPr>
+          <p:cNvPr id="3" name="Content Placeholder 2">
+            <a:extLst>
+              <a:ext uri="{FF2B5EF4-FFF2-40B4-BE49-F238E27FC236}">
+                <a16:creationId xmlns:a16="http://schemas.microsoft.com/office/drawing/2014/main" id="{F4C2D286-E049-0AAB-1360-B7157E11AD7E}"/>
+              </a:ext>
+            </a:extLst>
+          </p:cNvPr>
+          <p:cNvSpPr>
+            <a:spLocks noGrp="1"/>
+          </p:cNvSpPr>
+          <p:nvPr>
+            <p:ph idx="1"/>
+          </p:nvPr>
+        </p:nvSpPr>
+        <p:spPr>
+          <a:xfrm>
+            <a:off x="838200" y="1231642"/>
+            <a:ext cx="4885268" cy="5008292"/>
+          </a:xfrm>
+          <a:solidFill>
+            <a:schemeClr val="bg1">
+              <a:lumMod val="95000"/>
+            </a:schemeClr>
+          </a:solidFill>
+        </p:spPr>
+        <p:style>
+          <a:lnRef idx="1">
+            <a:schemeClr val="accent3"/>
+          </a:lnRef>
+          <a:fillRef idx="2">
+            <a:schemeClr val="accent3"/>
+          </a:fillRef>
+          <a:effectRef idx="1">
+            <a:schemeClr val="accent3"/>
+          </a:effectRef>
+          <a:fontRef idx="minor">
+            <a:schemeClr val="dk1"/>
+          </a:fontRef>
+        </p:style>
+        <p:txBody>
+          <a:bodyPr lIns="144000" tIns="144000" rIns="144000" bIns="144000">
+            <a:normAutofit/>
+          </a:bodyPr>
+          <a:lstStyle/>
+          <a:p>
+            <a:pPr marL="0" indent="0">
+              <a:lnSpc>
+                <a:spcPct val="100000"/>
+              </a:lnSpc>
+              <a:buNone/>
+            </a:pPr>
+            <a:r>
+              <a:rPr lang="nl-NL" sz="2000" noProof="0" dirty="0">
+                <a:solidFill>
+                  <a:schemeClr val="accent2">
+                    <a:lumMod val="75000"/>
+                  </a:schemeClr>
+                </a:solidFill>
+                <a:latin typeface="Courier New" panose="02070309020205020404" pitchFamily="49" charset="0"/>
+                <a:cs typeface="Courier New" panose="02070309020205020404" pitchFamily="49" charset="0"/>
+              </a:rPr>
+              <a:t>"</a:t>
+            </a:r>
+            <a:r>
+              <a:rPr lang="nl-NL" sz="2000" noProof="0" dirty="0" err="1">
+                <a:solidFill>
+                  <a:schemeClr val="accent2">
+                    <a:lumMod val="75000"/>
+                  </a:schemeClr>
+                </a:solidFill>
+                <a:latin typeface="Courier New" panose="02070309020205020404" pitchFamily="49" charset="0"/>
+                <a:cs typeface="Courier New" panose="02070309020205020404" pitchFamily="49" charset="0"/>
+              </a:rPr>
+              <a:t>Hello</a:t>
+            </a:r>
+            <a:r>
+              <a:rPr lang="nl-NL" sz="2000" noProof="0" dirty="0">
+                <a:solidFill>
+                  <a:schemeClr val="accent2">
+                    <a:lumMod val="75000"/>
+                  </a:schemeClr>
+                </a:solidFill>
+                <a:latin typeface="Courier New" panose="02070309020205020404" pitchFamily="49" charset="0"/>
+                <a:cs typeface="Courier New" panose="02070309020205020404" pitchFamily="49" charset="0"/>
+              </a:rPr>
+              <a:t> "</a:t>
+            </a:r>
+            <a:r>
+              <a:rPr lang="nl-NL" sz="2000" noProof="0" dirty="0">
+                <a:latin typeface="Courier New" panose="02070309020205020404" pitchFamily="49" charset="0"/>
+                <a:cs typeface="Courier New" panose="02070309020205020404" pitchFamily="49" charset="0"/>
+              </a:rPr>
+              <a:t> + </a:t>
+            </a:r>
+            <a:r>
+              <a:rPr lang="nl-NL" sz="2000" noProof="0" dirty="0">
+                <a:solidFill>
+                  <a:schemeClr val="accent1">
+                    <a:lumMod val="75000"/>
+                  </a:schemeClr>
+                </a:solidFill>
+                <a:latin typeface="Courier New" panose="02070309020205020404" pitchFamily="49" charset="0"/>
+                <a:cs typeface="Courier New" panose="02070309020205020404" pitchFamily="49" charset="0"/>
+              </a:rPr>
+              <a:t>name</a:t>
+            </a:r>
+            <a:r>
+              <a:rPr lang="nl-NL" sz="2000" noProof="0" dirty="0">
+                <a:latin typeface="Courier New" panose="02070309020205020404" pitchFamily="49" charset="0"/>
+                <a:cs typeface="Courier New" panose="02070309020205020404" pitchFamily="49" charset="0"/>
+              </a:rPr>
+              <a:t> + </a:t>
+            </a:r>
+            <a:r>
+              <a:rPr lang="nl-NL" sz="2000" noProof="0" dirty="0">
+                <a:solidFill>
+                  <a:schemeClr val="accent2">
+                    <a:lumMod val="75000"/>
+                  </a:schemeClr>
+                </a:solidFill>
+                <a:latin typeface="Courier New" panose="02070309020205020404" pitchFamily="49" charset="0"/>
+                <a:cs typeface="Courier New" panose="02070309020205020404" pitchFamily="49" charset="0"/>
+              </a:rPr>
+              <a:t>"!"</a:t>
+            </a:r>
+          </a:p>
+          <a:p>
+            <a:pPr marL="0" indent="0">
+              <a:lnSpc>
+                <a:spcPct val="100000"/>
+              </a:lnSpc>
+              <a:buNone/>
+            </a:pPr>
+            <a:endParaRPr lang="nl-NL" sz="2000" noProof="0" dirty="0">
+              <a:latin typeface="Courier New" panose="02070309020205020404" pitchFamily="49" charset="0"/>
+              <a:cs typeface="Courier New" panose="02070309020205020404" pitchFamily="49" charset="0"/>
+            </a:endParaRPr>
+          </a:p>
+          <a:p>
+            <a:pPr marL="0" indent="0">
+              <a:lnSpc>
+                <a:spcPct val="100000"/>
+              </a:lnSpc>
+              <a:buNone/>
+            </a:pPr>
+            <a:r>
+              <a:rPr lang="nl-NL" sz="2000" noProof="0" dirty="0" err="1">
+                <a:solidFill>
+                  <a:schemeClr val="accent1">
+                    <a:lumMod val="75000"/>
+                  </a:schemeClr>
+                </a:solidFill>
+                <a:latin typeface="Courier New" panose="02070309020205020404" pitchFamily="49" charset="0"/>
+                <a:cs typeface="Courier New" panose="02070309020205020404" pitchFamily="49" charset="0"/>
+              </a:rPr>
+              <a:t>f</a:t>
+            </a:r>
+            <a:r>
+              <a:rPr lang="nl-NL" sz="2000" noProof="0" dirty="0" err="1">
+                <a:solidFill>
+                  <a:schemeClr val="accent2">
+                    <a:lumMod val="75000"/>
+                  </a:schemeClr>
+                </a:solidFill>
+                <a:latin typeface="Courier New" panose="02070309020205020404" pitchFamily="49" charset="0"/>
+                <a:cs typeface="Courier New" panose="02070309020205020404" pitchFamily="49" charset="0"/>
+              </a:rPr>
+              <a:t>"Hello</a:t>
+            </a:r>
+            <a:r>
+              <a:rPr lang="nl-NL" sz="2000" noProof="0" dirty="0">
+                <a:solidFill>
+                  <a:schemeClr val="accent2">
+                    <a:lumMod val="75000"/>
+                  </a:schemeClr>
+                </a:solidFill>
+                <a:latin typeface="Courier New" panose="02070309020205020404" pitchFamily="49" charset="0"/>
+                <a:cs typeface="Courier New" panose="02070309020205020404" pitchFamily="49" charset="0"/>
+              </a:rPr>
+              <a:t> </a:t>
+            </a:r>
+            <a:r>
+              <a:rPr lang="nl-NL" sz="2000" noProof="0" dirty="0">
+                <a:solidFill>
+                  <a:schemeClr val="accent1">
+                    <a:lumMod val="75000"/>
+                  </a:schemeClr>
+                </a:solidFill>
+                <a:latin typeface="Courier New" panose="02070309020205020404" pitchFamily="49" charset="0"/>
+                <a:cs typeface="Courier New" panose="02070309020205020404" pitchFamily="49" charset="0"/>
+              </a:rPr>
+              <a:t>{name}</a:t>
+            </a:r>
+            <a:r>
+              <a:rPr lang="nl-NL" sz="2000" noProof="0" dirty="0">
+                <a:solidFill>
+                  <a:schemeClr val="accent2">
+                    <a:lumMod val="75000"/>
+                  </a:schemeClr>
+                </a:solidFill>
+                <a:latin typeface="Courier New" panose="02070309020205020404" pitchFamily="49" charset="0"/>
+                <a:cs typeface="Courier New" panose="02070309020205020404" pitchFamily="49" charset="0"/>
+              </a:rPr>
+              <a:t>!"</a:t>
+            </a:r>
+          </a:p>
+          <a:p>
+            <a:pPr marL="0" indent="0">
+              <a:lnSpc>
+                <a:spcPct val="100000"/>
+              </a:lnSpc>
+              <a:buNone/>
+            </a:pPr>
+            <a:endParaRPr lang="nl-NL" sz="2000" noProof="0" dirty="0">
+              <a:latin typeface="Courier New" panose="02070309020205020404" pitchFamily="49" charset="0"/>
+              <a:cs typeface="Courier New" panose="02070309020205020404" pitchFamily="49" charset="0"/>
+            </a:endParaRPr>
+          </a:p>
+          <a:p>
+            <a:pPr marL="0" indent="0">
+              <a:lnSpc>
+                <a:spcPct val="100000"/>
+              </a:lnSpc>
+              <a:buNone/>
+            </a:pPr>
+            <a:r>
+              <a:rPr lang="nl-NL" sz="2000" dirty="0">
+                <a:latin typeface="Courier New" panose="02070309020205020404" pitchFamily="49" charset="0"/>
+                <a:cs typeface="Courier New" panose="02070309020205020404" pitchFamily="49" charset="0"/>
+              </a:rPr>
+              <a:t>template = </a:t>
+            </a:r>
+            <a:r>
+              <a:rPr lang="nl-NL" sz="2000" noProof="0" dirty="0">
+                <a:solidFill>
+                  <a:schemeClr val="accent2">
+                    <a:lumMod val="75000"/>
+                  </a:schemeClr>
+                </a:solidFill>
+                <a:latin typeface="Courier New" panose="02070309020205020404" pitchFamily="49" charset="0"/>
+                <a:cs typeface="Courier New" panose="02070309020205020404" pitchFamily="49" charset="0"/>
+              </a:rPr>
+              <a:t>"</a:t>
+            </a:r>
+            <a:r>
+              <a:rPr lang="nl-NL" sz="2000" noProof="0" dirty="0" err="1">
+                <a:solidFill>
+                  <a:schemeClr val="accent2">
+                    <a:lumMod val="75000"/>
+                  </a:schemeClr>
+                </a:solidFill>
+                <a:latin typeface="Courier New" panose="02070309020205020404" pitchFamily="49" charset="0"/>
+                <a:cs typeface="Courier New" panose="02070309020205020404" pitchFamily="49" charset="0"/>
+              </a:rPr>
+              <a:t>Hello</a:t>
+            </a:r>
+            <a:r>
+              <a:rPr lang="nl-NL" sz="2000" noProof="0" dirty="0">
+                <a:solidFill>
+                  <a:schemeClr val="accent2">
+                    <a:lumMod val="75000"/>
+                  </a:schemeClr>
+                </a:solidFill>
+                <a:latin typeface="Courier New" panose="02070309020205020404" pitchFamily="49" charset="0"/>
+                <a:cs typeface="Courier New" panose="02070309020205020404" pitchFamily="49" charset="0"/>
+              </a:rPr>
+              <a:t> </a:t>
+            </a:r>
+            <a:r>
+              <a:rPr lang="nl-NL" sz="2000" noProof="0" dirty="0">
+                <a:solidFill>
+                  <a:schemeClr val="accent1">
+                    <a:lumMod val="75000"/>
+                  </a:schemeClr>
+                </a:solidFill>
+                <a:latin typeface="Courier New" panose="02070309020205020404" pitchFamily="49" charset="0"/>
+                <a:cs typeface="Courier New" panose="02070309020205020404" pitchFamily="49" charset="0"/>
+              </a:rPr>
+              <a:t>{n}</a:t>
+            </a:r>
+            <a:r>
+              <a:rPr lang="nl-NL" sz="2000" noProof="0" dirty="0">
+                <a:solidFill>
+                  <a:schemeClr val="accent2">
+                    <a:lumMod val="75000"/>
+                  </a:schemeClr>
+                </a:solidFill>
+                <a:latin typeface="Courier New" panose="02070309020205020404" pitchFamily="49" charset="0"/>
+                <a:cs typeface="Courier New" panose="02070309020205020404" pitchFamily="49" charset="0"/>
+              </a:rPr>
+              <a:t>!"</a:t>
+            </a:r>
+          </a:p>
+          <a:p>
+            <a:pPr marL="0" indent="0">
+              <a:lnSpc>
+                <a:spcPct val="100000"/>
+              </a:lnSpc>
+              <a:buNone/>
+            </a:pPr>
+            <a:r>
+              <a:rPr lang="nl-NL" sz="2000" dirty="0">
+                <a:latin typeface="Courier New" panose="02070309020205020404" pitchFamily="49" charset="0"/>
+                <a:cs typeface="Courier New" panose="02070309020205020404" pitchFamily="49" charset="0"/>
+              </a:rPr>
+              <a:t>template.</a:t>
+            </a:r>
+            <a:r>
+              <a:rPr lang="nl-NL" sz="2000" b="1" noProof="0" dirty="0">
+                <a:latin typeface="Courier New" panose="02070309020205020404" pitchFamily="49" charset="0"/>
+                <a:cs typeface="Courier New" panose="02070309020205020404" pitchFamily="49" charset="0"/>
+              </a:rPr>
+              <a:t>format</a:t>
+            </a:r>
+            <a:r>
+              <a:rPr lang="nl-NL" sz="2000" noProof="0" dirty="0">
+                <a:latin typeface="Courier New" panose="02070309020205020404" pitchFamily="49" charset="0"/>
+                <a:cs typeface="Courier New" panose="02070309020205020404" pitchFamily="49" charset="0"/>
+              </a:rPr>
+              <a:t>(n=</a:t>
+            </a:r>
+            <a:r>
+              <a:rPr lang="nl-NL" sz="2000" noProof="0" dirty="0">
+                <a:solidFill>
+                  <a:schemeClr val="accent1">
+                    <a:lumMod val="75000"/>
+                  </a:schemeClr>
+                </a:solidFill>
+                <a:latin typeface="Courier New" panose="02070309020205020404" pitchFamily="49" charset="0"/>
+                <a:cs typeface="Courier New" panose="02070309020205020404" pitchFamily="49" charset="0"/>
+              </a:rPr>
+              <a:t>name</a:t>
+            </a:r>
+            <a:r>
+              <a:rPr lang="nl-NL" sz="2000" noProof="0" dirty="0">
+                <a:latin typeface="Courier New" panose="02070309020205020404" pitchFamily="49" charset="0"/>
+                <a:cs typeface="Courier New" panose="02070309020205020404" pitchFamily="49" charset="0"/>
+              </a:rPr>
+              <a:t>)</a:t>
+            </a:r>
+          </a:p>
+          <a:p>
+            <a:pPr marL="0" indent="0">
+              <a:lnSpc>
+                <a:spcPct val="100000"/>
+              </a:lnSpc>
+              <a:buNone/>
+            </a:pPr>
+            <a:endParaRPr lang="nl-NL" sz="2000" noProof="0" dirty="0">
+              <a:latin typeface="Courier New" panose="02070309020205020404" pitchFamily="49" charset="0"/>
+              <a:cs typeface="Courier New" panose="02070309020205020404" pitchFamily="49" charset="0"/>
+            </a:endParaRPr>
+          </a:p>
+          <a:p>
+            <a:pPr marL="0" indent="0">
+              <a:lnSpc>
+                <a:spcPct val="100000"/>
+              </a:lnSpc>
+              <a:buNone/>
+            </a:pPr>
+            <a:r>
+              <a:rPr lang="nl-NL" sz="2000" noProof="0" dirty="0">
+                <a:solidFill>
+                  <a:schemeClr val="accent2">
+                    <a:lumMod val="75000"/>
+                  </a:schemeClr>
+                </a:solidFill>
+                <a:latin typeface="Courier New" panose="02070309020205020404" pitchFamily="49" charset="0"/>
+                <a:cs typeface="Courier New" panose="02070309020205020404" pitchFamily="49" charset="0"/>
+              </a:rPr>
+              <a:t>"</a:t>
+            </a:r>
+            <a:r>
+              <a:rPr lang="nl-NL" sz="2000" noProof="0" dirty="0" err="1">
+                <a:solidFill>
+                  <a:schemeClr val="accent2">
+                    <a:lumMod val="75000"/>
+                  </a:schemeClr>
+                </a:solidFill>
+                <a:latin typeface="Courier New" panose="02070309020205020404" pitchFamily="49" charset="0"/>
+                <a:cs typeface="Courier New" panose="02070309020205020404" pitchFamily="49" charset="0"/>
+              </a:rPr>
+              <a:t>Doe,John"</a:t>
+            </a:r>
+            <a:r>
+              <a:rPr lang="nl-NL" sz="2000" noProof="0" dirty="0" err="1">
+                <a:latin typeface="Courier New" panose="02070309020205020404" pitchFamily="49" charset="0"/>
+                <a:cs typeface="Courier New" panose="02070309020205020404" pitchFamily="49" charset="0"/>
+              </a:rPr>
+              <a:t>.</a:t>
+            </a:r>
+            <a:r>
+              <a:rPr lang="nl-NL" sz="2000" b="1" noProof="0" dirty="0" err="1">
+                <a:latin typeface="Courier New" panose="02070309020205020404" pitchFamily="49" charset="0"/>
+                <a:cs typeface="Courier New" panose="02070309020205020404" pitchFamily="49" charset="0"/>
+              </a:rPr>
+              <a:t>split</a:t>
+            </a:r>
+            <a:r>
+              <a:rPr lang="nl-NL" sz="2000" noProof="0" dirty="0">
+                <a:latin typeface="Courier New" panose="02070309020205020404" pitchFamily="49" charset="0"/>
+                <a:cs typeface="Courier New" panose="02070309020205020404" pitchFamily="49" charset="0"/>
+              </a:rPr>
+              <a:t>(</a:t>
+            </a:r>
+            <a:r>
+              <a:rPr lang="nl-NL" sz="2000" noProof="0" dirty="0">
+                <a:solidFill>
+                  <a:schemeClr val="accent2">
+                    <a:lumMod val="75000"/>
+                  </a:schemeClr>
+                </a:solidFill>
+                <a:latin typeface="Courier New" panose="02070309020205020404" pitchFamily="49" charset="0"/>
+                <a:cs typeface="Courier New" panose="02070309020205020404" pitchFamily="49" charset="0"/>
+              </a:rPr>
+              <a:t>","</a:t>
+            </a:r>
+            <a:r>
+              <a:rPr lang="nl-NL" sz="2000" noProof="0" dirty="0">
+                <a:latin typeface="Courier New" panose="02070309020205020404" pitchFamily="49" charset="0"/>
+                <a:cs typeface="Courier New" panose="02070309020205020404" pitchFamily="49" charset="0"/>
+              </a:rPr>
+              <a:t>)</a:t>
+            </a:r>
+          </a:p>
+          <a:p>
+            <a:pPr marL="0" indent="0">
+              <a:lnSpc>
+                <a:spcPct val="100000"/>
+              </a:lnSpc>
+              <a:buNone/>
+            </a:pPr>
+            <a:endParaRPr lang="nl-NL" sz="2000" noProof="0" dirty="0">
+              <a:latin typeface="Courier New" panose="02070309020205020404" pitchFamily="49" charset="0"/>
+              <a:cs typeface="Courier New" panose="02070309020205020404" pitchFamily="49" charset="0"/>
+            </a:endParaRPr>
+          </a:p>
+          <a:p>
+            <a:pPr marL="0" indent="0">
+              <a:lnSpc>
+                <a:spcPct val="100000"/>
+              </a:lnSpc>
+              <a:buNone/>
+            </a:pPr>
+            <a:r>
+              <a:rPr lang="nl-NL" sz="2000" noProof="0" dirty="0">
+                <a:solidFill>
+                  <a:schemeClr val="accent2">
+                    <a:lumMod val="75000"/>
+                  </a:schemeClr>
+                </a:solidFill>
+                <a:latin typeface="Courier New" panose="02070309020205020404" pitchFamily="49" charset="0"/>
+                <a:cs typeface="Courier New" panose="02070309020205020404" pitchFamily="49" charset="0"/>
+              </a:rPr>
+              <a:t>","</a:t>
+            </a:r>
+            <a:r>
+              <a:rPr lang="nl-NL" sz="2000" noProof="0" dirty="0">
+                <a:latin typeface="Courier New" panose="02070309020205020404" pitchFamily="49" charset="0"/>
+                <a:cs typeface="Courier New" panose="02070309020205020404" pitchFamily="49" charset="0"/>
+              </a:rPr>
+              <a:t>.</a:t>
+            </a:r>
+            <a:r>
+              <a:rPr lang="nl-NL" sz="2000" b="1" noProof="0" dirty="0" err="1">
+                <a:latin typeface="Courier New" panose="02070309020205020404" pitchFamily="49" charset="0"/>
+                <a:cs typeface="Courier New" panose="02070309020205020404" pitchFamily="49" charset="0"/>
+              </a:rPr>
+              <a:t>join</a:t>
+            </a:r>
+            <a:r>
+              <a:rPr lang="nl-NL" sz="2000" noProof="0" dirty="0">
+                <a:latin typeface="Courier New" panose="02070309020205020404" pitchFamily="49" charset="0"/>
+                <a:cs typeface="Courier New" panose="02070309020205020404" pitchFamily="49" charset="0"/>
+              </a:rPr>
+              <a:t>([</a:t>
+            </a:r>
+            <a:r>
+              <a:rPr lang="nl-NL" sz="2000" noProof="0" dirty="0">
+                <a:solidFill>
+                  <a:schemeClr val="accent2">
+                    <a:lumMod val="75000"/>
+                  </a:schemeClr>
+                </a:solidFill>
+                <a:latin typeface="Courier New" panose="02070309020205020404" pitchFamily="49" charset="0"/>
+                <a:cs typeface="Courier New" panose="02070309020205020404" pitchFamily="49" charset="0"/>
+              </a:rPr>
+              <a:t>"Doe"</a:t>
+            </a:r>
+            <a:r>
+              <a:rPr lang="nl-NL" sz="2000" noProof="0" dirty="0">
+                <a:latin typeface="Courier New" panose="02070309020205020404" pitchFamily="49" charset="0"/>
+                <a:cs typeface="Courier New" panose="02070309020205020404" pitchFamily="49" charset="0"/>
+              </a:rPr>
+              <a:t>, </a:t>
+            </a:r>
+            <a:r>
+              <a:rPr lang="nl-NL" sz="2000" noProof="0" dirty="0">
+                <a:solidFill>
+                  <a:schemeClr val="accent2">
+                    <a:lumMod val="75000"/>
+                  </a:schemeClr>
+                </a:solidFill>
+                <a:latin typeface="Courier New" panose="02070309020205020404" pitchFamily="49" charset="0"/>
+                <a:cs typeface="Courier New" panose="02070309020205020404" pitchFamily="49" charset="0"/>
+              </a:rPr>
+              <a:t>"John"</a:t>
+            </a:r>
+            <a:r>
+              <a:rPr lang="nl-NL" sz="2000" noProof="0" dirty="0">
+                <a:latin typeface="Courier New" panose="02070309020205020404" pitchFamily="49" charset="0"/>
+                <a:cs typeface="Courier New" panose="02070309020205020404" pitchFamily="49" charset="0"/>
+              </a:rPr>
+              <a:t>])</a:t>
+            </a:r>
+          </a:p>
+          <a:p>
+            <a:pPr marL="0" indent="0">
+              <a:lnSpc>
+                <a:spcPct val="100000"/>
+              </a:lnSpc>
+              <a:buNone/>
+            </a:pPr>
+            <a:endParaRPr lang="nl-NL" sz="2000" noProof="0" dirty="0">
+              <a:latin typeface="Courier New" panose="02070309020205020404" pitchFamily="49" charset="0"/>
+              <a:cs typeface="Courier New" panose="02070309020205020404" pitchFamily="49" charset="0"/>
+            </a:endParaRPr>
+          </a:p>
+        </p:txBody>
+      </p:sp>
+      <p:sp>
+        <p:nvSpPr>
+          <p:cNvPr id="4" name="Rectangle 3">
+            <a:extLst>
+              <a:ext uri="{FF2B5EF4-FFF2-40B4-BE49-F238E27FC236}">
+                <a16:creationId xmlns:a16="http://schemas.microsoft.com/office/drawing/2014/main" id="{F8C789F1-EE2E-727B-7D3D-6249E89ED81A}"/>
+              </a:ext>
+            </a:extLst>
+          </p:cNvPr>
+          <p:cNvSpPr/>
+          <p:nvPr/>
+        </p:nvSpPr>
+        <p:spPr>
+          <a:xfrm>
+            <a:off x="6468532" y="1231642"/>
+            <a:ext cx="4885268" cy="5008292"/>
+          </a:xfrm>
+          <a:prstGeom prst="rect">
+            <a:avLst/>
+          </a:prstGeom>
+          <a:solidFill>
+            <a:schemeClr val="bg1">
+              <a:lumMod val="95000"/>
+            </a:schemeClr>
+          </a:solidFill>
+        </p:spPr>
+        <p:style>
+          <a:lnRef idx="1">
+            <a:schemeClr val="accent3"/>
+          </a:lnRef>
+          <a:fillRef idx="2">
+            <a:schemeClr val="accent3"/>
+          </a:fillRef>
+          <a:effectRef idx="1">
+            <a:schemeClr val="accent3"/>
+          </a:effectRef>
+          <a:fontRef idx="minor">
+            <a:schemeClr val="dk1"/>
+          </a:fontRef>
+        </p:style>
+        <p:txBody>
+          <a:bodyPr lIns="144000" tIns="144000" rIns="144000" bIns="144000" rtlCol="0" anchor="t"/>
+          <a:lstStyle/>
+          <a:p>
+            <a:pPr>
+              <a:spcBef>
+                <a:spcPts val="1000"/>
+              </a:spcBef>
+            </a:pPr>
+            <a:r>
+              <a:rPr lang="nl-NL" sz="2000" dirty="0"/>
+              <a:t>Met </a:t>
+            </a:r>
+            <a:r>
+              <a:rPr lang="nl-NL" sz="2000" dirty="0">
+                <a:latin typeface="Courier New" panose="02070309020205020404" pitchFamily="49" charset="0"/>
+                <a:cs typeface="Courier New" panose="02070309020205020404" pitchFamily="49" charset="0"/>
+              </a:rPr>
+              <a:t>+</a:t>
+            </a:r>
+            <a:r>
+              <a:rPr lang="nl-NL" sz="2000" dirty="0"/>
+              <a:t> plak je strings aan elkaar.</a:t>
+            </a:r>
+          </a:p>
+          <a:p>
+            <a:pPr>
+              <a:spcBef>
+                <a:spcPts val="1000"/>
+              </a:spcBef>
+            </a:pPr>
+            <a:endParaRPr lang="nl-NL" sz="2000" dirty="0"/>
+          </a:p>
+          <a:p>
+            <a:pPr>
+              <a:spcBef>
+                <a:spcPts val="1000"/>
+              </a:spcBef>
+            </a:pPr>
+            <a:r>
+              <a:rPr lang="nl-NL" sz="2000" dirty="0"/>
+              <a:t>Een format-string is vaak korter.</a:t>
+            </a:r>
+          </a:p>
+          <a:p>
+            <a:pPr>
+              <a:spcBef>
+                <a:spcPts val="1000"/>
+              </a:spcBef>
+            </a:pPr>
+            <a:endParaRPr lang="nl-NL" sz="2000" dirty="0"/>
+          </a:p>
+          <a:p>
+            <a:pPr>
+              <a:spcBef>
+                <a:spcPts val="1000"/>
+              </a:spcBef>
+            </a:pPr>
+            <a:r>
+              <a:rPr lang="nl-NL" sz="2000" dirty="0"/>
+              <a:t>Je kunt ook </a:t>
+            </a:r>
+            <a:r>
+              <a:rPr lang="nl-NL" sz="2000" dirty="0">
+                <a:latin typeface="Courier New" panose="02070309020205020404" pitchFamily="49" charset="0"/>
+                <a:cs typeface="Courier New" panose="02070309020205020404" pitchFamily="49" charset="0"/>
+              </a:rPr>
+              <a:t>format()</a:t>
+            </a:r>
+            <a:r>
+              <a:rPr lang="nl-NL" sz="2000" dirty="0"/>
+              <a:t> gebruiken.</a:t>
+            </a:r>
+          </a:p>
+          <a:p>
+            <a:pPr>
+              <a:spcBef>
+                <a:spcPts val="1000"/>
+              </a:spcBef>
+            </a:pPr>
+            <a:endParaRPr lang="nl-NL" sz="2000" dirty="0"/>
+          </a:p>
+          <a:p>
+            <a:pPr>
+              <a:spcBef>
+                <a:spcPts val="1000"/>
+              </a:spcBef>
+            </a:pPr>
+            <a:endParaRPr lang="nl-NL" sz="2000" dirty="0"/>
+          </a:p>
+          <a:p>
+            <a:pPr>
+              <a:spcBef>
+                <a:spcPts val="1000"/>
+              </a:spcBef>
+            </a:pPr>
+            <a:r>
+              <a:rPr lang="nl-NL" sz="2000" dirty="0"/>
+              <a:t>Splits de string op d.m.v. scheidingsteken.</a:t>
+            </a:r>
+          </a:p>
+          <a:p>
+            <a:pPr>
+              <a:spcBef>
+                <a:spcPts val="1000"/>
+              </a:spcBef>
+            </a:pPr>
+            <a:endParaRPr lang="nl-NL" sz="2000" dirty="0"/>
+          </a:p>
+          <a:p>
+            <a:pPr>
+              <a:spcBef>
+                <a:spcPts val="1000"/>
+              </a:spcBef>
+            </a:pPr>
+            <a:r>
+              <a:rPr lang="nl-NL" sz="2000" dirty="0"/>
+              <a:t>Plakt een lijst aan elkaar tot een string.</a:t>
+            </a:r>
+          </a:p>
+        </p:txBody>
+      </p:sp>
+    </p:spTree>
+    <p:extLst>
+      <p:ext uri="{BB962C8B-B14F-4D97-AF65-F5344CB8AC3E}">
+        <p14:creationId xmlns:p14="http://schemas.microsoft.com/office/powerpoint/2010/main" val="68000863"/>
+      </p:ext>
+    </p:extLst>
+  </p:cSld>
+  <p:clrMapOvr>
+    <a:masterClrMapping/>
+  </p:clrMapOvr>
+</p:sld>
+</file>
+
+<file path=ppt/slides/slide9.xml><?xml version="1.0" encoding="utf-8"?>
+<p:sld xmlns:a="http://schemas.openxmlformats.org/drawingml/2006/main" xmlns:r="http://schemas.openxmlformats.org/officeDocument/2006/relationships" xmlns:p="http://schemas.openxmlformats.org/presentationml/2006/main">
+  <p:cSld>
+    <p:spTree>
+      <p:nvGrpSpPr>
+        <p:cNvPr id="1" name=""/>
+        <p:cNvGrpSpPr/>
+        <p:nvPr/>
+      </p:nvGrpSpPr>
+      <p:grpSpPr>
+        <a:xfrm>
+          <a:off x="0" y="0"/>
+          <a:ext cx="0" cy="0"/>
+          <a:chOff x="0" y="0"/>
+          <a:chExt cx="0" cy="0"/>
+        </a:xfrm>
+      </p:grpSpPr>
+      <p:sp>
+        <p:nvSpPr>
+          <p:cNvPr id="2" name="Title 1">
+            <a:extLst>
+              <a:ext uri="{FF2B5EF4-FFF2-40B4-BE49-F238E27FC236}">
+                <a16:creationId xmlns:a16="http://schemas.microsoft.com/office/drawing/2014/main" id="{39A1D606-8DD1-369C-5C09-471CDD551AD5}"/>
+              </a:ext>
+            </a:extLst>
+          </p:cNvPr>
+          <p:cNvSpPr>
+            <a:spLocks noGrp="1"/>
+          </p:cNvSpPr>
+          <p:nvPr>
+            <p:ph type="title"/>
+          </p:nvPr>
+        </p:nvSpPr>
+        <p:spPr>
+          <a:xfrm>
+            <a:off x="838200" y="365126"/>
+            <a:ext cx="10515600" cy="718608"/>
+          </a:xfrm>
+        </p:spPr>
+        <p:txBody>
+          <a:bodyPr>
+            <a:normAutofit/>
+          </a:bodyPr>
+          <a:lstStyle/>
+          <a:p>
+            <a:r>
+              <a:rPr lang="nl-NL" sz="3600" noProof="0" dirty="0"/>
+              <a:t>Keuze voor IDE</a:t>
+            </a:r>
+          </a:p>
+        </p:txBody>
+      </p:sp>
+      <p:sp>
+        <p:nvSpPr>
+          <p:cNvPr id="3" name="Content Placeholder 2">
+            <a:extLst>
+              <a:ext uri="{FF2B5EF4-FFF2-40B4-BE49-F238E27FC236}">
+                <a16:creationId xmlns:a16="http://schemas.microsoft.com/office/drawing/2014/main" id="{F4C2D286-E049-0AAB-1360-B7157E11AD7E}"/>
+              </a:ext>
+            </a:extLst>
+          </p:cNvPr>
+          <p:cNvSpPr>
+            <a:spLocks noGrp="1"/>
+          </p:cNvSpPr>
+          <p:nvPr>
+            <p:ph idx="1"/>
+          </p:nvPr>
+        </p:nvSpPr>
+        <p:spPr>
+          <a:xfrm>
+            <a:off x="838198" y="1456267"/>
+            <a:ext cx="4715935" cy="4720696"/>
+          </a:xfrm>
+        </p:spPr>
+        <p:txBody>
+          <a:bodyPr>
+            <a:normAutofit/>
+          </a:bodyPr>
+          <a:lstStyle/>
+          <a:p>
+            <a:pPr marL="0" indent="0">
+              <a:buNone/>
+            </a:pPr>
+            <a:r>
+              <a:rPr lang="nl-NL" sz="2000" b="1" noProof="0" dirty="0" err="1"/>
+              <a:t>Jupyter</a:t>
+            </a:r>
+            <a:r>
+              <a:rPr lang="nl-NL" sz="2000" b="1" noProof="0" dirty="0"/>
+              <a:t> Notebook</a:t>
+            </a:r>
+          </a:p>
+          <a:p>
+            <a:pPr marL="0" indent="0">
+              <a:buNone/>
+            </a:pPr>
+            <a:endParaRPr lang="nl-NL" sz="2000" noProof="0" dirty="0"/>
+          </a:p>
+          <a:p>
+            <a:pPr marL="0" indent="0">
+              <a:buNone/>
+            </a:pPr>
+            <a:r>
+              <a:rPr lang="nl-NL" sz="2000" noProof="0" dirty="0"/>
+              <a:t>+    Goed voor exploratief werken.</a:t>
+            </a:r>
+          </a:p>
+          <a:p>
+            <a:pPr marL="0" indent="0">
+              <a:buNone/>
+            </a:pPr>
+            <a:endParaRPr lang="nl-NL" sz="2000" noProof="0" dirty="0"/>
+          </a:p>
+          <a:p>
+            <a:pPr marL="0" indent="0">
+              <a:buNone/>
+            </a:pPr>
+            <a:r>
+              <a:rPr lang="nl-NL" sz="2000" noProof="0" dirty="0"/>
+              <a:t>+    Goed voor demo’s, directe feedback.</a:t>
+            </a:r>
+          </a:p>
+          <a:p>
+            <a:pPr marL="0" indent="0">
+              <a:buNone/>
+            </a:pPr>
+            <a:endParaRPr lang="nl-NL" sz="2000" noProof="0" dirty="0"/>
+          </a:p>
+          <a:p>
+            <a:pPr marL="0" indent="0">
+              <a:buNone/>
+            </a:pPr>
+            <a:r>
+              <a:rPr lang="nl-NL" sz="2000" noProof="0" dirty="0"/>
+              <a:t>-     Qua functionaliteit vrij beperkt.</a:t>
+            </a:r>
+          </a:p>
+          <a:p>
+            <a:pPr marL="0" indent="0">
+              <a:buNone/>
+            </a:pPr>
+            <a:endParaRPr lang="nl-NL" sz="2000" noProof="0" dirty="0"/>
+          </a:p>
+          <a:p>
+            <a:pPr marL="0" indent="0">
+              <a:buNone/>
+            </a:pPr>
+            <a:r>
+              <a:rPr lang="nl-NL" sz="2000" noProof="0" dirty="0"/>
+              <a:t>-    Foutgevoelig, snel onoverzichtelijk.</a:t>
+            </a:r>
+          </a:p>
+          <a:p>
+            <a:pPr marL="0" indent="0">
+              <a:buNone/>
+            </a:pPr>
+            <a:endParaRPr lang="nl-NL" sz="2000" noProof="0" dirty="0"/>
+          </a:p>
+        </p:txBody>
+      </p:sp>
+      <p:sp>
+        <p:nvSpPr>
+          <p:cNvPr id="4" name="Content Placeholder 2">
+            <a:extLst>
+              <a:ext uri="{FF2B5EF4-FFF2-40B4-BE49-F238E27FC236}">
+                <a16:creationId xmlns:a16="http://schemas.microsoft.com/office/drawing/2014/main" id="{4A6E87A0-1070-48CA-27A1-259B2400F9C1}"/>
+              </a:ext>
+            </a:extLst>
+          </p:cNvPr>
+          <p:cNvSpPr txBox="1">
+            <a:spLocks/>
+          </p:cNvSpPr>
+          <p:nvPr/>
+        </p:nvSpPr>
+        <p:spPr>
+          <a:xfrm>
+            <a:off x="6637869" y="1456267"/>
+            <a:ext cx="4715935" cy="4720696"/>
+          </a:xfrm>
+          <a:prstGeom prst="rect">
+            <a:avLst/>
+          </a:prstGeom>
+        </p:spPr>
+        <p:txBody>
+          <a:bodyPr vert="horz" lIns="91440" tIns="45720" rIns="91440" bIns="45720" rtlCol="0">
+            <a:normAutofit/>
+          </a:bodyPr>
+          <a:lstStyle>
+            <a:lvl1pPr marL="228600" indent="-228600" algn="l" defTabSz="914400" rtl="0" eaLnBrk="1" latinLnBrk="0" hangingPunct="1">
+              <a:lnSpc>
+                <a:spcPct val="90000"/>
+              </a:lnSpc>
+              <a:spcBef>
+                <a:spcPts val="1000"/>
+              </a:spcBef>
+              <a:buFont typeface="Arial" panose="020B0604020202020204" pitchFamily="34" charset="0"/>
+              <a:buChar char="•"/>
+              <a:defRPr sz="2800" kern="1200">
+                <a:solidFill>
+                  <a:schemeClr val="tx1"/>
+                </a:solidFill>
+                <a:latin typeface="+mn-lt"/>
+                <a:ea typeface="+mn-ea"/>
+                <a:cs typeface="+mn-cs"/>
+              </a:defRPr>
+            </a:lvl1pPr>
+            <a:lvl2pPr marL="685800" indent="-228600" algn="l" defTabSz="914400" rtl="0" eaLnBrk="1" latinLnBrk="0" hangingPunct="1">
+              <a:lnSpc>
+                <a:spcPct val="90000"/>
+              </a:lnSpc>
+              <a:spcBef>
+                <a:spcPts val="500"/>
+              </a:spcBef>
+              <a:buFont typeface="Arial" panose="020B0604020202020204" pitchFamily="34" charset="0"/>
+              <a:buChar char="•"/>
+              <a:defRPr sz="2400" kern="1200">
+                <a:solidFill>
+                  <a:schemeClr val="tx1"/>
+                </a:solidFill>
+                <a:latin typeface="+mn-lt"/>
+                <a:ea typeface="+mn-ea"/>
+                <a:cs typeface="+mn-cs"/>
+              </a:defRPr>
+            </a:lvl2pPr>
+            <a:lvl3pPr marL="1143000" indent="-228600" algn="l" defTabSz="914400" rtl="0" eaLnBrk="1" latinLnBrk="0" hangingPunct="1">
+              <a:lnSpc>
+                <a:spcPct val="90000"/>
+              </a:lnSpc>
+              <a:spcBef>
+                <a:spcPts val="500"/>
+              </a:spcBef>
+              <a:buFont typeface="Arial" panose="020B0604020202020204" pitchFamily="34" charset="0"/>
+              <a:buChar char="•"/>
+              <a:defRPr sz="2000" kern="1200">
+                <a:solidFill>
+                  <a:schemeClr val="tx1"/>
+                </a:solidFill>
+                <a:latin typeface="+mn-lt"/>
+                <a:ea typeface="+mn-ea"/>
+                <a:cs typeface="+mn-cs"/>
+              </a:defRPr>
+            </a:lvl3pPr>
+            <a:lvl4pPr marL="1600200" indent="-228600" algn="l" defTabSz="914400" rtl="0" eaLnBrk="1" latinLnBrk="0" hangingPunct="1">
+              <a:lnSpc>
+                <a:spcPct val="90000"/>
+              </a:lnSpc>
+              <a:spcBef>
+                <a:spcPts val="500"/>
+              </a:spcBef>
+              <a:buFont typeface="Arial" panose="020B0604020202020204" pitchFamily="34" charset="0"/>
+              <a:buChar char="•"/>
+              <a:defRPr sz="1800" kern="1200">
+                <a:solidFill>
+                  <a:schemeClr val="tx1"/>
+                </a:solidFill>
+                <a:latin typeface="+mn-lt"/>
+                <a:ea typeface="+mn-ea"/>
+                <a:cs typeface="+mn-cs"/>
+              </a:defRPr>
+            </a:lvl4pPr>
+            <a:lvl5pPr marL="2057400" indent="-228600" algn="l" defTabSz="914400" rtl="0" eaLnBrk="1" latinLnBrk="0" hangingPunct="1">
+              <a:lnSpc>
+                <a:spcPct val="90000"/>
+              </a:lnSpc>
+              <a:spcBef>
+                <a:spcPts val="500"/>
+              </a:spcBef>
+              <a:buFont typeface="Arial" panose="020B0604020202020204" pitchFamily="34" charset="0"/>
+              <a:buChar char="•"/>
+              <a:defRPr sz="1800" kern="1200">
+                <a:solidFill>
+                  <a:schemeClr val="tx1"/>
+                </a:solidFill>
+                <a:latin typeface="+mn-lt"/>
+                <a:ea typeface="+mn-ea"/>
+                <a:cs typeface="+mn-cs"/>
+              </a:defRPr>
+            </a:lvl5pPr>
+            <a:lvl6pPr marL="2514600" indent="-228600" algn="l" defTabSz="914400" rtl="0" eaLnBrk="1" latinLnBrk="0" hangingPunct="1">
+              <a:lnSpc>
+                <a:spcPct val="90000"/>
+              </a:lnSpc>
+              <a:spcBef>
+                <a:spcPts val="500"/>
+              </a:spcBef>
+              <a:buFont typeface="Arial" panose="020B0604020202020204" pitchFamily="34" charset="0"/>
+              <a:buChar char="•"/>
+              <a:defRPr sz="1800" kern="1200">
+                <a:solidFill>
+                  <a:schemeClr val="tx1"/>
+                </a:solidFill>
+                <a:latin typeface="+mn-lt"/>
+                <a:ea typeface="+mn-ea"/>
+                <a:cs typeface="+mn-cs"/>
+              </a:defRPr>
+            </a:lvl6pPr>
+            <a:lvl7pPr marL="2971800" indent="-228600" algn="l" defTabSz="914400" rtl="0" eaLnBrk="1" latinLnBrk="0" hangingPunct="1">
+              <a:lnSpc>
+                <a:spcPct val="90000"/>
+              </a:lnSpc>
+              <a:spcBef>
+                <a:spcPts val="500"/>
+              </a:spcBef>
+              <a:buFont typeface="Arial" panose="020B0604020202020204" pitchFamily="34" charset="0"/>
+              <a:buChar char="•"/>
+              <a:defRPr sz="1800" kern="1200">
+                <a:solidFill>
+                  <a:schemeClr val="tx1"/>
+                </a:solidFill>
+                <a:latin typeface="+mn-lt"/>
+                <a:ea typeface="+mn-ea"/>
+                <a:cs typeface="+mn-cs"/>
+              </a:defRPr>
+            </a:lvl7pPr>
+            <a:lvl8pPr marL="3429000" indent="-228600" algn="l" defTabSz="914400" rtl="0" eaLnBrk="1" latinLnBrk="0" hangingPunct="1">
+              <a:lnSpc>
+                <a:spcPct val="90000"/>
+              </a:lnSpc>
+              <a:spcBef>
+                <a:spcPts val="500"/>
+              </a:spcBef>
+              <a:buFont typeface="Arial" panose="020B0604020202020204" pitchFamily="34" charset="0"/>
+              <a:buChar char="•"/>
+              <a:defRPr sz="1800" kern="1200">
+                <a:solidFill>
+                  <a:schemeClr val="tx1"/>
+                </a:solidFill>
+                <a:latin typeface="+mn-lt"/>
+                <a:ea typeface="+mn-ea"/>
+                <a:cs typeface="+mn-cs"/>
+              </a:defRPr>
+            </a:lvl8pPr>
+            <a:lvl9pPr marL="3886200" indent="-228600" algn="l" defTabSz="914400" rtl="0" eaLnBrk="1" latinLnBrk="0" hangingPunct="1">
+              <a:lnSpc>
+                <a:spcPct val="90000"/>
+              </a:lnSpc>
+              <a:spcBef>
+                <a:spcPts val="500"/>
+              </a:spcBef>
+              <a:buFont typeface="Arial" panose="020B0604020202020204" pitchFamily="34" charset="0"/>
+              <a:buChar char="•"/>
+              <a:defRPr sz="1800" kern="1200">
+                <a:solidFill>
+                  <a:schemeClr val="tx1"/>
+                </a:solidFill>
+                <a:latin typeface="+mn-lt"/>
+                <a:ea typeface="+mn-ea"/>
+                <a:cs typeface="+mn-cs"/>
+              </a:defRPr>
+            </a:lvl9pPr>
+          </a:lstStyle>
+          <a:p>
+            <a:pPr marL="0" indent="0">
+              <a:buFont typeface="Arial" panose="020B0604020202020204" pitchFamily="34" charset="0"/>
+              <a:buNone/>
+            </a:pPr>
+            <a:r>
+              <a:rPr lang="nl-NL" sz="2000" b="1" dirty="0"/>
+              <a:t>Visual Studio Code</a:t>
+            </a:r>
+          </a:p>
+          <a:p>
+            <a:pPr marL="0" indent="0">
+              <a:buFont typeface="Arial" panose="020B0604020202020204" pitchFamily="34" charset="0"/>
+              <a:buNone/>
+            </a:pPr>
+            <a:endParaRPr lang="nl-NL" sz="2000" dirty="0"/>
+          </a:p>
+          <a:p>
+            <a:pPr marL="0" indent="0">
+              <a:buFont typeface="Arial" panose="020B0604020202020204" pitchFamily="34" charset="0"/>
+              <a:buNone/>
+            </a:pPr>
+            <a:r>
+              <a:rPr lang="nl-NL" sz="2000" dirty="0"/>
+              <a:t>+    Goed voor gestructureerd werken.</a:t>
+            </a:r>
+          </a:p>
+          <a:p>
+            <a:pPr marL="0" indent="0">
+              <a:buFont typeface="Arial" panose="020B0604020202020204" pitchFamily="34" charset="0"/>
+              <a:buNone/>
+            </a:pPr>
+            <a:endParaRPr lang="nl-NL" sz="2000" dirty="0"/>
+          </a:p>
+          <a:p>
+            <a:pPr marL="0" indent="0">
+              <a:buNone/>
+            </a:pPr>
+            <a:r>
+              <a:rPr lang="nl-NL" sz="2000" dirty="0"/>
+              <a:t>+    Kan ook Notebooks bewerken.</a:t>
+            </a:r>
+          </a:p>
+          <a:p>
+            <a:pPr marL="0" indent="0">
+              <a:buFont typeface="Arial" panose="020B0604020202020204" pitchFamily="34" charset="0"/>
+              <a:buNone/>
+            </a:pPr>
+            <a:endParaRPr lang="nl-NL" sz="2000" dirty="0"/>
+          </a:p>
+          <a:p>
+            <a:pPr marL="0" indent="0">
+              <a:buFont typeface="Arial" panose="020B0604020202020204" pitchFamily="34" charset="0"/>
+              <a:buNone/>
+            </a:pPr>
+            <a:r>
+              <a:rPr lang="nl-NL" sz="2000" dirty="0"/>
+              <a:t>+    Veel functionaliteit en plug-ins.</a:t>
+            </a:r>
+          </a:p>
+          <a:p>
+            <a:pPr marL="0" indent="0">
+              <a:buFont typeface="Arial" panose="020B0604020202020204" pitchFamily="34" charset="0"/>
+              <a:buNone/>
+            </a:pPr>
+            <a:endParaRPr lang="nl-NL" sz="2000" dirty="0"/>
+          </a:p>
+          <a:p>
+            <a:pPr marL="0" indent="0">
+              <a:buFont typeface="Arial" panose="020B0604020202020204" pitchFamily="34" charset="0"/>
+              <a:buNone/>
+            </a:pPr>
+            <a:r>
+              <a:rPr lang="nl-NL" sz="2000" dirty="0"/>
+              <a:t>-     Kost wat moeite om op te zetten.</a:t>
+            </a:r>
+          </a:p>
+          <a:p>
+            <a:pPr marL="0" indent="0">
+              <a:buFont typeface="Arial" panose="020B0604020202020204" pitchFamily="34" charset="0"/>
+              <a:buNone/>
+            </a:pPr>
+            <a:endParaRPr lang="nl-NL" sz="2000" dirty="0"/>
+          </a:p>
+        </p:txBody>
+      </p:sp>
+      <p:cxnSp>
+        <p:nvCxnSpPr>
+          <p:cNvPr id="6" name="Straight Connector 5">
+            <a:extLst>
+              <a:ext uri="{FF2B5EF4-FFF2-40B4-BE49-F238E27FC236}">
+                <a16:creationId xmlns:a16="http://schemas.microsoft.com/office/drawing/2014/main" id="{98609FA9-4DB0-58A8-2365-E958D9DDB463}"/>
+              </a:ext>
+            </a:extLst>
+          </p:cNvPr>
+          <p:cNvCxnSpPr>
+            <a:cxnSpLocks/>
+          </p:cNvCxnSpPr>
+          <p:nvPr/>
+        </p:nvCxnSpPr>
+        <p:spPr>
+          <a:xfrm>
+            <a:off x="5960533" y="1388533"/>
+            <a:ext cx="0" cy="4788430"/>
+          </a:xfrm>
+          <a:prstGeom prst="line">
+            <a:avLst/>
+          </a:prstGeom>
+        </p:spPr>
+        <p:style>
+          <a:lnRef idx="3">
+            <a:schemeClr val="dk1"/>
+          </a:lnRef>
+          <a:fillRef idx="0">
+            <a:schemeClr val="dk1"/>
+          </a:fillRef>
+          <a:effectRef idx="2">
+            <a:schemeClr val="dk1"/>
+          </a:effectRef>
+          <a:fontRef idx="minor">
+            <a:schemeClr val="tx1"/>
+          </a:fontRef>
+        </p:style>
+      </p:cxnSp>
+    </p:spTree>
+    <p:extLst>
+      <p:ext uri="{BB962C8B-B14F-4D97-AF65-F5344CB8AC3E}">
+        <p14:creationId xmlns:p14="http://schemas.microsoft.com/office/powerpoint/2010/main" val="2867902398"/>
       </p:ext>
     </p:extLst>
   </p:cSld>

--- a/git_course/2_collaboration/git_collaboration.pptx
+++ b/git_course/2_collaboration/git_collaboration.pptx
@@ -256,7 +256,7 @@
           <a:p>
             <a:fld id="{3BADDCAA-88FC-44D4-A91A-DD0530AB88E0}" type="datetimeFigureOut">
               <a:rPr lang="en-NL" smtClean="0"/>
-              <a:t>28/11/2024</a:t>
+              <a:t>04/12/2024</a:t>
             </a:fld>
             <a:endParaRPr lang="en-NL"/>
           </a:p>
@@ -4615,7 +4615,7 @@
           <a:p>
             <a:fld id="{0EBB069A-003F-4FC0-8534-236B0C5C7B5F}" type="datetimeFigureOut">
               <a:rPr lang="en-NL" smtClean="0"/>
-              <a:t>28/11/2024</a:t>
+              <a:t>04/12/2024</a:t>
             </a:fld>
             <a:endParaRPr lang="en-NL"/>
           </a:p>
@@ -4815,7 +4815,7 @@
           <a:p>
             <a:fld id="{0EBB069A-003F-4FC0-8534-236B0C5C7B5F}" type="datetimeFigureOut">
               <a:rPr lang="en-NL" smtClean="0"/>
-              <a:t>28/11/2024</a:t>
+              <a:t>04/12/2024</a:t>
             </a:fld>
             <a:endParaRPr lang="en-NL"/>
           </a:p>
@@ -5025,7 +5025,7 @@
           <a:p>
             <a:fld id="{0EBB069A-003F-4FC0-8534-236B0C5C7B5F}" type="datetimeFigureOut">
               <a:rPr lang="en-NL" smtClean="0"/>
-              <a:t>28/11/2024</a:t>
+              <a:t>04/12/2024</a:t>
             </a:fld>
             <a:endParaRPr lang="en-NL"/>
           </a:p>
@@ -5225,7 +5225,7 @@
           <a:p>
             <a:fld id="{0EBB069A-003F-4FC0-8534-236B0C5C7B5F}" type="datetimeFigureOut">
               <a:rPr lang="en-NL" smtClean="0"/>
-              <a:t>28/11/2024</a:t>
+              <a:t>04/12/2024</a:t>
             </a:fld>
             <a:endParaRPr lang="en-NL"/>
           </a:p>
@@ -5501,7 +5501,7 @@
           <a:p>
             <a:fld id="{0EBB069A-003F-4FC0-8534-236B0C5C7B5F}" type="datetimeFigureOut">
               <a:rPr lang="en-NL" smtClean="0"/>
-              <a:t>28/11/2024</a:t>
+              <a:t>04/12/2024</a:t>
             </a:fld>
             <a:endParaRPr lang="en-NL"/>
           </a:p>
@@ -5769,7 +5769,7 @@
           <a:p>
             <a:fld id="{0EBB069A-003F-4FC0-8534-236B0C5C7B5F}" type="datetimeFigureOut">
               <a:rPr lang="en-NL" smtClean="0"/>
-              <a:t>28/11/2024</a:t>
+              <a:t>04/12/2024</a:t>
             </a:fld>
             <a:endParaRPr lang="en-NL"/>
           </a:p>
@@ -6184,7 +6184,7 @@
           <a:p>
             <a:fld id="{0EBB069A-003F-4FC0-8534-236B0C5C7B5F}" type="datetimeFigureOut">
               <a:rPr lang="en-NL" smtClean="0"/>
-              <a:t>28/11/2024</a:t>
+              <a:t>04/12/2024</a:t>
             </a:fld>
             <a:endParaRPr lang="en-NL"/>
           </a:p>
@@ -6326,7 +6326,7 @@
           <a:p>
             <a:fld id="{0EBB069A-003F-4FC0-8534-236B0C5C7B5F}" type="datetimeFigureOut">
               <a:rPr lang="en-NL" smtClean="0"/>
-              <a:t>28/11/2024</a:t>
+              <a:t>04/12/2024</a:t>
             </a:fld>
             <a:endParaRPr lang="en-NL"/>
           </a:p>
@@ -6439,7 +6439,7 @@
           <a:p>
             <a:fld id="{0EBB069A-003F-4FC0-8534-236B0C5C7B5F}" type="datetimeFigureOut">
               <a:rPr lang="en-NL" smtClean="0"/>
-              <a:t>28/11/2024</a:t>
+              <a:t>04/12/2024</a:t>
             </a:fld>
             <a:endParaRPr lang="en-NL"/>
           </a:p>
@@ -6752,7 +6752,7 @@
           <a:p>
             <a:fld id="{0EBB069A-003F-4FC0-8534-236B0C5C7B5F}" type="datetimeFigureOut">
               <a:rPr lang="en-NL" smtClean="0"/>
-              <a:t>28/11/2024</a:t>
+              <a:t>04/12/2024</a:t>
             </a:fld>
             <a:endParaRPr lang="en-NL"/>
           </a:p>
@@ -7041,7 +7041,7 @@
           <a:p>
             <a:fld id="{0EBB069A-003F-4FC0-8534-236B0C5C7B5F}" type="datetimeFigureOut">
               <a:rPr lang="en-NL" smtClean="0"/>
-              <a:t>28/11/2024</a:t>
+              <a:t>04/12/2024</a:t>
             </a:fld>
             <a:endParaRPr lang="en-NL"/>
           </a:p>
@@ -7284,7 +7284,7 @@
           <a:p>
             <a:fld id="{0EBB069A-003F-4FC0-8534-236B0C5C7B5F}" type="datetimeFigureOut">
               <a:rPr lang="en-NL" smtClean="0"/>
-              <a:t>28/11/2024</a:t>
+              <a:t>04/12/2024</a:t>
             </a:fld>
             <a:endParaRPr lang="en-NL"/>
           </a:p>
@@ -10965,9 +10965,14 @@
           <a:lstStyle/>
           <a:p>
             <a:r>
-              <a:rPr lang="nl-NL" noProof="0" dirty="0"/>
-              <a:t>Wijzigingen synchroniseren</a:t>
-            </a:r>
+              <a:rPr lang="nl-NL" dirty="0"/>
+              <a:t>S</a:t>
+            </a:r>
+            <a:r>
+              <a:rPr lang="nl-NL" noProof="0" dirty="0" err="1"/>
+              <a:t>ynchroniseren</a:t>
+            </a:r>
+            <a:endParaRPr lang="nl-NL" noProof="0" dirty="0"/>
           </a:p>
         </p:txBody>
       </p:sp>
@@ -13971,32 +13976,17 @@
               </a:spcAft>
             </a:pPr>
             <a:r>
+              <a:rPr lang="nl-NL" sz="2000" dirty="0"/>
+              <a:t>G</a:t>
+            </a:r>
+            <a:r>
+              <a:rPr lang="nl-NL" sz="2000" noProof="0" dirty="0" err="1"/>
+              <a:t>edistribueerd</a:t>
+            </a:r>
+            <a:r>
               <a:rPr lang="nl-NL" sz="2000" noProof="0" dirty="0"/>
-              <a:t>Git is gedistribueerd</a:t>
-            </a:r>
-          </a:p>
-          <a:p>
-            <a:pPr lvl="1">
-              <a:spcAft>
-                <a:spcPts val="600"/>
-              </a:spcAft>
-            </a:pPr>
-            <a:r>
-              <a:rPr lang="nl-NL" sz="1600" noProof="0" dirty="0"/>
-              <a:t>Gedistribueerd systeem?</a:t>
-            </a:r>
-          </a:p>
-          <a:p>
-            <a:pPr lvl="1">
-              <a:spcAft>
-                <a:spcPts val="600"/>
-              </a:spcAft>
-            </a:pPr>
-            <a:r>
-              <a:rPr lang="nl-NL" sz="1600" dirty="0"/>
-              <a:t>Remote repositories</a:t>
-            </a:r>
-            <a:endParaRPr lang="nl-NL" sz="1600" noProof="0" dirty="0"/>
+              <a:t> systeem</a:t>
+            </a:r>
           </a:p>
           <a:p>
             <a:pPr>
@@ -14006,36 +13996,13 @@
             </a:pPr>
             <a:r>
               <a:rPr lang="nl-NL" sz="2000" noProof="0" dirty="0"/>
-              <a:t>Samenwerken</a:t>
+              <a:t>Remote </a:t>
+            </a:r>
+            <a:r>
+              <a:rPr lang="nl-NL" sz="2000" noProof="0" dirty="0" err="1"/>
+              <a:t>repository</a:t>
             </a:r>
             <a:endParaRPr lang="nl-NL" sz="2000" dirty="0"/>
-          </a:p>
-          <a:p>
-            <a:pPr lvl="1">
-              <a:spcAft>
-                <a:spcPts val="600"/>
-              </a:spcAft>
-            </a:pPr>
-            <a:r>
-              <a:rPr lang="nl-NL" sz="1600" noProof="0" dirty="0"/>
-              <a:t>Pull </a:t>
-            </a:r>
-            <a:r>
-              <a:rPr lang="nl-NL" sz="1600" noProof="0" dirty="0" err="1"/>
-              <a:t>requests</a:t>
-            </a:r>
-            <a:endParaRPr lang="nl-NL" sz="1600" noProof="0" dirty="0"/>
-          </a:p>
-          <a:p>
-            <a:pPr lvl="1">
-              <a:spcAft>
-                <a:spcPts val="600"/>
-              </a:spcAft>
-            </a:pPr>
-            <a:r>
-              <a:rPr lang="nl-NL" sz="1600" dirty="0"/>
-              <a:t>Code reviews</a:t>
-            </a:r>
           </a:p>
           <a:p>
             <a:pPr>
@@ -14044,35 +14011,70 @@
               </a:spcAft>
             </a:pPr>
             <a:r>
+              <a:rPr lang="nl-NL" sz="2000" dirty="0"/>
+              <a:t>Synchroniseren</a:t>
+            </a:r>
+          </a:p>
+          <a:p>
+            <a:pPr>
+              <a:spcAft>
+                <a:spcPts val="600"/>
+              </a:spcAft>
+            </a:pPr>
+            <a:r>
+              <a:rPr lang="nl-NL" sz="2000" dirty="0"/>
+              <a:t>Pull </a:t>
+            </a:r>
+            <a:r>
               <a:rPr lang="nl-NL" sz="2000" dirty="0" err="1"/>
-              <a:t>Continuous</a:t>
+              <a:t>requests</a:t>
+            </a:r>
+            <a:endParaRPr lang="nl-NL" sz="2000" dirty="0"/>
+          </a:p>
+          <a:p>
+            <a:pPr>
+              <a:spcAft>
+                <a:spcPts val="600"/>
+              </a:spcAft>
+            </a:pPr>
+            <a:r>
+              <a:rPr lang="nl-NL" sz="2000" dirty="0" err="1"/>
+              <a:t>Workflows</a:t>
             </a:r>
             <a:r>
               <a:rPr lang="nl-NL" sz="2000" dirty="0"/>
-              <a:t> Integration</a:t>
-            </a:r>
-          </a:p>
-          <a:p>
-            <a:pPr lvl="1">
+              <a:t> en Actions</a:t>
+            </a:r>
+          </a:p>
+          <a:p>
+            <a:pPr>
               <a:spcAft>
                 <a:spcPts val="600"/>
               </a:spcAft>
             </a:pPr>
             <a:r>
-              <a:rPr lang="nl-NL" sz="1600" dirty="0"/>
-              <a:t>Hoe werkt het?</a:t>
-            </a:r>
-          </a:p>
-          <a:p>
-            <a:pPr lvl="1">
+              <a:rPr lang="nl-NL" sz="2000" dirty="0"/>
+              <a:t>Branches beveiligen</a:t>
+            </a:r>
+          </a:p>
+          <a:p>
+            <a:pPr>
               <a:spcAft>
                 <a:spcPts val="600"/>
               </a:spcAft>
             </a:pPr>
             <a:r>
-              <a:rPr lang="nl-NL" sz="1600" dirty="0"/>
-              <a:t>Python pipeline opzetten</a:t>
-            </a:r>
+              <a:rPr lang="nl-NL" sz="2000" dirty="0"/>
+              <a:t>Werkzaamheden beheren</a:t>
+            </a:r>
+          </a:p>
+          <a:p>
+            <a:pPr>
+              <a:spcAft>
+                <a:spcPts val="600"/>
+              </a:spcAft>
+            </a:pPr>
+            <a:endParaRPr lang="nl-NL" sz="2000" dirty="0"/>
           </a:p>
         </p:txBody>
       </p:sp>
@@ -20825,8 +20827,12 @@
           <a:lstStyle/>
           <a:p>
             <a:r>
+              <a:rPr lang="nl-NL" noProof="0" dirty="0" err="1"/>
+              <a:t>Workflows</a:t>
+            </a:r>
+            <a:r>
               <a:rPr lang="nl-NL" noProof="0" dirty="0"/>
-              <a:t>Pipelines</a:t>
+              <a:t> en Actions</a:t>
             </a:r>
           </a:p>
         </p:txBody>
@@ -29732,8 +29738,12 @@
           <a:lstStyle/>
           <a:p>
             <a:r>
+              <a:rPr lang="nl-NL" noProof="0"/>
+              <a:t>Werkzaamheden </a:t>
+            </a:r>
+            <a:r>
               <a:rPr lang="nl-NL" noProof="0" dirty="0"/>
-              <a:t>Werk managen</a:t>
+              <a:t>beheren</a:t>
             </a:r>
           </a:p>
         </p:txBody>

--- a/git_course/2_collaboration/git_collaboration.pptx
+++ b/git_course/2_collaboration/git_collaboration.pptx
@@ -44,11 +44,11 @@
     <p:sldId id="484" r:id="rId35"/>
     <p:sldId id="481" r:id="rId36"/>
     <p:sldId id="482" r:id="rId37"/>
-    <p:sldId id="445" r:id="rId38"/>
-    <p:sldId id="448" r:id="rId39"/>
-    <p:sldId id="444" r:id="rId40"/>
-    <p:sldId id="449" r:id="rId41"/>
-    <p:sldId id="389" r:id="rId42"/>
+    <p:sldId id="449" r:id="rId38"/>
+    <p:sldId id="389" r:id="rId39"/>
+    <p:sldId id="445" r:id="rId40"/>
+    <p:sldId id="448" r:id="rId41"/>
+    <p:sldId id="444" r:id="rId42"/>
     <p:sldId id="493" r:id="rId43"/>
     <p:sldId id="385" r:id="rId44"/>
     <p:sldId id="384" r:id="rId45"/>
@@ -573,7 +573,7 @@
           <a:p>
             <a:r>
               <a:rPr lang="nl-NL" dirty="0"/>
-              <a:t>Demo: GitHub </a:t>
+              <a:t>Demo: GH: </a:t>
             </a:r>
             <a:r>
               <a:rPr lang="nl-NL" dirty="0" err="1"/>
@@ -833,7 +833,15 @@
             </a:pPr>
             <a:r>
               <a:rPr lang="nl-NL" dirty="0"/>
-              <a:t>Demo: GitHub PR maken</a:t>
+              <a:t>Demo: GH: </a:t>
+            </a:r>
+            <a:r>
+              <a:rPr lang="nl-NL" dirty="0" err="1"/>
+              <a:t>create</a:t>
+            </a:r>
+            <a:r>
+              <a:rPr lang="nl-NL" dirty="0"/>
+              <a:t> PR</a:t>
             </a:r>
           </a:p>
         </p:txBody>
@@ -1086,7 +1094,7 @@
             </a:pPr>
             <a:r>
               <a:rPr lang="nl-NL" dirty="0"/>
-              <a:t>Demo: GitHub PR reviewen</a:t>
+              <a:t>Demo: GH: review PR</a:t>
             </a:r>
           </a:p>
         </p:txBody>
@@ -1462,18 +1470,7 @@
               <a:tabLst/>
               <a:defRPr/>
             </a:pPr>
-            <a:r>
-              <a:rPr lang="nl-NL" dirty="0"/>
-              <a:t>Demo: </a:t>
-            </a:r>
-            <a:r>
-              <a:rPr lang="nl-NL" dirty="0" err="1"/>
-              <a:t>create</a:t>
-            </a:r>
-            <a:r>
-              <a:rPr lang="nl-NL" dirty="0"/>
-              <a:t> workflow.</a:t>
-            </a:r>
+            <a:endParaRPr lang="nl-NL" dirty="0"/>
           </a:p>
         </p:txBody>
       </p:sp>
@@ -1723,7 +1720,18 @@
               <a:tabLst/>
               <a:defRPr/>
             </a:pPr>
-            <a:endParaRPr lang="nl-NL" dirty="0"/>
+            <a:r>
+              <a:rPr lang="nl-NL" dirty="0"/>
+              <a:t>Demo: GH: </a:t>
+            </a:r>
+            <a:r>
+              <a:rPr lang="nl-NL" dirty="0" err="1"/>
+              <a:t>create</a:t>
+            </a:r>
+            <a:r>
+              <a:rPr lang="nl-NL" dirty="0"/>
+              <a:t> workflow.</a:t>
+            </a:r>
           </a:p>
         </p:txBody>
       </p:sp>
@@ -2089,22 +2097,6 @@
               <a:tabLst/>
               <a:defRPr/>
             </a:pPr>
-            <a:r>
-              <a:rPr lang="nl-NL" dirty="0"/>
-              <a:t>Demo: </a:t>
-            </a:r>
-            <a:r>
-              <a:rPr lang="nl-NL" dirty="0" err="1"/>
-              <a:t>create</a:t>
-            </a:r>
-            <a:r>
-              <a:rPr lang="nl-NL" dirty="0"/>
-              <a:t> </a:t>
-            </a:r>
-            <a:r>
-              <a:rPr lang="nl-NL" dirty="0" err="1"/>
-              <a:t>ruleset</a:t>
-            </a:r>
             <a:endParaRPr lang="nl-NL" dirty="0"/>
           </a:p>
         </p:txBody>
@@ -2230,6 +2222,22 @@
               <a:tabLst/>
               <a:defRPr/>
             </a:pPr>
+            <a:r>
+              <a:rPr lang="nl-NL" dirty="0"/>
+              <a:t>Demo: GH : </a:t>
+            </a:r>
+            <a:r>
+              <a:rPr lang="nl-NL" dirty="0" err="1"/>
+              <a:t>create</a:t>
+            </a:r>
+            <a:r>
+              <a:rPr lang="nl-NL" dirty="0"/>
+              <a:t> </a:t>
+            </a:r>
+            <a:r>
+              <a:rPr lang="nl-NL" dirty="0" err="1"/>
+              <a:t>ruleset</a:t>
+            </a:r>
             <a:endParaRPr lang="nl-NL" dirty="0"/>
           </a:p>
         </p:txBody>
@@ -2320,7 +2328,18 @@
           <a:bodyPr/>
           <a:lstStyle/>
           <a:p>
-            <a:endParaRPr lang="nl-NL" dirty="0"/>
+            <a:r>
+              <a:rPr lang="nl-NL" dirty="0"/>
+              <a:t>Demo: </a:t>
+            </a:r>
+            <a:r>
+              <a:rPr lang="nl-NL" dirty="0" err="1"/>
+              <a:t>create</a:t>
+            </a:r>
+            <a:r>
+              <a:rPr lang="nl-NL" dirty="0"/>
+              <a:t> issue</a:t>
+            </a:r>
           </a:p>
         </p:txBody>
       </p:sp>
@@ -2341,7 +2360,7 @@
           <a:p>
             <a:fld id="{4BAF0DEA-1372-46C0-8FC9-2869E9CCF7DA}" type="slidenum">
               <a:rPr lang="en-NL" smtClean="0"/>
-              <a:t>43</a:t>
+              <a:t>37</a:t>
             </a:fld>
             <a:endParaRPr lang="en-NL"/>
           </a:p>
@@ -2350,7 +2369,7 @@
     </p:spTree>
     <p:extLst>
       <p:ext uri="{BB962C8B-B14F-4D97-AF65-F5344CB8AC3E}">
-        <p14:creationId xmlns:p14="http://schemas.microsoft.com/office/powerpoint/2010/main" val="2525951610"/>
+        <p14:creationId xmlns:p14="http://schemas.microsoft.com/office/powerpoint/2010/main" val="3065146948"/>
       </p:ext>
     </p:extLst>
   </p:cSld>
@@ -2404,18 +2423,7 @@
           <a:bodyPr/>
           <a:lstStyle/>
           <a:p>
-            <a:r>
-              <a:rPr lang="nl-NL" dirty="0"/>
-              <a:t>Demo: DevOps </a:t>
-            </a:r>
-            <a:r>
-              <a:rPr lang="nl-NL" dirty="0" err="1"/>
-              <a:t>repo</a:t>
-            </a:r>
-            <a:r>
-              <a:rPr lang="nl-NL" dirty="0"/>
-              <a:t> aanmaken</a:t>
-            </a:r>
+            <a:endParaRPr lang="nl-NL" dirty="0"/>
           </a:p>
         </p:txBody>
       </p:sp>
@@ -2436,6 +2444,106 @@
           <a:p>
             <a:fld id="{4BAF0DEA-1372-46C0-8FC9-2869E9CCF7DA}" type="slidenum">
               <a:rPr lang="en-NL" smtClean="0"/>
+              <a:t>43</a:t>
+            </a:fld>
+            <a:endParaRPr lang="en-NL"/>
+          </a:p>
+        </p:txBody>
+      </p:sp>
+    </p:spTree>
+    <p:extLst>
+      <p:ext uri="{BB962C8B-B14F-4D97-AF65-F5344CB8AC3E}">
+        <p14:creationId xmlns:p14="http://schemas.microsoft.com/office/powerpoint/2010/main" val="2525951610"/>
+      </p:ext>
+    </p:extLst>
+  </p:cSld>
+  <p:clrMapOvr>
+    <a:masterClrMapping/>
+  </p:clrMapOvr>
+</p:notes>
+</file>
+
+<file path=ppt/notesSlides/notesSlide24.xml><?xml version="1.0" encoding="utf-8"?>
+<p:notes xmlns:a="http://schemas.openxmlformats.org/drawingml/2006/main" xmlns:r="http://schemas.openxmlformats.org/officeDocument/2006/relationships" xmlns:p="http://schemas.openxmlformats.org/presentationml/2006/main">
+  <p:cSld>
+    <p:spTree>
+      <p:nvGrpSpPr>
+        <p:cNvPr id="1" name=""/>
+        <p:cNvGrpSpPr/>
+        <p:nvPr/>
+      </p:nvGrpSpPr>
+      <p:grpSpPr>
+        <a:xfrm>
+          <a:off x="0" y="0"/>
+          <a:ext cx="0" cy="0"/>
+          <a:chOff x="0" y="0"/>
+          <a:chExt cx="0" cy="0"/>
+        </a:xfrm>
+      </p:grpSpPr>
+      <p:sp>
+        <p:nvSpPr>
+          <p:cNvPr id="2" name="Slide Image Placeholder 1"/>
+          <p:cNvSpPr>
+            <a:spLocks noGrp="1" noRot="1" noChangeAspect="1"/>
+          </p:cNvSpPr>
+          <p:nvPr>
+            <p:ph type="sldImg"/>
+          </p:nvPr>
+        </p:nvSpPr>
+        <p:spPr/>
+      </p:sp>
+      <p:sp>
+        <p:nvSpPr>
+          <p:cNvPr id="3" name="Notes Placeholder 2"/>
+          <p:cNvSpPr>
+            <a:spLocks noGrp="1"/>
+          </p:cNvSpPr>
+          <p:nvPr>
+            <p:ph type="body" idx="1"/>
+          </p:nvPr>
+        </p:nvSpPr>
+        <p:spPr/>
+        <p:txBody>
+          <a:bodyPr/>
+          <a:lstStyle/>
+          <a:p>
+            <a:r>
+              <a:rPr lang="nl-NL" dirty="0"/>
+              <a:t>Demo: AD: </a:t>
+            </a:r>
+            <a:r>
+              <a:rPr lang="nl-NL" dirty="0" err="1"/>
+              <a:t>create</a:t>
+            </a:r>
+            <a:r>
+              <a:rPr lang="nl-NL" dirty="0"/>
+              <a:t> project + </a:t>
+            </a:r>
+            <a:r>
+              <a:rPr lang="nl-NL" dirty="0" err="1"/>
+              <a:t>repo</a:t>
+            </a:r>
+            <a:endParaRPr lang="nl-NL" dirty="0"/>
+          </a:p>
+        </p:txBody>
+      </p:sp>
+      <p:sp>
+        <p:nvSpPr>
+          <p:cNvPr id="4" name="Slide Number Placeholder 3"/>
+          <p:cNvSpPr>
+            <a:spLocks noGrp="1"/>
+          </p:cNvSpPr>
+          <p:nvPr>
+            <p:ph type="sldNum" sz="quarter" idx="5"/>
+          </p:nvPr>
+        </p:nvSpPr>
+        <p:spPr/>
+        <p:txBody>
+          <a:bodyPr/>
+          <a:lstStyle/>
+          <a:p>
+            <a:fld id="{4BAF0DEA-1372-46C0-8FC9-2869E9CCF7DA}" type="slidenum">
+              <a:rPr lang="en-NL" smtClean="0"/>
               <a:t>45</a:t>
             </a:fld>
             <a:endParaRPr lang="en-NL"/>
@@ -2455,7 +2563,7 @@
 </p:notes>
 </file>
 
-<file path=ppt/notesSlides/notesSlide24.xml><?xml version="1.0" encoding="utf-8"?>
+<file path=ppt/notesSlides/notesSlide25.xml><?xml version="1.0" encoding="utf-8"?>
 <p:notes xmlns:a="http://schemas.openxmlformats.org/drawingml/2006/main" xmlns:r="http://schemas.openxmlformats.org/officeDocument/2006/relationships" xmlns:p="http://schemas.openxmlformats.org/presentationml/2006/main">
   <p:cSld>
     <p:spTree>
@@ -2580,7 +2688,7 @@
 </p:notes>
 </file>
 
-<file path=ppt/notesSlides/notesSlide25.xml><?xml version="1.0" encoding="utf-8"?>
+<file path=ppt/notesSlides/notesSlide26.xml><?xml version="1.0" encoding="utf-8"?>
 <p:notes xmlns:a="http://schemas.openxmlformats.org/drawingml/2006/main" xmlns:r="http://schemas.openxmlformats.org/officeDocument/2006/relationships" xmlns:p="http://schemas.openxmlformats.org/presentationml/2006/main">
   <p:cSld>
     <p:spTree>
@@ -2705,7 +2813,7 @@
 </p:notes>
 </file>
 
-<file path=ppt/notesSlides/notesSlide26.xml><?xml version="1.0" encoding="utf-8"?>
+<file path=ppt/notesSlides/notesSlide27.xml><?xml version="1.0" encoding="utf-8"?>
 <p:notes xmlns:a="http://schemas.openxmlformats.org/drawingml/2006/main" xmlns:r="http://schemas.openxmlformats.org/officeDocument/2006/relationships" xmlns:p="http://schemas.openxmlformats.org/presentationml/2006/main">
   <p:cSld>
     <p:spTree>
@@ -2830,7 +2938,7 @@
 </p:notes>
 </file>
 
-<file path=ppt/notesSlides/notesSlide27.xml><?xml version="1.0" encoding="utf-8"?>
+<file path=ppt/notesSlides/notesSlide28.xml><?xml version="1.0" encoding="utf-8"?>
 <p:notes xmlns:a="http://schemas.openxmlformats.org/drawingml/2006/main" xmlns:r="http://schemas.openxmlformats.org/officeDocument/2006/relationships" xmlns:p="http://schemas.openxmlformats.org/presentationml/2006/main">
   <p:cSld>
     <p:spTree>
@@ -2909,6 +3017,14 @@
               <a:tabLst/>
               <a:defRPr/>
             </a:pPr>
+            <a:r>
+              <a:rPr lang="nl-NL" dirty="0"/>
+              <a:t>Demo: AD: pull </a:t>
+            </a:r>
+            <a:r>
+              <a:rPr lang="nl-NL" dirty="0" err="1"/>
+              <a:t>requests</a:t>
+            </a:r>
             <a:endParaRPr lang="nl-NL" dirty="0"/>
           </a:p>
         </p:txBody>
@@ -2955,7 +3071,7 @@
 </p:notes>
 </file>
 
-<file path=ppt/notesSlides/notesSlide28.xml><?xml version="1.0" encoding="utf-8"?>
+<file path=ppt/notesSlides/notesSlide29.xml><?xml version="1.0" encoding="utf-8"?>
 <p:notes xmlns:a="http://schemas.openxmlformats.org/drawingml/2006/main" xmlns:r="http://schemas.openxmlformats.org/officeDocument/2006/relationships" xmlns:p="http://schemas.openxmlformats.org/presentationml/2006/main">
   <p:cSld>
     <p:spTree>
@@ -3071,131 +3187,6 @@
     <p:extLst>
       <p:ext uri="{BB962C8B-B14F-4D97-AF65-F5344CB8AC3E}">
         <p14:creationId xmlns:p14="http://schemas.microsoft.com/office/powerpoint/2010/main" val="2516896634"/>
-      </p:ext>
-    </p:extLst>
-  </p:cSld>
-  <p:clrMapOvr>
-    <a:masterClrMapping/>
-  </p:clrMapOvr>
-</p:notes>
-</file>
-
-<file path=ppt/notesSlides/notesSlide29.xml><?xml version="1.0" encoding="utf-8"?>
-<p:notes xmlns:a="http://schemas.openxmlformats.org/drawingml/2006/main" xmlns:r="http://schemas.openxmlformats.org/officeDocument/2006/relationships" xmlns:p="http://schemas.openxmlformats.org/presentationml/2006/main">
-  <p:cSld>
-    <p:spTree>
-      <p:nvGrpSpPr>
-        <p:cNvPr id="1" name="">
-          <a:extLst>
-            <a:ext uri="{FF2B5EF4-FFF2-40B4-BE49-F238E27FC236}">
-              <a16:creationId xmlns:a16="http://schemas.microsoft.com/office/drawing/2014/main" id="{45876175-95F1-BB96-2A19-C19D57211E2C}"/>
-            </a:ext>
-          </a:extLst>
-        </p:cNvPr>
-        <p:cNvGrpSpPr/>
-        <p:nvPr/>
-      </p:nvGrpSpPr>
-      <p:grpSpPr>
-        <a:xfrm>
-          <a:off x="0" y="0"/>
-          <a:ext cx="0" cy="0"/>
-          <a:chOff x="0" y="0"/>
-          <a:chExt cx="0" cy="0"/>
-        </a:xfrm>
-      </p:grpSpPr>
-      <p:sp>
-        <p:nvSpPr>
-          <p:cNvPr id="2" name="Slide Image Placeholder 1">
-            <a:extLst>
-              <a:ext uri="{FF2B5EF4-FFF2-40B4-BE49-F238E27FC236}">
-                <a16:creationId xmlns:a16="http://schemas.microsoft.com/office/drawing/2014/main" id="{58674EAD-35E6-891A-9344-0DFA3659A3A9}"/>
-              </a:ext>
-            </a:extLst>
-          </p:cNvPr>
-          <p:cNvSpPr>
-            <a:spLocks noGrp="1" noRot="1" noChangeAspect="1"/>
-          </p:cNvSpPr>
-          <p:nvPr>
-            <p:ph type="sldImg"/>
-          </p:nvPr>
-        </p:nvSpPr>
-        <p:spPr/>
-      </p:sp>
-      <p:sp>
-        <p:nvSpPr>
-          <p:cNvPr id="3" name="Notes Placeholder 2">
-            <a:extLst>
-              <a:ext uri="{FF2B5EF4-FFF2-40B4-BE49-F238E27FC236}">
-                <a16:creationId xmlns:a16="http://schemas.microsoft.com/office/drawing/2014/main" id="{D7DB15F6-2395-E45B-06A8-821B7E23F433}"/>
-              </a:ext>
-            </a:extLst>
-          </p:cNvPr>
-          <p:cNvSpPr>
-            <a:spLocks noGrp="1"/>
-          </p:cNvSpPr>
-          <p:nvPr>
-            <p:ph type="body" idx="1"/>
-          </p:nvPr>
-        </p:nvSpPr>
-        <p:spPr/>
-        <p:txBody>
-          <a:bodyPr/>
-          <a:lstStyle/>
-          <a:p>
-            <a:pPr marL="0" marR="0" lvl="0" indent="0" algn="l" defTabSz="914400" rtl="0" eaLnBrk="1" fontAlgn="auto" latinLnBrk="0" hangingPunct="1">
-              <a:lnSpc>
-                <a:spcPct val="100000"/>
-              </a:lnSpc>
-              <a:spcBef>
-                <a:spcPts val="0"/>
-              </a:spcBef>
-              <a:spcAft>
-                <a:spcPts val="0"/>
-              </a:spcAft>
-              <a:buClrTx/>
-              <a:buSzTx/>
-              <a:buFontTx/>
-              <a:buNone/>
-              <a:tabLst/>
-              <a:defRPr/>
-            </a:pPr>
-            <a:endParaRPr lang="nl-NL" dirty="0"/>
-          </a:p>
-        </p:txBody>
-      </p:sp>
-      <p:sp>
-        <p:nvSpPr>
-          <p:cNvPr id="4" name="Slide Number Placeholder 3">
-            <a:extLst>
-              <a:ext uri="{FF2B5EF4-FFF2-40B4-BE49-F238E27FC236}">
-                <a16:creationId xmlns:a16="http://schemas.microsoft.com/office/drawing/2014/main" id="{A13FDDBE-964B-C649-C4BA-960A55793527}"/>
-              </a:ext>
-            </a:extLst>
-          </p:cNvPr>
-          <p:cNvSpPr>
-            <a:spLocks noGrp="1"/>
-          </p:cNvSpPr>
-          <p:nvPr>
-            <p:ph type="sldNum" sz="quarter" idx="5"/>
-          </p:nvPr>
-        </p:nvSpPr>
-        <p:spPr/>
-        <p:txBody>
-          <a:bodyPr/>
-          <a:lstStyle/>
-          <a:p>
-            <a:fld id="{4BAF0DEA-1372-46C0-8FC9-2869E9CCF7DA}" type="slidenum">
-              <a:rPr lang="en-NL" smtClean="0"/>
-              <a:t>53</a:t>
-            </a:fld>
-            <a:endParaRPr lang="en-NL"/>
-          </a:p>
-        </p:txBody>
-      </p:sp>
-    </p:spTree>
-    <p:extLst>
-      <p:ext uri="{BB962C8B-B14F-4D97-AF65-F5344CB8AC3E}">
-        <p14:creationId xmlns:p14="http://schemas.microsoft.com/office/powerpoint/2010/main" val="240142702"/>
       </p:ext>
     </p:extLst>
   </p:cSld>
@@ -3297,6 +3288,131 @@
         <p:cNvPr id="1" name="">
           <a:extLst>
             <a:ext uri="{FF2B5EF4-FFF2-40B4-BE49-F238E27FC236}">
+              <a16:creationId xmlns:a16="http://schemas.microsoft.com/office/drawing/2014/main" id="{45876175-95F1-BB96-2A19-C19D57211E2C}"/>
+            </a:ext>
+          </a:extLst>
+        </p:cNvPr>
+        <p:cNvGrpSpPr/>
+        <p:nvPr/>
+      </p:nvGrpSpPr>
+      <p:grpSpPr>
+        <a:xfrm>
+          <a:off x="0" y="0"/>
+          <a:ext cx="0" cy="0"/>
+          <a:chOff x="0" y="0"/>
+          <a:chExt cx="0" cy="0"/>
+        </a:xfrm>
+      </p:grpSpPr>
+      <p:sp>
+        <p:nvSpPr>
+          <p:cNvPr id="2" name="Slide Image Placeholder 1">
+            <a:extLst>
+              <a:ext uri="{FF2B5EF4-FFF2-40B4-BE49-F238E27FC236}">
+                <a16:creationId xmlns:a16="http://schemas.microsoft.com/office/drawing/2014/main" id="{58674EAD-35E6-891A-9344-0DFA3659A3A9}"/>
+              </a:ext>
+            </a:extLst>
+          </p:cNvPr>
+          <p:cNvSpPr>
+            <a:spLocks noGrp="1" noRot="1" noChangeAspect="1"/>
+          </p:cNvSpPr>
+          <p:nvPr>
+            <p:ph type="sldImg"/>
+          </p:nvPr>
+        </p:nvSpPr>
+        <p:spPr/>
+      </p:sp>
+      <p:sp>
+        <p:nvSpPr>
+          <p:cNvPr id="3" name="Notes Placeholder 2">
+            <a:extLst>
+              <a:ext uri="{FF2B5EF4-FFF2-40B4-BE49-F238E27FC236}">
+                <a16:creationId xmlns:a16="http://schemas.microsoft.com/office/drawing/2014/main" id="{D7DB15F6-2395-E45B-06A8-821B7E23F433}"/>
+              </a:ext>
+            </a:extLst>
+          </p:cNvPr>
+          <p:cNvSpPr>
+            <a:spLocks noGrp="1"/>
+          </p:cNvSpPr>
+          <p:nvPr>
+            <p:ph type="body" idx="1"/>
+          </p:nvPr>
+        </p:nvSpPr>
+        <p:spPr/>
+        <p:txBody>
+          <a:bodyPr/>
+          <a:lstStyle/>
+          <a:p>
+            <a:pPr marL="0" marR="0" lvl="0" indent="0" algn="l" defTabSz="914400" rtl="0" eaLnBrk="1" fontAlgn="auto" latinLnBrk="0" hangingPunct="1">
+              <a:lnSpc>
+                <a:spcPct val="100000"/>
+              </a:lnSpc>
+              <a:spcBef>
+                <a:spcPts val="0"/>
+              </a:spcBef>
+              <a:spcAft>
+                <a:spcPts val="0"/>
+              </a:spcAft>
+              <a:buClrTx/>
+              <a:buSzTx/>
+              <a:buFontTx/>
+              <a:buNone/>
+              <a:tabLst/>
+              <a:defRPr/>
+            </a:pPr>
+            <a:endParaRPr lang="nl-NL" dirty="0"/>
+          </a:p>
+        </p:txBody>
+      </p:sp>
+      <p:sp>
+        <p:nvSpPr>
+          <p:cNvPr id="4" name="Slide Number Placeholder 3">
+            <a:extLst>
+              <a:ext uri="{FF2B5EF4-FFF2-40B4-BE49-F238E27FC236}">
+                <a16:creationId xmlns:a16="http://schemas.microsoft.com/office/drawing/2014/main" id="{A13FDDBE-964B-C649-C4BA-960A55793527}"/>
+              </a:ext>
+            </a:extLst>
+          </p:cNvPr>
+          <p:cNvSpPr>
+            <a:spLocks noGrp="1"/>
+          </p:cNvSpPr>
+          <p:nvPr>
+            <p:ph type="sldNum" sz="quarter" idx="5"/>
+          </p:nvPr>
+        </p:nvSpPr>
+        <p:spPr/>
+        <p:txBody>
+          <a:bodyPr/>
+          <a:lstStyle/>
+          <a:p>
+            <a:fld id="{4BAF0DEA-1372-46C0-8FC9-2869E9CCF7DA}" type="slidenum">
+              <a:rPr lang="en-NL" smtClean="0"/>
+              <a:t>53</a:t>
+            </a:fld>
+            <a:endParaRPr lang="en-NL"/>
+          </a:p>
+        </p:txBody>
+      </p:sp>
+    </p:spTree>
+    <p:extLst>
+      <p:ext uri="{BB962C8B-B14F-4D97-AF65-F5344CB8AC3E}">
+        <p14:creationId xmlns:p14="http://schemas.microsoft.com/office/powerpoint/2010/main" val="240142702"/>
+      </p:ext>
+    </p:extLst>
+  </p:cSld>
+  <p:clrMapOvr>
+    <a:masterClrMapping/>
+  </p:clrMapOvr>
+</p:notes>
+</file>
+
+<file path=ppt/notesSlides/notesSlide31.xml><?xml version="1.0" encoding="utf-8"?>
+<p:notes xmlns:a="http://schemas.openxmlformats.org/drawingml/2006/main" xmlns:r="http://schemas.openxmlformats.org/officeDocument/2006/relationships" xmlns:p="http://schemas.openxmlformats.org/presentationml/2006/main">
+  <p:cSld>
+    <p:spTree>
+      <p:nvGrpSpPr>
+        <p:cNvPr id="1" name="">
+          <a:extLst>
+            <a:ext uri="{FF2B5EF4-FFF2-40B4-BE49-F238E27FC236}">
               <a16:creationId xmlns:a16="http://schemas.microsoft.com/office/drawing/2014/main" id="{6E1701FD-E61C-07B4-3253-55BBD7068F2D}"/>
             </a:ext>
           </a:extLst>
@@ -3414,7 +3530,7 @@
 </p:notes>
 </file>
 
-<file path=ppt/notesSlides/notesSlide31.xml><?xml version="1.0" encoding="utf-8"?>
+<file path=ppt/notesSlides/notesSlide32.xml><?xml version="1.0" encoding="utf-8"?>
 <p:notes xmlns:a="http://schemas.openxmlformats.org/drawingml/2006/main" xmlns:r="http://schemas.openxmlformats.org/officeDocument/2006/relationships" xmlns:p="http://schemas.openxmlformats.org/presentationml/2006/main">
   <p:cSld>
     <p:spTree>
@@ -3493,6 +3609,14 @@
               <a:tabLst/>
               <a:defRPr/>
             </a:pPr>
+            <a:r>
+              <a:rPr lang="nl-NL" dirty="0"/>
+              <a:t>Demo: AD: </a:t>
+            </a:r>
+            <a:r>
+              <a:rPr lang="nl-NL" dirty="0" err="1"/>
+              <a:t>pipelines</a:t>
+            </a:r>
             <a:endParaRPr lang="nl-NL" dirty="0"/>
           </a:p>
         </p:txBody>
@@ -3539,7 +3663,7 @@
 </p:notes>
 </file>
 
-<file path=ppt/notesSlides/notesSlide32.xml><?xml version="1.0" encoding="utf-8"?>
+<file path=ppt/notesSlides/notesSlide33.xml><?xml version="1.0" encoding="utf-8"?>
 <p:notes xmlns:a="http://schemas.openxmlformats.org/drawingml/2006/main" xmlns:r="http://schemas.openxmlformats.org/officeDocument/2006/relationships" xmlns:p="http://schemas.openxmlformats.org/presentationml/2006/main">
   <p:cSld>
     <p:spTree>
@@ -3664,7 +3788,7 @@
 </p:notes>
 </file>
 
-<file path=ppt/notesSlides/notesSlide33.xml><?xml version="1.0" encoding="utf-8"?>
+<file path=ppt/notesSlides/notesSlide34.xml><?xml version="1.0" encoding="utf-8"?>
 <p:notes xmlns:a="http://schemas.openxmlformats.org/drawingml/2006/main" xmlns:r="http://schemas.openxmlformats.org/officeDocument/2006/relationships" xmlns:p="http://schemas.openxmlformats.org/presentationml/2006/main">
   <p:cSld>
     <p:spTree>
@@ -3743,6 +3867,22 @@
               <a:tabLst/>
               <a:defRPr/>
             </a:pPr>
+            <a:r>
+              <a:rPr lang="nl-NL" dirty="0"/>
+              <a:t>Demo: AD: </a:t>
+            </a:r>
+            <a:r>
+              <a:rPr lang="nl-NL" dirty="0" err="1"/>
+              <a:t>branch</a:t>
+            </a:r>
+            <a:r>
+              <a:rPr lang="nl-NL" dirty="0"/>
+              <a:t> </a:t>
+            </a:r>
+            <a:r>
+              <a:rPr lang="nl-NL" dirty="0" err="1"/>
+              <a:t>policies</a:t>
+            </a:r>
             <a:endParaRPr lang="nl-NL" dirty="0"/>
           </a:p>
         </p:txBody>
@@ -3780,6 +3920,101 @@
     <p:extLst>
       <p:ext uri="{BB962C8B-B14F-4D97-AF65-F5344CB8AC3E}">
         <p14:creationId xmlns:p14="http://schemas.microsoft.com/office/powerpoint/2010/main" val="2324099028"/>
+      </p:ext>
+    </p:extLst>
+  </p:cSld>
+  <p:clrMapOvr>
+    <a:masterClrMapping/>
+  </p:clrMapOvr>
+</p:notes>
+</file>
+
+<file path=ppt/notesSlides/notesSlide35.xml><?xml version="1.0" encoding="utf-8"?>
+<p:notes xmlns:a="http://schemas.openxmlformats.org/drawingml/2006/main" xmlns:r="http://schemas.openxmlformats.org/officeDocument/2006/relationships" xmlns:p="http://schemas.openxmlformats.org/presentationml/2006/main">
+  <p:cSld>
+    <p:spTree>
+      <p:nvGrpSpPr>
+        <p:cNvPr id="1" name=""/>
+        <p:cNvGrpSpPr/>
+        <p:nvPr/>
+      </p:nvGrpSpPr>
+      <p:grpSpPr>
+        <a:xfrm>
+          <a:off x="0" y="0"/>
+          <a:ext cx="0" cy="0"/>
+          <a:chOff x="0" y="0"/>
+          <a:chExt cx="0" cy="0"/>
+        </a:xfrm>
+      </p:grpSpPr>
+      <p:sp>
+        <p:nvSpPr>
+          <p:cNvPr id="2" name="Slide Image Placeholder 1"/>
+          <p:cNvSpPr>
+            <a:spLocks noGrp="1" noRot="1" noChangeAspect="1"/>
+          </p:cNvSpPr>
+          <p:nvPr>
+            <p:ph type="sldImg"/>
+          </p:nvPr>
+        </p:nvSpPr>
+        <p:spPr/>
+      </p:sp>
+      <p:sp>
+        <p:nvSpPr>
+          <p:cNvPr id="3" name="Notes Placeholder 2"/>
+          <p:cNvSpPr>
+            <a:spLocks noGrp="1"/>
+          </p:cNvSpPr>
+          <p:nvPr>
+            <p:ph type="body" idx="1"/>
+          </p:nvPr>
+        </p:nvSpPr>
+        <p:spPr/>
+        <p:txBody>
+          <a:bodyPr/>
+          <a:lstStyle/>
+          <a:p>
+            <a:r>
+              <a:rPr lang="nl-NL" dirty="0"/>
+              <a:t>Demo: AD: </a:t>
+            </a:r>
+            <a:r>
+              <a:rPr lang="nl-NL" dirty="0" err="1"/>
+              <a:t>work</a:t>
+            </a:r>
+            <a:r>
+              <a:rPr lang="nl-NL" dirty="0"/>
+              <a:t> items.</a:t>
+            </a:r>
+          </a:p>
+        </p:txBody>
+      </p:sp>
+      <p:sp>
+        <p:nvSpPr>
+          <p:cNvPr id="4" name="Slide Number Placeholder 3"/>
+          <p:cNvSpPr>
+            <a:spLocks noGrp="1"/>
+          </p:cNvSpPr>
+          <p:nvPr>
+            <p:ph type="sldNum" sz="quarter" idx="5"/>
+          </p:nvPr>
+        </p:nvSpPr>
+        <p:spPr/>
+        <p:txBody>
+          <a:bodyPr/>
+          <a:lstStyle/>
+          <a:p>
+            <a:fld id="{4BAF0DEA-1372-46C0-8FC9-2869E9CCF7DA}" type="slidenum">
+              <a:rPr lang="en-NL" smtClean="0"/>
+              <a:t>62</a:t>
+            </a:fld>
+            <a:endParaRPr lang="en-NL"/>
+          </a:p>
+        </p:txBody>
+      </p:sp>
+    </p:spTree>
+    <p:extLst>
+      <p:ext uri="{BB962C8B-B14F-4D97-AF65-F5344CB8AC3E}">
+        <p14:creationId xmlns:p14="http://schemas.microsoft.com/office/powerpoint/2010/main" val="1276367604"/>
       </p:ext>
     </p:extLst>
   </p:cSld>
@@ -22165,6 +22400,1116 @@
         <p:cNvPr id="1" name="">
           <a:extLst>
             <a:ext uri="{FF2B5EF4-FFF2-40B4-BE49-F238E27FC236}">
+              <a16:creationId xmlns:a16="http://schemas.microsoft.com/office/drawing/2014/main" id="{BDFEA8A2-09C3-6C8E-58C3-68AE93B47193}"/>
+            </a:ext>
+          </a:extLst>
+        </p:cNvPr>
+        <p:cNvGrpSpPr/>
+        <p:nvPr/>
+      </p:nvGrpSpPr>
+      <p:grpSpPr>
+        <a:xfrm>
+          <a:off x="0" y="0"/>
+          <a:ext cx="0" cy="0"/>
+          <a:chOff x="0" y="0"/>
+          <a:chExt cx="0" cy="0"/>
+        </a:xfrm>
+      </p:grpSpPr>
+      <p:sp>
+        <p:nvSpPr>
+          <p:cNvPr id="2" name="Title 1">
+            <a:extLst>
+              <a:ext uri="{FF2B5EF4-FFF2-40B4-BE49-F238E27FC236}">
+                <a16:creationId xmlns:a16="http://schemas.microsoft.com/office/drawing/2014/main" id="{93B18F6F-5175-8AA3-408E-E13768652827}"/>
+              </a:ext>
+            </a:extLst>
+          </p:cNvPr>
+          <p:cNvSpPr>
+            <a:spLocks noGrp="1"/>
+          </p:cNvSpPr>
+          <p:nvPr>
+            <p:ph type="title"/>
+          </p:nvPr>
+        </p:nvSpPr>
+        <p:spPr>
+          <a:xfrm>
+            <a:off x="838200" y="365126"/>
+            <a:ext cx="10515600" cy="718608"/>
+          </a:xfrm>
+        </p:spPr>
+        <p:txBody>
+          <a:bodyPr>
+            <a:normAutofit/>
+          </a:bodyPr>
+          <a:lstStyle/>
+          <a:p>
+            <a:r>
+              <a:rPr lang="nl-NL" sz="3600" noProof="0" dirty="0"/>
+              <a:t>Issue aanmaken</a:t>
+            </a:r>
+          </a:p>
+        </p:txBody>
+      </p:sp>
+      <p:sp>
+        <p:nvSpPr>
+          <p:cNvPr id="15" name="Content Placeholder 2">
+            <a:extLst>
+              <a:ext uri="{FF2B5EF4-FFF2-40B4-BE49-F238E27FC236}">
+                <a16:creationId xmlns:a16="http://schemas.microsoft.com/office/drawing/2014/main" id="{4DCBF055-7428-2021-44E2-CCD550754DA2}"/>
+              </a:ext>
+            </a:extLst>
+          </p:cNvPr>
+          <p:cNvSpPr txBox="1">
+            <a:spLocks/>
+          </p:cNvSpPr>
+          <p:nvPr/>
+        </p:nvSpPr>
+        <p:spPr>
+          <a:xfrm>
+            <a:off x="838199" y="1456267"/>
+            <a:ext cx="3312319" cy="4720696"/>
+          </a:xfrm>
+          <a:prstGeom prst="rect">
+            <a:avLst/>
+          </a:prstGeom>
+        </p:spPr>
+        <p:txBody>
+          <a:bodyPr vert="horz" lIns="91440" tIns="45720" rIns="91440" bIns="45720" rtlCol="0">
+            <a:noAutofit/>
+          </a:bodyPr>
+          <a:lstStyle>
+            <a:lvl1pPr marL="228600" indent="-228600" algn="l" defTabSz="914400" rtl="0" eaLnBrk="1" latinLnBrk="0" hangingPunct="1">
+              <a:lnSpc>
+                <a:spcPct val="90000"/>
+              </a:lnSpc>
+              <a:spcBef>
+                <a:spcPts val="1000"/>
+              </a:spcBef>
+              <a:buFont typeface="Arial" panose="020B0604020202020204" pitchFamily="34" charset="0"/>
+              <a:buChar char="•"/>
+              <a:defRPr sz="2800" kern="1200">
+                <a:solidFill>
+                  <a:schemeClr val="tx1"/>
+                </a:solidFill>
+                <a:latin typeface="+mn-lt"/>
+                <a:ea typeface="+mn-ea"/>
+                <a:cs typeface="+mn-cs"/>
+              </a:defRPr>
+            </a:lvl1pPr>
+            <a:lvl2pPr marL="685800" indent="-228600" algn="l" defTabSz="914400" rtl="0" eaLnBrk="1" latinLnBrk="0" hangingPunct="1">
+              <a:lnSpc>
+                <a:spcPct val="90000"/>
+              </a:lnSpc>
+              <a:spcBef>
+                <a:spcPts val="500"/>
+              </a:spcBef>
+              <a:buFont typeface="Arial" panose="020B0604020202020204" pitchFamily="34" charset="0"/>
+              <a:buChar char="•"/>
+              <a:defRPr sz="2400" kern="1200">
+                <a:solidFill>
+                  <a:schemeClr val="tx1"/>
+                </a:solidFill>
+                <a:latin typeface="+mn-lt"/>
+                <a:ea typeface="+mn-ea"/>
+                <a:cs typeface="+mn-cs"/>
+              </a:defRPr>
+            </a:lvl2pPr>
+            <a:lvl3pPr marL="1143000" indent="-228600" algn="l" defTabSz="914400" rtl="0" eaLnBrk="1" latinLnBrk="0" hangingPunct="1">
+              <a:lnSpc>
+                <a:spcPct val="90000"/>
+              </a:lnSpc>
+              <a:spcBef>
+                <a:spcPts val="500"/>
+              </a:spcBef>
+              <a:buFont typeface="Arial" panose="020B0604020202020204" pitchFamily="34" charset="0"/>
+              <a:buChar char="•"/>
+              <a:defRPr sz="2000" kern="1200">
+                <a:solidFill>
+                  <a:schemeClr val="tx1"/>
+                </a:solidFill>
+                <a:latin typeface="+mn-lt"/>
+                <a:ea typeface="+mn-ea"/>
+                <a:cs typeface="+mn-cs"/>
+              </a:defRPr>
+            </a:lvl3pPr>
+            <a:lvl4pPr marL="1600200" indent="-228600" algn="l" defTabSz="914400" rtl="0" eaLnBrk="1" latinLnBrk="0" hangingPunct="1">
+              <a:lnSpc>
+                <a:spcPct val="90000"/>
+              </a:lnSpc>
+              <a:spcBef>
+                <a:spcPts val="500"/>
+              </a:spcBef>
+              <a:buFont typeface="Arial" panose="020B0604020202020204" pitchFamily="34" charset="0"/>
+              <a:buChar char="•"/>
+              <a:defRPr sz="1800" kern="1200">
+                <a:solidFill>
+                  <a:schemeClr val="tx1"/>
+                </a:solidFill>
+                <a:latin typeface="+mn-lt"/>
+                <a:ea typeface="+mn-ea"/>
+                <a:cs typeface="+mn-cs"/>
+              </a:defRPr>
+            </a:lvl4pPr>
+            <a:lvl5pPr marL="2057400" indent="-228600" algn="l" defTabSz="914400" rtl="0" eaLnBrk="1" latinLnBrk="0" hangingPunct="1">
+              <a:lnSpc>
+                <a:spcPct val="90000"/>
+              </a:lnSpc>
+              <a:spcBef>
+                <a:spcPts val="500"/>
+              </a:spcBef>
+              <a:buFont typeface="Arial" panose="020B0604020202020204" pitchFamily="34" charset="0"/>
+              <a:buChar char="•"/>
+              <a:defRPr sz="1800" kern="1200">
+                <a:solidFill>
+                  <a:schemeClr val="tx1"/>
+                </a:solidFill>
+                <a:latin typeface="+mn-lt"/>
+                <a:ea typeface="+mn-ea"/>
+                <a:cs typeface="+mn-cs"/>
+              </a:defRPr>
+            </a:lvl5pPr>
+            <a:lvl6pPr marL="2514600" indent="-228600" algn="l" defTabSz="914400" rtl="0" eaLnBrk="1" latinLnBrk="0" hangingPunct="1">
+              <a:lnSpc>
+                <a:spcPct val="90000"/>
+              </a:lnSpc>
+              <a:spcBef>
+                <a:spcPts val="500"/>
+              </a:spcBef>
+              <a:buFont typeface="Arial" panose="020B0604020202020204" pitchFamily="34" charset="0"/>
+              <a:buChar char="•"/>
+              <a:defRPr sz="1800" kern="1200">
+                <a:solidFill>
+                  <a:schemeClr val="tx1"/>
+                </a:solidFill>
+                <a:latin typeface="+mn-lt"/>
+                <a:ea typeface="+mn-ea"/>
+                <a:cs typeface="+mn-cs"/>
+              </a:defRPr>
+            </a:lvl6pPr>
+            <a:lvl7pPr marL="2971800" indent="-228600" algn="l" defTabSz="914400" rtl="0" eaLnBrk="1" latinLnBrk="0" hangingPunct="1">
+              <a:lnSpc>
+                <a:spcPct val="90000"/>
+              </a:lnSpc>
+              <a:spcBef>
+                <a:spcPts val="500"/>
+              </a:spcBef>
+              <a:buFont typeface="Arial" panose="020B0604020202020204" pitchFamily="34" charset="0"/>
+              <a:buChar char="•"/>
+              <a:defRPr sz="1800" kern="1200">
+                <a:solidFill>
+                  <a:schemeClr val="tx1"/>
+                </a:solidFill>
+                <a:latin typeface="+mn-lt"/>
+                <a:ea typeface="+mn-ea"/>
+                <a:cs typeface="+mn-cs"/>
+              </a:defRPr>
+            </a:lvl7pPr>
+            <a:lvl8pPr marL="3429000" indent="-228600" algn="l" defTabSz="914400" rtl="0" eaLnBrk="1" latinLnBrk="0" hangingPunct="1">
+              <a:lnSpc>
+                <a:spcPct val="90000"/>
+              </a:lnSpc>
+              <a:spcBef>
+                <a:spcPts val="500"/>
+              </a:spcBef>
+              <a:buFont typeface="Arial" panose="020B0604020202020204" pitchFamily="34" charset="0"/>
+              <a:buChar char="•"/>
+              <a:defRPr sz="1800" kern="1200">
+                <a:solidFill>
+                  <a:schemeClr val="tx1"/>
+                </a:solidFill>
+                <a:latin typeface="+mn-lt"/>
+                <a:ea typeface="+mn-ea"/>
+                <a:cs typeface="+mn-cs"/>
+              </a:defRPr>
+            </a:lvl8pPr>
+            <a:lvl9pPr marL="3886200" indent="-228600" algn="l" defTabSz="914400" rtl="0" eaLnBrk="1" latinLnBrk="0" hangingPunct="1">
+              <a:lnSpc>
+                <a:spcPct val="90000"/>
+              </a:lnSpc>
+              <a:spcBef>
+                <a:spcPts val="500"/>
+              </a:spcBef>
+              <a:buFont typeface="Arial" panose="020B0604020202020204" pitchFamily="34" charset="0"/>
+              <a:buChar char="•"/>
+              <a:defRPr sz="1800" kern="1200">
+                <a:solidFill>
+                  <a:schemeClr val="tx1"/>
+                </a:solidFill>
+                <a:latin typeface="+mn-lt"/>
+                <a:ea typeface="+mn-ea"/>
+                <a:cs typeface="+mn-cs"/>
+              </a:defRPr>
+            </a:lvl9pPr>
+          </a:lstStyle>
+          <a:p>
+            <a:pPr marL="0" indent="0">
+              <a:lnSpc>
+                <a:spcPct val="100000"/>
+              </a:lnSpc>
+              <a:spcBef>
+                <a:spcPts val="600"/>
+              </a:spcBef>
+              <a:buFont typeface="Arial" panose="020B0604020202020204" pitchFamily="34" charset="0"/>
+              <a:buNone/>
+            </a:pPr>
+            <a:r>
+              <a:rPr lang="nl-NL" sz="1400" b="1" dirty="0"/>
+              <a:t>Wat is een issue?</a:t>
+            </a:r>
+          </a:p>
+          <a:p>
+            <a:pPr marL="0" indent="0">
+              <a:lnSpc>
+                <a:spcPct val="100000"/>
+              </a:lnSpc>
+              <a:spcBef>
+                <a:spcPts val="600"/>
+              </a:spcBef>
+              <a:buFont typeface="Arial" panose="020B0604020202020204" pitchFamily="34" charset="0"/>
+              <a:buNone/>
+            </a:pPr>
+            <a:r>
+              <a:rPr lang="nl-NL" sz="1400" dirty="0"/>
+              <a:t>Een taak / concreet stukje werk.</a:t>
+            </a:r>
+            <a:endParaRPr lang="nl-NL" sz="1400" b="1" dirty="0"/>
+          </a:p>
+          <a:p>
+            <a:pPr marL="0" indent="0">
+              <a:lnSpc>
+                <a:spcPct val="100000"/>
+              </a:lnSpc>
+              <a:spcBef>
+                <a:spcPts val="600"/>
+              </a:spcBef>
+              <a:buFont typeface="Arial" panose="020B0604020202020204" pitchFamily="34" charset="0"/>
+              <a:buNone/>
+            </a:pPr>
+            <a:endParaRPr lang="nl-NL" sz="1400" b="1" dirty="0"/>
+          </a:p>
+          <a:p>
+            <a:pPr marL="0" indent="0">
+              <a:lnSpc>
+                <a:spcPct val="100000"/>
+              </a:lnSpc>
+              <a:spcBef>
+                <a:spcPts val="600"/>
+              </a:spcBef>
+              <a:buFont typeface="Arial" panose="020B0604020202020204" pitchFamily="34" charset="0"/>
+              <a:buNone/>
+            </a:pPr>
+            <a:r>
+              <a:rPr lang="nl-NL" sz="1400" b="1" dirty="0"/>
+              <a:t>Aanmaken via repository:</a:t>
+            </a:r>
+          </a:p>
+          <a:p>
+            <a:pPr>
+              <a:lnSpc>
+                <a:spcPct val="100000"/>
+              </a:lnSpc>
+              <a:spcBef>
+                <a:spcPts val="600"/>
+              </a:spcBef>
+              <a:buFontTx/>
+              <a:buChar char="-"/>
+            </a:pPr>
+            <a:endParaRPr lang="nl-NL" sz="1400" dirty="0"/>
+          </a:p>
+          <a:p>
+            <a:pPr>
+              <a:lnSpc>
+                <a:spcPct val="100000"/>
+              </a:lnSpc>
+              <a:spcBef>
+                <a:spcPts val="600"/>
+              </a:spcBef>
+              <a:buFontTx/>
+              <a:buChar char="-"/>
+            </a:pPr>
+            <a:r>
+              <a:rPr lang="nl-NL" sz="1400" dirty="0"/>
+              <a:t>Ga naar een repository.</a:t>
+            </a:r>
+          </a:p>
+          <a:p>
+            <a:pPr>
+              <a:lnSpc>
+                <a:spcPct val="100000"/>
+              </a:lnSpc>
+              <a:spcBef>
+                <a:spcPts val="600"/>
+              </a:spcBef>
+              <a:buFontTx/>
+              <a:buChar char="-"/>
+            </a:pPr>
+            <a:r>
+              <a:rPr lang="nl-NL" sz="1400" dirty="0"/>
+              <a:t>Klik bovenaan op Issues.</a:t>
+            </a:r>
+          </a:p>
+          <a:p>
+            <a:pPr>
+              <a:lnSpc>
+                <a:spcPct val="100000"/>
+              </a:lnSpc>
+              <a:spcBef>
+                <a:spcPts val="600"/>
+              </a:spcBef>
+              <a:buFontTx/>
+              <a:buChar char="-"/>
+            </a:pPr>
+            <a:r>
+              <a:rPr lang="nl-NL" sz="1400" dirty="0"/>
+              <a:t>Klik rechtsboven op New Issue.</a:t>
+            </a:r>
+          </a:p>
+          <a:p>
+            <a:pPr>
+              <a:lnSpc>
+                <a:spcPct val="100000"/>
+              </a:lnSpc>
+              <a:spcBef>
+                <a:spcPts val="600"/>
+              </a:spcBef>
+              <a:buFontTx/>
+              <a:buChar char="-"/>
+            </a:pPr>
+            <a:r>
+              <a:rPr lang="nl-NL" sz="1400" dirty="0"/>
+              <a:t>Vul alle gegevens in.</a:t>
+            </a:r>
+          </a:p>
+          <a:p>
+            <a:pPr>
+              <a:lnSpc>
+                <a:spcPct val="100000"/>
+              </a:lnSpc>
+              <a:spcBef>
+                <a:spcPts val="600"/>
+              </a:spcBef>
+              <a:buFontTx/>
+              <a:buChar char="-"/>
+            </a:pPr>
+            <a:r>
+              <a:rPr lang="nl-NL" sz="1400" dirty="0"/>
+              <a:t>Kies project in rechter menu</a:t>
+            </a:r>
+          </a:p>
+          <a:p>
+            <a:pPr marL="0" indent="0">
+              <a:lnSpc>
+                <a:spcPct val="100000"/>
+              </a:lnSpc>
+              <a:spcBef>
+                <a:spcPts val="600"/>
+              </a:spcBef>
+              <a:buNone/>
+            </a:pPr>
+            <a:endParaRPr lang="nl-NL" sz="1400" dirty="0"/>
+          </a:p>
+          <a:p>
+            <a:pPr marL="0" indent="0">
+              <a:lnSpc>
+                <a:spcPct val="100000"/>
+              </a:lnSpc>
+              <a:spcBef>
+                <a:spcPts val="600"/>
+              </a:spcBef>
+              <a:buNone/>
+            </a:pPr>
+            <a:endParaRPr lang="nl-NL" sz="1400" dirty="0"/>
+          </a:p>
+          <a:p>
+            <a:pPr marL="0" indent="0">
+              <a:lnSpc>
+                <a:spcPct val="100000"/>
+              </a:lnSpc>
+              <a:spcBef>
+                <a:spcPts val="600"/>
+              </a:spcBef>
+              <a:buFont typeface="Arial" panose="020B0604020202020204" pitchFamily="34" charset="0"/>
+              <a:buNone/>
+            </a:pPr>
+            <a:endParaRPr lang="nl-NL" sz="1400" dirty="0"/>
+          </a:p>
+        </p:txBody>
+      </p:sp>
+      <p:pic>
+        <p:nvPicPr>
+          <p:cNvPr id="4" name="Picture 3" descr="A screenshot of a computer&#10;&#10;Description automatically generated">
+            <a:extLst>
+              <a:ext uri="{FF2B5EF4-FFF2-40B4-BE49-F238E27FC236}">
+                <a16:creationId xmlns:a16="http://schemas.microsoft.com/office/drawing/2014/main" id="{336BBA03-D9DD-D985-58E3-1D280C65BF79}"/>
+              </a:ext>
+            </a:extLst>
+          </p:cNvPr>
+          <p:cNvPicPr>
+            <a:picLocks noChangeAspect="1"/>
+          </p:cNvPicPr>
+          <p:nvPr/>
+        </p:nvPicPr>
+        <p:blipFill>
+          <a:blip r:embed="rId3">
+            <a:extLst>
+              <a:ext uri="{28A0092B-C50C-407E-A947-70E740481C1C}">
+                <a14:useLocalDpi xmlns:a14="http://schemas.microsoft.com/office/drawing/2010/main" val="0"/>
+              </a:ext>
+            </a:extLst>
+          </a:blip>
+          <a:stretch>
+            <a:fillRect/>
+          </a:stretch>
+        </p:blipFill>
+        <p:spPr>
+          <a:xfrm>
+            <a:off x="4488300" y="1456267"/>
+            <a:ext cx="6865500" cy="3003656"/>
+          </a:xfrm>
+          <a:prstGeom prst="rect">
+            <a:avLst/>
+          </a:prstGeom>
+          <a:ln>
+            <a:solidFill>
+              <a:schemeClr val="tx1"/>
+            </a:solidFill>
+          </a:ln>
+        </p:spPr>
+      </p:pic>
+      <p:sp>
+        <p:nvSpPr>
+          <p:cNvPr id="6" name="Rectangle 5">
+            <a:extLst>
+              <a:ext uri="{FF2B5EF4-FFF2-40B4-BE49-F238E27FC236}">
+                <a16:creationId xmlns:a16="http://schemas.microsoft.com/office/drawing/2014/main" id="{78D13A21-0E8F-2EB0-324B-512B504F9D81}"/>
+              </a:ext>
+            </a:extLst>
+          </p:cNvPr>
+          <p:cNvSpPr/>
+          <p:nvPr/>
+        </p:nvSpPr>
+        <p:spPr>
+          <a:xfrm>
+            <a:off x="9555480" y="2429691"/>
+            <a:ext cx="1737360" cy="1208315"/>
+          </a:xfrm>
+          <a:prstGeom prst="rect">
+            <a:avLst/>
+          </a:prstGeom>
+          <a:noFill/>
+          <a:ln w="12700">
+            <a:solidFill>
+              <a:schemeClr val="accent2"/>
+            </a:solidFill>
+          </a:ln>
+        </p:spPr>
+        <p:style>
+          <a:lnRef idx="2">
+            <a:schemeClr val="accent1">
+              <a:shade val="15000"/>
+            </a:schemeClr>
+          </a:lnRef>
+          <a:fillRef idx="1">
+            <a:schemeClr val="accent1"/>
+          </a:fillRef>
+          <a:effectRef idx="0">
+            <a:schemeClr val="accent1"/>
+          </a:effectRef>
+          <a:fontRef idx="minor">
+            <a:schemeClr val="lt1"/>
+          </a:fontRef>
+        </p:style>
+        <p:txBody>
+          <a:bodyPr rtlCol="0" anchor="ctr"/>
+          <a:lstStyle/>
+          <a:p>
+            <a:pPr algn="ctr"/>
+            <a:endParaRPr lang="nl-NL"/>
+          </a:p>
+        </p:txBody>
+      </p:sp>
+    </p:spTree>
+    <p:extLst>
+      <p:ext uri="{BB962C8B-B14F-4D97-AF65-F5344CB8AC3E}">
+        <p14:creationId xmlns:p14="http://schemas.microsoft.com/office/powerpoint/2010/main" val="1181346886"/>
+      </p:ext>
+    </p:extLst>
+  </p:cSld>
+  <p:clrMapOvr>
+    <a:masterClrMapping/>
+  </p:clrMapOvr>
+</p:sld>
+</file>
+
+<file path=ppt/slides/slide38.xml><?xml version="1.0" encoding="utf-8"?>
+<p:sld xmlns:a="http://schemas.openxmlformats.org/drawingml/2006/main" xmlns:r="http://schemas.openxmlformats.org/officeDocument/2006/relationships" xmlns:p="http://schemas.openxmlformats.org/presentationml/2006/main" show="0">
+  <p:cSld>
+    <p:spTree>
+      <p:nvGrpSpPr>
+        <p:cNvPr id="1" name="">
+          <a:extLst>
+            <a:ext uri="{FF2B5EF4-FFF2-40B4-BE49-F238E27FC236}">
+              <a16:creationId xmlns:a16="http://schemas.microsoft.com/office/drawing/2014/main" id="{81E6E7BF-D0E7-8CC9-A652-5EFD5B67776B}"/>
+            </a:ext>
+          </a:extLst>
+        </p:cNvPr>
+        <p:cNvGrpSpPr/>
+        <p:nvPr/>
+      </p:nvGrpSpPr>
+      <p:grpSpPr>
+        <a:xfrm>
+          <a:off x="0" y="0"/>
+          <a:ext cx="0" cy="0"/>
+          <a:chOff x="0" y="0"/>
+          <a:chExt cx="0" cy="0"/>
+        </a:xfrm>
+      </p:grpSpPr>
+      <p:sp>
+        <p:nvSpPr>
+          <p:cNvPr id="2" name="Title 1">
+            <a:extLst>
+              <a:ext uri="{FF2B5EF4-FFF2-40B4-BE49-F238E27FC236}">
+                <a16:creationId xmlns:a16="http://schemas.microsoft.com/office/drawing/2014/main" id="{120501EB-C797-DCA7-052E-57256E1238D9}"/>
+              </a:ext>
+            </a:extLst>
+          </p:cNvPr>
+          <p:cNvSpPr>
+            <a:spLocks noGrp="1"/>
+          </p:cNvSpPr>
+          <p:nvPr>
+            <p:ph type="title"/>
+          </p:nvPr>
+        </p:nvSpPr>
+        <p:spPr>
+          <a:xfrm>
+            <a:off x="838200" y="365126"/>
+            <a:ext cx="10515600" cy="718608"/>
+          </a:xfrm>
+        </p:spPr>
+        <p:txBody>
+          <a:bodyPr>
+            <a:normAutofit/>
+          </a:bodyPr>
+          <a:lstStyle/>
+          <a:p>
+            <a:r>
+              <a:rPr lang="nl-NL" sz="3600" noProof="0" dirty="0"/>
+              <a:t>Issue aanmaken</a:t>
+            </a:r>
+          </a:p>
+        </p:txBody>
+      </p:sp>
+      <p:sp>
+        <p:nvSpPr>
+          <p:cNvPr id="15" name="Content Placeholder 2">
+            <a:extLst>
+              <a:ext uri="{FF2B5EF4-FFF2-40B4-BE49-F238E27FC236}">
+                <a16:creationId xmlns:a16="http://schemas.microsoft.com/office/drawing/2014/main" id="{861D6860-F466-E416-744A-C4E0E758D132}"/>
+              </a:ext>
+            </a:extLst>
+          </p:cNvPr>
+          <p:cNvSpPr txBox="1">
+            <a:spLocks/>
+          </p:cNvSpPr>
+          <p:nvPr/>
+        </p:nvSpPr>
+        <p:spPr>
+          <a:xfrm>
+            <a:off x="838200" y="1456267"/>
+            <a:ext cx="2921758" cy="4720696"/>
+          </a:xfrm>
+          <a:prstGeom prst="rect">
+            <a:avLst/>
+          </a:prstGeom>
+        </p:spPr>
+        <p:txBody>
+          <a:bodyPr vert="horz" lIns="91440" tIns="45720" rIns="91440" bIns="45720" rtlCol="0">
+            <a:noAutofit/>
+          </a:bodyPr>
+          <a:lstStyle>
+            <a:lvl1pPr marL="228600" indent="-228600" algn="l" defTabSz="914400" rtl="0" eaLnBrk="1" latinLnBrk="0" hangingPunct="1">
+              <a:lnSpc>
+                <a:spcPct val="90000"/>
+              </a:lnSpc>
+              <a:spcBef>
+                <a:spcPts val="1000"/>
+              </a:spcBef>
+              <a:buFont typeface="Arial" panose="020B0604020202020204" pitchFamily="34" charset="0"/>
+              <a:buChar char="•"/>
+              <a:defRPr sz="2800" kern="1200">
+                <a:solidFill>
+                  <a:schemeClr val="tx1"/>
+                </a:solidFill>
+                <a:latin typeface="+mn-lt"/>
+                <a:ea typeface="+mn-ea"/>
+                <a:cs typeface="+mn-cs"/>
+              </a:defRPr>
+            </a:lvl1pPr>
+            <a:lvl2pPr marL="685800" indent="-228600" algn="l" defTabSz="914400" rtl="0" eaLnBrk="1" latinLnBrk="0" hangingPunct="1">
+              <a:lnSpc>
+                <a:spcPct val="90000"/>
+              </a:lnSpc>
+              <a:spcBef>
+                <a:spcPts val="500"/>
+              </a:spcBef>
+              <a:buFont typeface="Arial" panose="020B0604020202020204" pitchFamily="34" charset="0"/>
+              <a:buChar char="•"/>
+              <a:defRPr sz="2400" kern="1200">
+                <a:solidFill>
+                  <a:schemeClr val="tx1"/>
+                </a:solidFill>
+                <a:latin typeface="+mn-lt"/>
+                <a:ea typeface="+mn-ea"/>
+                <a:cs typeface="+mn-cs"/>
+              </a:defRPr>
+            </a:lvl2pPr>
+            <a:lvl3pPr marL="1143000" indent="-228600" algn="l" defTabSz="914400" rtl="0" eaLnBrk="1" latinLnBrk="0" hangingPunct="1">
+              <a:lnSpc>
+                <a:spcPct val="90000"/>
+              </a:lnSpc>
+              <a:spcBef>
+                <a:spcPts val="500"/>
+              </a:spcBef>
+              <a:buFont typeface="Arial" panose="020B0604020202020204" pitchFamily="34" charset="0"/>
+              <a:buChar char="•"/>
+              <a:defRPr sz="2000" kern="1200">
+                <a:solidFill>
+                  <a:schemeClr val="tx1"/>
+                </a:solidFill>
+                <a:latin typeface="+mn-lt"/>
+                <a:ea typeface="+mn-ea"/>
+                <a:cs typeface="+mn-cs"/>
+              </a:defRPr>
+            </a:lvl3pPr>
+            <a:lvl4pPr marL="1600200" indent="-228600" algn="l" defTabSz="914400" rtl="0" eaLnBrk="1" latinLnBrk="0" hangingPunct="1">
+              <a:lnSpc>
+                <a:spcPct val="90000"/>
+              </a:lnSpc>
+              <a:spcBef>
+                <a:spcPts val="500"/>
+              </a:spcBef>
+              <a:buFont typeface="Arial" panose="020B0604020202020204" pitchFamily="34" charset="0"/>
+              <a:buChar char="•"/>
+              <a:defRPr sz="1800" kern="1200">
+                <a:solidFill>
+                  <a:schemeClr val="tx1"/>
+                </a:solidFill>
+                <a:latin typeface="+mn-lt"/>
+                <a:ea typeface="+mn-ea"/>
+                <a:cs typeface="+mn-cs"/>
+              </a:defRPr>
+            </a:lvl4pPr>
+            <a:lvl5pPr marL="2057400" indent="-228600" algn="l" defTabSz="914400" rtl="0" eaLnBrk="1" latinLnBrk="0" hangingPunct="1">
+              <a:lnSpc>
+                <a:spcPct val="90000"/>
+              </a:lnSpc>
+              <a:spcBef>
+                <a:spcPts val="500"/>
+              </a:spcBef>
+              <a:buFont typeface="Arial" panose="020B0604020202020204" pitchFamily="34" charset="0"/>
+              <a:buChar char="•"/>
+              <a:defRPr sz="1800" kern="1200">
+                <a:solidFill>
+                  <a:schemeClr val="tx1"/>
+                </a:solidFill>
+                <a:latin typeface="+mn-lt"/>
+                <a:ea typeface="+mn-ea"/>
+                <a:cs typeface="+mn-cs"/>
+              </a:defRPr>
+            </a:lvl5pPr>
+            <a:lvl6pPr marL="2514600" indent="-228600" algn="l" defTabSz="914400" rtl="0" eaLnBrk="1" latinLnBrk="0" hangingPunct="1">
+              <a:lnSpc>
+                <a:spcPct val="90000"/>
+              </a:lnSpc>
+              <a:spcBef>
+                <a:spcPts val="500"/>
+              </a:spcBef>
+              <a:buFont typeface="Arial" panose="020B0604020202020204" pitchFamily="34" charset="0"/>
+              <a:buChar char="•"/>
+              <a:defRPr sz="1800" kern="1200">
+                <a:solidFill>
+                  <a:schemeClr val="tx1"/>
+                </a:solidFill>
+                <a:latin typeface="+mn-lt"/>
+                <a:ea typeface="+mn-ea"/>
+                <a:cs typeface="+mn-cs"/>
+              </a:defRPr>
+            </a:lvl6pPr>
+            <a:lvl7pPr marL="2971800" indent="-228600" algn="l" defTabSz="914400" rtl="0" eaLnBrk="1" latinLnBrk="0" hangingPunct="1">
+              <a:lnSpc>
+                <a:spcPct val="90000"/>
+              </a:lnSpc>
+              <a:spcBef>
+                <a:spcPts val="500"/>
+              </a:spcBef>
+              <a:buFont typeface="Arial" panose="020B0604020202020204" pitchFamily="34" charset="0"/>
+              <a:buChar char="•"/>
+              <a:defRPr sz="1800" kern="1200">
+                <a:solidFill>
+                  <a:schemeClr val="tx1"/>
+                </a:solidFill>
+                <a:latin typeface="+mn-lt"/>
+                <a:ea typeface="+mn-ea"/>
+                <a:cs typeface="+mn-cs"/>
+              </a:defRPr>
+            </a:lvl7pPr>
+            <a:lvl8pPr marL="3429000" indent="-228600" algn="l" defTabSz="914400" rtl="0" eaLnBrk="1" latinLnBrk="0" hangingPunct="1">
+              <a:lnSpc>
+                <a:spcPct val="90000"/>
+              </a:lnSpc>
+              <a:spcBef>
+                <a:spcPts val="500"/>
+              </a:spcBef>
+              <a:buFont typeface="Arial" panose="020B0604020202020204" pitchFamily="34" charset="0"/>
+              <a:buChar char="•"/>
+              <a:defRPr sz="1800" kern="1200">
+                <a:solidFill>
+                  <a:schemeClr val="tx1"/>
+                </a:solidFill>
+                <a:latin typeface="+mn-lt"/>
+                <a:ea typeface="+mn-ea"/>
+                <a:cs typeface="+mn-cs"/>
+              </a:defRPr>
+            </a:lvl8pPr>
+            <a:lvl9pPr marL="3886200" indent="-228600" algn="l" defTabSz="914400" rtl="0" eaLnBrk="1" latinLnBrk="0" hangingPunct="1">
+              <a:lnSpc>
+                <a:spcPct val="90000"/>
+              </a:lnSpc>
+              <a:spcBef>
+                <a:spcPts val="500"/>
+              </a:spcBef>
+              <a:buFont typeface="Arial" panose="020B0604020202020204" pitchFamily="34" charset="0"/>
+              <a:buChar char="•"/>
+              <a:defRPr sz="1800" kern="1200">
+                <a:solidFill>
+                  <a:schemeClr val="tx1"/>
+                </a:solidFill>
+                <a:latin typeface="+mn-lt"/>
+                <a:ea typeface="+mn-ea"/>
+                <a:cs typeface="+mn-cs"/>
+              </a:defRPr>
+            </a:lvl9pPr>
+          </a:lstStyle>
+          <a:p>
+            <a:pPr marL="0" indent="0">
+              <a:lnSpc>
+                <a:spcPct val="100000"/>
+              </a:lnSpc>
+              <a:spcBef>
+                <a:spcPts val="600"/>
+              </a:spcBef>
+              <a:buFont typeface="Arial" panose="020B0604020202020204" pitchFamily="34" charset="0"/>
+              <a:buNone/>
+            </a:pPr>
+            <a:r>
+              <a:rPr lang="nl-NL" sz="1400" dirty="0"/>
+              <a:t>Issues gekoppeld aan een repository en optioneel aan een project.</a:t>
+            </a:r>
+          </a:p>
+          <a:p>
+            <a:pPr marL="0" indent="0">
+              <a:lnSpc>
+                <a:spcPct val="100000"/>
+              </a:lnSpc>
+              <a:spcBef>
+                <a:spcPts val="600"/>
+              </a:spcBef>
+              <a:buFont typeface="Arial" panose="020B0604020202020204" pitchFamily="34" charset="0"/>
+              <a:buNone/>
+            </a:pPr>
+            <a:endParaRPr lang="nl-NL" sz="1400" b="1" dirty="0"/>
+          </a:p>
+          <a:p>
+            <a:pPr marL="0" indent="0">
+              <a:lnSpc>
+                <a:spcPct val="100000"/>
+              </a:lnSpc>
+              <a:spcBef>
+                <a:spcPts val="600"/>
+              </a:spcBef>
+              <a:buFont typeface="Arial" panose="020B0604020202020204" pitchFamily="34" charset="0"/>
+              <a:buNone/>
+            </a:pPr>
+            <a:r>
+              <a:rPr lang="nl-NL" sz="1400" b="1" dirty="0"/>
+              <a:t>Via een project</a:t>
+            </a:r>
+          </a:p>
+          <a:p>
+            <a:pPr>
+              <a:lnSpc>
+                <a:spcPct val="100000"/>
+              </a:lnSpc>
+              <a:spcBef>
+                <a:spcPts val="600"/>
+              </a:spcBef>
+              <a:buFontTx/>
+              <a:buChar char="-"/>
+            </a:pPr>
+            <a:r>
+              <a:rPr lang="nl-NL" sz="1400" dirty="0"/>
+              <a:t>Ga naar het project.</a:t>
+            </a:r>
+          </a:p>
+          <a:p>
+            <a:pPr>
+              <a:lnSpc>
+                <a:spcPct val="100000"/>
+              </a:lnSpc>
+              <a:spcBef>
+                <a:spcPts val="600"/>
+              </a:spcBef>
+              <a:buFontTx/>
+              <a:buChar char="-"/>
+            </a:pPr>
+            <a:r>
+              <a:rPr lang="nl-NL" sz="1400" dirty="0"/>
+              <a:t>Klik op </a:t>
+            </a:r>
+            <a:r>
+              <a:rPr lang="nl-NL" sz="1400" dirty="0" err="1"/>
+              <a:t>Backlog</a:t>
+            </a:r>
+            <a:r>
+              <a:rPr lang="nl-NL" sz="1400" dirty="0"/>
+              <a:t>.</a:t>
+            </a:r>
+          </a:p>
+          <a:p>
+            <a:pPr>
+              <a:lnSpc>
+                <a:spcPct val="100000"/>
+              </a:lnSpc>
+              <a:spcBef>
+                <a:spcPts val="600"/>
+              </a:spcBef>
+              <a:buFontTx/>
+              <a:buChar char="-"/>
+            </a:pPr>
+            <a:r>
+              <a:rPr lang="nl-NL" sz="1400" dirty="0"/>
+              <a:t>Klik onderaan op + </a:t>
+            </a:r>
+            <a:r>
+              <a:rPr lang="nl-NL" sz="1400" dirty="0" err="1"/>
+              <a:t>Add</a:t>
+            </a:r>
+            <a:r>
+              <a:rPr lang="nl-NL" sz="1400" dirty="0"/>
+              <a:t> item.</a:t>
+            </a:r>
+          </a:p>
+          <a:p>
+            <a:pPr>
+              <a:lnSpc>
+                <a:spcPct val="100000"/>
+              </a:lnSpc>
+              <a:spcBef>
+                <a:spcPts val="600"/>
+              </a:spcBef>
+              <a:buFontTx/>
+              <a:buChar char="-"/>
+            </a:pPr>
+            <a:r>
+              <a:rPr lang="nl-NL" sz="1400" dirty="0"/>
+              <a:t>Kies </a:t>
+            </a:r>
+            <a:r>
+              <a:rPr lang="nl-NL" sz="1400" dirty="0" err="1"/>
+              <a:t>Create</a:t>
+            </a:r>
+            <a:r>
+              <a:rPr lang="nl-NL" sz="1400" dirty="0"/>
+              <a:t> new item.</a:t>
+            </a:r>
+          </a:p>
+          <a:p>
+            <a:pPr>
+              <a:lnSpc>
+                <a:spcPct val="100000"/>
+              </a:lnSpc>
+              <a:spcBef>
+                <a:spcPts val="600"/>
+              </a:spcBef>
+              <a:buFontTx/>
+              <a:buChar char="-"/>
+            </a:pPr>
+            <a:r>
+              <a:rPr lang="nl-NL" sz="1400" dirty="0"/>
+              <a:t>Kies het repository.</a:t>
+            </a:r>
+          </a:p>
+          <a:p>
+            <a:pPr>
+              <a:lnSpc>
+                <a:spcPct val="100000"/>
+              </a:lnSpc>
+              <a:spcBef>
+                <a:spcPts val="600"/>
+              </a:spcBef>
+              <a:buFontTx/>
+              <a:buChar char="-"/>
+            </a:pPr>
+            <a:r>
+              <a:rPr lang="nl-NL" sz="1400" dirty="0"/>
+              <a:t>Vul de gegevens in.</a:t>
+            </a:r>
+          </a:p>
+          <a:p>
+            <a:pPr marL="0" indent="0">
+              <a:lnSpc>
+                <a:spcPct val="100000"/>
+              </a:lnSpc>
+              <a:spcBef>
+                <a:spcPts val="600"/>
+              </a:spcBef>
+              <a:buFont typeface="Arial" panose="020B0604020202020204" pitchFamily="34" charset="0"/>
+              <a:buNone/>
+            </a:pPr>
+            <a:endParaRPr lang="nl-NL" sz="1400" dirty="0"/>
+          </a:p>
+          <a:p>
+            <a:pPr marL="0" indent="0">
+              <a:lnSpc>
+                <a:spcPct val="100000"/>
+              </a:lnSpc>
+              <a:spcBef>
+                <a:spcPts val="600"/>
+              </a:spcBef>
+              <a:buNone/>
+            </a:pPr>
+            <a:endParaRPr lang="nl-NL" sz="1400" dirty="0"/>
+          </a:p>
+          <a:p>
+            <a:pPr marL="0" indent="0">
+              <a:lnSpc>
+                <a:spcPct val="100000"/>
+              </a:lnSpc>
+              <a:spcBef>
+                <a:spcPts val="600"/>
+              </a:spcBef>
+              <a:buNone/>
+            </a:pPr>
+            <a:endParaRPr lang="nl-NL" sz="1400" dirty="0"/>
+          </a:p>
+          <a:p>
+            <a:pPr marL="0" indent="0">
+              <a:lnSpc>
+                <a:spcPct val="100000"/>
+              </a:lnSpc>
+              <a:spcBef>
+                <a:spcPts val="600"/>
+              </a:spcBef>
+              <a:buFont typeface="Arial" panose="020B0604020202020204" pitchFamily="34" charset="0"/>
+              <a:buNone/>
+            </a:pPr>
+            <a:endParaRPr lang="nl-NL" sz="1400" dirty="0"/>
+          </a:p>
+        </p:txBody>
+      </p:sp>
+      <p:pic>
+        <p:nvPicPr>
+          <p:cNvPr id="5" name="Picture 4" descr="A screenshot of a computer&#10;&#10;Description automatically generated">
+            <a:extLst>
+              <a:ext uri="{FF2B5EF4-FFF2-40B4-BE49-F238E27FC236}">
+                <a16:creationId xmlns:a16="http://schemas.microsoft.com/office/drawing/2014/main" id="{9ECEBFEB-DC73-4239-9299-BA8512B3DAB1}"/>
+              </a:ext>
+            </a:extLst>
+          </p:cNvPr>
+          <p:cNvPicPr>
+            <a:picLocks noChangeAspect="1"/>
+          </p:cNvPicPr>
+          <p:nvPr/>
+        </p:nvPicPr>
+        <p:blipFill>
+          <a:blip r:embed="rId2">
+            <a:extLst>
+              <a:ext uri="{28A0092B-C50C-407E-A947-70E740481C1C}">
+                <a14:useLocalDpi xmlns:a14="http://schemas.microsoft.com/office/drawing/2010/main" val="0"/>
+              </a:ext>
+            </a:extLst>
+          </a:blip>
+          <a:stretch>
+            <a:fillRect/>
+          </a:stretch>
+        </p:blipFill>
+        <p:spPr>
+          <a:xfrm>
+            <a:off x="6294194" y="1456267"/>
+            <a:ext cx="5059606" cy="4707072"/>
+          </a:xfrm>
+          <a:prstGeom prst="rect">
+            <a:avLst/>
+          </a:prstGeom>
+          <a:ln>
+            <a:solidFill>
+              <a:schemeClr val="tx1"/>
+            </a:solidFill>
+          </a:ln>
+        </p:spPr>
+      </p:pic>
+      <p:cxnSp>
+        <p:nvCxnSpPr>
+          <p:cNvPr id="7" name="Straight Connector 6">
+            <a:extLst>
+              <a:ext uri="{FF2B5EF4-FFF2-40B4-BE49-F238E27FC236}">
+                <a16:creationId xmlns:a16="http://schemas.microsoft.com/office/drawing/2014/main" id="{4B764C4F-269F-6E95-F6DA-6AFA7D47A2B4}"/>
+              </a:ext>
+            </a:extLst>
+          </p:cNvPr>
+          <p:cNvCxnSpPr/>
+          <p:nvPr/>
+        </p:nvCxnSpPr>
+        <p:spPr>
+          <a:xfrm>
+            <a:off x="6453051" y="2142309"/>
+            <a:ext cx="1822269" cy="0"/>
+          </a:xfrm>
+          <a:prstGeom prst="line">
+            <a:avLst/>
+          </a:prstGeom>
+          <a:ln>
+            <a:solidFill>
+              <a:schemeClr val="accent2"/>
+            </a:solidFill>
+          </a:ln>
+        </p:spPr>
+        <p:style>
+          <a:lnRef idx="2">
+            <a:schemeClr val="accent2"/>
+          </a:lnRef>
+          <a:fillRef idx="0">
+            <a:schemeClr val="accent2"/>
+          </a:fillRef>
+          <a:effectRef idx="1">
+            <a:schemeClr val="accent2"/>
+          </a:effectRef>
+          <a:fontRef idx="minor">
+            <a:schemeClr val="tx1"/>
+          </a:fontRef>
+        </p:style>
+      </p:cxnSp>
+    </p:spTree>
+    <p:extLst>
+      <p:ext uri="{BB962C8B-B14F-4D97-AF65-F5344CB8AC3E}">
+        <p14:creationId xmlns:p14="http://schemas.microsoft.com/office/powerpoint/2010/main" val="2473046667"/>
+      </p:ext>
+    </p:extLst>
+  </p:cSld>
+  <p:clrMapOvr>
+    <a:masterClrMapping/>
+  </p:clrMapOvr>
+</p:sld>
+</file>
+
+<file path=ppt/slides/slide39.xml><?xml version="1.0" encoding="utf-8"?>
+<p:sld xmlns:a="http://schemas.openxmlformats.org/drawingml/2006/main" xmlns:r="http://schemas.openxmlformats.org/officeDocument/2006/relationships" xmlns:p="http://schemas.openxmlformats.org/presentationml/2006/main">
+  <p:cSld>
+    <p:spTree>
+      <p:nvGrpSpPr>
+        <p:cNvPr id="1" name="">
+          <a:extLst>
+            <a:ext uri="{FF2B5EF4-FFF2-40B4-BE49-F238E27FC236}">
               <a16:creationId xmlns:a16="http://schemas.microsoft.com/office/drawing/2014/main" id="{3E923243-7060-08BD-5B17-B06F47013926}"/>
             </a:ext>
           </a:extLst>
@@ -22233,7 +23578,7 @@
         <p:spPr>
           <a:xfrm>
             <a:off x="838200" y="1456267"/>
-            <a:ext cx="2921758" cy="4720696"/>
+            <a:ext cx="3512344" cy="4720696"/>
           </a:xfrm>
           <a:prstGeom prst="rect">
             <a:avLst/>
@@ -22419,12 +23764,53 @@
               <a:buNone/>
             </a:pPr>
             <a:r>
-              <a:rPr lang="nl-NL" sz="1400" b="1" dirty="0" err="1"/>
-              <a:t>Verchillende</a:t>
-            </a:r>
-            <a:r>
               <a:rPr lang="nl-NL" sz="1400" b="1" dirty="0"/>
-              <a:t> project types:</a:t>
+              <a:t>Wat is een project?</a:t>
+            </a:r>
+          </a:p>
+          <a:p>
+            <a:pPr marL="0" indent="0">
+              <a:lnSpc>
+                <a:spcPct val="100000"/>
+              </a:lnSpc>
+              <a:spcBef>
+                <a:spcPts val="600"/>
+              </a:spcBef>
+              <a:buFont typeface="Arial" panose="020B0604020202020204" pitchFamily="34" charset="0"/>
+              <a:buNone/>
+            </a:pPr>
+            <a:r>
+              <a:rPr lang="nl-NL" sz="1400" dirty="0"/>
+              <a:t>Een manier om issues overzichtelijk te beheren.</a:t>
+            </a:r>
+          </a:p>
+          <a:p>
+            <a:pPr marL="0" indent="0">
+              <a:lnSpc>
+                <a:spcPct val="100000"/>
+              </a:lnSpc>
+              <a:spcBef>
+                <a:spcPts val="600"/>
+              </a:spcBef>
+              <a:buFont typeface="Arial" panose="020B0604020202020204" pitchFamily="34" charset="0"/>
+              <a:buNone/>
+            </a:pPr>
+            <a:endParaRPr lang="nl-NL" sz="1400" b="1" dirty="0"/>
+          </a:p>
+          <a:p>
+            <a:pPr marL="0" indent="0">
+              <a:lnSpc>
+                <a:spcPct val="100000"/>
+              </a:lnSpc>
+              <a:spcBef>
+                <a:spcPts val="600"/>
+              </a:spcBef>
+              <a:buFont typeface="Arial" panose="020B0604020202020204" pitchFamily="34" charset="0"/>
+              <a:buNone/>
+            </a:pPr>
+            <a:r>
+              <a:rPr lang="nl-NL" sz="1400" b="1" dirty="0"/>
+              <a:t>Verschillende project types:</a:t>
             </a:r>
           </a:p>
           <a:p>
@@ -22457,7 +23843,7 @@
             </a:pPr>
             <a:r>
               <a:rPr lang="nl-NL" sz="1400" dirty="0"/>
-              <a:t>Sprints</a:t>
+              <a:t>Team planning (sprints)</a:t>
             </a:r>
           </a:p>
           <a:p>
@@ -22557,1039 +23943,6 @@
     <p:extLst>
       <p:ext uri="{BB962C8B-B14F-4D97-AF65-F5344CB8AC3E}">
         <p14:creationId xmlns:p14="http://schemas.microsoft.com/office/powerpoint/2010/main" val="959609857"/>
-      </p:ext>
-    </p:extLst>
-  </p:cSld>
-  <p:clrMapOvr>
-    <a:masterClrMapping/>
-  </p:clrMapOvr>
-</p:sld>
-</file>
-
-<file path=ppt/slides/slide38.xml><?xml version="1.0" encoding="utf-8"?>
-<p:sld xmlns:a="http://schemas.openxmlformats.org/drawingml/2006/main" xmlns:r="http://schemas.openxmlformats.org/officeDocument/2006/relationships" xmlns:p="http://schemas.openxmlformats.org/presentationml/2006/main">
-  <p:cSld>
-    <p:spTree>
-      <p:nvGrpSpPr>
-        <p:cNvPr id="1" name="">
-          <a:extLst>
-            <a:ext uri="{FF2B5EF4-FFF2-40B4-BE49-F238E27FC236}">
-              <a16:creationId xmlns:a16="http://schemas.microsoft.com/office/drawing/2014/main" id="{702EC3AE-0169-3972-ED43-AD95D673F3AA}"/>
-            </a:ext>
-          </a:extLst>
-        </p:cNvPr>
-        <p:cNvGrpSpPr/>
-        <p:nvPr/>
-      </p:nvGrpSpPr>
-      <p:grpSpPr>
-        <a:xfrm>
-          <a:off x="0" y="0"/>
-          <a:ext cx="0" cy="0"/>
-          <a:chOff x="0" y="0"/>
-          <a:chExt cx="0" cy="0"/>
-        </a:xfrm>
-      </p:grpSpPr>
-      <p:sp>
-        <p:nvSpPr>
-          <p:cNvPr id="2" name="Title 1">
-            <a:extLst>
-              <a:ext uri="{FF2B5EF4-FFF2-40B4-BE49-F238E27FC236}">
-                <a16:creationId xmlns:a16="http://schemas.microsoft.com/office/drawing/2014/main" id="{85BC5656-2A36-B53F-DB52-9C99DA4E6371}"/>
-              </a:ext>
-            </a:extLst>
-          </p:cNvPr>
-          <p:cNvSpPr>
-            <a:spLocks noGrp="1"/>
-          </p:cNvSpPr>
-          <p:nvPr>
-            <p:ph type="title"/>
-          </p:nvPr>
-        </p:nvSpPr>
-        <p:spPr>
-          <a:xfrm>
-            <a:off x="838200" y="365126"/>
-            <a:ext cx="10515600" cy="718608"/>
-          </a:xfrm>
-        </p:spPr>
-        <p:txBody>
-          <a:bodyPr>
-            <a:normAutofit/>
-          </a:bodyPr>
-          <a:lstStyle/>
-          <a:p>
-            <a:r>
-              <a:rPr lang="nl-NL" sz="3600" dirty="0"/>
-              <a:t>Project aanmaken</a:t>
-            </a:r>
-            <a:endParaRPr lang="nl-NL" sz="3600" noProof="0" dirty="0"/>
-          </a:p>
-        </p:txBody>
-      </p:sp>
-      <p:sp>
-        <p:nvSpPr>
-          <p:cNvPr id="15" name="Content Placeholder 2">
-            <a:extLst>
-              <a:ext uri="{FF2B5EF4-FFF2-40B4-BE49-F238E27FC236}">
-                <a16:creationId xmlns:a16="http://schemas.microsoft.com/office/drawing/2014/main" id="{8A98D2FF-672C-B65D-CD5F-9C29055B0C88}"/>
-              </a:ext>
-            </a:extLst>
-          </p:cNvPr>
-          <p:cNvSpPr txBox="1">
-            <a:spLocks/>
-          </p:cNvSpPr>
-          <p:nvPr/>
-        </p:nvSpPr>
-        <p:spPr>
-          <a:xfrm>
-            <a:off x="838200" y="1456267"/>
-            <a:ext cx="2921758" cy="4720696"/>
-          </a:xfrm>
-          <a:prstGeom prst="rect">
-            <a:avLst/>
-          </a:prstGeom>
-        </p:spPr>
-        <p:txBody>
-          <a:bodyPr vert="horz" lIns="91440" tIns="45720" rIns="91440" bIns="45720" rtlCol="0">
-            <a:normAutofit/>
-          </a:bodyPr>
-          <a:lstStyle>
-            <a:lvl1pPr marL="228600" indent="-228600" algn="l" defTabSz="914400" rtl="0" eaLnBrk="1" latinLnBrk="0" hangingPunct="1">
-              <a:lnSpc>
-                <a:spcPct val="90000"/>
-              </a:lnSpc>
-              <a:spcBef>
-                <a:spcPts val="1000"/>
-              </a:spcBef>
-              <a:buFont typeface="Arial" panose="020B0604020202020204" pitchFamily="34" charset="0"/>
-              <a:buChar char="•"/>
-              <a:defRPr sz="2800" kern="1200">
-                <a:solidFill>
-                  <a:schemeClr val="tx1"/>
-                </a:solidFill>
-                <a:latin typeface="+mn-lt"/>
-                <a:ea typeface="+mn-ea"/>
-                <a:cs typeface="+mn-cs"/>
-              </a:defRPr>
-            </a:lvl1pPr>
-            <a:lvl2pPr marL="685800" indent="-228600" algn="l" defTabSz="914400" rtl="0" eaLnBrk="1" latinLnBrk="0" hangingPunct="1">
-              <a:lnSpc>
-                <a:spcPct val="90000"/>
-              </a:lnSpc>
-              <a:spcBef>
-                <a:spcPts val="500"/>
-              </a:spcBef>
-              <a:buFont typeface="Arial" panose="020B0604020202020204" pitchFamily="34" charset="0"/>
-              <a:buChar char="•"/>
-              <a:defRPr sz="2400" kern="1200">
-                <a:solidFill>
-                  <a:schemeClr val="tx1"/>
-                </a:solidFill>
-                <a:latin typeface="+mn-lt"/>
-                <a:ea typeface="+mn-ea"/>
-                <a:cs typeface="+mn-cs"/>
-              </a:defRPr>
-            </a:lvl2pPr>
-            <a:lvl3pPr marL="1143000" indent="-228600" algn="l" defTabSz="914400" rtl="0" eaLnBrk="1" latinLnBrk="0" hangingPunct="1">
-              <a:lnSpc>
-                <a:spcPct val="90000"/>
-              </a:lnSpc>
-              <a:spcBef>
-                <a:spcPts val="500"/>
-              </a:spcBef>
-              <a:buFont typeface="Arial" panose="020B0604020202020204" pitchFamily="34" charset="0"/>
-              <a:buChar char="•"/>
-              <a:defRPr sz="2000" kern="1200">
-                <a:solidFill>
-                  <a:schemeClr val="tx1"/>
-                </a:solidFill>
-                <a:latin typeface="+mn-lt"/>
-                <a:ea typeface="+mn-ea"/>
-                <a:cs typeface="+mn-cs"/>
-              </a:defRPr>
-            </a:lvl3pPr>
-            <a:lvl4pPr marL="1600200" indent="-228600" algn="l" defTabSz="914400" rtl="0" eaLnBrk="1" latinLnBrk="0" hangingPunct="1">
-              <a:lnSpc>
-                <a:spcPct val="90000"/>
-              </a:lnSpc>
-              <a:spcBef>
-                <a:spcPts val="500"/>
-              </a:spcBef>
-              <a:buFont typeface="Arial" panose="020B0604020202020204" pitchFamily="34" charset="0"/>
-              <a:buChar char="•"/>
-              <a:defRPr sz="1800" kern="1200">
-                <a:solidFill>
-                  <a:schemeClr val="tx1"/>
-                </a:solidFill>
-                <a:latin typeface="+mn-lt"/>
-                <a:ea typeface="+mn-ea"/>
-                <a:cs typeface="+mn-cs"/>
-              </a:defRPr>
-            </a:lvl4pPr>
-            <a:lvl5pPr marL="2057400" indent="-228600" algn="l" defTabSz="914400" rtl="0" eaLnBrk="1" latinLnBrk="0" hangingPunct="1">
-              <a:lnSpc>
-                <a:spcPct val="90000"/>
-              </a:lnSpc>
-              <a:spcBef>
-                <a:spcPts val="500"/>
-              </a:spcBef>
-              <a:buFont typeface="Arial" panose="020B0604020202020204" pitchFamily="34" charset="0"/>
-              <a:buChar char="•"/>
-              <a:defRPr sz="1800" kern="1200">
-                <a:solidFill>
-                  <a:schemeClr val="tx1"/>
-                </a:solidFill>
-                <a:latin typeface="+mn-lt"/>
-                <a:ea typeface="+mn-ea"/>
-                <a:cs typeface="+mn-cs"/>
-              </a:defRPr>
-            </a:lvl5pPr>
-            <a:lvl6pPr marL="2514600" indent="-228600" algn="l" defTabSz="914400" rtl="0" eaLnBrk="1" latinLnBrk="0" hangingPunct="1">
-              <a:lnSpc>
-                <a:spcPct val="90000"/>
-              </a:lnSpc>
-              <a:spcBef>
-                <a:spcPts val="500"/>
-              </a:spcBef>
-              <a:buFont typeface="Arial" panose="020B0604020202020204" pitchFamily="34" charset="0"/>
-              <a:buChar char="•"/>
-              <a:defRPr sz="1800" kern="1200">
-                <a:solidFill>
-                  <a:schemeClr val="tx1"/>
-                </a:solidFill>
-                <a:latin typeface="+mn-lt"/>
-                <a:ea typeface="+mn-ea"/>
-                <a:cs typeface="+mn-cs"/>
-              </a:defRPr>
-            </a:lvl6pPr>
-            <a:lvl7pPr marL="2971800" indent="-228600" algn="l" defTabSz="914400" rtl="0" eaLnBrk="1" latinLnBrk="0" hangingPunct="1">
-              <a:lnSpc>
-                <a:spcPct val="90000"/>
-              </a:lnSpc>
-              <a:spcBef>
-                <a:spcPts val="500"/>
-              </a:spcBef>
-              <a:buFont typeface="Arial" panose="020B0604020202020204" pitchFamily="34" charset="0"/>
-              <a:buChar char="•"/>
-              <a:defRPr sz="1800" kern="1200">
-                <a:solidFill>
-                  <a:schemeClr val="tx1"/>
-                </a:solidFill>
-                <a:latin typeface="+mn-lt"/>
-                <a:ea typeface="+mn-ea"/>
-                <a:cs typeface="+mn-cs"/>
-              </a:defRPr>
-            </a:lvl7pPr>
-            <a:lvl8pPr marL="3429000" indent="-228600" algn="l" defTabSz="914400" rtl="0" eaLnBrk="1" latinLnBrk="0" hangingPunct="1">
-              <a:lnSpc>
-                <a:spcPct val="90000"/>
-              </a:lnSpc>
-              <a:spcBef>
-                <a:spcPts val="500"/>
-              </a:spcBef>
-              <a:buFont typeface="Arial" panose="020B0604020202020204" pitchFamily="34" charset="0"/>
-              <a:buChar char="•"/>
-              <a:defRPr sz="1800" kern="1200">
-                <a:solidFill>
-                  <a:schemeClr val="tx1"/>
-                </a:solidFill>
-                <a:latin typeface="+mn-lt"/>
-                <a:ea typeface="+mn-ea"/>
-                <a:cs typeface="+mn-cs"/>
-              </a:defRPr>
-            </a:lvl8pPr>
-            <a:lvl9pPr marL="3886200" indent="-228600" algn="l" defTabSz="914400" rtl="0" eaLnBrk="1" latinLnBrk="0" hangingPunct="1">
-              <a:lnSpc>
-                <a:spcPct val="90000"/>
-              </a:lnSpc>
-              <a:spcBef>
-                <a:spcPts val="500"/>
-              </a:spcBef>
-              <a:buFont typeface="Arial" panose="020B0604020202020204" pitchFamily="34" charset="0"/>
-              <a:buChar char="•"/>
-              <a:defRPr sz="1800" kern="1200">
-                <a:solidFill>
-                  <a:schemeClr val="tx1"/>
-                </a:solidFill>
-                <a:latin typeface="+mn-lt"/>
-                <a:ea typeface="+mn-ea"/>
-                <a:cs typeface="+mn-cs"/>
-              </a:defRPr>
-            </a:lvl9pPr>
-          </a:lstStyle>
-          <a:p>
-            <a:pPr marL="0" indent="0">
-              <a:lnSpc>
-                <a:spcPct val="100000"/>
-              </a:lnSpc>
-              <a:spcBef>
-                <a:spcPts val="600"/>
-              </a:spcBef>
-              <a:buFont typeface="Arial" panose="020B0604020202020204" pitchFamily="34" charset="0"/>
-              <a:buNone/>
-            </a:pPr>
-            <a:r>
-              <a:rPr lang="nl-NL" sz="1400" b="1" dirty="0" err="1"/>
-              <a:t>Verchillende</a:t>
-            </a:r>
-            <a:r>
-              <a:rPr lang="nl-NL" sz="1400" b="1" dirty="0"/>
-              <a:t> project types:</a:t>
-            </a:r>
-          </a:p>
-          <a:p>
-            <a:pPr>
-              <a:lnSpc>
-                <a:spcPct val="100000"/>
-              </a:lnSpc>
-              <a:spcBef>
-                <a:spcPts val="600"/>
-              </a:spcBef>
-              <a:buFontTx/>
-              <a:buChar char="-"/>
-            </a:pPr>
-            <a:r>
-              <a:rPr lang="nl-NL" sz="1400" dirty="0" err="1"/>
-              <a:t>Kanban</a:t>
-            </a:r>
-            <a:endParaRPr lang="nl-NL" sz="1400" dirty="0"/>
-          </a:p>
-          <a:p>
-            <a:pPr>
-              <a:lnSpc>
-                <a:spcPct val="100000"/>
-              </a:lnSpc>
-              <a:spcBef>
-                <a:spcPts val="600"/>
-              </a:spcBef>
-              <a:buFontTx/>
-              <a:buChar char="-"/>
-            </a:pPr>
-            <a:r>
-              <a:rPr lang="nl-NL" sz="1400" dirty="0"/>
-              <a:t>Sprints</a:t>
-            </a:r>
-          </a:p>
-          <a:p>
-            <a:pPr>
-              <a:lnSpc>
-                <a:spcPct val="100000"/>
-              </a:lnSpc>
-              <a:spcBef>
-                <a:spcPts val="600"/>
-              </a:spcBef>
-              <a:buFontTx/>
-              <a:buChar char="-"/>
-            </a:pPr>
-            <a:r>
-              <a:rPr lang="nl-NL" sz="1400" dirty="0"/>
-              <a:t>Bug </a:t>
-            </a:r>
-            <a:r>
-              <a:rPr lang="nl-NL" sz="1400" dirty="0" err="1"/>
-              <a:t>tracker</a:t>
-            </a:r>
-            <a:endParaRPr lang="nl-NL" sz="1400" dirty="0"/>
-          </a:p>
-          <a:p>
-            <a:pPr>
-              <a:lnSpc>
-                <a:spcPct val="100000"/>
-              </a:lnSpc>
-              <a:spcBef>
-                <a:spcPts val="600"/>
-              </a:spcBef>
-              <a:buFontTx/>
-              <a:buChar char="-"/>
-            </a:pPr>
-            <a:r>
-              <a:rPr lang="nl-NL" sz="1400" dirty="0" err="1"/>
-              <a:t>Roadmap</a:t>
-            </a:r>
-            <a:endParaRPr lang="nl-NL" sz="1400" dirty="0"/>
-          </a:p>
-          <a:p>
-            <a:pPr marL="0" indent="0">
-              <a:lnSpc>
-                <a:spcPct val="100000"/>
-              </a:lnSpc>
-              <a:spcBef>
-                <a:spcPts val="600"/>
-              </a:spcBef>
-              <a:buNone/>
-            </a:pPr>
-            <a:endParaRPr lang="nl-NL" sz="1400" dirty="0"/>
-          </a:p>
-          <a:p>
-            <a:pPr marL="0" indent="0">
-              <a:lnSpc>
-                <a:spcPct val="100000"/>
-              </a:lnSpc>
-              <a:spcBef>
-                <a:spcPts val="600"/>
-              </a:spcBef>
-              <a:buNone/>
-            </a:pPr>
-            <a:r>
-              <a:rPr lang="nl-NL" sz="1400" b="1" dirty="0"/>
-              <a:t>Project instellingen:</a:t>
-            </a:r>
-          </a:p>
-          <a:p>
-            <a:pPr>
-              <a:lnSpc>
-                <a:spcPct val="100000"/>
-              </a:lnSpc>
-              <a:spcBef>
-                <a:spcPts val="600"/>
-              </a:spcBef>
-              <a:buFontTx/>
-              <a:buChar char="-"/>
-            </a:pPr>
-            <a:r>
-              <a:rPr lang="nl-NL" sz="1400" dirty="0"/>
-              <a:t>Status voortgang</a:t>
-            </a:r>
-          </a:p>
-          <a:p>
-            <a:pPr>
-              <a:lnSpc>
-                <a:spcPct val="100000"/>
-              </a:lnSpc>
-              <a:spcBef>
-                <a:spcPts val="600"/>
-              </a:spcBef>
-              <a:buFontTx/>
-              <a:buChar char="-"/>
-            </a:pPr>
-            <a:r>
-              <a:rPr lang="nl-NL" sz="1400" dirty="0"/>
-              <a:t>Prioriteiten</a:t>
-            </a:r>
-          </a:p>
-          <a:p>
-            <a:pPr>
-              <a:lnSpc>
-                <a:spcPct val="100000"/>
-              </a:lnSpc>
-              <a:spcBef>
-                <a:spcPts val="600"/>
-              </a:spcBef>
-              <a:buFontTx/>
-              <a:buChar char="-"/>
-            </a:pPr>
-            <a:r>
-              <a:rPr lang="nl-NL" sz="1400" dirty="0"/>
-              <a:t>Aantal punten</a:t>
-            </a:r>
-          </a:p>
-          <a:p>
-            <a:pPr>
-              <a:lnSpc>
-                <a:spcPct val="100000"/>
-              </a:lnSpc>
-              <a:spcBef>
-                <a:spcPts val="600"/>
-              </a:spcBef>
-              <a:buFontTx/>
-              <a:buChar char="-"/>
-            </a:pPr>
-            <a:r>
-              <a:rPr lang="nl-NL" sz="1400" dirty="0"/>
-              <a:t>Sprints</a:t>
-            </a:r>
-          </a:p>
-          <a:p>
-            <a:pPr>
-              <a:lnSpc>
-                <a:spcPct val="100000"/>
-              </a:lnSpc>
-              <a:spcBef>
-                <a:spcPts val="600"/>
-              </a:spcBef>
-              <a:buFontTx/>
-              <a:buChar char="-"/>
-            </a:pPr>
-            <a:r>
-              <a:rPr lang="nl-NL" sz="1400" dirty="0"/>
-              <a:t>Et cetera</a:t>
-            </a:r>
-          </a:p>
-          <a:p>
-            <a:pPr>
-              <a:lnSpc>
-                <a:spcPct val="100000"/>
-              </a:lnSpc>
-              <a:spcBef>
-                <a:spcPts val="600"/>
-              </a:spcBef>
-              <a:buFontTx/>
-              <a:buChar char="-"/>
-            </a:pPr>
-            <a:endParaRPr lang="nl-NL" sz="1400" dirty="0"/>
-          </a:p>
-          <a:p>
-            <a:pPr marL="0" indent="0">
-              <a:lnSpc>
-                <a:spcPct val="100000"/>
-              </a:lnSpc>
-              <a:spcBef>
-                <a:spcPts val="600"/>
-              </a:spcBef>
-              <a:buFont typeface="Arial" panose="020B0604020202020204" pitchFamily="34" charset="0"/>
-              <a:buNone/>
-            </a:pPr>
-            <a:endParaRPr lang="nl-NL" sz="1400" b="1" dirty="0"/>
-          </a:p>
-        </p:txBody>
-      </p:sp>
-      <p:pic>
-        <p:nvPicPr>
-          <p:cNvPr id="5" name="Picture 4" descr="A screenshot of a computer&#10;&#10;Description automatically generated">
-            <a:extLst>
-              <a:ext uri="{FF2B5EF4-FFF2-40B4-BE49-F238E27FC236}">
-                <a16:creationId xmlns:a16="http://schemas.microsoft.com/office/drawing/2014/main" id="{7CBF1A83-01C2-F077-9F4B-A247040B0DD0}"/>
-              </a:ext>
-            </a:extLst>
-          </p:cNvPr>
-          <p:cNvPicPr>
-            <a:picLocks noChangeAspect="1"/>
-          </p:cNvPicPr>
-          <p:nvPr/>
-        </p:nvPicPr>
-        <p:blipFill>
-          <a:blip r:embed="rId2">
-            <a:extLst>
-              <a:ext uri="{28A0092B-C50C-407E-A947-70E740481C1C}">
-                <a14:useLocalDpi xmlns:a14="http://schemas.microsoft.com/office/drawing/2010/main" val="0"/>
-              </a:ext>
-            </a:extLst>
-          </a:blip>
-          <a:stretch>
-            <a:fillRect/>
-          </a:stretch>
-        </p:blipFill>
-        <p:spPr>
-          <a:xfrm>
-            <a:off x="4652938" y="1456267"/>
-            <a:ext cx="6700862" cy="3417922"/>
-          </a:xfrm>
-          <a:prstGeom prst="rect">
-            <a:avLst/>
-          </a:prstGeom>
-          <a:ln>
-            <a:solidFill>
-              <a:schemeClr val="tx1"/>
-            </a:solidFill>
-          </a:ln>
-        </p:spPr>
-      </p:pic>
-    </p:spTree>
-    <p:extLst>
-      <p:ext uri="{BB962C8B-B14F-4D97-AF65-F5344CB8AC3E}">
-        <p14:creationId xmlns:p14="http://schemas.microsoft.com/office/powerpoint/2010/main" val="13192849"/>
-      </p:ext>
-    </p:extLst>
-  </p:cSld>
-  <p:clrMapOvr>
-    <a:masterClrMapping/>
-  </p:clrMapOvr>
-</p:sld>
-</file>
-
-<file path=ppt/slides/slide39.xml><?xml version="1.0" encoding="utf-8"?>
-<p:sld xmlns:a="http://schemas.openxmlformats.org/drawingml/2006/main" xmlns:r="http://schemas.openxmlformats.org/officeDocument/2006/relationships" xmlns:p="http://schemas.openxmlformats.org/presentationml/2006/main">
-  <p:cSld>
-    <p:spTree>
-      <p:nvGrpSpPr>
-        <p:cNvPr id="1" name="">
-          <a:extLst>
-            <a:ext uri="{FF2B5EF4-FFF2-40B4-BE49-F238E27FC236}">
-              <a16:creationId xmlns:a16="http://schemas.microsoft.com/office/drawing/2014/main" id="{CF4B6063-BEB7-7383-638E-90AFF96E13C1}"/>
-            </a:ext>
-          </a:extLst>
-        </p:cNvPr>
-        <p:cNvGrpSpPr/>
-        <p:nvPr/>
-      </p:nvGrpSpPr>
-      <p:grpSpPr>
-        <a:xfrm>
-          <a:off x="0" y="0"/>
-          <a:ext cx="0" cy="0"/>
-          <a:chOff x="0" y="0"/>
-          <a:chExt cx="0" cy="0"/>
-        </a:xfrm>
-      </p:grpSpPr>
-      <p:sp>
-        <p:nvSpPr>
-          <p:cNvPr id="2" name="Title 1">
-            <a:extLst>
-              <a:ext uri="{FF2B5EF4-FFF2-40B4-BE49-F238E27FC236}">
-                <a16:creationId xmlns:a16="http://schemas.microsoft.com/office/drawing/2014/main" id="{5DD030C9-3A6F-5853-08FD-7F963B97E077}"/>
-              </a:ext>
-            </a:extLst>
-          </p:cNvPr>
-          <p:cNvSpPr>
-            <a:spLocks noGrp="1"/>
-          </p:cNvSpPr>
-          <p:nvPr>
-            <p:ph type="title"/>
-          </p:nvPr>
-        </p:nvSpPr>
-        <p:spPr>
-          <a:xfrm>
-            <a:off x="838200" y="365126"/>
-            <a:ext cx="10515600" cy="718608"/>
-          </a:xfrm>
-        </p:spPr>
-        <p:txBody>
-          <a:bodyPr>
-            <a:normAutofit/>
-          </a:bodyPr>
-          <a:lstStyle/>
-          <a:p>
-            <a:r>
-              <a:rPr lang="nl-NL" sz="3600" noProof="0" dirty="0"/>
-              <a:t>Boards</a:t>
-            </a:r>
-          </a:p>
-        </p:txBody>
-      </p:sp>
-      <p:sp>
-        <p:nvSpPr>
-          <p:cNvPr id="15" name="Content Placeholder 2">
-            <a:extLst>
-              <a:ext uri="{FF2B5EF4-FFF2-40B4-BE49-F238E27FC236}">
-                <a16:creationId xmlns:a16="http://schemas.microsoft.com/office/drawing/2014/main" id="{175688E2-2DD8-7204-4574-BF73A3C2897D}"/>
-              </a:ext>
-            </a:extLst>
-          </p:cNvPr>
-          <p:cNvSpPr txBox="1">
-            <a:spLocks/>
-          </p:cNvSpPr>
-          <p:nvPr/>
-        </p:nvSpPr>
-        <p:spPr>
-          <a:xfrm>
-            <a:off x="838200" y="1456267"/>
-            <a:ext cx="2921758" cy="4720696"/>
-          </a:xfrm>
-          <a:prstGeom prst="rect">
-            <a:avLst/>
-          </a:prstGeom>
-        </p:spPr>
-        <p:txBody>
-          <a:bodyPr vert="horz" lIns="91440" tIns="45720" rIns="91440" bIns="45720" rtlCol="0">
-            <a:noAutofit/>
-          </a:bodyPr>
-          <a:lstStyle>
-            <a:lvl1pPr marL="228600" indent="-228600" algn="l" defTabSz="914400" rtl="0" eaLnBrk="1" latinLnBrk="0" hangingPunct="1">
-              <a:lnSpc>
-                <a:spcPct val="90000"/>
-              </a:lnSpc>
-              <a:spcBef>
-                <a:spcPts val="1000"/>
-              </a:spcBef>
-              <a:buFont typeface="Arial" panose="020B0604020202020204" pitchFamily="34" charset="0"/>
-              <a:buChar char="•"/>
-              <a:defRPr sz="2800" kern="1200">
-                <a:solidFill>
-                  <a:schemeClr val="tx1"/>
-                </a:solidFill>
-                <a:latin typeface="+mn-lt"/>
-                <a:ea typeface="+mn-ea"/>
-                <a:cs typeface="+mn-cs"/>
-              </a:defRPr>
-            </a:lvl1pPr>
-            <a:lvl2pPr marL="685800" indent="-228600" algn="l" defTabSz="914400" rtl="0" eaLnBrk="1" latinLnBrk="0" hangingPunct="1">
-              <a:lnSpc>
-                <a:spcPct val="90000"/>
-              </a:lnSpc>
-              <a:spcBef>
-                <a:spcPts val="500"/>
-              </a:spcBef>
-              <a:buFont typeface="Arial" panose="020B0604020202020204" pitchFamily="34" charset="0"/>
-              <a:buChar char="•"/>
-              <a:defRPr sz="2400" kern="1200">
-                <a:solidFill>
-                  <a:schemeClr val="tx1"/>
-                </a:solidFill>
-                <a:latin typeface="+mn-lt"/>
-                <a:ea typeface="+mn-ea"/>
-                <a:cs typeface="+mn-cs"/>
-              </a:defRPr>
-            </a:lvl2pPr>
-            <a:lvl3pPr marL="1143000" indent="-228600" algn="l" defTabSz="914400" rtl="0" eaLnBrk="1" latinLnBrk="0" hangingPunct="1">
-              <a:lnSpc>
-                <a:spcPct val="90000"/>
-              </a:lnSpc>
-              <a:spcBef>
-                <a:spcPts val="500"/>
-              </a:spcBef>
-              <a:buFont typeface="Arial" panose="020B0604020202020204" pitchFamily="34" charset="0"/>
-              <a:buChar char="•"/>
-              <a:defRPr sz="2000" kern="1200">
-                <a:solidFill>
-                  <a:schemeClr val="tx1"/>
-                </a:solidFill>
-                <a:latin typeface="+mn-lt"/>
-                <a:ea typeface="+mn-ea"/>
-                <a:cs typeface="+mn-cs"/>
-              </a:defRPr>
-            </a:lvl3pPr>
-            <a:lvl4pPr marL="1600200" indent="-228600" algn="l" defTabSz="914400" rtl="0" eaLnBrk="1" latinLnBrk="0" hangingPunct="1">
-              <a:lnSpc>
-                <a:spcPct val="90000"/>
-              </a:lnSpc>
-              <a:spcBef>
-                <a:spcPts val="500"/>
-              </a:spcBef>
-              <a:buFont typeface="Arial" panose="020B0604020202020204" pitchFamily="34" charset="0"/>
-              <a:buChar char="•"/>
-              <a:defRPr sz="1800" kern="1200">
-                <a:solidFill>
-                  <a:schemeClr val="tx1"/>
-                </a:solidFill>
-                <a:latin typeface="+mn-lt"/>
-                <a:ea typeface="+mn-ea"/>
-                <a:cs typeface="+mn-cs"/>
-              </a:defRPr>
-            </a:lvl4pPr>
-            <a:lvl5pPr marL="2057400" indent="-228600" algn="l" defTabSz="914400" rtl="0" eaLnBrk="1" latinLnBrk="0" hangingPunct="1">
-              <a:lnSpc>
-                <a:spcPct val="90000"/>
-              </a:lnSpc>
-              <a:spcBef>
-                <a:spcPts val="500"/>
-              </a:spcBef>
-              <a:buFont typeface="Arial" panose="020B0604020202020204" pitchFamily="34" charset="0"/>
-              <a:buChar char="•"/>
-              <a:defRPr sz="1800" kern="1200">
-                <a:solidFill>
-                  <a:schemeClr val="tx1"/>
-                </a:solidFill>
-                <a:latin typeface="+mn-lt"/>
-                <a:ea typeface="+mn-ea"/>
-                <a:cs typeface="+mn-cs"/>
-              </a:defRPr>
-            </a:lvl5pPr>
-            <a:lvl6pPr marL="2514600" indent="-228600" algn="l" defTabSz="914400" rtl="0" eaLnBrk="1" latinLnBrk="0" hangingPunct="1">
-              <a:lnSpc>
-                <a:spcPct val="90000"/>
-              </a:lnSpc>
-              <a:spcBef>
-                <a:spcPts val="500"/>
-              </a:spcBef>
-              <a:buFont typeface="Arial" panose="020B0604020202020204" pitchFamily="34" charset="0"/>
-              <a:buChar char="•"/>
-              <a:defRPr sz="1800" kern="1200">
-                <a:solidFill>
-                  <a:schemeClr val="tx1"/>
-                </a:solidFill>
-                <a:latin typeface="+mn-lt"/>
-                <a:ea typeface="+mn-ea"/>
-                <a:cs typeface="+mn-cs"/>
-              </a:defRPr>
-            </a:lvl6pPr>
-            <a:lvl7pPr marL="2971800" indent="-228600" algn="l" defTabSz="914400" rtl="0" eaLnBrk="1" latinLnBrk="0" hangingPunct="1">
-              <a:lnSpc>
-                <a:spcPct val="90000"/>
-              </a:lnSpc>
-              <a:spcBef>
-                <a:spcPts val="500"/>
-              </a:spcBef>
-              <a:buFont typeface="Arial" panose="020B0604020202020204" pitchFamily="34" charset="0"/>
-              <a:buChar char="•"/>
-              <a:defRPr sz="1800" kern="1200">
-                <a:solidFill>
-                  <a:schemeClr val="tx1"/>
-                </a:solidFill>
-                <a:latin typeface="+mn-lt"/>
-                <a:ea typeface="+mn-ea"/>
-                <a:cs typeface="+mn-cs"/>
-              </a:defRPr>
-            </a:lvl7pPr>
-            <a:lvl8pPr marL="3429000" indent="-228600" algn="l" defTabSz="914400" rtl="0" eaLnBrk="1" latinLnBrk="0" hangingPunct="1">
-              <a:lnSpc>
-                <a:spcPct val="90000"/>
-              </a:lnSpc>
-              <a:spcBef>
-                <a:spcPts val="500"/>
-              </a:spcBef>
-              <a:buFont typeface="Arial" panose="020B0604020202020204" pitchFamily="34" charset="0"/>
-              <a:buChar char="•"/>
-              <a:defRPr sz="1800" kern="1200">
-                <a:solidFill>
-                  <a:schemeClr val="tx1"/>
-                </a:solidFill>
-                <a:latin typeface="+mn-lt"/>
-                <a:ea typeface="+mn-ea"/>
-                <a:cs typeface="+mn-cs"/>
-              </a:defRPr>
-            </a:lvl8pPr>
-            <a:lvl9pPr marL="3886200" indent="-228600" algn="l" defTabSz="914400" rtl="0" eaLnBrk="1" latinLnBrk="0" hangingPunct="1">
-              <a:lnSpc>
-                <a:spcPct val="90000"/>
-              </a:lnSpc>
-              <a:spcBef>
-                <a:spcPts val="500"/>
-              </a:spcBef>
-              <a:buFont typeface="Arial" panose="020B0604020202020204" pitchFamily="34" charset="0"/>
-              <a:buChar char="•"/>
-              <a:defRPr sz="1800" kern="1200">
-                <a:solidFill>
-                  <a:schemeClr val="tx1"/>
-                </a:solidFill>
-                <a:latin typeface="+mn-lt"/>
-                <a:ea typeface="+mn-ea"/>
-                <a:cs typeface="+mn-cs"/>
-              </a:defRPr>
-            </a:lvl9pPr>
-          </a:lstStyle>
-          <a:p>
-            <a:pPr marL="0" indent="0">
-              <a:lnSpc>
-                <a:spcPct val="100000"/>
-              </a:lnSpc>
-              <a:spcBef>
-                <a:spcPts val="600"/>
-              </a:spcBef>
-              <a:buFont typeface="Arial" panose="020B0604020202020204" pitchFamily="34" charset="0"/>
-              <a:buNone/>
-            </a:pPr>
-            <a:r>
-              <a:rPr lang="nl-NL" sz="1400" b="1" dirty="0" err="1"/>
-              <a:t>Verchillende</a:t>
-            </a:r>
-            <a:r>
-              <a:rPr lang="nl-NL" sz="1400" b="1" dirty="0"/>
-              <a:t> project types:</a:t>
-            </a:r>
-          </a:p>
-          <a:p>
-            <a:pPr>
-              <a:lnSpc>
-                <a:spcPct val="100000"/>
-              </a:lnSpc>
-              <a:spcBef>
-                <a:spcPts val="600"/>
-              </a:spcBef>
-              <a:buFontTx/>
-              <a:buChar char="-"/>
-            </a:pPr>
-            <a:r>
-              <a:rPr lang="nl-NL" sz="1400" dirty="0" err="1"/>
-              <a:t>Kanban</a:t>
-            </a:r>
-            <a:endParaRPr lang="nl-NL" sz="1400" dirty="0"/>
-          </a:p>
-          <a:p>
-            <a:pPr>
-              <a:lnSpc>
-                <a:spcPct val="100000"/>
-              </a:lnSpc>
-              <a:spcBef>
-                <a:spcPts val="600"/>
-              </a:spcBef>
-              <a:buFontTx/>
-              <a:buChar char="-"/>
-            </a:pPr>
-            <a:r>
-              <a:rPr lang="nl-NL" sz="1400" dirty="0"/>
-              <a:t>Sprints</a:t>
-            </a:r>
-          </a:p>
-          <a:p>
-            <a:pPr>
-              <a:lnSpc>
-                <a:spcPct val="100000"/>
-              </a:lnSpc>
-              <a:spcBef>
-                <a:spcPts val="600"/>
-              </a:spcBef>
-              <a:buFontTx/>
-              <a:buChar char="-"/>
-            </a:pPr>
-            <a:r>
-              <a:rPr lang="nl-NL" sz="1400" dirty="0"/>
-              <a:t>Bug </a:t>
-            </a:r>
-            <a:r>
-              <a:rPr lang="nl-NL" sz="1400" dirty="0" err="1"/>
-              <a:t>tracker</a:t>
-            </a:r>
-            <a:endParaRPr lang="nl-NL" sz="1400" dirty="0"/>
-          </a:p>
-          <a:p>
-            <a:pPr>
-              <a:lnSpc>
-                <a:spcPct val="100000"/>
-              </a:lnSpc>
-              <a:spcBef>
-                <a:spcPts val="600"/>
-              </a:spcBef>
-              <a:buFontTx/>
-              <a:buChar char="-"/>
-            </a:pPr>
-            <a:r>
-              <a:rPr lang="nl-NL" sz="1400" dirty="0" err="1"/>
-              <a:t>Roadmap</a:t>
-            </a:r>
-            <a:endParaRPr lang="nl-NL" sz="1400" dirty="0"/>
-          </a:p>
-          <a:p>
-            <a:pPr marL="0" indent="0">
-              <a:lnSpc>
-                <a:spcPct val="100000"/>
-              </a:lnSpc>
-              <a:spcBef>
-                <a:spcPts val="600"/>
-              </a:spcBef>
-              <a:buNone/>
-            </a:pPr>
-            <a:endParaRPr lang="nl-NL" sz="1400" dirty="0"/>
-          </a:p>
-          <a:p>
-            <a:pPr marL="0" indent="0">
-              <a:lnSpc>
-                <a:spcPct val="100000"/>
-              </a:lnSpc>
-              <a:spcBef>
-                <a:spcPts val="600"/>
-              </a:spcBef>
-              <a:buNone/>
-            </a:pPr>
-            <a:r>
-              <a:rPr lang="nl-NL" sz="1400" b="1" dirty="0"/>
-              <a:t>Project instellingen:</a:t>
-            </a:r>
-          </a:p>
-          <a:p>
-            <a:pPr>
-              <a:lnSpc>
-                <a:spcPct val="100000"/>
-              </a:lnSpc>
-              <a:spcBef>
-                <a:spcPts val="600"/>
-              </a:spcBef>
-              <a:buFontTx/>
-              <a:buChar char="-"/>
-            </a:pPr>
-            <a:r>
-              <a:rPr lang="nl-NL" sz="1400" dirty="0"/>
-              <a:t>Status voortgang</a:t>
-            </a:r>
-          </a:p>
-          <a:p>
-            <a:pPr>
-              <a:lnSpc>
-                <a:spcPct val="100000"/>
-              </a:lnSpc>
-              <a:spcBef>
-                <a:spcPts val="600"/>
-              </a:spcBef>
-              <a:buFontTx/>
-              <a:buChar char="-"/>
-            </a:pPr>
-            <a:r>
-              <a:rPr lang="nl-NL" sz="1400" dirty="0"/>
-              <a:t>Prioriteiten</a:t>
-            </a:r>
-          </a:p>
-          <a:p>
-            <a:pPr>
-              <a:lnSpc>
-                <a:spcPct val="100000"/>
-              </a:lnSpc>
-              <a:spcBef>
-                <a:spcPts val="600"/>
-              </a:spcBef>
-              <a:buFontTx/>
-              <a:buChar char="-"/>
-            </a:pPr>
-            <a:r>
-              <a:rPr lang="nl-NL" sz="1400" dirty="0"/>
-              <a:t>Aantal punten</a:t>
-            </a:r>
-          </a:p>
-          <a:p>
-            <a:pPr>
-              <a:lnSpc>
-                <a:spcPct val="100000"/>
-              </a:lnSpc>
-              <a:spcBef>
-                <a:spcPts val="600"/>
-              </a:spcBef>
-              <a:buFontTx/>
-              <a:buChar char="-"/>
-            </a:pPr>
-            <a:r>
-              <a:rPr lang="nl-NL" sz="1400" dirty="0"/>
-              <a:t>Sprints</a:t>
-            </a:r>
-          </a:p>
-          <a:p>
-            <a:pPr>
-              <a:lnSpc>
-                <a:spcPct val="100000"/>
-              </a:lnSpc>
-              <a:spcBef>
-                <a:spcPts val="600"/>
-              </a:spcBef>
-              <a:buFontTx/>
-              <a:buChar char="-"/>
-            </a:pPr>
-            <a:r>
-              <a:rPr lang="nl-NL" sz="1400" dirty="0"/>
-              <a:t>Et cetera</a:t>
-            </a:r>
-          </a:p>
-        </p:txBody>
-      </p:sp>
-      <p:pic>
-        <p:nvPicPr>
-          <p:cNvPr id="4" name="Picture 3" descr="A screenshot of a computer&#10;&#10;Description automatically generated">
-            <a:extLst>
-              <a:ext uri="{FF2B5EF4-FFF2-40B4-BE49-F238E27FC236}">
-                <a16:creationId xmlns:a16="http://schemas.microsoft.com/office/drawing/2014/main" id="{0FC7653E-444E-0293-457C-27DCB185E5F2}"/>
-              </a:ext>
-            </a:extLst>
-          </p:cNvPr>
-          <p:cNvPicPr>
-            <a:picLocks noChangeAspect="1"/>
-          </p:cNvPicPr>
-          <p:nvPr/>
-        </p:nvPicPr>
-        <p:blipFill>
-          <a:blip r:embed="rId2">
-            <a:extLst>
-              <a:ext uri="{28A0092B-C50C-407E-A947-70E740481C1C}">
-                <a14:useLocalDpi xmlns:a14="http://schemas.microsoft.com/office/drawing/2010/main" val="0"/>
-              </a:ext>
-            </a:extLst>
-          </a:blip>
-          <a:stretch>
-            <a:fillRect/>
-          </a:stretch>
-        </p:blipFill>
-        <p:spPr>
-          <a:xfrm>
-            <a:off x="4650376" y="1456267"/>
-            <a:ext cx="6703423" cy="4273491"/>
-          </a:xfrm>
-          <a:prstGeom prst="rect">
-            <a:avLst/>
-          </a:prstGeom>
-          <a:ln>
-            <a:solidFill>
-              <a:schemeClr val="tx1"/>
-            </a:solidFill>
-          </a:ln>
-        </p:spPr>
-      </p:pic>
-    </p:spTree>
-    <p:extLst>
-      <p:ext uri="{BB962C8B-B14F-4D97-AF65-F5344CB8AC3E}">
-        <p14:creationId xmlns:p14="http://schemas.microsoft.com/office/powerpoint/2010/main" val="4196414975"/>
       </p:ext>
     </p:extLst>
   </p:cSld>
@@ -24270,7 +24623,7 @@
         <p:cNvPr id="1" name="">
           <a:extLst>
             <a:ext uri="{FF2B5EF4-FFF2-40B4-BE49-F238E27FC236}">
-              <a16:creationId xmlns:a16="http://schemas.microsoft.com/office/drawing/2014/main" id="{BDFEA8A2-09C3-6C8E-58C3-68AE93B47193}"/>
+              <a16:creationId xmlns:a16="http://schemas.microsoft.com/office/drawing/2014/main" id="{702EC3AE-0169-3972-ED43-AD95D673F3AA}"/>
             </a:ext>
           </a:extLst>
         </p:cNvPr>
@@ -24290,7 +24643,7 @@
           <p:cNvPr id="2" name="Title 1">
             <a:extLst>
               <a:ext uri="{FF2B5EF4-FFF2-40B4-BE49-F238E27FC236}">
-                <a16:creationId xmlns:a16="http://schemas.microsoft.com/office/drawing/2014/main" id="{93B18F6F-5175-8AA3-408E-E13768652827}"/>
+                <a16:creationId xmlns:a16="http://schemas.microsoft.com/office/drawing/2014/main" id="{85BC5656-2A36-B53F-DB52-9C99DA4E6371}"/>
               </a:ext>
             </a:extLst>
           </p:cNvPr>
@@ -24314,9 +24667,10 @@
           <a:lstStyle/>
           <a:p>
             <a:r>
-              <a:rPr lang="nl-NL" sz="3600" noProof="0" dirty="0"/>
-              <a:t>Issue aanmaken</a:t>
-            </a:r>
+              <a:rPr lang="nl-NL" sz="3600" dirty="0"/>
+              <a:t>Project aanmaken</a:t>
+            </a:r>
+            <a:endParaRPr lang="nl-NL" sz="3600" noProof="0" dirty="0"/>
           </a:p>
         </p:txBody>
       </p:sp>
@@ -24325,7 +24679,7 @@
           <p:cNvPr id="15" name="Content Placeholder 2">
             <a:extLst>
               <a:ext uri="{FF2B5EF4-FFF2-40B4-BE49-F238E27FC236}">
-                <a16:creationId xmlns:a16="http://schemas.microsoft.com/office/drawing/2014/main" id="{4DCBF055-7428-2021-44E2-CCD550754DA2}"/>
+                <a16:creationId xmlns:a16="http://schemas.microsoft.com/office/drawing/2014/main" id="{8A98D2FF-672C-B65D-CD5F-9C29055B0C88}"/>
               </a:ext>
             </a:extLst>
           </p:cNvPr>
@@ -24345,7 +24699,7 @@
         </p:spPr>
         <p:txBody>
           <a:bodyPr vert="horz" lIns="91440" tIns="45720" rIns="91440" bIns="45720" rtlCol="0">
-            <a:noAutofit/>
+            <a:normAutofit/>
           </a:bodyPr>
           <a:lstStyle>
             <a:lvl1pPr marL="228600" indent="-228600" algn="l" defTabSz="914400" rtl="0" eaLnBrk="1" latinLnBrk="0" hangingPunct="1">
@@ -24519,12 +24873,11 @@
               <a:spcBef>
                 <a:spcPts val="600"/>
               </a:spcBef>
-              <a:buFont typeface="Arial" panose="020B0604020202020204" pitchFamily="34" charset="0"/>
               <a:buNone/>
             </a:pPr>
             <a:r>
               <a:rPr lang="nl-NL" sz="1400" dirty="0"/>
-              <a:t>Issues gekoppeld aan een repository en optioneel aan een project.</a:t>
+              <a:t>Het soort project kun je verder verfijnen via de instellingen:</a:t>
             </a:r>
           </a:p>
           <a:p>
@@ -24535,7 +24888,6 @@
               <a:spcBef>
                 <a:spcPts val="600"/>
               </a:spcBef>
-              <a:buFont typeface="Arial" panose="020B0604020202020204" pitchFamily="34" charset="0"/>
               <a:buNone/>
             </a:pPr>
             <a:endParaRPr lang="nl-NL" sz="1400" b="1" dirty="0"/>
@@ -24548,92 +24900,161 @@
               <a:spcBef>
                 <a:spcPts val="600"/>
               </a:spcBef>
-              <a:buFont typeface="Arial" panose="020B0604020202020204" pitchFamily="34" charset="0"/>
               <a:buNone/>
             </a:pPr>
             <a:r>
               <a:rPr lang="nl-NL" sz="1400" b="1" dirty="0"/>
-              <a:t>Via een repository:</a:t>
-            </a:r>
-          </a:p>
-          <a:p>
-            <a:pPr>
-              <a:lnSpc>
-                <a:spcPct val="100000"/>
-              </a:lnSpc>
-              <a:spcBef>
-                <a:spcPts val="600"/>
-              </a:spcBef>
-              <a:buFontTx/>
-              <a:buChar char="-"/>
+              <a:t>Status</a:t>
+            </a:r>
+          </a:p>
+          <a:p>
+            <a:pPr marL="0" indent="0">
+              <a:lnSpc>
+                <a:spcPct val="100000"/>
+              </a:lnSpc>
+              <a:spcBef>
+                <a:spcPts val="600"/>
+              </a:spcBef>
+              <a:buNone/>
             </a:pPr>
             <a:r>
               <a:rPr lang="nl-NL" sz="1400" dirty="0"/>
-              <a:t>Ga naar een repository.</a:t>
-            </a:r>
-          </a:p>
-          <a:p>
-            <a:pPr>
-              <a:lnSpc>
-                <a:spcPct val="100000"/>
-              </a:lnSpc>
-              <a:spcBef>
-                <a:spcPts val="600"/>
-              </a:spcBef>
-              <a:buFontTx/>
-              <a:buChar char="-"/>
+              <a:t>Definieer voortgangsstadia.</a:t>
+            </a:r>
+          </a:p>
+          <a:p>
+            <a:pPr marL="0" indent="0">
+              <a:lnSpc>
+                <a:spcPct val="100000"/>
+              </a:lnSpc>
+              <a:spcBef>
+                <a:spcPts val="600"/>
+              </a:spcBef>
+              <a:buNone/>
+            </a:pPr>
+            <a:endParaRPr lang="nl-NL" sz="1400" b="1" dirty="0"/>
+          </a:p>
+          <a:p>
+            <a:pPr marL="0" indent="0">
+              <a:lnSpc>
+                <a:spcPct val="100000"/>
+              </a:lnSpc>
+              <a:spcBef>
+                <a:spcPts val="600"/>
+              </a:spcBef>
+              <a:buNone/>
+            </a:pPr>
+            <a:r>
+              <a:rPr lang="nl-NL" sz="1400" b="1" dirty="0"/>
+              <a:t>Prioriteiten</a:t>
+            </a:r>
+          </a:p>
+          <a:p>
+            <a:pPr marL="0" indent="0">
+              <a:lnSpc>
+                <a:spcPct val="100000"/>
+              </a:lnSpc>
+              <a:spcBef>
+                <a:spcPts val="600"/>
+              </a:spcBef>
+              <a:buNone/>
             </a:pPr>
             <a:r>
               <a:rPr lang="nl-NL" sz="1400" dirty="0"/>
-              <a:t>Klik bovenaan op Issues.</a:t>
-            </a:r>
-          </a:p>
-          <a:p>
-            <a:pPr>
-              <a:lnSpc>
-                <a:spcPct val="100000"/>
-              </a:lnSpc>
-              <a:spcBef>
-                <a:spcPts val="600"/>
-              </a:spcBef>
-              <a:buFontTx/>
-              <a:buChar char="-"/>
+              <a:t>Definieer prioriteiten</a:t>
+            </a:r>
+          </a:p>
+          <a:p>
+            <a:pPr marL="0" indent="0">
+              <a:lnSpc>
+                <a:spcPct val="100000"/>
+              </a:lnSpc>
+              <a:spcBef>
+                <a:spcPts val="600"/>
+              </a:spcBef>
+              <a:buNone/>
+            </a:pPr>
+            <a:endParaRPr lang="nl-NL" sz="1400" dirty="0"/>
+          </a:p>
+          <a:p>
+            <a:pPr marL="0" indent="0">
+              <a:lnSpc>
+                <a:spcPct val="100000"/>
+              </a:lnSpc>
+              <a:spcBef>
+                <a:spcPts val="600"/>
+              </a:spcBef>
+              <a:buNone/>
+            </a:pPr>
+            <a:r>
+              <a:rPr lang="nl-NL" sz="1400" b="1" dirty="0" err="1"/>
+              <a:t>Size</a:t>
+            </a:r>
+            <a:r>
+              <a:rPr lang="nl-NL" sz="1400" b="1" dirty="0"/>
+              <a:t> / </a:t>
+            </a:r>
+            <a:r>
+              <a:rPr lang="nl-NL" sz="1400" b="1" dirty="0" err="1"/>
+              <a:t>Estimate</a:t>
+            </a:r>
+            <a:endParaRPr lang="nl-NL" sz="1400" b="1" dirty="0"/>
+          </a:p>
+          <a:p>
+            <a:pPr marL="0" indent="0">
+              <a:lnSpc>
+                <a:spcPct val="100000"/>
+              </a:lnSpc>
+              <a:spcBef>
+                <a:spcPts val="600"/>
+              </a:spcBef>
+              <a:buNone/>
             </a:pPr>
             <a:r>
               <a:rPr lang="nl-NL" sz="1400" dirty="0"/>
-              <a:t>Klik rechtsboven op New Issue.</a:t>
-            </a:r>
-          </a:p>
-          <a:p>
-            <a:pPr>
-              <a:lnSpc>
-                <a:spcPct val="100000"/>
-              </a:lnSpc>
-              <a:spcBef>
-                <a:spcPts val="600"/>
-              </a:spcBef>
-              <a:buFontTx/>
-              <a:buChar char="-"/>
+              <a:t>Inschatting hoeveelheid werk.</a:t>
+            </a:r>
+          </a:p>
+          <a:p>
+            <a:pPr marL="0" indent="0">
+              <a:lnSpc>
+                <a:spcPct val="100000"/>
+              </a:lnSpc>
+              <a:spcBef>
+                <a:spcPts val="600"/>
+              </a:spcBef>
+              <a:buNone/>
+            </a:pPr>
+            <a:endParaRPr lang="nl-NL" sz="1400" dirty="0"/>
+          </a:p>
+          <a:p>
+            <a:pPr marL="0" indent="0">
+              <a:lnSpc>
+                <a:spcPct val="100000"/>
+              </a:lnSpc>
+              <a:spcBef>
+                <a:spcPts val="600"/>
+              </a:spcBef>
+              <a:buNone/>
+            </a:pPr>
+            <a:r>
+              <a:rPr lang="nl-NL" sz="1400" b="1" dirty="0"/>
+              <a:t>Iteration</a:t>
+            </a:r>
+          </a:p>
+          <a:p>
+            <a:pPr marL="0" indent="0">
+              <a:lnSpc>
+                <a:spcPct val="100000"/>
+              </a:lnSpc>
+              <a:spcBef>
+                <a:spcPts val="600"/>
+              </a:spcBef>
+              <a:buNone/>
             </a:pPr>
             <a:r>
               <a:rPr lang="nl-NL" sz="1400" dirty="0"/>
-              <a:t>Vul alle gegevens in.</a:t>
-            </a:r>
-          </a:p>
-          <a:p>
-            <a:pPr>
-              <a:lnSpc>
-                <a:spcPct val="100000"/>
-              </a:lnSpc>
-              <a:spcBef>
-                <a:spcPts val="600"/>
-              </a:spcBef>
-              <a:buFontTx/>
-              <a:buChar char="-"/>
-            </a:pPr>
-            <a:r>
-              <a:rPr lang="nl-NL" sz="1400" dirty="0"/>
-              <a:t>Kies project in rechter menu</a:t>
+              <a:t>Aanmaken van sprints.</a:t>
             </a:r>
           </a:p>
           <a:p>
@@ -24644,43 +25065,19 @@
               <a:spcBef>
                 <a:spcPts val="600"/>
               </a:spcBef>
-              <a:buNone/>
-            </a:pPr>
-            <a:endParaRPr lang="nl-NL" sz="1400" dirty="0"/>
-          </a:p>
-          <a:p>
-            <a:pPr marL="0" indent="0">
-              <a:lnSpc>
-                <a:spcPct val="100000"/>
-              </a:lnSpc>
-              <a:spcBef>
-                <a:spcPts val="600"/>
-              </a:spcBef>
-              <a:buNone/>
-            </a:pPr>
-            <a:endParaRPr lang="nl-NL" sz="1400" dirty="0"/>
-          </a:p>
-          <a:p>
-            <a:pPr marL="0" indent="0">
-              <a:lnSpc>
-                <a:spcPct val="100000"/>
-              </a:lnSpc>
-              <a:spcBef>
-                <a:spcPts val="600"/>
-              </a:spcBef>
-              <a:buFont typeface="Arial" panose="020B0604020202020204" pitchFamily="34" charset="0"/>
-              <a:buNone/>
-            </a:pPr>
-            <a:endParaRPr lang="nl-NL" sz="1400" dirty="0"/>
+              <a:buFont typeface="Arial" panose="020B0604020202020204" pitchFamily="34" charset="0"/>
+              <a:buNone/>
+            </a:pPr>
+            <a:endParaRPr lang="nl-NL" sz="1400" b="1" dirty="0"/>
           </a:p>
         </p:txBody>
       </p:sp>
       <p:pic>
         <p:nvPicPr>
-          <p:cNvPr id="4" name="Picture 3" descr="A screenshot of a computer&#10;&#10;Description automatically generated">
-            <a:extLst>
-              <a:ext uri="{FF2B5EF4-FFF2-40B4-BE49-F238E27FC236}">
-                <a16:creationId xmlns:a16="http://schemas.microsoft.com/office/drawing/2014/main" id="{336BBA03-D9DD-D985-58E3-1D280C65BF79}"/>
+          <p:cNvPr id="5" name="Picture 4" descr="A screenshot of a computer&#10;&#10;Description automatically generated">
+            <a:extLst>
+              <a:ext uri="{FF2B5EF4-FFF2-40B4-BE49-F238E27FC236}">
+                <a16:creationId xmlns:a16="http://schemas.microsoft.com/office/drawing/2014/main" id="{7CBF1A83-01C2-F077-9F4B-A247040B0DD0}"/>
               </a:ext>
             </a:extLst>
           </p:cNvPr>
@@ -24703,8 +25100,8 @@
         </p:blipFill>
         <p:spPr>
           <a:xfrm>
-            <a:off x="4488300" y="1456267"/>
-            <a:ext cx="6865500" cy="3003656"/>
+            <a:off x="4652938" y="1456267"/>
+            <a:ext cx="6700862" cy="3417922"/>
           </a:xfrm>
           <a:prstGeom prst="rect">
             <a:avLst/>
@@ -24716,62 +25113,10 @@
           </a:ln>
         </p:spPr>
       </p:pic>
-      <p:sp>
-        <p:nvSpPr>
-          <p:cNvPr id="6" name="Rectangle 5">
-            <a:extLst>
-              <a:ext uri="{FF2B5EF4-FFF2-40B4-BE49-F238E27FC236}">
-                <a16:creationId xmlns:a16="http://schemas.microsoft.com/office/drawing/2014/main" id="{78D13A21-0E8F-2EB0-324B-512B504F9D81}"/>
-              </a:ext>
-            </a:extLst>
-          </p:cNvPr>
-          <p:cNvSpPr/>
-          <p:nvPr/>
-        </p:nvSpPr>
-        <p:spPr>
-          <a:xfrm>
-            <a:off x="9555480" y="2429691"/>
-            <a:ext cx="1737360" cy="1208315"/>
-          </a:xfrm>
-          <a:prstGeom prst="rect">
-            <a:avLst/>
-          </a:prstGeom>
-          <a:noFill/>
-          <a:ln w="12700">
-            <a:solidFill>
-              <a:schemeClr val="accent2"/>
-            </a:solidFill>
-          </a:ln>
-        </p:spPr>
-        <p:style>
-          <a:lnRef idx="2">
-            <a:schemeClr val="accent1">
-              <a:shade val="15000"/>
-            </a:schemeClr>
-          </a:lnRef>
-          <a:fillRef idx="1">
-            <a:schemeClr val="accent1"/>
-          </a:fillRef>
-          <a:effectRef idx="0">
-            <a:schemeClr val="accent1"/>
-          </a:effectRef>
-          <a:fontRef idx="minor">
-            <a:schemeClr val="lt1"/>
-          </a:fontRef>
-        </p:style>
-        <p:txBody>
-          <a:bodyPr rtlCol="0" anchor="ctr"/>
-          <a:lstStyle/>
-          <a:p>
-            <a:pPr algn="ctr"/>
-            <a:endParaRPr lang="nl-NL"/>
-          </a:p>
-        </p:txBody>
-      </p:sp>
     </p:spTree>
     <p:extLst>
       <p:ext uri="{BB962C8B-B14F-4D97-AF65-F5344CB8AC3E}">
-        <p14:creationId xmlns:p14="http://schemas.microsoft.com/office/powerpoint/2010/main" val="1181346886"/>
+        <p14:creationId xmlns:p14="http://schemas.microsoft.com/office/powerpoint/2010/main" val="13192849"/>
       </p:ext>
     </p:extLst>
   </p:cSld>
@@ -24789,7 +25134,7 @@
         <p:cNvPr id="1" name="">
           <a:extLst>
             <a:ext uri="{FF2B5EF4-FFF2-40B4-BE49-F238E27FC236}">
-              <a16:creationId xmlns:a16="http://schemas.microsoft.com/office/drawing/2014/main" id="{81E6E7BF-D0E7-8CC9-A652-5EFD5B67776B}"/>
+              <a16:creationId xmlns:a16="http://schemas.microsoft.com/office/drawing/2014/main" id="{CF4B6063-BEB7-7383-638E-90AFF96E13C1}"/>
             </a:ext>
           </a:extLst>
         </p:cNvPr>
@@ -24809,7 +25154,7 @@
           <p:cNvPr id="2" name="Title 1">
             <a:extLst>
               <a:ext uri="{FF2B5EF4-FFF2-40B4-BE49-F238E27FC236}">
-                <a16:creationId xmlns:a16="http://schemas.microsoft.com/office/drawing/2014/main" id="{120501EB-C797-DCA7-052E-57256E1238D9}"/>
+                <a16:creationId xmlns:a16="http://schemas.microsoft.com/office/drawing/2014/main" id="{5DD030C9-3A6F-5853-08FD-7F963B97E077}"/>
               </a:ext>
             </a:extLst>
           </p:cNvPr>
@@ -24834,7 +25179,7 @@
           <a:p>
             <a:r>
               <a:rPr lang="nl-NL" sz="3600" noProof="0" dirty="0"/>
-              <a:t>Issue aanmaken</a:t>
+              <a:t>Views</a:t>
             </a:r>
           </a:p>
         </p:txBody>
@@ -24844,7 +25189,7 @@
           <p:cNvPr id="15" name="Content Placeholder 2">
             <a:extLst>
               <a:ext uri="{FF2B5EF4-FFF2-40B4-BE49-F238E27FC236}">
-                <a16:creationId xmlns:a16="http://schemas.microsoft.com/office/drawing/2014/main" id="{861D6860-F466-E416-744A-C4E0E758D132}"/>
+                <a16:creationId xmlns:a16="http://schemas.microsoft.com/office/drawing/2014/main" id="{175688E2-2DD8-7204-4574-BF73A3C2897D}"/>
               </a:ext>
             </a:extLst>
           </p:cNvPr>
@@ -24856,7 +25201,7 @@
         <p:spPr>
           <a:xfrm>
             <a:off x="838200" y="1456267"/>
-            <a:ext cx="2921758" cy="4720696"/>
+            <a:ext cx="3440906" cy="4720696"/>
           </a:xfrm>
           <a:prstGeom prst="rect">
             <a:avLst/>
@@ -25043,7 +25388,7 @@
             </a:pPr>
             <a:r>
               <a:rPr lang="nl-NL" sz="1400" dirty="0"/>
-              <a:t>Issues gekoppeld aan een repository en optioneel aan een project.</a:t>
+              <a:t>Geven taken op overzichtelijke wijze weer:</a:t>
             </a:r>
           </a:p>
           <a:p>
@@ -25057,6 +25402,23 @@
               <a:buFont typeface="Arial" panose="020B0604020202020204" pitchFamily="34" charset="0"/>
               <a:buNone/>
             </a:pPr>
+            <a:endParaRPr lang="nl-NL" sz="1400" dirty="0"/>
+          </a:p>
+          <a:p>
+            <a:pPr marL="0" indent="0">
+              <a:lnSpc>
+                <a:spcPct val="100000"/>
+              </a:lnSpc>
+              <a:spcBef>
+                <a:spcPts val="600"/>
+              </a:spcBef>
+              <a:buFont typeface="Arial" panose="020B0604020202020204" pitchFamily="34" charset="0"/>
+              <a:buNone/>
+            </a:pPr>
+            <a:r>
+              <a:rPr lang="nl-NL" sz="1400" b="1" dirty="0" err="1"/>
+              <a:t>Backlog</a:t>
+            </a:r>
             <a:endParaRPr lang="nl-NL" sz="1400" b="1" dirty="0"/>
           </a:p>
           <a:p>
@@ -25071,188 +25433,163 @@
               <a:buNone/>
             </a:pPr>
             <a:r>
+              <a:rPr lang="nl-NL" sz="1400" dirty="0"/>
+              <a:t>Alle taken ingedeeld op voortgangsstadium.</a:t>
+            </a:r>
+          </a:p>
+          <a:p>
+            <a:pPr marL="0" indent="0">
+              <a:lnSpc>
+                <a:spcPct val="100000"/>
+              </a:lnSpc>
+              <a:spcBef>
+                <a:spcPts val="600"/>
+              </a:spcBef>
+              <a:buFont typeface="Arial" panose="020B0604020202020204" pitchFamily="34" charset="0"/>
+              <a:buNone/>
+            </a:pPr>
+            <a:endParaRPr lang="nl-NL" sz="1400" dirty="0"/>
+          </a:p>
+          <a:p>
+            <a:pPr marL="0" indent="0">
+              <a:lnSpc>
+                <a:spcPct val="100000"/>
+              </a:lnSpc>
+              <a:spcBef>
+                <a:spcPts val="600"/>
+              </a:spcBef>
+              <a:buFont typeface="Arial" panose="020B0604020202020204" pitchFamily="34" charset="0"/>
+              <a:buNone/>
+            </a:pPr>
+            <a:r>
               <a:rPr lang="nl-NL" sz="1400" b="1" dirty="0"/>
-              <a:t>Via een project</a:t>
-            </a:r>
-          </a:p>
-          <a:p>
-            <a:pPr>
-              <a:lnSpc>
-                <a:spcPct val="100000"/>
-              </a:lnSpc>
-              <a:spcBef>
-                <a:spcPts val="600"/>
-              </a:spcBef>
-              <a:buFontTx/>
-              <a:buChar char="-"/>
+              <a:t>Team </a:t>
+            </a:r>
+            <a:r>
+              <a:rPr lang="nl-NL" sz="1400" b="1" dirty="0" err="1"/>
+              <a:t>capacity</a:t>
+            </a:r>
+            <a:endParaRPr lang="nl-NL" sz="1400" dirty="0"/>
+          </a:p>
+          <a:p>
+            <a:pPr marL="0" indent="0">
+              <a:lnSpc>
+                <a:spcPct val="100000"/>
+              </a:lnSpc>
+              <a:spcBef>
+                <a:spcPts val="600"/>
+              </a:spcBef>
+              <a:buFont typeface="Arial" panose="020B0604020202020204" pitchFamily="34" charset="0"/>
+              <a:buNone/>
             </a:pPr>
             <a:r>
               <a:rPr lang="nl-NL" sz="1400" dirty="0"/>
-              <a:t>Ga naar het project.</a:t>
-            </a:r>
-          </a:p>
-          <a:p>
-            <a:pPr>
-              <a:lnSpc>
-                <a:spcPct val="100000"/>
-              </a:lnSpc>
-              <a:spcBef>
-                <a:spcPts val="600"/>
-              </a:spcBef>
-              <a:buFontTx/>
-              <a:buChar char="-"/>
+              <a:t>Taken opgesplitst naar team leden.</a:t>
+            </a:r>
+          </a:p>
+          <a:p>
+            <a:pPr marL="0" indent="0">
+              <a:lnSpc>
+                <a:spcPct val="100000"/>
+              </a:lnSpc>
+              <a:spcBef>
+                <a:spcPts val="600"/>
+              </a:spcBef>
+              <a:buFont typeface="Arial" panose="020B0604020202020204" pitchFamily="34" charset="0"/>
+              <a:buNone/>
+            </a:pPr>
+            <a:endParaRPr lang="nl-NL" sz="1400" dirty="0"/>
+          </a:p>
+          <a:p>
+            <a:pPr marL="0" indent="0">
+              <a:lnSpc>
+                <a:spcPct val="100000"/>
+              </a:lnSpc>
+              <a:spcBef>
+                <a:spcPts val="600"/>
+              </a:spcBef>
+              <a:buFont typeface="Arial" panose="020B0604020202020204" pitchFamily="34" charset="0"/>
+              <a:buNone/>
+            </a:pPr>
+            <a:r>
+              <a:rPr lang="nl-NL" sz="1400" b="1" dirty="0" err="1"/>
+              <a:t>Current</a:t>
+            </a:r>
+            <a:r>
+              <a:rPr lang="nl-NL" sz="1400" b="1" dirty="0"/>
+              <a:t> iteration</a:t>
+            </a:r>
+          </a:p>
+          <a:p>
+            <a:pPr marL="0" indent="0">
+              <a:lnSpc>
+                <a:spcPct val="100000"/>
+              </a:lnSpc>
+              <a:spcBef>
+                <a:spcPts val="600"/>
+              </a:spcBef>
+              <a:buFont typeface="Arial" panose="020B0604020202020204" pitchFamily="34" charset="0"/>
+              <a:buNone/>
             </a:pPr>
             <a:r>
               <a:rPr lang="nl-NL" sz="1400" dirty="0"/>
-              <a:t>Klik op </a:t>
-            </a:r>
-            <a:r>
-              <a:rPr lang="nl-NL" sz="1400" dirty="0" err="1"/>
-              <a:t>Backlog</a:t>
-            </a:r>
+              <a:t>Taken in huidige sprint ingedeeld op voortgangsstadium.</a:t>
+            </a:r>
+          </a:p>
+          <a:p>
+            <a:pPr marL="0" indent="0">
+              <a:lnSpc>
+                <a:spcPct val="100000"/>
+              </a:lnSpc>
+              <a:spcBef>
+                <a:spcPts val="600"/>
+              </a:spcBef>
+              <a:buFont typeface="Arial" panose="020B0604020202020204" pitchFamily="34" charset="0"/>
+              <a:buNone/>
+            </a:pPr>
+            <a:endParaRPr lang="nl-NL" sz="1400" dirty="0"/>
+          </a:p>
+          <a:p>
+            <a:pPr marL="0" indent="0">
+              <a:lnSpc>
+                <a:spcPct val="100000"/>
+              </a:lnSpc>
+              <a:spcBef>
+                <a:spcPts val="600"/>
+              </a:spcBef>
+              <a:buFont typeface="Arial" panose="020B0604020202020204" pitchFamily="34" charset="0"/>
+              <a:buNone/>
+            </a:pPr>
+            <a:r>
+              <a:rPr lang="nl-NL" sz="1400" b="1" dirty="0" err="1"/>
+              <a:t>Roadmap</a:t>
+            </a:r>
+            <a:endParaRPr lang="nl-NL" sz="1400" dirty="0"/>
+          </a:p>
+          <a:p>
+            <a:pPr marL="0" indent="0">
+              <a:lnSpc>
+                <a:spcPct val="100000"/>
+              </a:lnSpc>
+              <a:spcBef>
+                <a:spcPts val="600"/>
+              </a:spcBef>
+              <a:buFont typeface="Arial" panose="020B0604020202020204" pitchFamily="34" charset="0"/>
+              <a:buNone/>
+            </a:pPr>
             <a:r>
               <a:rPr lang="nl-NL" sz="1400" dirty="0"/>
-              <a:t>.</a:t>
-            </a:r>
-          </a:p>
-          <a:p>
-            <a:pPr>
-              <a:lnSpc>
-                <a:spcPct val="100000"/>
-              </a:lnSpc>
-              <a:spcBef>
-                <a:spcPts val="600"/>
-              </a:spcBef>
-              <a:buFontTx/>
-              <a:buChar char="-"/>
-            </a:pPr>
-            <a:r>
-              <a:rPr lang="nl-NL" sz="1400" dirty="0"/>
-              <a:t>Klik onderaan op + </a:t>
-            </a:r>
-            <a:r>
-              <a:rPr lang="nl-NL" sz="1400" dirty="0" err="1"/>
-              <a:t>Add</a:t>
-            </a:r>
-            <a:r>
-              <a:rPr lang="nl-NL" sz="1400" dirty="0"/>
-              <a:t> item.</a:t>
-            </a:r>
-          </a:p>
-          <a:p>
-            <a:pPr>
-              <a:lnSpc>
-                <a:spcPct val="100000"/>
-              </a:lnSpc>
-              <a:spcBef>
-                <a:spcPts val="600"/>
-              </a:spcBef>
-              <a:buFontTx/>
-              <a:buChar char="-"/>
-            </a:pPr>
-            <a:r>
-              <a:rPr lang="nl-NL" sz="1400" dirty="0"/>
-              <a:t>Kies </a:t>
-            </a:r>
-            <a:r>
-              <a:rPr lang="nl-NL" sz="1400" dirty="0" err="1"/>
-              <a:t>Create</a:t>
-            </a:r>
-            <a:r>
-              <a:rPr lang="nl-NL" sz="1400" dirty="0"/>
-              <a:t> new item.</a:t>
-            </a:r>
-          </a:p>
-          <a:p>
-            <a:pPr>
-              <a:lnSpc>
-                <a:spcPct val="100000"/>
-              </a:lnSpc>
-              <a:spcBef>
-                <a:spcPts val="600"/>
-              </a:spcBef>
-              <a:buFontTx/>
-              <a:buChar char="-"/>
-            </a:pPr>
-            <a:r>
-              <a:rPr lang="nl-NL" sz="1400" dirty="0"/>
-              <a:t>Kies het repository.</a:t>
-            </a:r>
-          </a:p>
-          <a:p>
-            <a:pPr>
-              <a:lnSpc>
-                <a:spcPct val="100000"/>
-              </a:lnSpc>
-              <a:spcBef>
-                <a:spcPts val="600"/>
-              </a:spcBef>
-              <a:buFontTx/>
-              <a:buChar char="-"/>
-            </a:pPr>
-            <a:r>
-              <a:rPr lang="nl-NL" sz="1400" dirty="0"/>
-              <a:t>Vul de gegevens in.</a:t>
-            </a:r>
-          </a:p>
-          <a:p>
-            <a:pPr marL="0" indent="0">
-              <a:lnSpc>
-                <a:spcPct val="100000"/>
-              </a:lnSpc>
-              <a:spcBef>
-                <a:spcPts val="600"/>
-              </a:spcBef>
-              <a:buFont typeface="Arial" panose="020B0604020202020204" pitchFamily="34" charset="0"/>
-              <a:buNone/>
-            </a:pPr>
-            <a:endParaRPr lang="nl-NL" sz="1400" dirty="0"/>
-          </a:p>
-          <a:p>
-            <a:pPr marL="0" indent="0">
-              <a:lnSpc>
-                <a:spcPct val="100000"/>
-              </a:lnSpc>
-              <a:spcBef>
-                <a:spcPts val="600"/>
-              </a:spcBef>
-              <a:buNone/>
-            </a:pPr>
-            <a:endParaRPr lang="nl-NL" sz="1400" dirty="0"/>
-          </a:p>
-          <a:p>
-            <a:pPr marL="0" indent="0">
-              <a:lnSpc>
-                <a:spcPct val="100000"/>
-              </a:lnSpc>
-              <a:spcBef>
-                <a:spcPts val="600"/>
-              </a:spcBef>
-              <a:buNone/>
-            </a:pPr>
-            <a:endParaRPr lang="nl-NL" sz="1400" dirty="0"/>
-          </a:p>
-          <a:p>
-            <a:pPr marL="0" indent="0">
-              <a:lnSpc>
-                <a:spcPct val="100000"/>
-              </a:lnSpc>
-              <a:spcBef>
-                <a:spcPts val="600"/>
-              </a:spcBef>
-              <a:buFont typeface="Arial" panose="020B0604020202020204" pitchFamily="34" charset="0"/>
-              <a:buNone/>
-            </a:pPr>
-            <a:endParaRPr lang="nl-NL" sz="1400" dirty="0"/>
+              <a:t>Taken geplot op een tijdslijn.</a:t>
+            </a:r>
           </a:p>
         </p:txBody>
       </p:sp>
       <p:pic>
         <p:nvPicPr>
-          <p:cNvPr id="5" name="Picture 4" descr="A screenshot of a computer&#10;&#10;Description automatically generated">
-            <a:extLst>
-              <a:ext uri="{FF2B5EF4-FFF2-40B4-BE49-F238E27FC236}">
-                <a16:creationId xmlns:a16="http://schemas.microsoft.com/office/drawing/2014/main" id="{9ECEBFEB-DC73-4239-9299-BA8512B3DAB1}"/>
+          <p:cNvPr id="4" name="Picture 3" descr="A screenshot of a computer&#10;&#10;Description automatically generated">
+            <a:extLst>
+              <a:ext uri="{FF2B5EF4-FFF2-40B4-BE49-F238E27FC236}">
+                <a16:creationId xmlns:a16="http://schemas.microsoft.com/office/drawing/2014/main" id="{0FC7653E-444E-0293-457C-27DCB185E5F2}"/>
               </a:ext>
             </a:extLst>
           </p:cNvPr>
@@ -25275,8 +25612,8 @@
         </p:blipFill>
         <p:spPr>
           <a:xfrm>
-            <a:off x="6294194" y="1456267"/>
-            <a:ext cx="5059606" cy="4707072"/>
+            <a:off x="4650376" y="1456267"/>
+            <a:ext cx="6703423" cy="4273491"/>
           </a:xfrm>
           <a:prstGeom prst="rect">
             <a:avLst/>
@@ -25288,51 +25625,10 @@
           </a:ln>
         </p:spPr>
       </p:pic>
-      <p:cxnSp>
-        <p:nvCxnSpPr>
-          <p:cNvPr id="7" name="Straight Connector 6">
-            <a:extLst>
-              <a:ext uri="{FF2B5EF4-FFF2-40B4-BE49-F238E27FC236}">
-                <a16:creationId xmlns:a16="http://schemas.microsoft.com/office/drawing/2014/main" id="{4B764C4F-269F-6E95-F6DA-6AFA7D47A2B4}"/>
-              </a:ext>
-            </a:extLst>
-          </p:cNvPr>
-          <p:cNvCxnSpPr/>
-          <p:nvPr/>
-        </p:nvCxnSpPr>
-        <p:spPr>
-          <a:xfrm>
-            <a:off x="6453051" y="2142309"/>
-            <a:ext cx="1822269" cy="0"/>
-          </a:xfrm>
-          <a:prstGeom prst="line">
-            <a:avLst/>
-          </a:prstGeom>
-          <a:ln>
-            <a:solidFill>
-              <a:schemeClr val="accent2"/>
-            </a:solidFill>
-          </a:ln>
-        </p:spPr>
-        <p:style>
-          <a:lnRef idx="2">
-            <a:schemeClr val="accent2"/>
-          </a:lnRef>
-          <a:fillRef idx="0">
-            <a:schemeClr val="accent2"/>
-          </a:fillRef>
-          <a:effectRef idx="1">
-            <a:schemeClr val="accent2"/>
-          </a:effectRef>
-          <a:fontRef idx="minor">
-            <a:schemeClr val="tx1"/>
-          </a:fontRef>
-        </p:style>
-      </p:cxnSp>
     </p:spTree>
     <p:extLst>
       <p:ext uri="{BB962C8B-B14F-4D97-AF65-F5344CB8AC3E}">
-        <p14:creationId xmlns:p14="http://schemas.microsoft.com/office/powerpoint/2010/main" val="2473046667"/>
+        <p14:creationId xmlns:p14="http://schemas.microsoft.com/office/powerpoint/2010/main" val="4196414975"/>
       </p:ext>
     </p:extLst>
   </p:cSld>
@@ -27369,7 +27665,7 @@
             </a:pPr>
             <a:r>
               <a:rPr lang="nl-NL" sz="1800" dirty="0"/>
-              <a:t>Klik rechtsboven op [New pull </a:t>
+              <a:t>Klik op [New pull </a:t>
             </a:r>
             <a:r>
               <a:rPr lang="nl-NL" sz="1800" dirty="0" err="1"/>
@@ -27379,50 +27675,6 @@
               <a:rPr lang="nl-NL" sz="1800" dirty="0"/>
               <a:t>].</a:t>
             </a:r>
-          </a:p>
-          <a:p>
-            <a:pPr marL="342900" indent="-342900">
-              <a:lnSpc>
-                <a:spcPct val="150000"/>
-              </a:lnSpc>
-              <a:spcBef>
-                <a:spcPts val="600"/>
-              </a:spcBef>
-              <a:buFont typeface="Arial" panose="020B0604020202020204" pitchFamily="34" charset="0"/>
-              <a:buAutoNum type="arabicPeriod"/>
-            </a:pPr>
-            <a:r>
-              <a:rPr lang="nl-NL" sz="1800" dirty="0"/>
-              <a:t>Klik op [</a:t>
-            </a:r>
-            <a:r>
-              <a:rPr lang="nl-NL" sz="1800" dirty="0" err="1"/>
-              <a:t>Create</a:t>
-            </a:r>
-            <a:r>
-              <a:rPr lang="nl-NL" sz="1800" dirty="0"/>
-              <a:t> pull </a:t>
-            </a:r>
-            <a:r>
-              <a:rPr lang="nl-NL" sz="1800" dirty="0" err="1"/>
-              <a:t>request</a:t>
-            </a:r>
-            <a:r>
-              <a:rPr lang="nl-NL" sz="1800" dirty="0"/>
-              <a:t>]</a:t>
-            </a:r>
-          </a:p>
-          <a:p>
-            <a:pPr marL="0" indent="0">
-              <a:lnSpc>
-                <a:spcPct val="150000"/>
-              </a:lnSpc>
-              <a:spcBef>
-                <a:spcPts val="600"/>
-              </a:spcBef>
-              <a:buFont typeface="Arial" panose="020B0604020202020204" pitchFamily="34" charset="0"/>
-              <a:buNone/>
-            </a:pPr>
             <a:endParaRPr lang="nl-NL" sz="1800" dirty="0">
               <a:latin typeface="Courier New" panose="02070309020205020404" pitchFamily="49" charset="0"/>
               <a:cs typeface="Courier New" panose="02070309020205020404" pitchFamily="49" charset="0"/>
@@ -31295,12 +31547,8 @@
           <a:lstStyle/>
           <a:p>
             <a:r>
-              <a:rPr lang="nl-NL" noProof="0" dirty="0" err="1"/>
-              <a:t>Branch</a:t>
-            </a:r>
-            <a:r>
               <a:rPr lang="nl-NL" noProof="0" dirty="0"/>
-              <a:t> beveiligen</a:t>
+              <a:t>Branches beveiligen</a:t>
             </a:r>
           </a:p>
         </p:txBody>
@@ -33969,12 +34217,8 @@
           <a:lstStyle/>
           <a:p>
             <a:r>
-              <a:rPr lang="nl-NL" sz="3600" noProof="0" dirty="0" err="1"/>
-              <a:t>Kanban</a:t>
-            </a:r>
-            <a:r>
               <a:rPr lang="nl-NL" sz="3600" noProof="0" dirty="0"/>
-              <a:t> Board</a:t>
+              <a:t>Boards</a:t>
             </a:r>
           </a:p>
         </p:txBody>
@@ -34187,7 +34431,7 @@
             </a:r>
             <a:r>
               <a:rPr lang="nl-NL" sz="1400" b="1" dirty="0"/>
-              <a:t>:</a:t>
+              <a:t> board:</a:t>
             </a:r>
           </a:p>
           <a:p>
@@ -34203,7 +34447,7 @@
             </a:pPr>
             <a:r>
               <a:rPr lang="nl-NL" sz="1400" dirty="0"/>
-              <a:t>Focus op voortgang:</a:t>
+              <a:t>Focus op voortgangsstadia:</a:t>
             </a:r>
           </a:p>
           <a:p>
@@ -34467,7 +34711,7 @@
           <a:p>
             <a:r>
               <a:rPr lang="nl-NL" sz="3600" noProof="0" dirty="0"/>
-              <a:t>Sprint Board</a:t>
+              <a:t>Sprints</a:t>
             </a:r>
           </a:p>
         </p:txBody>
@@ -34676,7 +34920,7 @@
             </a:pPr>
             <a:r>
               <a:rPr lang="nl-NL" sz="1400" b="1" dirty="0"/>
-              <a:t>Scrum:</a:t>
+              <a:t>Iteratief board:</a:t>
             </a:r>
           </a:p>
           <a:p>
@@ -34692,7 +34936,7 @@
             </a:pPr>
             <a:r>
               <a:rPr lang="nl-NL" sz="1400" dirty="0"/>
-              <a:t>Focus op sprints (vaste cycli):</a:t>
+              <a:t>Focus vaste iteraties:</a:t>
             </a:r>
           </a:p>
           <a:p>
@@ -34885,7 +35129,7 @@
           <p:nvPr/>
         </p:nvPicPr>
         <p:blipFill>
-          <a:blip r:embed="rId2">
+          <a:blip r:embed="rId3">
             <a:extLst>
               <a:ext uri="{28A0092B-C50C-407E-A947-70E740481C1C}">
                 <a14:useLocalDpi xmlns:a14="http://schemas.microsoft.com/office/drawing/2010/main" val="0"/>
@@ -34943,41 +35187,6 @@
       </p:grpSpPr>
       <p:sp>
         <p:nvSpPr>
-          <p:cNvPr id="2" name="Title 1">
-            <a:extLst>
-              <a:ext uri="{FF2B5EF4-FFF2-40B4-BE49-F238E27FC236}">
-                <a16:creationId xmlns:a16="http://schemas.microsoft.com/office/drawing/2014/main" id="{39A1D606-8DD1-369C-5C09-471CDD551AD5}"/>
-              </a:ext>
-            </a:extLst>
-          </p:cNvPr>
-          <p:cNvSpPr>
-            <a:spLocks noGrp="1"/>
-          </p:cNvSpPr>
-          <p:nvPr>
-            <p:ph type="title"/>
-          </p:nvPr>
-        </p:nvSpPr>
-        <p:spPr>
-          <a:xfrm>
-            <a:off x="838200" y="365126"/>
-            <a:ext cx="10515600" cy="718608"/>
-          </a:xfrm>
-        </p:spPr>
-        <p:txBody>
-          <a:bodyPr>
-            <a:normAutofit/>
-          </a:bodyPr>
-          <a:lstStyle/>
-          <a:p>
-            <a:r>
-              <a:rPr lang="nl-NL" sz="3600" noProof="0" dirty="0"/>
-              <a:t>Nog even dit…</a:t>
-            </a:r>
-          </a:p>
-        </p:txBody>
-      </p:sp>
-      <p:sp>
-        <p:nvSpPr>
           <p:cNvPr id="3" name="Content Placeholder 2">
             <a:extLst>
               <a:ext uri="{FF2B5EF4-FFF2-40B4-BE49-F238E27FC236}">
@@ -35026,7 +35235,7 @@
               <a:buNone/>
             </a:pPr>
             <a:r>
-              <a:rPr lang="nl-NL" sz="2400" dirty="0"/>
+              <a:rPr lang="nl-NL" sz="3600" dirty="0"/>
               <a:t>Bedankt voor jullie aandacht!</a:t>
             </a:r>
           </a:p>
@@ -35041,7 +35250,7 @@
               <a:buNone/>
             </a:pPr>
             <a:r>
-              <a:rPr lang="nl-NL" sz="2400" dirty="0"/>
+              <a:rPr lang="nl-NL" sz="1800" dirty="0"/>
               <a:t>Feedback op de cursus zeer welkom!</a:t>
             </a:r>
           </a:p>

--- a/git_course/2_collaboration/git_collaboration.pptx
+++ b/git_course/2_collaboration/git_collaboration.pptx
@@ -259,7 +259,7 @@
           <a:p>
             <a:fld id="{3BADDCAA-88FC-44D4-A91A-DD0530AB88E0}" type="datetimeFigureOut">
               <a:rPr lang="en-NL" smtClean="0"/>
-              <a:t>09/12/2024</a:t>
+              <a:t>10/12/2024</a:t>
             </a:fld>
             <a:endParaRPr lang="en-NL"/>
           </a:p>
@@ -1470,7 +1470,18 @@
               <a:tabLst/>
               <a:defRPr/>
             </a:pPr>
-            <a:endParaRPr lang="nl-NL" dirty="0"/>
+            <a:r>
+              <a:rPr lang="nl-NL" dirty="0"/>
+              <a:t>Demo: GH: </a:t>
+            </a:r>
+            <a:r>
+              <a:rPr lang="nl-NL" dirty="0" err="1"/>
+              <a:t>create</a:t>
+            </a:r>
+            <a:r>
+              <a:rPr lang="nl-NL" dirty="0"/>
+              <a:t> workflow.</a:t>
+            </a:r>
           </a:p>
         </p:txBody>
       </p:sp>
@@ -1720,18 +1731,7 @@
               <a:tabLst/>
               <a:defRPr/>
             </a:pPr>
-            <a:r>
-              <a:rPr lang="nl-NL" dirty="0"/>
-              <a:t>Demo: GH: </a:t>
-            </a:r>
-            <a:r>
-              <a:rPr lang="nl-NL" dirty="0" err="1"/>
-              <a:t>create</a:t>
-            </a:r>
-            <a:r>
-              <a:rPr lang="nl-NL" dirty="0"/>
-              <a:t> workflow.</a:t>
-            </a:r>
+            <a:endParaRPr lang="nl-NL" dirty="0"/>
           </a:p>
         </p:txBody>
       </p:sp>
@@ -3359,6 +3359,14 @@
               <a:tabLst/>
               <a:defRPr/>
             </a:pPr>
+            <a:r>
+              <a:rPr lang="nl-NL" dirty="0"/>
+              <a:t>Demo: AD: </a:t>
+            </a:r>
+            <a:r>
+              <a:rPr lang="nl-NL" dirty="0" err="1"/>
+              <a:t>pipelines</a:t>
+            </a:r>
             <a:endParaRPr lang="nl-NL" dirty="0"/>
           </a:p>
         </p:txBody>
@@ -3609,14 +3617,6 @@
               <a:tabLst/>
               <a:defRPr/>
             </a:pPr>
-            <a:r>
-              <a:rPr lang="nl-NL" dirty="0"/>
-              <a:t>Demo: AD: </a:t>
-            </a:r>
-            <a:r>
-              <a:rPr lang="nl-NL" dirty="0" err="1"/>
-              <a:t>pipelines</a:t>
-            </a:r>
             <a:endParaRPr lang="nl-NL" dirty="0"/>
           </a:p>
         </p:txBody>
@@ -4850,7 +4850,7 @@
           <a:p>
             <a:fld id="{0EBB069A-003F-4FC0-8534-236B0C5C7B5F}" type="datetimeFigureOut">
               <a:rPr lang="en-NL" smtClean="0"/>
-              <a:t>09/12/2024</a:t>
+              <a:t>10/12/2024</a:t>
             </a:fld>
             <a:endParaRPr lang="en-NL"/>
           </a:p>
@@ -5050,7 +5050,7 @@
           <a:p>
             <a:fld id="{0EBB069A-003F-4FC0-8534-236B0C5C7B5F}" type="datetimeFigureOut">
               <a:rPr lang="en-NL" smtClean="0"/>
-              <a:t>09/12/2024</a:t>
+              <a:t>10/12/2024</a:t>
             </a:fld>
             <a:endParaRPr lang="en-NL"/>
           </a:p>
@@ -5260,7 +5260,7 @@
           <a:p>
             <a:fld id="{0EBB069A-003F-4FC0-8534-236B0C5C7B5F}" type="datetimeFigureOut">
               <a:rPr lang="en-NL" smtClean="0"/>
-              <a:t>09/12/2024</a:t>
+              <a:t>10/12/2024</a:t>
             </a:fld>
             <a:endParaRPr lang="en-NL"/>
           </a:p>
@@ -5460,7 +5460,7 @@
           <a:p>
             <a:fld id="{0EBB069A-003F-4FC0-8534-236B0C5C7B5F}" type="datetimeFigureOut">
               <a:rPr lang="en-NL" smtClean="0"/>
-              <a:t>09/12/2024</a:t>
+              <a:t>10/12/2024</a:t>
             </a:fld>
             <a:endParaRPr lang="en-NL"/>
           </a:p>
@@ -5736,7 +5736,7 @@
           <a:p>
             <a:fld id="{0EBB069A-003F-4FC0-8534-236B0C5C7B5F}" type="datetimeFigureOut">
               <a:rPr lang="en-NL" smtClean="0"/>
-              <a:t>09/12/2024</a:t>
+              <a:t>10/12/2024</a:t>
             </a:fld>
             <a:endParaRPr lang="en-NL"/>
           </a:p>
@@ -6004,7 +6004,7 @@
           <a:p>
             <a:fld id="{0EBB069A-003F-4FC0-8534-236B0C5C7B5F}" type="datetimeFigureOut">
               <a:rPr lang="en-NL" smtClean="0"/>
-              <a:t>09/12/2024</a:t>
+              <a:t>10/12/2024</a:t>
             </a:fld>
             <a:endParaRPr lang="en-NL"/>
           </a:p>
@@ -6419,7 +6419,7 @@
           <a:p>
             <a:fld id="{0EBB069A-003F-4FC0-8534-236B0C5C7B5F}" type="datetimeFigureOut">
               <a:rPr lang="en-NL" smtClean="0"/>
-              <a:t>09/12/2024</a:t>
+              <a:t>10/12/2024</a:t>
             </a:fld>
             <a:endParaRPr lang="en-NL"/>
           </a:p>
@@ -6561,7 +6561,7 @@
           <a:p>
             <a:fld id="{0EBB069A-003F-4FC0-8534-236B0C5C7B5F}" type="datetimeFigureOut">
               <a:rPr lang="en-NL" smtClean="0"/>
-              <a:t>09/12/2024</a:t>
+              <a:t>10/12/2024</a:t>
             </a:fld>
             <a:endParaRPr lang="en-NL"/>
           </a:p>
@@ -6674,7 +6674,7 @@
           <a:p>
             <a:fld id="{0EBB069A-003F-4FC0-8534-236B0C5C7B5F}" type="datetimeFigureOut">
               <a:rPr lang="en-NL" smtClean="0"/>
-              <a:t>09/12/2024</a:t>
+              <a:t>10/12/2024</a:t>
             </a:fld>
             <a:endParaRPr lang="en-NL"/>
           </a:p>
@@ -6987,7 +6987,7 @@
           <a:p>
             <a:fld id="{0EBB069A-003F-4FC0-8534-236B0C5C7B5F}" type="datetimeFigureOut">
               <a:rPr lang="en-NL" smtClean="0"/>
-              <a:t>09/12/2024</a:t>
+              <a:t>10/12/2024</a:t>
             </a:fld>
             <a:endParaRPr lang="en-NL"/>
           </a:p>
@@ -7276,7 +7276,7 @@
           <a:p>
             <a:fld id="{0EBB069A-003F-4FC0-8534-236B0C5C7B5F}" type="datetimeFigureOut">
               <a:rPr lang="en-NL" smtClean="0"/>
-              <a:t>09/12/2024</a:t>
+              <a:t>10/12/2024</a:t>
             </a:fld>
             <a:endParaRPr lang="en-NL"/>
           </a:p>
@@ -7519,7 +7519,7 @@
           <a:p>
             <a:fld id="{0EBB069A-003F-4FC0-8534-236B0C5C7B5F}" type="datetimeFigureOut">
               <a:rPr lang="en-NL" smtClean="0"/>
-              <a:t>09/12/2024</a:t>
+              <a:t>10/12/2024</a:t>
             </a:fld>
             <a:endParaRPr lang="en-NL"/>
           </a:p>
@@ -8934,8 +8934,8 @@
         </p:nvSpPr>
         <p:spPr>
           <a:xfrm>
-            <a:off x="838199" y="1456267"/>
-            <a:ext cx="7515498" cy="4720696"/>
+            <a:off x="838198" y="1456267"/>
+            <a:ext cx="7802881" cy="4720696"/>
           </a:xfrm>
           <a:prstGeom prst="rect">
             <a:avLst/>
@@ -9216,7 +9216,7 @@
                 <a:latin typeface="Courier New" panose="02070309020205020404" pitchFamily="49" charset="0"/>
                 <a:cs typeface="Courier New" panose="02070309020205020404" pitchFamily="49" charset="0"/>
               </a:rPr>
-              <a:t>git </a:t>
+              <a:t>git remote </a:t>
             </a:r>
             <a:r>
               <a:rPr lang="nl-NL" sz="1600" dirty="0" err="1">
@@ -9230,7 +9230,7 @@
                 <a:latin typeface="Courier New" panose="02070309020205020404" pitchFamily="49" charset="0"/>
                 <a:cs typeface="Courier New" panose="02070309020205020404" pitchFamily="49" charset="0"/>
               </a:rPr>
-              <a:t> remote &lt;naam&gt; &lt;remote URL&gt;</a:t>
+              <a:t> &lt;naam&gt; &lt;remote URL&gt;</a:t>
             </a:r>
           </a:p>
           <a:p>
@@ -9249,7 +9249,7 @@
                 <a:latin typeface="Courier New" panose="02070309020205020404" pitchFamily="49" charset="0"/>
                 <a:cs typeface="Courier New" panose="02070309020205020404" pitchFamily="49" charset="0"/>
               </a:rPr>
-              <a:t>git </a:t>
+              <a:t>git remote </a:t>
             </a:r>
             <a:r>
               <a:rPr lang="nl-NL" sz="1600" dirty="0" err="1">
@@ -9263,7 +9263,7 @@
                 <a:latin typeface="Courier New" panose="02070309020205020404" pitchFamily="49" charset="0"/>
                 <a:cs typeface="Courier New" panose="02070309020205020404" pitchFamily="49" charset="0"/>
               </a:rPr>
-              <a:t> remote </a:t>
+              <a:t> </a:t>
             </a:r>
             <a:r>
               <a:rPr lang="nl-NL" sz="1600" dirty="0" err="1">
@@ -9277,7 +9277,7 @@
                 <a:latin typeface="Courier New" panose="02070309020205020404" pitchFamily="49" charset="0"/>
                 <a:cs typeface="Courier New" panose="02070309020205020404" pitchFamily="49" charset="0"/>
               </a:rPr>
-              <a:t> https://github.com/&lt;user&gt;/&lt;repo&gt;</a:t>
+              <a:t> https://github.com/&lt;user&gt;/pig-latin.git</a:t>
             </a:r>
           </a:p>
           <a:p>
@@ -14925,6 +14925,41 @@
           </a:p>
         </p:txBody>
       </p:sp>
+      <p:pic>
+        <p:nvPicPr>
+          <p:cNvPr id="4" name="Picture 3">
+            <a:extLst>
+              <a:ext uri="{FF2B5EF4-FFF2-40B4-BE49-F238E27FC236}">
+                <a16:creationId xmlns:a16="http://schemas.microsoft.com/office/drawing/2014/main" id="{463F8847-D293-954D-A79A-B3882FA88589}"/>
+              </a:ext>
+            </a:extLst>
+          </p:cNvPr>
+          <p:cNvPicPr>
+            <a:picLocks noChangeAspect="1"/>
+          </p:cNvPicPr>
+          <p:nvPr/>
+        </p:nvPicPr>
+        <p:blipFill>
+          <a:blip r:embed="rId2"/>
+          <a:stretch>
+            <a:fillRect/>
+          </a:stretch>
+        </p:blipFill>
+        <p:spPr>
+          <a:xfrm>
+            <a:off x="5982768" y="3164682"/>
+            <a:ext cx="4470919" cy="3012282"/>
+          </a:xfrm>
+          <a:prstGeom prst="rect">
+            <a:avLst/>
+          </a:prstGeom>
+          <a:ln>
+            <a:solidFill>
+              <a:schemeClr val="tx1"/>
+            </a:solidFill>
+          </a:ln>
+        </p:spPr>
+      </p:pic>
     </p:spTree>
     <p:extLst>
       <p:ext uri="{BB962C8B-B14F-4D97-AF65-F5344CB8AC3E}">
@@ -16265,7 +16300,15 @@
             </a:pPr>
             <a:r>
               <a:rPr lang="nl-NL" sz="1800" dirty="0"/>
-              <a:t>Ga naar het repository.</a:t>
+              <a:t>Ga Repository &gt; Pull </a:t>
+            </a:r>
+            <a:r>
+              <a:rPr lang="nl-NL" sz="1800" dirty="0" err="1"/>
+              <a:t>Requests</a:t>
+            </a:r>
+            <a:r>
+              <a:rPr lang="nl-NL" sz="1800" dirty="0"/>
+              <a:t>.</a:t>
             </a:r>
           </a:p>
           <a:p>
@@ -16281,31 +16324,7 @@
             </a:pPr>
             <a:r>
               <a:rPr lang="nl-NL" sz="1800" dirty="0"/>
-              <a:t>Klik op [Pull </a:t>
-            </a:r>
-            <a:r>
-              <a:rPr lang="nl-NL" sz="1800" dirty="0" err="1"/>
-              <a:t>requests</a:t>
-            </a:r>
-            <a:r>
-              <a:rPr lang="nl-NL" sz="1800" dirty="0"/>
-              <a:t>] in het hoofdmenu.</a:t>
-            </a:r>
-          </a:p>
-          <a:p>
-            <a:pPr marL="342900" indent="-342900">
-              <a:lnSpc>
-                <a:spcPct val="150000"/>
-              </a:lnSpc>
-              <a:spcBef>
-                <a:spcPts val="600"/>
-              </a:spcBef>
-              <a:buFont typeface="Arial" panose="020B0604020202020204" pitchFamily="34" charset="0"/>
-              <a:buAutoNum type="arabicPeriod"/>
-            </a:pPr>
-            <a:r>
-              <a:rPr lang="nl-NL" sz="1800" dirty="0"/>
-              <a:t>Klik rechtsboven op [New pull </a:t>
+              <a:t>Klik op [New pull </a:t>
             </a:r>
             <a:r>
               <a:rPr lang="nl-NL" sz="1800" dirty="0" err="1"/>
@@ -16338,6 +16357,30 @@
             <a:r>
               <a:rPr lang="nl-NL" sz="1800" dirty="0"/>
               <a:t>.</a:t>
+            </a:r>
+          </a:p>
+          <a:p>
+            <a:pPr marL="342900" indent="-342900">
+              <a:lnSpc>
+                <a:spcPct val="150000"/>
+              </a:lnSpc>
+              <a:spcBef>
+                <a:spcPts val="600"/>
+              </a:spcBef>
+              <a:buFont typeface="Arial" panose="020B0604020202020204" pitchFamily="34" charset="0"/>
+              <a:buAutoNum type="arabicPeriod"/>
+            </a:pPr>
+            <a:r>
+              <a:rPr lang="nl-NL" sz="1800" dirty="0"/>
+              <a:t>Check of </a:t>
+            </a:r>
+            <a:r>
+              <a:rPr lang="nl-NL" sz="1800" dirty="0" err="1"/>
+              <a:t>gemerged</a:t>
+            </a:r>
+            <a:r>
+              <a:rPr lang="nl-NL" sz="1800" dirty="0"/>
+              <a:t> kan worden.</a:t>
             </a:r>
           </a:p>
           <a:p>
@@ -18187,7 +18230,7 @@
               <a:rPr lang="nl-NL" sz="1800" dirty="0">
                 <a:cs typeface="Courier New" panose="02070309020205020404" pitchFamily="49" charset="0"/>
               </a:rPr>
-              <a:t>Je wilt graag code van goede kwaliteit in je repository.</a:t>
+              <a:t>Je wilt graag code van hoge kwaliteit in je repository.</a:t>
             </a:r>
           </a:p>
           <a:p>
@@ -19205,7 +19248,7 @@
               <a:rPr lang="nl-NL" sz="1800" dirty="0">
                 <a:cs typeface="Courier New" panose="02070309020205020404" pitchFamily="49" charset="0"/>
               </a:rPr>
-              <a:t>Klik op [set up a workflow </a:t>
+              <a:t>Kies: [set up a workflow </a:t>
             </a:r>
             <a:r>
               <a:rPr lang="nl-NL" sz="1800" dirty="0" err="1">
@@ -19283,7 +19326,7 @@
               <a:rPr lang="nl-NL" sz="1800" dirty="0">
                 <a:cs typeface="Courier New" panose="02070309020205020404" pitchFamily="49" charset="0"/>
               </a:rPr>
-              <a:t>Kies bestaande workflow, bv. [Python package].</a:t>
+              <a:t>Kies bestaande workflow, bv. Python package.</a:t>
             </a:r>
           </a:p>
           <a:p>
@@ -20228,19 +20271,19 @@
               <a:rPr lang="nl-NL" sz="1800" dirty="0">
                 <a:cs typeface="Courier New" panose="02070309020205020404" pitchFamily="49" charset="0"/>
               </a:rPr>
-              <a:t>Na elke push of pull </a:t>
+              <a:t>Workflow run bij elke push of Pull </a:t>
             </a:r>
             <a:r>
               <a:rPr lang="nl-NL" sz="1800" dirty="0" err="1">
                 <a:cs typeface="Courier New" panose="02070309020205020404" pitchFamily="49" charset="0"/>
               </a:rPr>
-              <a:t>request</a:t>
+              <a:t>Request</a:t>
             </a:r>
             <a:r>
               <a:rPr lang="nl-NL" sz="1800" dirty="0">
                 <a:cs typeface="Courier New" panose="02070309020205020404" pitchFamily="49" charset="0"/>
               </a:rPr>
-              <a:t> draait de Workflow.</a:t>
+              <a:t>.</a:t>
             </a:r>
           </a:p>
           <a:p>
@@ -20258,7 +20301,7 @@
               <a:rPr lang="nl-NL" sz="1800" dirty="0">
                 <a:cs typeface="Courier New" panose="02070309020205020404" pitchFamily="49" charset="0"/>
               </a:rPr>
-              <a:t>De Workflow run krijgt de naam van de </a:t>
+              <a:t>De run krijgt de naam van de </a:t>
             </a:r>
             <a:r>
               <a:rPr lang="nl-NL" sz="1800" dirty="0" err="1">
@@ -20288,7 +20331,7 @@
               <a:rPr lang="nl-NL" sz="1800" dirty="0">
                 <a:cs typeface="Courier New" panose="02070309020205020404" pitchFamily="49" charset="0"/>
               </a:rPr>
-              <a:t>Het icoon geeft aan of de run succesvol was.</a:t>
+              <a:t>Icoon geeft aan of de run succesvol was.</a:t>
             </a:r>
           </a:p>
         </p:txBody>
@@ -20653,7 +20696,7 @@
               <a:rPr lang="nl-NL" sz="1800" dirty="0">
                 <a:cs typeface="Courier New" panose="02070309020205020404" pitchFamily="49" charset="0"/>
               </a:rPr>
-              <a:t>Klik op een run voor alle details.</a:t>
+              <a:t>Klik op een run voor alle output.</a:t>
             </a:r>
           </a:p>
         </p:txBody>
@@ -21152,13 +21195,13 @@
               <a:rPr lang="nl-NL" sz="1800" dirty="0">
                 <a:cs typeface="Courier New" panose="02070309020205020404" pitchFamily="49" charset="0"/>
               </a:rPr>
-              <a:t>Een </a:t>
+              <a:t>Een Pull </a:t>
             </a:r>
             <a:r>
               <a:rPr lang="nl-NL" sz="1800" dirty="0" err="1">
                 <a:cs typeface="Courier New" panose="02070309020205020404" pitchFamily="49" charset="0"/>
               </a:rPr>
-              <a:t>merge</a:t>
+              <a:t>Request</a:t>
             </a:r>
             <a:r>
               <a:rPr lang="nl-NL" sz="1800" dirty="0">
@@ -21197,50 +21240,20 @@
               <a:rPr lang="nl-NL" sz="1800" dirty="0">
                 <a:cs typeface="Courier New" panose="02070309020205020404" pitchFamily="49" charset="0"/>
               </a:rPr>
-              <a:t>Een </a:t>
+              <a:t>Pull </a:t>
             </a:r>
             <a:r>
               <a:rPr lang="nl-NL" sz="1800" dirty="0" err="1">
                 <a:cs typeface="Courier New" panose="02070309020205020404" pitchFamily="49" charset="0"/>
               </a:rPr>
-              <a:t>merge</a:t>
+              <a:t>Requests</a:t>
             </a:r>
             <a:r>
               <a:rPr lang="nl-NL" sz="1800" dirty="0">
                 <a:cs typeface="Courier New" panose="02070309020205020404" pitchFamily="49" charset="0"/>
               </a:rPr>
-              <a:t> die niet door de Workflow komt.</a:t>
-            </a:r>
-          </a:p>
-          <a:p>
-            <a:pPr>
-              <a:lnSpc>
-                <a:spcPct val="100000"/>
-              </a:lnSpc>
-              <a:spcBef>
-                <a:spcPts val="600"/>
-              </a:spcBef>
-              <a:buFontTx/>
-              <a:buChar char="-"/>
-            </a:pPr>
-            <a:endParaRPr lang="nl-NL" sz="1800" dirty="0">
-              <a:cs typeface="Courier New" panose="02070309020205020404" pitchFamily="49" charset="0"/>
-            </a:endParaRPr>
-          </a:p>
-          <a:p>
-            <a:pPr>
-              <a:lnSpc>
-                <a:spcPct val="100000"/>
-              </a:lnSpc>
-              <a:spcBef>
-                <a:spcPts val="600"/>
-              </a:spcBef>
-              <a:buFontTx/>
-              <a:buChar char="-"/>
-            </a:pPr>
-            <a:endParaRPr lang="nl-NL" sz="1800" dirty="0">
-              <a:cs typeface="Courier New" panose="02070309020205020404" pitchFamily="49" charset="0"/>
-            </a:endParaRPr>
+              <a:t> waarbij de Workflow faalt.</a:t>
+            </a:r>
           </a:p>
           <a:p>
             <a:pPr marL="0" indent="0">
@@ -21250,7 +21263,6 @@
               <a:spcBef>
                 <a:spcPts val="600"/>
               </a:spcBef>
-              <a:buFont typeface="Arial" panose="020B0604020202020204" pitchFamily="34" charset="0"/>
               <a:buNone/>
             </a:pPr>
             <a:endParaRPr lang="nl-NL" sz="1800" dirty="0">
@@ -21705,13 +21717,13 @@
               <a:rPr lang="nl-NL" sz="1800" dirty="0">
                 <a:cs typeface="Courier New" panose="02070309020205020404" pitchFamily="49" charset="0"/>
               </a:rPr>
-              <a:t>Een </a:t>
+              <a:t>Een Pull </a:t>
             </a:r>
             <a:r>
               <a:rPr lang="nl-NL" sz="1800" dirty="0" err="1">
                 <a:cs typeface="Courier New" panose="02070309020205020404" pitchFamily="49" charset="0"/>
               </a:rPr>
-              <a:t>merge</a:t>
+              <a:t>Request</a:t>
             </a:r>
             <a:r>
               <a:rPr lang="nl-NL" sz="1800" dirty="0">
@@ -21750,65 +21762,20 @@
               <a:rPr lang="nl-NL" sz="1800" dirty="0">
                 <a:cs typeface="Courier New" panose="02070309020205020404" pitchFamily="49" charset="0"/>
               </a:rPr>
-              <a:t>Een </a:t>
+              <a:t>Pull </a:t>
             </a:r>
             <a:r>
               <a:rPr lang="nl-NL" sz="1800" dirty="0" err="1">
                 <a:cs typeface="Courier New" panose="02070309020205020404" pitchFamily="49" charset="0"/>
               </a:rPr>
-              <a:t>merge</a:t>
+              <a:t>Requests</a:t>
             </a:r>
             <a:r>
               <a:rPr lang="nl-NL" sz="1800" dirty="0">
                 <a:cs typeface="Courier New" panose="02070309020205020404" pitchFamily="49" charset="0"/>
               </a:rPr>
-              <a:t> die niet door de Workflow komt.</a:t>
-            </a:r>
-          </a:p>
-          <a:p>
-            <a:pPr>
-              <a:lnSpc>
-                <a:spcPct val="100000"/>
-              </a:lnSpc>
-              <a:spcBef>
-                <a:spcPts val="600"/>
-              </a:spcBef>
-              <a:buFontTx/>
-              <a:buChar char="-"/>
-            </a:pPr>
-            <a:endParaRPr lang="nl-NL" sz="1800" dirty="0">
-              <a:cs typeface="Courier New" panose="02070309020205020404" pitchFamily="49" charset="0"/>
-            </a:endParaRPr>
-          </a:p>
-          <a:p>
-            <a:pPr>
-              <a:lnSpc>
-                <a:spcPct val="100000"/>
-              </a:lnSpc>
-              <a:spcBef>
-                <a:spcPts val="600"/>
-              </a:spcBef>
-              <a:buFontTx/>
-              <a:buChar char="-"/>
-            </a:pPr>
-            <a:endParaRPr lang="nl-NL" sz="1800" dirty="0">
-              <a:cs typeface="Courier New" panose="02070309020205020404" pitchFamily="49" charset="0"/>
-            </a:endParaRPr>
-          </a:p>
-          <a:p>
-            <a:pPr marL="0" indent="0">
-              <a:lnSpc>
-                <a:spcPct val="100000"/>
-              </a:lnSpc>
-              <a:spcBef>
-                <a:spcPts val="600"/>
-              </a:spcBef>
-              <a:buFont typeface="Arial" panose="020B0604020202020204" pitchFamily="34" charset="0"/>
-              <a:buNone/>
-            </a:pPr>
-            <a:endParaRPr lang="nl-NL" sz="1800" dirty="0">
-              <a:cs typeface="Courier New" panose="02070309020205020404" pitchFamily="49" charset="0"/>
-            </a:endParaRPr>
+              <a:t> waarbij de Workflow faalt.</a:t>
+            </a:r>
           </a:p>
         </p:txBody>
       </p:sp>
@@ -22445,7 +22412,7 @@
           <a:p>
             <a:r>
               <a:rPr lang="nl-NL" sz="3600" noProof="0" dirty="0"/>
-              <a:t>Issue aanmaken</a:t>
+              <a:t>Taken aanmaken</a:t>
             </a:r>
           </a:p>
         </p:txBody>
@@ -22670,37 +22637,7 @@
             </a:pPr>
             <a:r>
               <a:rPr lang="nl-NL" sz="1400" dirty="0"/>
-              <a:t>Een taak / concreet stukje werk.</a:t>
-            </a:r>
-            <a:endParaRPr lang="nl-NL" sz="1400" b="1" dirty="0"/>
-          </a:p>
-          <a:p>
-            <a:pPr marL="0" indent="0">
-              <a:lnSpc>
-                <a:spcPct val="100000"/>
-              </a:lnSpc>
-              <a:spcBef>
-                <a:spcPts val="600"/>
-              </a:spcBef>
-              <a:buFont typeface="Arial" panose="020B0604020202020204" pitchFamily="34" charset="0"/>
-              <a:buNone/>
-            </a:pPr>
-            <a:endParaRPr lang="nl-NL" sz="1400" b="1" dirty="0"/>
-          </a:p>
-          <a:p>
-            <a:pPr marL="0" indent="0">
-              <a:lnSpc>
-                <a:spcPct val="100000"/>
-              </a:lnSpc>
-              <a:spcBef>
-                <a:spcPts val="600"/>
-              </a:spcBef>
-              <a:buFont typeface="Arial" panose="020B0604020202020204" pitchFamily="34" charset="0"/>
-              <a:buNone/>
-            </a:pPr>
-            <a:r>
-              <a:rPr lang="nl-NL" sz="1400" b="1" dirty="0"/>
-              <a:t>Aanmaken via repository:</a:t>
+              <a:t>Een taak / concreet stukje werk:</a:t>
             </a:r>
           </a:p>
           <a:p>
@@ -22714,7 +22651,10 @@
               <a:buFontTx/>
               <a:buChar char="-"/>
             </a:pPr>
-            <a:endParaRPr lang="nl-NL" sz="1400" dirty="0"/>
+            <a:r>
+              <a:rPr lang="nl-NL" sz="1400" dirty="0"/>
+              <a:t>nieuwe feature.</a:t>
+            </a:r>
           </a:p>
           <a:p>
             <a:pPr>
@@ -22728,8 +22668,12 @@
               <a:buChar char="-"/>
             </a:pPr>
             <a:r>
+              <a:rPr lang="nl-NL" sz="1400" dirty="0" err="1"/>
+              <a:t>bugfix</a:t>
+            </a:r>
+            <a:r>
               <a:rPr lang="nl-NL" sz="1400" dirty="0"/>
-              <a:t>Ga naar een repository.</a:t>
+              <a:t>.</a:t>
             </a:r>
           </a:p>
           <a:p>
@@ -22745,7 +22689,36 @@
             </a:pPr>
             <a:r>
               <a:rPr lang="nl-NL" sz="1400" dirty="0"/>
-              <a:t>Klik bovenaan op Issues.</a:t>
+              <a:t>documentatie.</a:t>
+            </a:r>
+          </a:p>
+          <a:p>
+            <a:pPr marL="0" indent="0">
+              <a:lnSpc>
+                <a:spcPct val="100000"/>
+              </a:lnSpc>
+              <a:spcBef>
+                <a:spcPts val="600"/>
+              </a:spcBef>
+              <a:buFont typeface="Arial" panose="020B0604020202020204" pitchFamily="34" charset="0"/>
+              <a:buNone/>
+            </a:pPr>
+            <a:endParaRPr lang="nl-NL" sz="1400" b="1" dirty="0"/>
+          </a:p>
+          <a:p>
+            <a:pPr marL="0" indent="0">
+              <a:lnSpc>
+                <a:spcPct val="100000"/>
+              </a:lnSpc>
+              <a:spcBef>
+                <a:spcPts val="600"/>
+              </a:spcBef>
+              <a:buFont typeface="Arial" panose="020B0604020202020204" pitchFamily="34" charset="0"/>
+              <a:buNone/>
+            </a:pPr>
+            <a:r>
+              <a:rPr lang="nl-NL" sz="1400" b="1" dirty="0"/>
+              <a:t>Belangrijke elementen:</a:t>
             </a:r>
           </a:p>
           <a:p>
@@ -22761,7 +22734,7 @@
             </a:pPr>
             <a:r>
               <a:rPr lang="nl-NL" sz="1400" dirty="0"/>
-              <a:t>Klik rechtsboven op New Issue.</a:t>
+              <a:t>Duidelijke titel en omschrijving.</a:t>
             </a:r>
           </a:p>
           <a:p>
@@ -22777,7 +22750,7 @@
             </a:pPr>
             <a:r>
               <a:rPr lang="nl-NL" sz="1400" dirty="0"/>
-              <a:t>Vul alle gegevens in.</a:t>
+              <a:t>Wie gaat het oppakken.</a:t>
             </a:r>
           </a:p>
           <a:p>
@@ -22793,7 +22766,23 @@
             </a:pPr>
             <a:r>
               <a:rPr lang="nl-NL" sz="1400" dirty="0"/>
-              <a:t>Kies project in rechter menu</a:t>
+              <a:t>Labels voor type werk.</a:t>
+            </a:r>
+          </a:p>
+          <a:p>
+            <a:pPr>
+              <a:lnSpc>
+                <a:spcPct val="100000"/>
+              </a:lnSpc>
+              <a:spcBef>
+                <a:spcPts val="600"/>
+              </a:spcBef>
+              <a:buFontTx/>
+              <a:buChar char="-"/>
+            </a:pPr>
+            <a:r>
+              <a:rPr lang="nl-NL" sz="1400" dirty="0"/>
+              <a:t>Wanneer is het af?</a:t>
             </a:r>
           </a:p>
           <a:p>
@@ -22804,9 +22793,10 @@
               <a:spcBef>
                 <a:spcPts val="600"/>
               </a:spcBef>
-              <a:buNone/>
-            </a:pPr>
-            <a:endParaRPr lang="nl-NL" sz="1400" dirty="0"/>
+              <a:buFont typeface="Arial" panose="020B0604020202020204" pitchFamily="34" charset="0"/>
+              <a:buNone/>
+            </a:pPr>
+            <a:endParaRPr lang="nl-NL" sz="1400" b="1" dirty="0"/>
           </a:p>
           <a:p>
             <a:pPr marL="0" indent="0">
@@ -22876,58 +22866,6 @@
           </a:ln>
         </p:spPr>
       </p:pic>
-      <p:sp>
-        <p:nvSpPr>
-          <p:cNvPr id="6" name="Rectangle 5">
-            <a:extLst>
-              <a:ext uri="{FF2B5EF4-FFF2-40B4-BE49-F238E27FC236}">
-                <a16:creationId xmlns:a16="http://schemas.microsoft.com/office/drawing/2014/main" id="{78D13A21-0E8F-2EB0-324B-512B504F9D81}"/>
-              </a:ext>
-            </a:extLst>
-          </p:cNvPr>
-          <p:cNvSpPr/>
-          <p:nvPr/>
-        </p:nvSpPr>
-        <p:spPr>
-          <a:xfrm>
-            <a:off x="9555480" y="2429691"/>
-            <a:ext cx="1737360" cy="1208315"/>
-          </a:xfrm>
-          <a:prstGeom prst="rect">
-            <a:avLst/>
-          </a:prstGeom>
-          <a:noFill/>
-          <a:ln w="12700">
-            <a:solidFill>
-              <a:schemeClr val="accent2"/>
-            </a:solidFill>
-          </a:ln>
-        </p:spPr>
-        <p:style>
-          <a:lnRef idx="2">
-            <a:schemeClr val="accent1">
-              <a:shade val="15000"/>
-            </a:schemeClr>
-          </a:lnRef>
-          <a:fillRef idx="1">
-            <a:schemeClr val="accent1"/>
-          </a:fillRef>
-          <a:effectRef idx="0">
-            <a:schemeClr val="accent1"/>
-          </a:effectRef>
-          <a:fontRef idx="minor">
-            <a:schemeClr val="lt1"/>
-          </a:fontRef>
-        </p:style>
-        <p:txBody>
-          <a:bodyPr rtlCol="0" anchor="ctr"/>
-          <a:lstStyle/>
-          <a:p>
-            <a:pPr algn="ctr"/>
-            <a:endParaRPr lang="nl-NL"/>
-          </a:p>
-        </p:txBody>
-      </p:sp>
     </p:spTree>
     <p:extLst>
       <p:ext uri="{BB962C8B-B14F-4D97-AF65-F5344CB8AC3E}">
@@ -24541,7 +24479,7 @@
             </a:pPr>
             <a:r>
               <a:rPr lang="nl-NL" sz="2000" dirty="0"/>
-              <a:t>Je ziet alles van iedereen op de centrale server.</a:t>
+              <a:t>Alles van iedereen op de centrale server.</a:t>
             </a:r>
           </a:p>
           <a:p>
@@ -28974,6 +28912,65 @@
               <a:t>Iedereen krijgt volledige kopie van de bestanden en historie.</a:t>
             </a:r>
           </a:p>
+          <a:p>
+            <a:pPr>
+              <a:buFontTx/>
+              <a:buChar char="-"/>
+            </a:pPr>
+            <a:endParaRPr lang="nl-NL" sz="2000" dirty="0"/>
+          </a:p>
+          <a:p>
+            <a:pPr>
+              <a:buFontTx/>
+              <a:buChar char="-"/>
+            </a:pPr>
+            <a:r>
+              <a:rPr lang="nl-NL" sz="2000" dirty="0"/>
+              <a:t>Snelle lokale bewerkingen (zoals </a:t>
+            </a:r>
+            <a:r>
+              <a:rPr lang="nl-NL" sz="2000" dirty="0" err="1"/>
+              <a:t>diff</a:t>
+            </a:r>
+            <a:r>
+              <a:rPr lang="nl-NL" sz="2000" dirty="0"/>
+              <a:t>).</a:t>
+            </a:r>
+          </a:p>
+          <a:p>
+            <a:pPr>
+              <a:buFontTx/>
+              <a:buChar char="-"/>
+            </a:pPr>
+            <a:endParaRPr lang="nl-NL" sz="2000" dirty="0"/>
+          </a:p>
+          <a:p>
+            <a:pPr>
+              <a:buFontTx/>
+              <a:buChar char="-"/>
+            </a:pPr>
+            <a:r>
+              <a:rPr lang="nl-NL" sz="2000" dirty="0"/>
+              <a:t>Vrij experimenteren op lokale kopie.</a:t>
+            </a:r>
+          </a:p>
+          <a:p>
+            <a:pPr>
+              <a:buFontTx/>
+              <a:buChar char="-"/>
+            </a:pPr>
+            <a:endParaRPr lang="nl-NL" sz="2000" dirty="0"/>
+          </a:p>
+          <a:p>
+            <a:pPr>
+              <a:buFontTx/>
+              <a:buChar char="-"/>
+            </a:pPr>
+            <a:r>
+              <a:rPr lang="nl-NL" sz="2000" dirty="0"/>
+              <a:t>Server neemt nuttige branches over.</a:t>
+            </a:r>
+          </a:p>
         </p:txBody>
       </p:sp>
       <p:cxnSp>
@@ -29838,7 +29835,7 @@
               <a:rPr lang="nl-NL" sz="1800" dirty="0">
                 <a:cs typeface="Courier New" panose="02070309020205020404" pitchFamily="49" charset="0"/>
               </a:rPr>
-              <a:t>Klik op [Pipelines] in het linker menu.</a:t>
+              <a:t>Ga naar Pipelines in het menu.</a:t>
             </a:r>
           </a:p>
           <a:p>
@@ -29883,7 +29880,7 @@
               <a:rPr lang="nl-NL" sz="1800" dirty="0">
                 <a:cs typeface="Courier New" panose="02070309020205020404" pitchFamily="49" charset="0"/>
               </a:rPr>
-              <a:t> Pipeline].</a:t>
+              <a:t> Pipeline] en:</a:t>
             </a:r>
           </a:p>
           <a:p>
@@ -29902,15 +29899,15 @@
             </a:endParaRPr>
           </a:p>
           <a:p>
-            <a:pPr marL="0" indent="0">
-              <a:lnSpc>
-                <a:spcPct val="100000"/>
-              </a:lnSpc>
-              <a:spcBef>
-                <a:spcPts val="600"/>
-              </a:spcBef>
-              <a:buFont typeface="Arial" panose="020B0604020202020204" pitchFamily="34" charset="0"/>
-              <a:buNone/>
+            <a:pPr marL="342900" indent="-342900">
+              <a:lnSpc>
+                <a:spcPct val="100000"/>
+              </a:lnSpc>
+              <a:spcBef>
+                <a:spcPts val="600"/>
+              </a:spcBef>
+              <a:buFont typeface="Arial" panose="020B0604020202020204" pitchFamily="34" charset="0"/>
+              <a:buAutoNum type="arabicPeriod"/>
             </a:pPr>
             <a:r>
               <a:rPr lang="nl-NL" sz="1800" dirty="0">
@@ -29932,163 +29929,70 @@
             </a:r>
           </a:p>
           <a:p>
-            <a:pPr marL="0" indent="0">
-              <a:lnSpc>
-                <a:spcPct val="100000"/>
-              </a:lnSpc>
-              <a:spcBef>
-                <a:spcPts val="600"/>
-              </a:spcBef>
-              <a:buFont typeface="Arial" panose="020B0604020202020204" pitchFamily="34" charset="0"/>
-              <a:buNone/>
+            <a:pPr marL="342900" indent="-342900">
+              <a:lnSpc>
+                <a:spcPct val="100000"/>
+              </a:lnSpc>
+              <a:spcBef>
+                <a:spcPts val="600"/>
+              </a:spcBef>
+              <a:buFont typeface="Arial" panose="020B0604020202020204" pitchFamily="34" charset="0"/>
+              <a:buAutoNum type="arabicPeriod"/>
             </a:pPr>
             <a:endParaRPr lang="nl-NL" sz="1800" dirty="0">
               <a:cs typeface="Courier New" panose="02070309020205020404" pitchFamily="49" charset="0"/>
             </a:endParaRPr>
           </a:p>
           <a:p>
-            <a:pPr marL="0" indent="0">
-              <a:lnSpc>
-                <a:spcPct val="100000"/>
-              </a:lnSpc>
-              <a:spcBef>
-                <a:spcPts val="600"/>
-              </a:spcBef>
-              <a:buFont typeface="Arial" panose="020B0604020202020204" pitchFamily="34" charset="0"/>
-              <a:buNone/>
+            <a:pPr marL="342900" indent="-342900">
+              <a:lnSpc>
+                <a:spcPct val="100000"/>
+              </a:lnSpc>
+              <a:spcBef>
+                <a:spcPts val="600"/>
+              </a:spcBef>
+              <a:buFont typeface="Arial" panose="020B0604020202020204" pitchFamily="34" charset="0"/>
+              <a:buAutoNum type="arabicPeriod"/>
             </a:pPr>
             <a:r>
               <a:rPr lang="nl-NL" sz="1800" dirty="0">
                 <a:cs typeface="Courier New" panose="02070309020205020404" pitchFamily="49" charset="0"/>
               </a:rPr>
-              <a:t>Kies het repository voor de Pipeline.</a:t>
-            </a:r>
-          </a:p>
-          <a:p>
-            <a:pPr marL="0" indent="0">
-              <a:lnSpc>
-                <a:spcPct val="100000"/>
-              </a:lnSpc>
-              <a:spcBef>
-                <a:spcPts val="600"/>
-              </a:spcBef>
-              <a:buFont typeface="Arial" panose="020B0604020202020204" pitchFamily="34" charset="0"/>
-              <a:buNone/>
+              <a:t>Kies je repository.</a:t>
+            </a:r>
+          </a:p>
+          <a:p>
+            <a:pPr marL="342900" indent="-342900">
+              <a:lnSpc>
+                <a:spcPct val="100000"/>
+              </a:lnSpc>
+              <a:spcBef>
+                <a:spcPts val="600"/>
+              </a:spcBef>
+              <a:buFont typeface="Arial" panose="020B0604020202020204" pitchFamily="34" charset="0"/>
+              <a:buAutoNum type="arabicPeriod"/>
             </a:pPr>
             <a:endParaRPr lang="nl-NL" sz="1800" dirty="0">
               <a:cs typeface="Courier New" panose="02070309020205020404" pitchFamily="49" charset="0"/>
             </a:endParaRPr>
           </a:p>
           <a:p>
-            <a:pPr marL="0" indent="0">
-              <a:lnSpc>
-                <a:spcPct val="100000"/>
-              </a:lnSpc>
-              <a:spcBef>
-                <a:spcPts val="600"/>
-              </a:spcBef>
-              <a:buFont typeface="Arial" panose="020B0604020202020204" pitchFamily="34" charset="0"/>
-              <a:buNone/>
+            <a:pPr marL="342900" indent="-342900">
+              <a:lnSpc>
+                <a:spcPct val="100000"/>
+              </a:lnSpc>
+              <a:spcBef>
+                <a:spcPts val="600"/>
+              </a:spcBef>
+              <a:buFont typeface="Arial" panose="020B0604020202020204" pitchFamily="34" charset="0"/>
+              <a:buAutoNum type="arabicPeriod"/>
             </a:pPr>
             <a:r>
               <a:rPr lang="nl-NL" sz="1800" dirty="0">
                 <a:cs typeface="Courier New" panose="02070309020205020404" pitchFamily="49" charset="0"/>
               </a:rPr>
-              <a:t>Kies een Pipeline template.</a:t>
-            </a:r>
-          </a:p>
-          <a:p>
-            <a:pPr marL="0" indent="0">
-              <a:lnSpc>
-                <a:spcPct val="100000"/>
-              </a:lnSpc>
-              <a:spcBef>
-                <a:spcPts val="600"/>
-              </a:spcBef>
-              <a:buFont typeface="Arial" panose="020B0604020202020204" pitchFamily="34" charset="0"/>
-              <a:buNone/>
-            </a:pPr>
-            <a:endParaRPr lang="nl-NL" sz="1800" dirty="0">
-              <a:cs typeface="Courier New" panose="02070309020205020404" pitchFamily="49" charset="0"/>
-            </a:endParaRPr>
-          </a:p>
-          <a:p>
-            <a:pPr marL="0" indent="0">
-              <a:lnSpc>
-                <a:spcPct val="100000"/>
-              </a:lnSpc>
-              <a:spcBef>
-                <a:spcPts val="600"/>
-              </a:spcBef>
-              <a:buFont typeface="Arial" panose="020B0604020202020204" pitchFamily="34" charset="0"/>
-              <a:buNone/>
-            </a:pPr>
-            <a:r>
-              <a:rPr lang="nl-NL" sz="1800" dirty="0">
-                <a:cs typeface="Courier New" panose="02070309020205020404" pitchFamily="49" charset="0"/>
-              </a:rPr>
-              <a:t>Of:</a:t>
-            </a:r>
-          </a:p>
-          <a:p>
-            <a:pPr marL="0" indent="0">
-              <a:lnSpc>
-                <a:spcPct val="100000"/>
-              </a:lnSpc>
-              <a:spcBef>
-                <a:spcPts val="600"/>
-              </a:spcBef>
-              <a:buFont typeface="Arial" panose="020B0604020202020204" pitchFamily="34" charset="0"/>
-              <a:buNone/>
-            </a:pPr>
-            <a:endParaRPr lang="nl-NL" sz="1800" dirty="0">
-              <a:cs typeface="Courier New" panose="02070309020205020404" pitchFamily="49" charset="0"/>
-            </a:endParaRPr>
-          </a:p>
-          <a:p>
-            <a:pPr marL="0" indent="0">
-              <a:lnSpc>
-                <a:spcPct val="100000"/>
-              </a:lnSpc>
-              <a:spcBef>
-                <a:spcPts val="600"/>
-              </a:spcBef>
-              <a:buFont typeface="Arial" panose="020B0604020202020204" pitchFamily="34" charset="0"/>
-              <a:buNone/>
-            </a:pPr>
-            <a:r>
-              <a:rPr lang="nl-NL" sz="1800" dirty="0">
-                <a:cs typeface="Courier New" panose="02070309020205020404" pitchFamily="49" charset="0"/>
-              </a:rPr>
-              <a:t>Kies een [</a:t>
-            </a:r>
-            <a:r>
-              <a:rPr lang="nl-NL" sz="1800" dirty="0" err="1">
-                <a:cs typeface="Courier New" panose="02070309020205020404" pitchFamily="49" charset="0"/>
-              </a:rPr>
-              <a:t>Existing</a:t>
-            </a:r>
-            <a:r>
-              <a:rPr lang="nl-NL" sz="1800" dirty="0">
-                <a:cs typeface="Courier New" panose="02070309020205020404" pitchFamily="49" charset="0"/>
-              </a:rPr>
-              <a:t> Azure Pipelines YAML file].</a:t>
-            </a:r>
-          </a:p>
-          <a:p>
-            <a:pPr marL="0" indent="0">
-              <a:lnSpc>
-                <a:spcPct val="100000"/>
-              </a:lnSpc>
-              <a:spcBef>
-                <a:spcPts val="600"/>
-              </a:spcBef>
-              <a:buFont typeface="Arial" panose="020B0604020202020204" pitchFamily="34" charset="0"/>
-              <a:buNone/>
-            </a:pPr>
-            <a:endParaRPr lang="nl-NL" sz="1800" dirty="0">
-              <a:cs typeface="Courier New" panose="02070309020205020404" pitchFamily="49" charset="0"/>
-            </a:endParaRPr>
+              <a:t>Kies een template.</a:t>
+            </a:r>
           </a:p>
           <a:p>
             <a:pPr marL="0" indent="0">
@@ -31016,6 +30920,98 @@
               <a:spcBef>
                 <a:spcPts val="600"/>
               </a:spcBef>
+              <a:buNone/>
+            </a:pPr>
+            <a:endParaRPr lang="nl-NL" sz="1800" dirty="0">
+              <a:cs typeface="Courier New" panose="02070309020205020404" pitchFamily="49" charset="0"/>
+            </a:endParaRPr>
+          </a:p>
+          <a:p>
+            <a:pPr marL="0" indent="0">
+              <a:lnSpc>
+                <a:spcPct val="100000"/>
+              </a:lnSpc>
+              <a:spcBef>
+                <a:spcPts val="600"/>
+              </a:spcBef>
+              <a:buNone/>
+            </a:pPr>
+            <a:r>
+              <a:rPr lang="nl-NL" sz="1800" b="1" dirty="0">
+                <a:cs typeface="Courier New" panose="02070309020205020404" pitchFamily="49" charset="0"/>
+              </a:rPr>
+              <a:t>Summary</a:t>
+            </a:r>
+          </a:p>
+          <a:p>
+            <a:pPr marL="0" indent="0">
+              <a:lnSpc>
+                <a:spcPct val="100000"/>
+              </a:lnSpc>
+              <a:spcBef>
+                <a:spcPts val="600"/>
+              </a:spcBef>
+              <a:buNone/>
+            </a:pPr>
+            <a:r>
+              <a:rPr lang="nl-NL" sz="1800" dirty="0">
+                <a:cs typeface="Courier New" panose="02070309020205020404" pitchFamily="49" charset="0"/>
+              </a:rPr>
+              <a:t>Overzicht dat aangeeft welke pipeline heeft gedraaid en op welke </a:t>
+            </a:r>
+            <a:r>
+              <a:rPr lang="nl-NL" sz="1800" dirty="0" err="1">
+                <a:cs typeface="Courier New" panose="02070309020205020404" pitchFamily="49" charset="0"/>
+              </a:rPr>
+              <a:t>branch</a:t>
+            </a:r>
+            <a:r>
+              <a:rPr lang="nl-NL" sz="1800" dirty="0">
+                <a:cs typeface="Courier New" panose="02070309020205020404" pitchFamily="49" charset="0"/>
+              </a:rPr>
+              <a:t>.</a:t>
+            </a:r>
+          </a:p>
+          <a:p>
+            <a:pPr marL="0" indent="0">
+              <a:lnSpc>
+                <a:spcPct val="100000"/>
+              </a:lnSpc>
+              <a:spcBef>
+                <a:spcPts val="600"/>
+              </a:spcBef>
+              <a:buFont typeface="Arial" panose="020B0604020202020204" pitchFamily="34" charset="0"/>
+              <a:buNone/>
+            </a:pPr>
+            <a:endParaRPr lang="nl-NL" sz="1800" dirty="0">
+              <a:cs typeface="Courier New" panose="02070309020205020404" pitchFamily="49" charset="0"/>
+            </a:endParaRPr>
+          </a:p>
+          <a:p>
+            <a:pPr marL="0" indent="0">
+              <a:lnSpc>
+                <a:spcPct val="100000"/>
+              </a:lnSpc>
+              <a:spcBef>
+                <a:spcPts val="600"/>
+              </a:spcBef>
+              <a:buNone/>
+            </a:pPr>
+            <a:r>
+              <a:rPr lang="nl-NL" sz="1800" dirty="0">
+                <a:cs typeface="Courier New" panose="02070309020205020404" pitchFamily="49" charset="0"/>
+              </a:rPr>
+              <a:t>Onderaan staan jobs waarop je kunt doorklikken.</a:t>
+            </a:r>
+          </a:p>
+          <a:p>
+            <a:pPr marL="0" indent="0">
+              <a:lnSpc>
+                <a:spcPct val="100000"/>
+              </a:lnSpc>
+              <a:spcBef>
+                <a:spcPts val="600"/>
+              </a:spcBef>
               <a:buFont typeface="Arial" panose="020B0604020202020204" pitchFamily="34" charset="0"/>
               <a:buNone/>
             </a:pPr>
@@ -31038,10 +31034,28 @@
               <a:buNone/>
             </a:pPr>
             <a:r>
+              <a:rPr lang="nl-NL" sz="1800" b="1" dirty="0">
+                <a:cs typeface="Courier New" panose="02070309020205020404" pitchFamily="49" charset="0"/>
+              </a:rPr>
+              <a:t>Tests / Code Coverage</a:t>
+            </a:r>
+          </a:p>
+          <a:p>
+            <a:pPr marL="0" indent="0">
+              <a:lnSpc>
+                <a:spcPct val="100000"/>
+              </a:lnSpc>
+              <a:spcBef>
+                <a:spcPts val="600"/>
+              </a:spcBef>
+              <a:buFont typeface="Arial" panose="020B0604020202020204" pitchFamily="34" charset="0"/>
+              <a:buNone/>
+            </a:pPr>
+            <a:r>
               <a:rPr lang="nl-NL" sz="1800" dirty="0">
                 <a:cs typeface="Courier New" panose="02070309020205020404" pitchFamily="49" charset="0"/>
               </a:rPr>
-              <a:t>Onderaan staan de jobs waarop je door kunt klikken.</a:t>
+              <a:t>Resultaten van eventuele unit tests.</a:t>
             </a:r>
           </a:p>
         </p:txBody>
@@ -31861,65 +31875,46 @@
               <a:buNone/>
             </a:pPr>
             <a:r>
+              <a:rPr lang="nl-NL" sz="1800" b="1" dirty="0">
+                <a:cs typeface="Courier New" panose="02070309020205020404" pitchFamily="49" charset="0"/>
+              </a:rPr>
+              <a:t>Instellen via repository:</a:t>
+            </a:r>
+          </a:p>
+          <a:p>
+            <a:pPr>
+              <a:lnSpc>
+                <a:spcPct val="100000"/>
+              </a:lnSpc>
+              <a:spcBef>
+                <a:spcPts val="600"/>
+              </a:spcBef>
+              <a:buFontTx/>
+              <a:buChar char="-"/>
+            </a:pPr>
+            <a:r>
               <a:rPr lang="nl-NL" sz="1800" dirty="0">
                 <a:cs typeface="Courier New" panose="02070309020205020404" pitchFamily="49" charset="0"/>
               </a:rPr>
-              <a:t>Ga naar [Branches] in je </a:t>
-            </a:r>
-            <a:r>
-              <a:rPr lang="nl-NL" sz="1800" dirty="0" err="1">
-                <a:cs typeface="Courier New" panose="02070309020205020404" pitchFamily="49" charset="0"/>
-              </a:rPr>
-              <a:t>repo</a:t>
-            </a:r>
+              <a:t>Ga naar [Branches].</a:t>
+            </a:r>
+          </a:p>
+          <a:p>
+            <a:pPr>
+              <a:lnSpc>
+                <a:spcPct val="100000"/>
+              </a:lnSpc>
+              <a:spcBef>
+                <a:spcPts val="600"/>
+              </a:spcBef>
+              <a:buFontTx/>
+              <a:buChar char="-"/>
+            </a:pPr>
             <a:r>
               <a:rPr lang="nl-NL" sz="1800" dirty="0">
                 <a:cs typeface="Courier New" panose="02070309020205020404" pitchFamily="49" charset="0"/>
               </a:rPr>
-              <a:t>.</a:t>
-            </a:r>
-          </a:p>
-          <a:p>
-            <a:pPr marL="0" indent="0">
-              <a:lnSpc>
-                <a:spcPct val="100000"/>
-              </a:lnSpc>
-              <a:spcBef>
-                <a:spcPts val="600"/>
-              </a:spcBef>
-              <a:buNone/>
-            </a:pPr>
-            <a:endParaRPr lang="nl-NL" sz="1800" dirty="0">
-              <a:cs typeface="Courier New" panose="02070309020205020404" pitchFamily="49" charset="0"/>
-            </a:endParaRPr>
-          </a:p>
-          <a:p>
-            <a:pPr marL="0" indent="0">
-              <a:lnSpc>
-                <a:spcPct val="100000"/>
-              </a:lnSpc>
-              <a:spcBef>
-                <a:spcPts val="600"/>
-              </a:spcBef>
-              <a:buNone/>
-            </a:pPr>
-            <a:r>
-              <a:rPr lang="nl-NL" sz="1800" dirty="0">
-                <a:cs typeface="Courier New" panose="02070309020205020404" pitchFamily="49" charset="0"/>
-              </a:rPr>
-              <a:t>Klik op opties achter een </a:t>
-            </a:r>
-            <a:r>
-              <a:rPr lang="nl-NL" sz="1800" dirty="0" err="1">
-                <a:cs typeface="Courier New" panose="02070309020205020404" pitchFamily="49" charset="0"/>
-              </a:rPr>
-              <a:t>branch</a:t>
-            </a:r>
-            <a:r>
-              <a:rPr lang="nl-NL" sz="1800" dirty="0">
-                <a:cs typeface="Courier New" panose="02070309020205020404" pitchFamily="49" charset="0"/>
-              </a:rPr>
-              <a:t> opties [</a:t>
+              <a:t>Klik op [</a:t>
             </a:r>
             <a:r>
               <a:rPr lang="nl-NL" sz="1800" dirty="0">
@@ -31932,32 +31927,31 @@
               <a:rPr lang="nl-NL" sz="1800" dirty="0">
                 <a:cs typeface="Courier New" panose="02070309020205020404" pitchFamily="49" charset="0"/>
               </a:rPr>
-              <a:t>]</a:t>
-            </a:r>
-          </a:p>
-          <a:p>
-            <a:pPr marL="0" indent="0">
-              <a:lnSpc>
-                <a:spcPct val="100000"/>
-              </a:lnSpc>
-              <a:spcBef>
-                <a:spcPts val="600"/>
-              </a:spcBef>
-              <a:buNone/>
-            </a:pPr>
-            <a:endParaRPr lang="nl-NL" sz="1800" dirty="0">
-              <a:cs typeface="Courier New" panose="02070309020205020404" pitchFamily="49" charset="0"/>
-            </a:endParaRPr>
-          </a:p>
-          <a:p>
-            <a:pPr marL="0" indent="0">
-              <a:lnSpc>
-                <a:spcPct val="100000"/>
-              </a:lnSpc>
-              <a:spcBef>
-                <a:spcPts val="600"/>
-              </a:spcBef>
-              <a:buNone/>
+              <a:t>] achter een </a:t>
+            </a:r>
+            <a:r>
+              <a:rPr lang="nl-NL" sz="1800" dirty="0" err="1">
+                <a:cs typeface="Courier New" panose="02070309020205020404" pitchFamily="49" charset="0"/>
+              </a:rPr>
+              <a:t>branch</a:t>
+            </a:r>
+            <a:r>
+              <a:rPr lang="nl-NL" sz="1800" dirty="0">
+                <a:cs typeface="Courier New" panose="02070309020205020404" pitchFamily="49" charset="0"/>
+              </a:rPr>
+              <a:t>.</a:t>
+            </a:r>
+          </a:p>
+          <a:p>
+            <a:pPr>
+              <a:lnSpc>
+                <a:spcPct val="100000"/>
+              </a:lnSpc>
+              <a:spcBef>
+                <a:spcPts val="600"/>
+              </a:spcBef>
+              <a:buFontTx/>
+              <a:buChar char="-"/>
             </a:pPr>
             <a:r>
               <a:rPr lang="nl-NL" sz="1800" dirty="0">
@@ -32003,6 +31997,125 @@
             <a:endParaRPr lang="nl-NL" sz="1800" dirty="0">
               <a:cs typeface="Courier New" panose="02070309020205020404" pitchFamily="49" charset="0"/>
             </a:endParaRPr>
+          </a:p>
+          <a:p>
+            <a:pPr marL="0" indent="0">
+              <a:lnSpc>
+                <a:spcPct val="100000"/>
+              </a:lnSpc>
+              <a:spcBef>
+                <a:spcPts val="600"/>
+              </a:spcBef>
+              <a:buNone/>
+            </a:pPr>
+            <a:r>
+              <a:rPr lang="nl-NL" sz="1800" b="1" dirty="0">
+                <a:cs typeface="Courier New" panose="02070309020205020404" pitchFamily="49" charset="0"/>
+              </a:rPr>
+              <a:t>Instellen via Project </a:t>
+            </a:r>
+            <a:r>
+              <a:rPr lang="nl-NL" sz="1800" b="1" dirty="0" err="1">
+                <a:cs typeface="Courier New" panose="02070309020205020404" pitchFamily="49" charset="0"/>
+              </a:rPr>
+              <a:t>settings</a:t>
+            </a:r>
+            <a:r>
+              <a:rPr lang="nl-NL" sz="1800" b="1" dirty="0">
+                <a:cs typeface="Courier New" panose="02070309020205020404" pitchFamily="49" charset="0"/>
+              </a:rPr>
+              <a:t>:</a:t>
+            </a:r>
+          </a:p>
+          <a:p>
+            <a:pPr>
+              <a:lnSpc>
+                <a:spcPct val="100000"/>
+              </a:lnSpc>
+              <a:spcBef>
+                <a:spcPts val="600"/>
+              </a:spcBef>
+              <a:buFontTx/>
+              <a:buChar char="-"/>
+            </a:pPr>
+            <a:r>
+              <a:rPr lang="nl-NL" sz="1800" dirty="0">
+                <a:cs typeface="Courier New" panose="02070309020205020404" pitchFamily="49" charset="0"/>
+              </a:rPr>
+              <a:t>Ga naar [Repositories].</a:t>
+            </a:r>
+          </a:p>
+          <a:p>
+            <a:pPr>
+              <a:lnSpc>
+                <a:spcPct val="100000"/>
+              </a:lnSpc>
+              <a:spcBef>
+                <a:spcPts val="600"/>
+              </a:spcBef>
+              <a:buFontTx/>
+              <a:buChar char="-"/>
+            </a:pPr>
+            <a:r>
+              <a:rPr lang="nl-NL" sz="1800" dirty="0">
+                <a:cs typeface="Courier New" panose="02070309020205020404" pitchFamily="49" charset="0"/>
+              </a:rPr>
+              <a:t>Ga naar [</a:t>
+            </a:r>
+            <a:r>
+              <a:rPr lang="nl-NL" sz="1800" dirty="0" err="1">
+                <a:cs typeface="Courier New" panose="02070309020205020404" pitchFamily="49" charset="0"/>
+              </a:rPr>
+              <a:t>Policies</a:t>
+            </a:r>
+            <a:r>
+              <a:rPr lang="nl-NL" sz="1800" dirty="0">
+                <a:cs typeface="Courier New" panose="02070309020205020404" pitchFamily="49" charset="0"/>
+              </a:rPr>
+              <a:t>].</a:t>
+            </a:r>
+          </a:p>
+          <a:p>
+            <a:pPr>
+              <a:lnSpc>
+                <a:spcPct val="100000"/>
+              </a:lnSpc>
+              <a:spcBef>
+                <a:spcPts val="600"/>
+              </a:spcBef>
+              <a:buFontTx/>
+              <a:buChar char="-"/>
+            </a:pPr>
+            <a:r>
+              <a:rPr lang="nl-NL" sz="1800" dirty="0">
+                <a:cs typeface="Courier New" panose="02070309020205020404" pitchFamily="49" charset="0"/>
+              </a:rPr>
+              <a:t>Klik onderaan op [</a:t>
+            </a:r>
+            <a:r>
+              <a:rPr lang="nl-NL" sz="1800" dirty="0" err="1">
+                <a:cs typeface="Courier New" panose="02070309020205020404" pitchFamily="49" charset="0"/>
+              </a:rPr>
+              <a:t>Branch</a:t>
+            </a:r>
+            <a:r>
+              <a:rPr lang="nl-NL" sz="1800" dirty="0">
+                <a:cs typeface="Courier New" panose="02070309020205020404" pitchFamily="49" charset="0"/>
+              </a:rPr>
+              <a:t> </a:t>
+            </a:r>
+            <a:r>
+              <a:rPr lang="nl-NL" sz="1800" dirty="0" err="1">
+                <a:cs typeface="Courier New" panose="02070309020205020404" pitchFamily="49" charset="0"/>
+              </a:rPr>
+              <a:t>Policies</a:t>
+            </a:r>
+            <a:r>
+              <a:rPr lang="nl-NL" sz="1800" dirty="0">
+                <a:cs typeface="Courier New" panose="02070309020205020404" pitchFamily="49" charset="0"/>
+              </a:rPr>
+              <a:t>].</a:t>
+            </a:r>
           </a:p>
           <a:p>
             <a:pPr marL="0" indent="0">
@@ -33094,7 +33207,7 @@
             </a:pPr>
             <a:r>
               <a:rPr lang="nl-NL" sz="2000" dirty="0"/>
-              <a:t>Server neemt alleen nuttige branches over.</a:t>
+              <a:t>Server neemt nuttige branches over.</a:t>
             </a:r>
           </a:p>
         </p:txBody>
@@ -33879,7 +33992,7 @@
             </a:pPr>
             <a:r>
               <a:rPr lang="nl-NL" sz="1400" dirty="0"/>
-              <a:t>Kies: + New </a:t>
+              <a:t>Kies: [+ New </a:t>
             </a:r>
             <a:r>
               <a:rPr lang="nl-NL" sz="1400" dirty="0" err="1"/>
@@ -33887,7 +34000,7 @@
             </a:r>
             <a:r>
               <a:rPr lang="nl-NL" sz="1400" dirty="0"/>
-              <a:t> Item</a:t>
+              <a:t> Item].</a:t>
             </a:r>
           </a:p>
           <a:p>
@@ -34090,23 +34203,7 @@
             </a:pPr>
             <a:r>
               <a:rPr lang="nl-NL" sz="1400" dirty="0"/>
-              <a:t>Kies een </a:t>
-            </a:r>
-            <a:r>
-              <a:rPr lang="nl-NL" sz="1400" dirty="0" err="1"/>
-              <a:t>parent</a:t>
-            </a:r>
-            <a:r>
-              <a:rPr lang="nl-NL" sz="1400" dirty="0"/>
-              <a:t> </a:t>
-            </a:r>
-            <a:r>
-              <a:rPr lang="nl-NL" sz="1400" dirty="0" err="1"/>
-              <a:t>work</a:t>
-            </a:r>
-            <a:r>
-              <a:rPr lang="nl-NL" sz="1400" dirty="0"/>
-              <a:t> item.</a:t>
+              <a:t>Kies een Parent / Child item.</a:t>
             </a:r>
           </a:p>
         </p:txBody>
@@ -35378,7 +35475,7 @@
             </a:pPr>
             <a:r>
               <a:rPr lang="nl-NL" sz="2000" noProof="0" dirty="0"/>
-              <a:t>Via een remote server deel je een repository met anderen.</a:t>
+              <a:t>Deel je repository via een remote server.</a:t>
             </a:r>
           </a:p>
           <a:p>
@@ -35409,13 +35506,8 @@
             </a:pPr>
             <a:r>
               <a:rPr lang="nl-NL" sz="2000" noProof="0" dirty="0"/>
-              <a:t>Azure </a:t>
-            </a:r>
-            <a:r>
-              <a:rPr lang="nl-NL" sz="2000" noProof="0" dirty="0" err="1"/>
-              <a:t>Repos</a:t>
-            </a:r>
-            <a:endParaRPr lang="nl-NL" sz="2000" noProof="0" dirty="0"/>
+              <a:t>Azure DevOps</a:t>
+            </a:r>
           </a:p>
           <a:p>
             <a:pPr>
@@ -35450,7 +35542,7 @@
             </a:pPr>
             <a:r>
               <a:rPr lang="nl-NL" sz="2000" noProof="0" dirty="0"/>
-              <a:t>Niet alleen repositories, maar ook veel andere tools…</a:t>
+              <a:t>Niet alleen repositories, ook veel andere tools…</a:t>
             </a:r>
           </a:p>
           <a:p>
